--- a/attachments/DmytroBrazhnyk-Resume-Attachments.pptx
+++ b/attachments/DmytroBrazhnyk-Resume-Attachments.pptx
@@ -112,19 +112,24 @@
       </a:defRPr>
     </a:lvl9pPr>
   </p:defaultTextStyle>
+  <p:extLst>
+    <p:ext uri="{EFAFB233-063F-42B5-8137-9DF3F51BA10A}">
+      <p15:sldGuideLst xmlns:p15="http://schemas.microsoft.com/office/powerpoint/2012/main"/>
+    </p:ext>
+  </p:extLst>
 </p:presentation>
 </file>
 
 <file path=ppt/diagrams/colors1.xml><?xml version="1.0" encoding="utf-8"?>
-<dgm:colorsDef xmlns:dgm="http://schemas.openxmlformats.org/drawingml/2006/diagram" xmlns:a="http://schemas.openxmlformats.org/drawingml/2006/main" uniqueId="urn:microsoft.com/office/officeart/2005/8/colors/colorful1">
+<dgm:colorsDef xmlns:dgm="http://schemas.openxmlformats.org/drawingml/2006/diagram" xmlns:a="http://schemas.openxmlformats.org/drawingml/2006/main" uniqueId="urn:microsoft.com/office/officeart/2005/8/colors/colorful5">
   <dgm:title val=""/>
   <dgm:desc val=""/>
   <dgm:catLst>
-    <dgm:cat type="colorful" pri="10100"/>
+    <dgm:cat type="colorful" pri="10500"/>
   </dgm:catLst>
   <dgm:styleLbl name="node0">
     <dgm:fillClrLst meth="repeat">
-      <a:schemeClr val="accent1"/>
+      <a:schemeClr val="accent4"/>
     </dgm:fillClrLst>
     <dgm:linClrLst meth="repeat">
       <a:schemeClr val="lt1"/>
@@ -135,10 +140,7 @@
     <dgm:txEffectClrLst/>
   </dgm:styleLbl>
   <dgm:styleLbl name="node1">
-    <dgm:fillClrLst meth="repeat">
-      <a:schemeClr val="accent2"/>
-      <a:schemeClr val="accent3"/>
-      <a:schemeClr val="accent4"/>
+    <dgm:fillClrLst>
       <a:schemeClr val="accent5"/>
       <a:schemeClr val="accent6"/>
     </dgm:fillClrLst>
@@ -151,17 +153,11 @@
     <dgm:txEffectClrLst/>
   </dgm:styleLbl>
   <dgm:styleLbl name="alignNode1">
-    <dgm:fillClrLst meth="repeat">
-      <a:schemeClr val="accent2"/>
-      <a:schemeClr val="accent3"/>
-      <a:schemeClr val="accent4"/>
+    <dgm:fillClrLst>
       <a:schemeClr val="accent5"/>
       <a:schemeClr val="accent6"/>
     </dgm:fillClrLst>
-    <dgm:linClrLst meth="repeat">
-      <a:schemeClr val="accent2"/>
-      <a:schemeClr val="accent3"/>
-      <a:schemeClr val="accent4"/>
+    <dgm:linClrLst>
       <a:schemeClr val="accent5"/>
       <a:schemeClr val="accent6"/>
     </dgm:linClrLst>
@@ -171,10 +167,7 @@
     <dgm:txEffectClrLst/>
   </dgm:styleLbl>
   <dgm:styleLbl name="lnNode1">
-    <dgm:fillClrLst meth="repeat">
-      <a:schemeClr val="accent2"/>
-      <a:schemeClr val="accent3"/>
-      <a:schemeClr val="accent4"/>
+    <dgm:fillClrLst>
       <a:schemeClr val="accent5"/>
       <a:schemeClr val="accent6"/>
     </dgm:fillClrLst>
@@ -187,16 +180,7 @@
     <dgm:txEffectClrLst/>
   </dgm:styleLbl>
   <dgm:styleLbl name="vennNode1">
-    <dgm:fillClrLst meth="repeat">
-      <a:schemeClr val="accent2">
-        <a:alpha val="50000"/>
-      </a:schemeClr>
-      <a:schemeClr val="accent3">
-        <a:alpha val="50000"/>
-      </a:schemeClr>
-      <a:schemeClr val="accent4">
-        <a:alpha val="50000"/>
-      </a:schemeClr>
+    <dgm:fillClrLst>
       <a:schemeClr val="accent5">
         <a:alpha val="50000"/>
       </a:schemeClr>
@@ -214,6 +198,30 @@
   </dgm:styleLbl>
   <dgm:styleLbl name="node2">
     <dgm:fillClrLst>
+      <a:schemeClr val="accent6"/>
+    </dgm:fillClrLst>
+    <dgm:linClrLst meth="repeat">
+      <a:schemeClr val="lt1"/>
+    </dgm:linClrLst>
+    <dgm:effectClrLst/>
+    <dgm:txLinClrLst/>
+    <dgm:txFillClrLst/>
+    <dgm:txEffectClrLst/>
+  </dgm:styleLbl>
+  <dgm:styleLbl name="node3">
+    <dgm:fillClrLst>
+      <a:schemeClr val="accent1"/>
+    </dgm:fillClrLst>
+    <dgm:linClrLst meth="repeat">
+      <a:schemeClr val="lt1"/>
+    </dgm:linClrLst>
+    <dgm:effectClrLst/>
+    <dgm:txLinClrLst/>
+    <dgm:txFillClrLst/>
+    <dgm:txEffectClrLst/>
+  </dgm:styleLbl>
+  <dgm:styleLbl name="node4">
+    <dgm:fillClrLst>
       <a:schemeClr val="accent2"/>
     </dgm:fillClrLst>
     <dgm:linClrLst meth="repeat">
@@ -224,41 +232,8 @@
     <dgm:txFillClrLst/>
     <dgm:txEffectClrLst/>
   </dgm:styleLbl>
-  <dgm:styleLbl name="node3">
+  <dgm:styleLbl name="fgImgPlace1">
     <dgm:fillClrLst>
-      <a:schemeClr val="accent3"/>
-    </dgm:fillClrLst>
-    <dgm:linClrLst meth="repeat">
-      <a:schemeClr val="lt1"/>
-    </dgm:linClrLst>
-    <dgm:effectClrLst/>
-    <dgm:txLinClrLst/>
-    <dgm:txFillClrLst/>
-    <dgm:txEffectClrLst/>
-  </dgm:styleLbl>
-  <dgm:styleLbl name="node4">
-    <dgm:fillClrLst>
-      <a:schemeClr val="accent4"/>
-    </dgm:fillClrLst>
-    <dgm:linClrLst meth="repeat">
-      <a:schemeClr val="lt1"/>
-    </dgm:linClrLst>
-    <dgm:effectClrLst/>
-    <dgm:txLinClrLst/>
-    <dgm:txFillClrLst/>
-    <dgm:txEffectClrLst/>
-  </dgm:styleLbl>
-  <dgm:styleLbl name="fgImgPlace1">
-    <dgm:fillClrLst meth="repeat">
-      <a:schemeClr val="accent2">
-        <a:tint val="50000"/>
-      </a:schemeClr>
-      <a:schemeClr val="accent3">
-        <a:tint val="50000"/>
-      </a:schemeClr>
-      <a:schemeClr val="accent4">
-        <a:tint val="50000"/>
-      </a:schemeClr>
       <a:schemeClr val="accent5">
         <a:tint val="50000"/>
       </a:schemeClr>
@@ -278,10 +253,10 @@
   </dgm:styleLbl>
   <dgm:styleLbl name="alignImgPlace1">
     <dgm:fillClrLst>
-      <a:schemeClr val="accent1">
+      <a:schemeClr val="accent5">
         <a:tint val="50000"/>
       </a:schemeClr>
-      <a:schemeClr val="accent2">
+      <a:schemeClr val="accent6">
         <a:tint val="20000"/>
       </a:schemeClr>
     </dgm:fillClrLst>
@@ -297,10 +272,10 @@
   </dgm:styleLbl>
   <dgm:styleLbl name="bgImgPlace1">
     <dgm:fillClrLst>
-      <a:schemeClr val="accent1">
+      <a:schemeClr val="accent5">
         <a:tint val="50000"/>
       </a:schemeClr>
-      <a:schemeClr val="accent2">
+      <a:schemeClr val="accent6">
         <a:tint val="20000"/>
       </a:schemeClr>
     </dgm:fillClrLst>
@@ -315,14 +290,11 @@
     <dgm:txEffectClrLst/>
   </dgm:styleLbl>
   <dgm:styleLbl name="sibTrans2D1">
-    <dgm:fillClrLst meth="repeat">
-      <a:schemeClr val="accent2"/>
-      <a:schemeClr val="accent3"/>
-      <a:schemeClr val="accent4"/>
+    <dgm:fillClrLst>
       <a:schemeClr val="accent5"/>
       <a:schemeClr val="accent6"/>
     </dgm:fillClrLst>
-    <dgm:linClrLst meth="cycle">
+    <dgm:linClrLst meth="repeat">
       <a:schemeClr val="lt1"/>
     </dgm:linClrLst>
     <dgm:effectClrLst/>
@@ -331,14 +303,11 @@
     <dgm:txEffectClrLst/>
   </dgm:styleLbl>
   <dgm:styleLbl name="fgSibTrans2D1">
-    <dgm:fillClrLst meth="repeat">
-      <a:schemeClr val="accent2"/>
-      <a:schemeClr val="accent3"/>
-      <a:schemeClr val="accent4"/>
+    <dgm:fillClrLst>
       <a:schemeClr val="accent5"/>
       <a:schemeClr val="accent6"/>
     </dgm:fillClrLst>
-    <dgm:linClrLst meth="cycle">
+    <dgm:linClrLst meth="repeat">
       <a:schemeClr val="lt1"/>
     </dgm:linClrLst>
     <dgm:effectClrLst/>
@@ -349,14 +318,11 @@
     <dgm:txEffectClrLst/>
   </dgm:styleLbl>
   <dgm:styleLbl name="bgSibTrans2D1">
-    <dgm:fillClrLst meth="repeat">
-      <a:schemeClr val="accent2"/>
-      <a:schemeClr val="accent3"/>
-      <a:schemeClr val="accent4"/>
+    <dgm:fillClrLst>
       <a:schemeClr val="accent5"/>
       <a:schemeClr val="accent6"/>
     </dgm:fillClrLst>
-    <dgm:linClrLst meth="cycle">
+    <dgm:linClrLst meth="repeat">
       <a:schemeClr val="lt1"/>
     </dgm:linClrLst>
     <dgm:effectClrLst/>
@@ -367,17 +333,8 @@
     <dgm:txEffectClrLst/>
   </dgm:styleLbl>
   <dgm:styleLbl name="sibTrans1D1">
-    <dgm:fillClrLst meth="repeat">
-      <a:schemeClr val="accent2"/>
-      <a:schemeClr val="accent3"/>
-      <a:schemeClr val="accent4"/>
-      <a:schemeClr val="accent5"/>
-      <a:schemeClr val="accent6"/>
-    </dgm:fillClrLst>
-    <dgm:linClrLst meth="repeat">
-      <a:schemeClr val="accent2"/>
-      <a:schemeClr val="accent3"/>
-      <a:schemeClr val="accent4"/>
+    <dgm:fillClrLst/>
+    <dgm:linClrLst>
       <a:schemeClr val="accent5"/>
       <a:schemeClr val="accent6"/>
     </dgm:linClrLst>
@@ -390,10 +347,10 @@
   </dgm:styleLbl>
   <dgm:styleLbl name="callout">
     <dgm:fillClrLst meth="repeat">
-      <a:schemeClr val="accent2"/>
+      <a:schemeClr val="accent5"/>
     </dgm:fillClrLst>
     <dgm:linClrLst meth="repeat">
-      <a:schemeClr val="accent2">
+      <a:schemeClr val="accent5">
         <a:tint val="50000"/>
       </a:schemeClr>
     </dgm:linClrLst>
@@ -406,6 +363,34 @@
   </dgm:styleLbl>
   <dgm:styleLbl name="asst0">
     <dgm:fillClrLst meth="repeat">
+      <a:schemeClr val="accent5"/>
+    </dgm:fillClrLst>
+    <dgm:linClrLst meth="repeat">
+      <a:schemeClr val="lt1">
+        <a:shade val="80000"/>
+      </a:schemeClr>
+    </dgm:linClrLst>
+    <dgm:effectClrLst/>
+    <dgm:txLinClrLst/>
+    <dgm:txFillClrLst/>
+    <dgm:txEffectClrLst/>
+  </dgm:styleLbl>
+  <dgm:styleLbl name="asst1">
+    <dgm:fillClrLst meth="repeat">
+      <a:schemeClr val="accent6"/>
+    </dgm:fillClrLst>
+    <dgm:linClrLst meth="repeat">
+      <a:schemeClr val="lt1">
+        <a:shade val="80000"/>
+      </a:schemeClr>
+    </dgm:linClrLst>
+    <dgm:effectClrLst/>
+    <dgm:txLinClrLst/>
+    <dgm:txFillClrLst/>
+    <dgm:txEffectClrLst/>
+  </dgm:styleLbl>
+  <dgm:styleLbl name="asst2">
+    <dgm:fillClrLst>
       <a:schemeClr val="accent1"/>
     </dgm:fillClrLst>
     <dgm:linClrLst meth="repeat">
@@ -416,8 +401,8 @@
     <dgm:txFillClrLst/>
     <dgm:txEffectClrLst/>
   </dgm:styleLbl>
-  <dgm:styleLbl name="asst1">
-    <dgm:fillClrLst meth="repeat">
+  <dgm:styleLbl name="asst3">
+    <dgm:fillClrLst>
       <a:schemeClr val="accent2"/>
     </dgm:fillClrLst>
     <dgm:linClrLst meth="repeat">
@@ -428,7 +413,7 @@
     <dgm:txFillClrLst/>
     <dgm:txEffectClrLst/>
   </dgm:styleLbl>
-  <dgm:styleLbl name="asst2">
+  <dgm:styleLbl name="asst4">
     <dgm:fillClrLst>
       <a:schemeClr val="accent3"/>
     </dgm:fillClrLst>
@@ -440,69 +425,7 @@
     <dgm:txFillClrLst/>
     <dgm:txEffectClrLst/>
   </dgm:styleLbl>
-  <dgm:styleLbl name="asst3">
-    <dgm:fillClrLst>
-      <a:schemeClr val="accent4"/>
-    </dgm:fillClrLst>
-    <dgm:linClrLst meth="repeat">
-      <a:schemeClr val="lt1"/>
-    </dgm:linClrLst>
-    <dgm:effectClrLst/>
-    <dgm:txLinClrLst/>
-    <dgm:txFillClrLst/>
-    <dgm:txEffectClrLst/>
-  </dgm:styleLbl>
-  <dgm:styleLbl name="asst4">
-    <dgm:fillClrLst>
-      <a:schemeClr val="accent5"/>
-    </dgm:fillClrLst>
-    <dgm:linClrLst meth="repeat">
-      <a:schemeClr val="lt1"/>
-    </dgm:linClrLst>
-    <dgm:effectClrLst/>
-    <dgm:txLinClrLst/>
-    <dgm:txFillClrLst/>
-    <dgm:txEffectClrLst/>
-  </dgm:styleLbl>
   <dgm:styleLbl name="parChTrans2D1">
-    <dgm:fillClrLst meth="repeat">
-      <a:schemeClr val="accent2"/>
-    </dgm:fillClrLst>
-    <dgm:linClrLst meth="repeat">
-      <a:schemeClr val="lt1"/>
-    </dgm:linClrLst>
-    <dgm:effectClrLst/>
-    <dgm:txLinClrLst/>
-    <dgm:txFillClrLst meth="repeat">
-      <a:schemeClr val="lt1"/>
-    </dgm:txFillClrLst>
-    <dgm:txEffectClrLst/>
-  </dgm:styleLbl>
-  <dgm:styleLbl name="parChTrans2D2">
-    <dgm:fillClrLst meth="repeat">
-      <a:schemeClr val="accent3"/>
-    </dgm:fillClrLst>
-    <dgm:linClrLst meth="repeat">
-      <a:schemeClr val="lt1"/>
-    </dgm:linClrLst>
-    <dgm:effectClrLst/>
-    <dgm:txLinClrLst/>
-    <dgm:txFillClrLst/>
-    <dgm:txEffectClrLst/>
-  </dgm:styleLbl>
-  <dgm:styleLbl name="parChTrans2D3">
-    <dgm:fillClrLst meth="repeat">
-      <a:schemeClr val="accent4"/>
-    </dgm:fillClrLst>
-    <dgm:linClrLst meth="repeat">
-      <a:schemeClr val="lt1"/>
-    </dgm:linClrLst>
-    <dgm:effectClrLst/>
-    <dgm:txLinClrLst/>
-    <dgm:txFillClrLst/>
-    <dgm:txEffectClrLst/>
-  </dgm:styleLbl>
-  <dgm:styleLbl name="parChTrans2D4">
     <dgm:fillClrLst meth="repeat">
       <a:schemeClr val="accent5"/>
     </dgm:fillClrLst>
@@ -516,9 +439,79 @@
     </dgm:txFillClrLst>
     <dgm:txEffectClrLst/>
   </dgm:styleLbl>
+  <dgm:styleLbl name="parChTrans2D2">
+    <dgm:fillClrLst meth="repeat">
+      <a:schemeClr val="accent6"/>
+    </dgm:fillClrLst>
+    <dgm:linClrLst meth="repeat">
+      <a:schemeClr val="lt1"/>
+    </dgm:linClrLst>
+    <dgm:effectClrLst/>
+    <dgm:txLinClrLst/>
+    <dgm:txFillClrLst/>
+    <dgm:txEffectClrLst/>
+  </dgm:styleLbl>
+  <dgm:styleLbl name="parChTrans2D3">
+    <dgm:fillClrLst meth="repeat">
+      <a:schemeClr val="accent6"/>
+    </dgm:fillClrLst>
+    <dgm:linClrLst meth="repeat">
+      <a:schemeClr val="lt1"/>
+    </dgm:linClrLst>
+    <dgm:effectClrLst/>
+    <dgm:txLinClrLst/>
+    <dgm:txFillClrLst/>
+    <dgm:txEffectClrLst/>
+  </dgm:styleLbl>
+  <dgm:styleLbl name="parChTrans2D4">
+    <dgm:fillClrLst meth="repeat">
+      <a:schemeClr val="accent1"/>
+    </dgm:fillClrLst>
+    <dgm:linClrLst meth="repeat">
+      <a:schemeClr val="lt1"/>
+    </dgm:linClrLst>
+    <dgm:effectClrLst/>
+    <dgm:txLinClrLst/>
+    <dgm:txFillClrLst meth="repeat">
+      <a:schemeClr val="lt1"/>
+    </dgm:txFillClrLst>
+    <dgm:txEffectClrLst/>
+  </dgm:styleLbl>
   <dgm:styleLbl name="parChTrans1D1">
     <dgm:fillClrLst meth="repeat">
-      <a:schemeClr val="accent2"/>
+      <a:schemeClr val="accent5"/>
+    </dgm:fillClrLst>
+    <dgm:linClrLst meth="repeat">
+      <a:schemeClr val="accent5"/>
+    </dgm:linClrLst>
+    <dgm:effectClrLst/>
+    <dgm:txLinClrLst/>
+    <dgm:txFillClrLst meth="repeat">
+      <a:schemeClr val="tx1"/>
+    </dgm:txFillClrLst>
+    <dgm:txEffectClrLst/>
+  </dgm:styleLbl>
+  <dgm:styleLbl name="parChTrans1D2">
+    <dgm:fillClrLst meth="repeat">
+      <a:schemeClr val="accent6">
+        <a:tint val="90000"/>
+      </a:schemeClr>
+    </dgm:fillClrLst>
+    <dgm:linClrLst meth="repeat">
+      <a:schemeClr val="accent6"/>
+    </dgm:linClrLst>
+    <dgm:effectClrLst/>
+    <dgm:txLinClrLst/>
+    <dgm:txFillClrLst meth="repeat">
+      <a:schemeClr val="tx1"/>
+    </dgm:txFillClrLst>
+    <dgm:txEffectClrLst/>
+  </dgm:styleLbl>
+  <dgm:styleLbl name="parChTrans1D3">
+    <dgm:fillClrLst meth="repeat">
+      <a:schemeClr val="accent6">
+        <a:tint val="70000"/>
+      </a:schemeClr>
     </dgm:fillClrLst>
     <dgm:linClrLst meth="repeat">
       <a:schemeClr val="accent1"/>
@@ -530,10 +523,10 @@
     </dgm:txFillClrLst>
     <dgm:txEffectClrLst/>
   </dgm:styleLbl>
-  <dgm:styleLbl name="parChTrans1D2">
+  <dgm:styleLbl name="parChTrans1D4">
     <dgm:fillClrLst meth="repeat">
-      <a:schemeClr val="accent3">
-        <a:tint val="90000"/>
+      <a:schemeClr val="accent6">
+        <a:tint val="50000"/>
       </a:schemeClr>
     </dgm:fillClrLst>
     <dgm:linClrLst meth="repeat">
@@ -546,48 +539,13 @@
     </dgm:txFillClrLst>
     <dgm:txEffectClrLst/>
   </dgm:styleLbl>
-  <dgm:styleLbl name="parChTrans1D3">
-    <dgm:fillClrLst meth="repeat">
-      <a:schemeClr val="accent4">
-        <a:tint val="70000"/>
-      </a:schemeClr>
-    </dgm:fillClrLst>
-    <dgm:linClrLst meth="repeat">
-      <a:schemeClr val="accent3"/>
-    </dgm:linClrLst>
-    <dgm:effectClrLst/>
-    <dgm:txLinClrLst/>
-    <dgm:txFillClrLst meth="repeat">
-      <a:schemeClr val="tx1"/>
-    </dgm:txFillClrLst>
-    <dgm:txEffectClrLst/>
-  </dgm:styleLbl>
-  <dgm:styleLbl name="parChTrans1D4">
-    <dgm:fillClrLst meth="repeat">
-      <a:schemeClr val="accent5">
-        <a:tint val="50000"/>
-      </a:schemeClr>
-    </dgm:fillClrLst>
-    <dgm:linClrLst meth="repeat">
-      <a:schemeClr val="accent4"/>
-    </dgm:linClrLst>
-    <dgm:effectClrLst/>
-    <dgm:txLinClrLst/>
-    <dgm:txFillClrLst meth="repeat">
-      <a:schemeClr val="tx1"/>
-    </dgm:txFillClrLst>
-    <dgm:txEffectClrLst/>
-  </dgm:styleLbl>
   <dgm:styleLbl name="fgAcc1">
     <dgm:fillClrLst meth="repeat">
       <a:schemeClr val="lt1">
         <a:alpha val="90000"/>
       </a:schemeClr>
     </dgm:fillClrLst>
-    <dgm:linClrLst meth="repeat">
-      <a:schemeClr val="accent2"/>
-      <a:schemeClr val="accent3"/>
-      <a:schemeClr val="accent4"/>
+    <dgm:linClrLst>
       <a:schemeClr val="accent5"/>
       <a:schemeClr val="accent6"/>
     </dgm:linClrLst>
@@ -604,10 +562,7 @@
         <a:alpha val="90000"/>
       </a:schemeClr>
     </dgm:fillClrLst>
-    <dgm:linClrLst meth="repeat">
-      <a:schemeClr val="accent2"/>
-      <a:schemeClr val="accent3"/>
-      <a:schemeClr val="accent4"/>
+    <dgm:linClrLst>
       <a:schemeClr val="accent5"/>
       <a:schemeClr val="accent6"/>
     </dgm:linClrLst>
@@ -624,10 +579,7 @@
         <a:alpha val="90000"/>
       </a:schemeClr>
     </dgm:fillClrLst>
-    <dgm:linClrLst meth="repeat">
-      <a:schemeClr val="accent2"/>
-      <a:schemeClr val="accent3"/>
-      <a:schemeClr val="accent4"/>
+    <dgm:linClrLst>
       <a:schemeClr val="accent5"/>
       <a:schemeClr val="accent6"/>
     </dgm:linClrLst>
@@ -645,7 +597,7 @@
       </a:schemeClr>
     </dgm:fillClrLst>
     <dgm:linClrLst meth="repeat">
-      <a:schemeClr val="accent1"/>
+      <a:schemeClr val="accent5"/>
     </dgm:linClrLst>
     <dgm:effectClrLst/>
     <dgm:txLinClrLst/>
@@ -660,10 +612,7 @@
         <a:alpha val="90000"/>
       </a:schemeClr>
     </dgm:fillClrLst>
-    <dgm:linClrLst meth="repeat">
-      <a:schemeClr val="accent2"/>
-      <a:schemeClr val="accent3"/>
-      <a:schemeClr val="accent4"/>
+    <dgm:linClrLst>
       <a:schemeClr val="accent5"/>
       <a:schemeClr val="accent6"/>
     </dgm:linClrLst>
@@ -678,10 +627,7 @@
     <dgm:fillClrLst meth="repeat">
       <a:schemeClr val="lt1"/>
     </dgm:fillClrLst>
-    <dgm:linClrLst meth="repeat">
-      <a:schemeClr val="accent2"/>
-      <a:schemeClr val="accent3"/>
-      <a:schemeClr val="accent4"/>
+    <dgm:linClrLst>
       <a:schemeClr val="accent5"/>
       <a:schemeClr val="accent6"/>
     </dgm:linClrLst>
@@ -696,10 +642,7 @@
     <dgm:fillClrLst meth="repeat">
       <a:schemeClr val="lt1"/>
     </dgm:fillClrLst>
-    <dgm:linClrLst meth="repeat">
-      <a:schemeClr val="accent2"/>
-      <a:schemeClr val="accent3"/>
-      <a:schemeClr val="accent4"/>
+    <dgm:linClrLst>
       <a:schemeClr val="accent5"/>
       <a:schemeClr val="accent6"/>
     </dgm:linClrLst>
@@ -714,10 +657,7 @@
     <dgm:fillClrLst meth="repeat">
       <a:schemeClr val="lt1"/>
     </dgm:fillClrLst>
-    <dgm:linClrLst meth="repeat">
-      <a:schemeClr val="accent2"/>
-      <a:schemeClr val="accent3"/>
-      <a:schemeClr val="accent4"/>
+    <dgm:linClrLst>
       <a:schemeClr val="accent5"/>
       <a:schemeClr val="accent6"/>
     </dgm:linClrLst>
@@ -729,19 +669,7 @@
     <dgm:txEffectClrLst/>
   </dgm:styleLbl>
   <dgm:styleLbl name="fgAccFollowNode1">
-    <dgm:fillClrLst meth="repeat">
-      <a:schemeClr val="accent2">
-        <a:tint val="40000"/>
-        <a:alpha val="90000"/>
-      </a:schemeClr>
-      <a:schemeClr val="accent3">
-        <a:tint val="40000"/>
-        <a:alpha val="90000"/>
-      </a:schemeClr>
-      <a:schemeClr val="accent4">
-        <a:tint val="40000"/>
-        <a:alpha val="90000"/>
-      </a:schemeClr>
+    <dgm:fillClrLst>
       <a:schemeClr val="accent5">
         <a:tint val="40000"/>
         <a:alpha val="90000"/>
@@ -751,19 +679,35 @@
         <a:alpha val="90000"/>
       </a:schemeClr>
     </dgm:fillClrLst>
-    <dgm:linClrLst meth="repeat">
-      <a:schemeClr val="accent2">
+    <dgm:linClrLst>
+      <a:schemeClr val="accent5">
         <a:tint val="40000"/>
         <a:alpha val="90000"/>
       </a:schemeClr>
-      <a:schemeClr val="accent3">
+      <a:schemeClr val="accent5">
         <a:tint val="40000"/>
         <a:alpha val="90000"/>
       </a:schemeClr>
-      <a:schemeClr val="accent4">
+    </dgm:linClrLst>
+    <dgm:effectClrLst/>
+    <dgm:txLinClrLst/>
+    <dgm:txFillClrLst meth="repeat">
+      <a:schemeClr val="dk1"/>
+    </dgm:txFillClrLst>
+    <dgm:txEffectClrLst/>
+  </dgm:styleLbl>
+  <dgm:styleLbl name="alignAccFollowNode1">
+    <dgm:fillClrLst>
+      <a:schemeClr val="accent5">
         <a:tint val="40000"/>
         <a:alpha val="90000"/>
       </a:schemeClr>
+      <a:schemeClr val="accent6">
+        <a:tint val="40000"/>
+        <a:alpha val="90000"/>
+      </a:schemeClr>
+    </dgm:fillClrLst>
+    <dgm:linClrLst>
       <a:schemeClr val="accent5">
         <a:tint val="40000"/>
         <a:alpha val="90000"/>
@@ -780,20 +724,8 @@
     </dgm:txFillClrLst>
     <dgm:txEffectClrLst/>
   </dgm:styleLbl>
-  <dgm:styleLbl name="alignAccFollowNode1">
-    <dgm:fillClrLst meth="repeat">
-      <a:schemeClr val="accent2">
-        <a:tint val="40000"/>
-        <a:alpha val="90000"/>
-      </a:schemeClr>
-      <a:schemeClr val="accent3">
-        <a:tint val="40000"/>
-        <a:alpha val="90000"/>
-      </a:schemeClr>
-      <a:schemeClr val="accent4">
-        <a:tint val="40000"/>
-        <a:alpha val="90000"/>
-      </a:schemeClr>
+  <dgm:styleLbl name="bgAccFollowNode1">
+    <dgm:fillClrLst>
       <a:schemeClr val="accent5">
         <a:tint val="40000"/>
         <a:alpha val="90000"/>
@@ -803,19 +735,7 @@
         <a:alpha val="90000"/>
       </a:schemeClr>
     </dgm:fillClrLst>
-    <dgm:linClrLst meth="repeat">
-      <a:schemeClr val="accent2">
-        <a:tint val="40000"/>
-        <a:alpha val="90000"/>
-      </a:schemeClr>
-      <a:schemeClr val="accent3">
-        <a:tint val="40000"/>
-        <a:alpha val="90000"/>
-      </a:schemeClr>
-      <a:schemeClr val="accent4">
-        <a:tint val="40000"/>
-        <a:alpha val="90000"/>
-      </a:schemeClr>
+    <dgm:linClrLst>
       <a:schemeClr val="accent5">
         <a:tint val="40000"/>
         <a:alpha val="90000"/>
@@ -832,50 +752,14 @@
     </dgm:txFillClrLst>
     <dgm:txEffectClrLst/>
   </dgm:styleLbl>
-  <dgm:styleLbl name="bgAccFollowNode1">
+  <dgm:styleLbl name="fgAcc0">
     <dgm:fillClrLst meth="repeat">
-      <a:schemeClr val="accent2">
-        <a:tint val="40000"/>
-        <a:alpha val="90000"/>
-      </a:schemeClr>
-      <a:schemeClr val="accent3">
-        <a:tint val="40000"/>
-        <a:alpha val="90000"/>
-      </a:schemeClr>
-      <a:schemeClr val="accent4">
-        <a:tint val="40000"/>
-        <a:alpha val="90000"/>
-      </a:schemeClr>
-      <a:schemeClr val="accent5">
-        <a:tint val="40000"/>
-        <a:alpha val="90000"/>
-      </a:schemeClr>
-      <a:schemeClr val="accent6">
-        <a:tint val="40000"/>
+      <a:schemeClr val="lt1">
         <a:alpha val="90000"/>
       </a:schemeClr>
     </dgm:fillClrLst>
-    <dgm:linClrLst meth="repeat">
-      <a:schemeClr val="accent2">
-        <a:tint val="40000"/>
-        <a:alpha val="90000"/>
-      </a:schemeClr>
-      <a:schemeClr val="accent3">
-        <a:tint val="40000"/>
-        <a:alpha val="90000"/>
-      </a:schemeClr>
-      <a:schemeClr val="accent4">
-        <a:tint val="40000"/>
-        <a:alpha val="90000"/>
-      </a:schemeClr>
-      <a:schemeClr val="accent5">
-        <a:tint val="40000"/>
-        <a:alpha val="90000"/>
-      </a:schemeClr>
-      <a:schemeClr val="accent6">
-        <a:tint val="40000"/>
-        <a:alpha val="90000"/>
-      </a:schemeClr>
+    <dgm:linClrLst>
+      <a:schemeClr val="accent4"/>
     </dgm:linClrLst>
     <dgm:effectClrLst/>
     <dgm:txLinClrLst/>
@@ -884,7 +768,23 @@
     </dgm:txFillClrLst>
     <dgm:txEffectClrLst/>
   </dgm:styleLbl>
-  <dgm:styleLbl name="fgAcc0">
+  <dgm:styleLbl name="fgAcc2">
+    <dgm:fillClrLst meth="repeat">
+      <a:schemeClr val="lt1">
+        <a:alpha val="90000"/>
+      </a:schemeClr>
+    </dgm:fillClrLst>
+    <dgm:linClrLst>
+      <a:schemeClr val="accent6"/>
+    </dgm:linClrLst>
+    <dgm:effectClrLst/>
+    <dgm:txLinClrLst/>
+    <dgm:txFillClrLst meth="repeat">
+      <a:schemeClr val="dk1"/>
+    </dgm:txFillClrLst>
+    <dgm:txEffectClrLst/>
+  </dgm:styleLbl>
+  <dgm:styleLbl name="fgAcc3">
     <dgm:fillClrLst meth="repeat">
       <a:schemeClr val="lt1">
         <a:alpha val="90000"/>
@@ -900,7 +800,7 @@
     </dgm:txFillClrLst>
     <dgm:txEffectClrLst/>
   </dgm:styleLbl>
-  <dgm:styleLbl name="fgAcc2">
+  <dgm:styleLbl name="fgAcc4">
     <dgm:fillClrLst meth="repeat">
       <a:schemeClr val="lt1">
         <a:alpha val="90000"/>
@@ -916,41 +816,9 @@
     </dgm:txFillClrLst>
     <dgm:txEffectClrLst/>
   </dgm:styleLbl>
-  <dgm:styleLbl name="fgAcc3">
-    <dgm:fillClrLst meth="repeat">
-      <a:schemeClr val="lt1">
-        <a:alpha val="90000"/>
-      </a:schemeClr>
-    </dgm:fillClrLst>
-    <dgm:linClrLst>
-      <a:schemeClr val="accent3"/>
-    </dgm:linClrLst>
-    <dgm:effectClrLst/>
-    <dgm:txLinClrLst/>
-    <dgm:txFillClrLst meth="repeat">
-      <a:schemeClr val="dk1"/>
-    </dgm:txFillClrLst>
-    <dgm:txEffectClrLst/>
-  </dgm:styleLbl>
-  <dgm:styleLbl name="fgAcc4">
-    <dgm:fillClrLst meth="repeat">
-      <a:schemeClr val="lt1">
-        <a:alpha val="90000"/>
-      </a:schemeClr>
-    </dgm:fillClrLst>
-    <dgm:linClrLst>
-      <a:schemeClr val="accent4"/>
-    </dgm:linClrLst>
-    <dgm:effectClrLst/>
-    <dgm:txLinClrLst/>
-    <dgm:txFillClrLst meth="repeat">
-      <a:schemeClr val="dk1"/>
-    </dgm:txFillClrLst>
-    <dgm:txEffectClrLst/>
-  </dgm:styleLbl>
   <dgm:styleLbl name="bgShp">
     <dgm:fillClrLst meth="repeat">
-      <a:schemeClr val="accent2">
+      <a:schemeClr val="accent5">
         <a:tint val="40000"/>
       </a:schemeClr>
     </dgm:fillClrLst>
@@ -966,7 +834,7 @@
   </dgm:styleLbl>
   <dgm:styleLbl name="dkBgShp">
     <dgm:fillClrLst meth="repeat">
-      <a:schemeClr val="accent2">
+      <a:schemeClr val="accent5">
         <a:shade val="90000"/>
       </a:schemeClr>
     </dgm:fillClrLst>
@@ -982,13 +850,13 @@
   </dgm:styleLbl>
   <dgm:styleLbl name="trBgShp">
     <dgm:fillClrLst meth="repeat">
-      <a:schemeClr val="accent1">
+      <a:schemeClr val="accent5">
         <a:tint val="50000"/>
         <a:alpha val="40000"/>
       </a:schemeClr>
     </dgm:fillClrLst>
     <dgm:linClrLst meth="repeat">
-      <a:schemeClr val="accent2"/>
+      <a:schemeClr val="accent5"/>
     </dgm:linClrLst>
     <dgm:effectClrLst/>
     <dgm:txLinClrLst/>
@@ -999,7 +867,7 @@
   </dgm:styleLbl>
   <dgm:styleLbl name="fgShp">
     <dgm:fillClrLst meth="repeat">
-      <a:schemeClr val="accent2">
+      <a:schemeClr val="accent5">
         <a:tint val="40000"/>
       </a:schemeClr>
     </dgm:fillClrLst>
@@ -1785,7 +1653,7 @@
 <dgm:dataModel xmlns:dgm="http://schemas.openxmlformats.org/drawingml/2006/diagram" xmlns:a="http://schemas.openxmlformats.org/drawingml/2006/main">
   <dgm:ptLst>
     <dgm:pt modelId="{41F64A2E-071A-46C8-B041-5E9F8ECA9F92}" type="doc">
-      <dgm:prSet loTypeId="urn:microsoft.com/office/officeart/2008/layout/LinedList" loCatId="list" qsTypeId="urn:microsoft.com/office/officeart/2005/8/quickstyle/simple1" qsCatId="simple" csTypeId="urn:microsoft.com/office/officeart/2005/8/colors/colorful1" csCatId="colorful"/>
+      <dgm:prSet loTypeId="urn:microsoft.com/office/officeart/2008/layout/LinedList" loCatId="list" qsTypeId="urn:microsoft.com/office/officeart/2005/8/quickstyle/simple1" qsCatId="simple" csTypeId="urn:microsoft.com/office/officeart/2005/8/colors/colorful5" csCatId="colorful"/>
       <dgm:spPr/>
       <dgm:t>
         <a:bodyPr/>
@@ -2040,7 +1908,7 @@
         </a:p>
       </dgm:t>
     </dgm:pt>
-    <dgm:pt modelId="{6039E337-EBEB-4840-8966-05565F96B3A5}" type="pres">
+    <dgm:pt modelId="{F6B7782C-469E-474E-806E-F3F959F32D1D}" type="pres">
       <dgm:prSet presAssocID="{41F64A2E-071A-46C8-B041-5E9F8ECA9F92}" presName="vert0" presStyleCnt="0">
         <dgm:presLayoutVars>
           <dgm:dir/>
@@ -2050,141 +1918,141 @@
       </dgm:prSet>
       <dgm:spPr/>
     </dgm:pt>
-    <dgm:pt modelId="{C2867DB3-23FB-428E-B4EC-4161FB70EBB9}" type="pres">
+    <dgm:pt modelId="{BCAAF5F4-4907-4754-B5AF-B63C97EE9A15}" type="pres">
       <dgm:prSet presAssocID="{3BFEB26D-69CE-4083-B95F-6243CD74F1B9}" presName="thickLine" presStyleLbl="alignNode1" presStyleIdx="0" presStyleCnt="6"/>
       <dgm:spPr/>
     </dgm:pt>
-    <dgm:pt modelId="{36CED5FB-16F7-423E-A799-55E25E8118EF}" type="pres">
+    <dgm:pt modelId="{C3560FE4-6EA9-4542-A7FC-C74DD28C0956}" type="pres">
       <dgm:prSet presAssocID="{3BFEB26D-69CE-4083-B95F-6243CD74F1B9}" presName="horz1" presStyleCnt="0"/>
       <dgm:spPr/>
     </dgm:pt>
-    <dgm:pt modelId="{849E03A4-9C45-4881-A69E-B221F0605979}" type="pres">
+    <dgm:pt modelId="{0A26E486-5A60-42FF-B278-70F459A1F47A}" type="pres">
       <dgm:prSet presAssocID="{3BFEB26D-69CE-4083-B95F-6243CD74F1B9}" presName="tx1" presStyleLbl="revTx" presStyleIdx="0" presStyleCnt="6"/>
       <dgm:spPr/>
     </dgm:pt>
-    <dgm:pt modelId="{5E127DE1-18BE-4C5D-B58E-645B893A77BD}" type="pres">
+    <dgm:pt modelId="{1439A8B1-2195-4871-B2AC-93EF702C2701}" type="pres">
       <dgm:prSet presAssocID="{3BFEB26D-69CE-4083-B95F-6243CD74F1B9}" presName="vert1" presStyleCnt="0"/>
       <dgm:spPr/>
     </dgm:pt>
-    <dgm:pt modelId="{2FDBD431-7D57-4E7A-95F3-8F7B58F3E12B}" type="pres">
+    <dgm:pt modelId="{62B12D50-5723-41DE-AA78-19FA57616155}" type="pres">
       <dgm:prSet presAssocID="{9E84D75C-948B-411B-828F-6F21A186D404}" presName="thickLine" presStyleLbl="alignNode1" presStyleIdx="1" presStyleCnt="6"/>
       <dgm:spPr/>
     </dgm:pt>
-    <dgm:pt modelId="{9C1DBC80-341D-4142-AFD9-5D150A51806A}" type="pres">
+    <dgm:pt modelId="{49142ADC-84F2-44B4-ADFD-DFE64EC57AA2}" type="pres">
       <dgm:prSet presAssocID="{9E84D75C-948B-411B-828F-6F21A186D404}" presName="horz1" presStyleCnt="0"/>
       <dgm:spPr/>
     </dgm:pt>
-    <dgm:pt modelId="{0C6229C7-7A35-4672-B4F9-CEA70DE24B05}" type="pres">
+    <dgm:pt modelId="{EEE6D3E0-3CED-4211-A2DC-621E9E4E4810}" type="pres">
       <dgm:prSet presAssocID="{9E84D75C-948B-411B-828F-6F21A186D404}" presName="tx1" presStyleLbl="revTx" presStyleIdx="1" presStyleCnt="6"/>
       <dgm:spPr/>
     </dgm:pt>
-    <dgm:pt modelId="{6BEC5CB4-0337-4393-918E-3D8A3C69150E}" type="pres">
+    <dgm:pt modelId="{D222BBFC-E0A2-4A66-B48A-69BB4E31FCAD}" type="pres">
       <dgm:prSet presAssocID="{9E84D75C-948B-411B-828F-6F21A186D404}" presName="vert1" presStyleCnt="0"/>
       <dgm:spPr/>
     </dgm:pt>
-    <dgm:pt modelId="{02B7F7A0-7738-4102-8EB9-C84314760816}" type="pres">
+    <dgm:pt modelId="{E96C4471-EA35-40FC-A96D-B47C5AAA1EAE}" type="pres">
       <dgm:prSet presAssocID="{6C2B249B-CF92-4F92-B4CB-A58B88DDD93C}" presName="thickLine" presStyleLbl="alignNode1" presStyleIdx="2" presStyleCnt="6"/>
       <dgm:spPr/>
     </dgm:pt>
-    <dgm:pt modelId="{6B5C1627-C9DA-4582-8854-6605A723F6DA}" type="pres">
+    <dgm:pt modelId="{7064457C-AE50-4971-91D3-59F016FDFD0E}" type="pres">
       <dgm:prSet presAssocID="{6C2B249B-CF92-4F92-B4CB-A58B88DDD93C}" presName="horz1" presStyleCnt="0"/>
       <dgm:spPr/>
     </dgm:pt>
-    <dgm:pt modelId="{C3694384-9669-4D5E-B5E4-4D73204F0954}" type="pres">
+    <dgm:pt modelId="{CFD11270-0146-4BAB-A9A3-F7AE0A0E9BE5}" type="pres">
       <dgm:prSet presAssocID="{6C2B249B-CF92-4F92-B4CB-A58B88DDD93C}" presName="tx1" presStyleLbl="revTx" presStyleIdx="2" presStyleCnt="6"/>
       <dgm:spPr/>
     </dgm:pt>
-    <dgm:pt modelId="{B8E80DA3-BF10-4E8A-8EA3-41FA196F4600}" type="pres">
+    <dgm:pt modelId="{6ABA16F0-A646-4FFD-9842-A905BB595B80}" type="pres">
       <dgm:prSet presAssocID="{6C2B249B-CF92-4F92-B4CB-A58B88DDD93C}" presName="vert1" presStyleCnt="0"/>
       <dgm:spPr/>
     </dgm:pt>
-    <dgm:pt modelId="{46B8E525-F76C-4F33-8A9B-B9804EA7AB47}" type="pres">
+    <dgm:pt modelId="{49AD6CBA-6779-455A-B468-5F6734536C4C}" type="pres">
       <dgm:prSet presAssocID="{969C3031-8714-4A12-97FD-F2FFB7E847B0}" presName="thickLine" presStyleLbl="alignNode1" presStyleIdx="3" presStyleCnt="6"/>
       <dgm:spPr/>
     </dgm:pt>
-    <dgm:pt modelId="{2A67F7B9-93E7-439C-8C21-BA7BD2D5403D}" type="pres">
+    <dgm:pt modelId="{736A966B-3874-4837-85AD-09A4D1C78B51}" type="pres">
       <dgm:prSet presAssocID="{969C3031-8714-4A12-97FD-F2FFB7E847B0}" presName="horz1" presStyleCnt="0"/>
       <dgm:spPr/>
     </dgm:pt>
-    <dgm:pt modelId="{C64A33A1-9B75-4466-A777-F3E92AE605A1}" type="pres">
+    <dgm:pt modelId="{CCE20B20-7E89-47F1-A7F7-EF40BEE9BE5C}" type="pres">
       <dgm:prSet presAssocID="{969C3031-8714-4A12-97FD-F2FFB7E847B0}" presName="tx1" presStyleLbl="revTx" presStyleIdx="3" presStyleCnt="6"/>
       <dgm:spPr/>
     </dgm:pt>
-    <dgm:pt modelId="{F3439CF4-436B-4FF4-B965-E1031198ABFB}" type="pres">
+    <dgm:pt modelId="{F0BA3D59-5C4B-4FDE-A9B1-82976E6572ED}" type="pres">
       <dgm:prSet presAssocID="{969C3031-8714-4A12-97FD-F2FFB7E847B0}" presName="vert1" presStyleCnt="0"/>
       <dgm:spPr/>
     </dgm:pt>
-    <dgm:pt modelId="{A3E03601-3C90-41CB-BA35-76D3D8105485}" type="pres">
+    <dgm:pt modelId="{A151E241-F879-4C72-98A1-14917D16EB0B}" type="pres">
       <dgm:prSet presAssocID="{0F01F64E-054E-4240-BC06-4E6662E4C734}" presName="thickLine" presStyleLbl="alignNode1" presStyleIdx="4" presStyleCnt="6"/>
       <dgm:spPr/>
     </dgm:pt>
-    <dgm:pt modelId="{A883F5D9-57B4-4F4E-A1AC-9A75EEAAD643}" type="pres">
+    <dgm:pt modelId="{83015CFF-DB6A-4019-871F-1E1225BCD8EA}" type="pres">
       <dgm:prSet presAssocID="{0F01F64E-054E-4240-BC06-4E6662E4C734}" presName="horz1" presStyleCnt="0"/>
       <dgm:spPr/>
     </dgm:pt>
-    <dgm:pt modelId="{8C792DC6-7445-48C6-8917-57689B85EC64}" type="pres">
+    <dgm:pt modelId="{40DD86A9-F626-47A8-86FA-54665C14A9EB}" type="pres">
       <dgm:prSet presAssocID="{0F01F64E-054E-4240-BC06-4E6662E4C734}" presName="tx1" presStyleLbl="revTx" presStyleIdx="4" presStyleCnt="6"/>
       <dgm:spPr/>
     </dgm:pt>
-    <dgm:pt modelId="{4C5C50E2-6D5B-487D-909C-FAB0D6A44CEF}" type="pres">
+    <dgm:pt modelId="{6B20D8F7-3542-4ED5-B020-AB054675AB72}" type="pres">
       <dgm:prSet presAssocID="{0F01F64E-054E-4240-BC06-4E6662E4C734}" presName="vert1" presStyleCnt="0"/>
       <dgm:spPr/>
     </dgm:pt>
-    <dgm:pt modelId="{6FA233FA-EDF2-45BE-A98D-1790A8EEE87D}" type="pres">
+    <dgm:pt modelId="{123B01EF-744A-4647-A6B6-B50D8B2F8B49}" type="pres">
       <dgm:prSet presAssocID="{8D40E3C0-1DAC-4D3E-A953-32A281DCB6DA}" presName="thickLine" presStyleLbl="alignNode1" presStyleIdx="5" presStyleCnt="6"/>
       <dgm:spPr/>
     </dgm:pt>
-    <dgm:pt modelId="{1795F2A7-02CE-4A75-A4F7-282E34FBDE67}" type="pres">
+    <dgm:pt modelId="{833488B6-7DD6-4C3C-995D-ABC39EC49C02}" type="pres">
       <dgm:prSet presAssocID="{8D40E3C0-1DAC-4D3E-A953-32A281DCB6DA}" presName="horz1" presStyleCnt="0"/>
       <dgm:spPr/>
     </dgm:pt>
-    <dgm:pt modelId="{67B65199-7A9C-4FD6-A6C4-CB51F0537528}" type="pres">
+    <dgm:pt modelId="{94110C75-E43A-48BE-9250-19E98BBB6E6B}" type="pres">
       <dgm:prSet presAssocID="{8D40E3C0-1DAC-4D3E-A953-32A281DCB6DA}" presName="tx1" presStyleLbl="revTx" presStyleIdx="5" presStyleCnt="6"/>
       <dgm:spPr/>
     </dgm:pt>
-    <dgm:pt modelId="{0480F667-DAD5-4811-83D4-AF74C96D1374}" type="pres">
+    <dgm:pt modelId="{DCA3215C-E347-44EC-A1D6-8746A42A0239}" type="pres">
       <dgm:prSet presAssocID="{8D40E3C0-1DAC-4D3E-A953-32A281DCB6DA}" presName="vert1" presStyleCnt="0"/>
       <dgm:spPr/>
     </dgm:pt>
   </dgm:ptLst>
   <dgm:cxnLst>
+    <dgm:cxn modelId="{82F56306-D994-49CC-A8F6-E2451042C28C}" type="presOf" srcId="{3BFEB26D-69CE-4083-B95F-6243CD74F1B9}" destId="{0A26E486-5A60-42FF-B278-70F459A1F47A}" srcOrd="0" destOrd="0" presId="urn:microsoft.com/office/officeart/2008/layout/LinedList"/>
     <dgm:cxn modelId="{CB869C14-49E7-47A4-BACF-F326CE451353}" srcId="{41F64A2E-071A-46C8-B041-5E9F8ECA9F92}" destId="{8D40E3C0-1DAC-4D3E-A953-32A281DCB6DA}" srcOrd="5" destOrd="0" parTransId="{FF93D302-ADAA-4FD3-8152-6FAC39AC3285}" sibTransId="{8E11B00C-AD25-4400-B099-8A0E43237F04}"/>
+    <dgm:cxn modelId="{D114EB3A-7117-4F85-8332-C03E7B298245}" type="presOf" srcId="{8D40E3C0-1DAC-4D3E-A953-32A281DCB6DA}" destId="{94110C75-E43A-48BE-9250-19E98BBB6E6B}" srcOrd="0" destOrd="0" presId="urn:microsoft.com/office/officeart/2008/layout/LinedList"/>
     <dgm:cxn modelId="{0FEC5F5B-548A-4B9E-8312-E96557A9B7D0}" srcId="{41F64A2E-071A-46C8-B041-5E9F8ECA9F92}" destId="{0F01F64E-054E-4240-BC06-4E6662E4C734}" srcOrd="4" destOrd="0" parTransId="{528255B8-E3B3-46BE-B51E-6D09B5030E1B}" sibTransId="{966B406A-1569-4FF5-AE92-928171676856}"/>
+    <dgm:cxn modelId="{42B4C845-888C-4DA8-A33D-143DDC456FE2}" type="presOf" srcId="{41F64A2E-071A-46C8-B041-5E9F8ECA9F92}" destId="{F6B7782C-469E-474E-806E-F3F959F32D1D}" srcOrd="0" destOrd="0" presId="urn:microsoft.com/office/officeart/2008/layout/LinedList"/>
     <dgm:cxn modelId="{E296CB47-641B-40F5-A37B-9206B041D84B}" srcId="{41F64A2E-071A-46C8-B041-5E9F8ECA9F92}" destId="{9E84D75C-948B-411B-828F-6F21A186D404}" srcOrd="1" destOrd="0" parTransId="{44C7E273-6D52-40FB-BD35-F00165899512}" sibTransId="{465943C3-4AE9-4EAE-B580-50AA391C23E6}"/>
-    <dgm:cxn modelId="{74E5498B-AE4B-41EB-BD3E-D31351DEB170}" type="presOf" srcId="{0F01F64E-054E-4240-BC06-4E6662E4C734}" destId="{8C792DC6-7445-48C6-8917-57689B85EC64}" srcOrd="0" destOrd="0" presId="urn:microsoft.com/office/officeart/2008/layout/LinedList"/>
+    <dgm:cxn modelId="{C632A684-7F86-4645-8ECB-8B6FC4045F45}" type="presOf" srcId="{9E84D75C-948B-411B-828F-6F21A186D404}" destId="{EEE6D3E0-3CED-4211-A2DC-621E9E4E4810}" srcOrd="0" destOrd="0" presId="urn:microsoft.com/office/officeart/2008/layout/LinedList"/>
     <dgm:cxn modelId="{8A2E2395-A780-4CE3-9083-40159DD2833E}" srcId="{41F64A2E-071A-46C8-B041-5E9F8ECA9F92}" destId="{6C2B249B-CF92-4F92-B4CB-A58B88DDD93C}" srcOrd="2" destOrd="0" parTransId="{59EBEB86-264C-4A21-B136-72BB2C76AC39}" sibTransId="{2890105A-2963-4826-B5DD-979A3EBCFB4D}"/>
-    <dgm:cxn modelId="{195F74B3-FCE3-408A-85C4-2A6C778D2854}" type="presOf" srcId="{3BFEB26D-69CE-4083-B95F-6243CD74F1B9}" destId="{849E03A4-9C45-4881-A69E-B221F0605979}" srcOrd="0" destOrd="0" presId="urn:microsoft.com/office/officeart/2008/layout/LinedList"/>
-    <dgm:cxn modelId="{2147C6CD-249E-4449-AB05-0D6A8EA959A3}" type="presOf" srcId="{969C3031-8714-4A12-97FD-F2FFB7E847B0}" destId="{C64A33A1-9B75-4466-A777-F3E92AE605A1}" srcOrd="0" destOrd="0" presId="urn:microsoft.com/office/officeart/2008/layout/LinedList"/>
-    <dgm:cxn modelId="{84E9BACE-DE5F-4B53-AED2-05BACD4EF3C6}" type="presOf" srcId="{6C2B249B-CF92-4F92-B4CB-A58B88DDD93C}" destId="{C3694384-9669-4D5E-B5E4-4D73204F0954}" srcOrd="0" destOrd="0" presId="urn:microsoft.com/office/officeart/2008/layout/LinedList"/>
+    <dgm:cxn modelId="{FE7CA0AD-06A4-430A-B455-08CB873FB285}" type="presOf" srcId="{6C2B249B-CF92-4F92-B4CB-A58B88DDD93C}" destId="{CFD11270-0146-4BAB-A9A3-F7AE0A0E9BE5}" srcOrd="0" destOrd="0" presId="urn:microsoft.com/office/officeart/2008/layout/LinedList"/>
+    <dgm:cxn modelId="{DB9D8CC6-9823-40BE-9CD8-B6815D3FB586}" type="presOf" srcId="{0F01F64E-054E-4240-BC06-4E6662E4C734}" destId="{40DD86A9-F626-47A8-86FA-54665C14A9EB}" srcOrd="0" destOrd="0" presId="urn:microsoft.com/office/officeart/2008/layout/LinedList"/>
+    <dgm:cxn modelId="{E732B7C9-6E73-48D5-9562-EFB2252E7685}" type="presOf" srcId="{969C3031-8714-4A12-97FD-F2FFB7E847B0}" destId="{CCE20B20-7E89-47F1-A7F7-EF40BEE9BE5C}" srcOrd="0" destOrd="0" presId="urn:microsoft.com/office/officeart/2008/layout/LinedList"/>
     <dgm:cxn modelId="{F2A6D5DF-4B77-4C44-A39C-B7A87C85BA47}" srcId="{41F64A2E-071A-46C8-B041-5E9F8ECA9F92}" destId="{3BFEB26D-69CE-4083-B95F-6243CD74F1B9}" srcOrd="0" destOrd="0" parTransId="{8590E2A8-3BB6-4308-9DED-FE94601669A1}" sibTransId="{FD2E44B3-497B-4751-A24D-6C3A90B37BAC}"/>
-    <dgm:cxn modelId="{5CAE89F1-E940-4E3D-B17E-3D44BF091BF1}" type="presOf" srcId="{41F64A2E-071A-46C8-B041-5E9F8ECA9F92}" destId="{6039E337-EBEB-4840-8966-05565F96B3A5}" srcOrd="0" destOrd="0" presId="urn:microsoft.com/office/officeart/2008/layout/LinedList"/>
     <dgm:cxn modelId="{F9C385F7-084A-4F83-84D9-253D219EBCCF}" srcId="{41F64A2E-071A-46C8-B041-5E9F8ECA9F92}" destId="{969C3031-8714-4A12-97FD-F2FFB7E847B0}" srcOrd="3" destOrd="0" parTransId="{E0386E43-8EAA-44AC-A0FF-54FEBD3A50B0}" sibTransId="{6C99AE74-0D63-4E3B-AD31-C6175C64ED5B}"/>
-    <dgm:cxn modelId="{3C0D49FB-B739-4619-82B6-F00A5A764FD0}" type="presOf" srcId="{8D40E3C0-1DAC-4D3E-A953-32A281DCB6DA}" destId="{67B65199-7A9C-4FD6-A6C4-CB51F0537528}" srcOrd="0" destOrd="0" presId="urn:microsoft.com/office/officeart/2008/layout/LinedList"/>
-    <dgm:cxn modelId="{63AAC4FF-7234-4EA3-9C86-F29F09BBC835}" type="presOf" srcId="{9E84D75C-948B-411B-828F-6F21A186D404}" destId="{0C6229C7-7A35-4672-B4F9-CEA70DE24B05}" srcOrd="0" destOrd="0" presId="urn:microsoft.com/office/officeart/2008/layout/LinedList"/>
-    <dgm:cxn modelId="{4EC76A41-4260-4D30-929B-4A9D10048598}" type="presParOf" srcId="{6039E337-EBEB-4840-8966-05565F96B3A5}" destId="{C2867DB3-23FB-428E-B4EC-4161FB70EBB9}" srcOrd="0" destOrd="0" presId="urn:microsoft.com/office/officeart/2008/layout/LinedList"/>
-    <dgm:cxn modelId="{6D524716-1A96-4E99-9B6B-B8F9D68FFF63}" type="presParOf" srcId="{6039E337-EBEB-4840-8966-05565F96B3A5}" destId="{36CED5FB-16F7-423E-A799-55E25E8118EF}" srcOrd="1" destOrd="0" presId="urn:microsoft.com/office/officeart/2008/layout/LinedList"/>
-    <dgm:cxn modelId="{2B520A70-3AED-4256-8DD8-6787501664A3}" type="presParOf" srcId="{36CED5FB-16F7-423E-A799-55E25E8118EF}" destId="{849E03A4-9C45-4881-A69E-B221F0605979}" srcOrd="0" destOrd="0" presId="urn:microsoft.com/office/officeart/2008/layout/LinedList"/>
-    <dgm:cxn modelId="{77A9F30A-F11B-4D23-A584-DABD08A1B0E5}" type="presParOf" srcId="{36CED5FB-16F7-423E-A799-55E25E8118EF}" destId="{5E127DE1-18BE-4C5D-B58E-645B893A77BD}" srcOrd="1" destOrd="0" presId="urn:microsoft.com/office/officeart/2008/layout/LinedList"/>
-    <dgm:cxn modelId="{8151C270-F5F4-4668-9861-3FF7C073AC06}" type="presParOf" srcId="{6039E337-EBEB-4840-8966-05565F96B3A5}" destId="{2FDBD431-7D57-4E7A-95F3-8F7B58F3E12B}" srcOrd="2" destOrd="0" presId="urn:microsoft.com/office/officeart/2008/layout/LinedList"/>
-    <dgm:cxn modelId="{347820AA-B907-469C-928F-17C8C51D374C}" type="presParOf" srcId="{6039E337-EBEB-4840-8966-05565F96B3A5}" destId="{9C1DBC80-341D-4142-AFD9-5D150A51806A}" srcOrd="3" destOrd="0" presId="urn:microsoft.com/office/officeart/2008/layout/LinedList"/>
-    <dgm:cxn modelId="{CC8FB53B-2330-415F-8215-D5CA0A6B801C}" type="presParOf" srcId="{9C1DBC80-341D-4142-AFD9-5D150A51806A}" destId="{0C6229C7-7A35-4672-B4F9-CEA70DE24B05}" srcOrd="0" destOrd="0" presId="urn:microsoft.com/office/officeart/2008/layout/LinedList"/>
-    <dgm:cxn modelId="{9FC94DE2-387B-45F6-ABC8-4C9C7752D0E2}" type="presParOf" srcId="{9C1DBC80-341D-4142-AFD9-5D150A51806A}" destId="{6BEC5CB4-0337-4393-918E-3D8A3C69150E}" srcOrd="1" destOrd="0" presId="urn:microsoft.com/office/officeart/2008/layout/LinedList"/>
-    <dgm:cxn modelId="{4D424A4F-CFE9-4721-B95E-11F4EE187CDB}" type="presParOf" srcId="{6039E337-EBEB-4840-8966-05565F96B3A5}" destId="{02B7F7A0-7738-4102-8EB9-C84314760816}" srcOrd="4" destOrd="0" presId="urn:microsoft.com/office/officeart/2008/layout/LinedList"/>
-    <dgm:cxn modelId="{518566A7-5E4D-4BF4-B398-A2FCE6482165}" type="presParOf" srcId="{6039E337-EBEB-4840-8966-05565F96B3A5}" destId="{6B5C1627-C9DA-4582-8854-6605A723F6DA}" srcOrd="5" destOrd="0" presId="urn:microsoft.com/office/officeart/2008/layout/LinedList"/>
-    <dgm:cxn modelId="{03A6C60A-CBC1-46EC-AC3A-1103DF2E817A}" type="presParOf" srcId="{6B5C1627-C9DA-4582-8854-6605A723F6DA}" destId="{C3694384-9669-4D5E-B5E4-4D73204F0954}" srcOrd="0" destOrd="0" presId="urn:microsoft.com/office/officeart/2008/layout/LinedList"/>
-    <dgm:cxn modelId="{A1B19B26-85B5-4F2B-8DEF-E0394BD6591C}" type="presParOf" srcId="{6B5C1627-C9DA-4582-8854-6605A723F6DA}" destId="{B8E80DA3-BF10-4E8A-8EA3-41FA196F4600}" srcOrd="1" destOrd="0" presId="urn:microsoft.com/office/officeart/2008/layout/LinedList"/>
-    <dgm:cxn modelId="{9BA12445-1C9B-402B-A630-EA7CCBA27D8F}" type="presParOf" srcId="{6039E337-EBEB-4840-8966-05565F96B3A5}" destId="{46B8E525-F76C-4F33-8A9B-B9804EA7AB47}" srcOrd="6" destOrd="0" presId="urn:microsoft.com/office/officeart/2008/layout/LinedList"/>
-    <dgm:cxn modelId="{E5E0D3BD-C9BF-46DD-8211-7B5B90641C06}" type="presParOf" srcId="{6039E337-EBEB-4840-8966-05565F96B3A5}" destId="{2A67F7B9-93E7-439C-8C21-BA7BD2D5403D}" srcOrd="7" destOrd="0" presId="urn:microsoft.com/office/officeart/2008/layout/LinedList"/>
-    <dgm:cxn modelId="{018BA934-0472-463F-929D-FF20D48C0EC7}" type="presParOf" srcId="{2A67F7B9-93E7-439C-8C21-BA7BD2D5403D}" destId="{C64A33A1-9B75-4466-A777-F3E92AE605A1}" srcOrd="0" destOrd="0" presId="urn:microsoft.com/office/officeart/2008/layout/LinedList"/>
-    <dgm:cxn modelId="{4777D846-DE98-410C-BEBB-05B2000CB258}" type="presParOf" srcId="{2A67F7B9-93E7-439C-8C21-BA7BD2D5403D}" destId="{F3439CF4-436B-4FF4-B965-E1031198ABFB}" srcOrd="1" destOrd="0" presId="urn:microsoft.com/office/officeart/2008/layout/LinedList"/>
-    <dgm:cxn modelId="{3CF3331B-2FB1-4206-A8D3-336AE7ACA9D7}" type="presParOf" srcId="{6039E337-EBEB-4840-8966-05565F96B3A5}" destId="{A3E03601-3C90-41CB-BA35-76D3D8105485}" srcOrd="8" destOrd="0" presId="urn:microsoft.com/office/officeart/2008/layout/LinedList"/>
-    <dgm:cxn modelId="{945FEC9F-28C7-416D-8D27-0F8AE04F2281}" type="presParOf" srcId="{6039E337-EBEB-4840-8966-05565F96B3A5}" destId="{A883F5D9-57B4-4F4E-A1AC-9A75EEAAD643}" srcOrd="9" destOrd="0" presId="urn:microsoft.com/office/officeart/2008/layout/LinedList"/>
-    <dgm:cxn modelId="{EB0820E4-A5BE-4AAF-AB61-1BF0DA013BEF}" type="presParOf" srcId="{A883F5D9-57B4-4F4E-A1AC-9A75EEAAD643}" destId="{8C792DC6-7445-48C6-8917-57689B85EC64}" srcOrd="0" destOrd="0" presId="urn:microsoft.com/office/officeart/2008/layout/LinedList"/>
-    <dgm:cxn modelId="{1F02F6E6-D22B-4C74-9E21-3B0CA32748C1}" type="presParOf" srcId="{A883F5D9-57B4-4F4E-A1AC-9A75EEAAD643}" destId="{4C5C50E2-6D5B-487D-909C-FAB0D6A44CEF}" srcOrd="1" destOrd="0" presId="urn:microsoft.com/office/officeart/2008/layout/LinedList"/>
-    <dgm:cxn modelId="{71871A16-619D-40D0-A406-483ABEDCD6BF}" type="presParOf" srcId="{6039E337-EBEB-4840-8966-05565F96B3A5}" destId="{6FA233FA-EDF2-45BE-A98D-1790A8EEE87D}" srcOrd="10" destOrd="0" presId="urn:microsoft.com/office/officeart/2008/layout/LinedList"/>
-    <dgm:cxn modelId="{EFA34D0F-F2FF-4FA3-B4A0-35F59D9CBD32}" type="presParOf" srcId="{6039E337-EBEB-4840-8966-05565F96B3A5}" destId="{1795F2A7-02CE-4A75-A4F7-282E34FBDE67}" srcOrd="11" destOrd="0" presId="urn:microsoft.com/office/officeart/2008/layout/LinedList"/>
-    <dgm:cxn modelId="{9ECCE2CA-F4ED-40EE-8178-2F388102D243}" type="presParOf" srcId="{1795F2A7-02CE-4A75-A4F7-282E34FBDE67}" destId="{67B65199-7A9C-4FD6-A6C4-CB51F0537528}" srcOrd="0" destOrd="0" presId="urn:microsoft.com/office/officeart/2008/layout/LinedList"/>
-    <dgm:cxn modelId="{F26EDA0A-2238-4DA8-86EB-DDF8B02DBFBB}" type="presParOf" srcId="{1795F2A7-02CE-4A75-A4F7-282E34FBDE67}" destId="{0480F667-DAD5-4811-83D4-AF74C96D1374}" srcOrd="1" destOrd="0" presId="urn:microsoft.com/office/officeart/2008/layout/LinedList"/>
+    <dgm:cxn modelId="{89F31BF8-D1A4-42C8-8708-D5F054F8D4FC}" type="presParOf" srcId="{F6B7782C-469E-474E-806E-F3F959F32D1D}" destId="{BCAAF5F4-4907-4754-B5AF-B63C97EE9A15}" srcOrd="0" destOrd="0" presId="urn:microsoft.com/office/officeart/2008/layout/LinedList"/>
+    <dgm:cxn modelId="{25F4DCA5-6279-403F-A6A4-F3A57F1D55D4}" type="presParOf" srcId="{F6B7782C-469E-474E-806E-F3F959F32D1D}" destId="{C3560FE4-6EA9-4542-A7FC-C74DD28C0956}" srcOrd="1" destOrd="0" presId="urn:microsoft.com/office/officeart/2008/layout/LinedList"/>
+    <dgm:cxn modelId="{D85C4EA3-52A8-49E6-916E-C22B7EF01915}" type="presParOf" srcId="{C3560FE4-6EA9-4542-A7FC-C74DD28C0956}" destId="{0A26E486-5A60-42FF-B278-70F459A1F47A}" srcOrd="0" destOrd="0" presId="urn:microsoft.com/office/officeart/2008/layout/LinedList"/>
+    <dgm:cxn modelId="{7D1FB80A-E8E1-4AA2-8B9C-9050E52105C7}" type="presParOf" srcId="{C3560FE4-6EA9-4542-A7FC-C74DD28C0956}" destId="{1439A8B1-2195-4871-B2AC-93EF702C2701}" srcOrd="1" destOrd="0" presId="urn:microsoft.com/office/officeart/2008/layout/LinedList"/>
+    <dgm:cxn modelId="{F50305A9-48EC-4A72-B97D-8BB30E412613}" type="presParOf" srcId="{F6B7782C-469E-474E-806E-F3F959F32D1D}" destId="{62B12D50-5723-41DE-AA78-19FA57616155}" srcOrd="2" destOrd="0" presId="urn:microsoft.com/office/officeart/2008/layout/LinedList"/>
+    <dgm:cxn modelId="{23B0EF41-77B5-44B9-AE6B-24F99477047B}" type="presParOf" srcId="{F6B7782C-469E-474E-806E-F3F959F32D1D}" destId="{49142ADC-84F2-44B4-ADFD-DFE64EC57AA2}" srcOrd="3" destOrd="0" presId="urn:microsoft.com/office/officeart/2008/layout/LinedList"/>
+    <dgm:cxn modelId="{1E316B5D-691E-4BFC-951E-075731409CA6}" type="presParOf" srcId="{49142ADC-84F2-44B4-ADFD-DFE64EC57AA2}" destId="{EEE6D3E0-3CED-4211-A2DC-621E9E4E4810}" srcOrd="0" destOrd="0" presId="urn:microsoft.com/office/officeart/2008/layout/LinedList"/>
+    <dgm:cxn modelId="{051E190C-D501-4AA6-9B66-21679ED3A7C4}" type="presParOf" srcId="{49142ADC-84F2-44B4-ADFD-DFE64EC57AA2}" destId="{D222BBFC-E0A2-4A66-B48A-69BB4E31FCAD}" srcOrd="1" destOrd="0" presId="urn:microsoft.com/office/officeart/2008/layout/LinedList"/>
+    <dgm:cxn modelId="{F37AD26E-CEBB-40F2-B3DD-52F41B972CFB}" type="presParOf" srcId="{F6B7782C-469E-474E-806E-F3F959F32D1D}" destId="{E96C4471-EA35-40FC-A96D-B47C5AAA1EAE}" srcOrd="4" destOrd="0" presId="urn:microsoft.com/office/officeart/2008/layout/LinedList"/>
+    <dgm:cxn modelId="{697C634B-2CB1-47E7-97C8-9F9F4ACA127D}" type="presParOf" srcId="{F6B7782C-469E-474E-806E-F3F959F32D1D}" destId="{7064457C-AE50-4971-91D3-59F016FDFD0E}" srcOrd="5" destOrd="0" presId="urn:microsoft.com/office/officeart/2008/layout/LinedList"/>
+    <dgm:cxn modelId="{9B8E865C-972F-4D9D-966A-7886AB6497B9}" type="presParOf" srcId="{7064457C-AE50-4971-91D3-59F016FDFD0E}" destId="{CFD11270-0146-4BAB-A9A3-F7AE0A0E9BE5}" srcOrd="0" destOrd="0" presId="urn:microsoft.com/office/officeart/2008/layout/LinedList"/>
+    <dgm:cxn modelId="{07085ACD-3622-482D-9A3F-8F13FAFE1843}" type="presParOf" srcId="{7064457C-AE50-4971-91D3-59F016FDFD0E}" destId="{6ABA16F0-A646-4FFD-9842-A905BB595B80}" srcOrd="1" destOrd="0" presId="urn:microsoft.com/office/officeart/2008/layout/LinedList"/>
+    <dgm:cxn modelId="{20AAFB4D-5542-4F01-B3B3-E57D9285EE84}" type="presParOf" srcId="{F6B7782C-469E-474E-806E-F3F959F32D1D}" destId="{49AD6CBA-6779-455A-B468-5F6734536C4C}" srcOrd="6" destOrd="0" presId="urn:microsoft.com/office/officeart/2008/layout/LinedList"/>
+    <dgm:cxn modelId="{5F802253-64EC-403D-985A-DADD4A8A3B00}" type="presParOf" srcId="{F6B7782C-469E-474E-806E-F3F959F32D1D}" destId="{736A966B-3874-4837-85AD-09A4D1C78B51}" srcOrd="7" destOrd="0" presId="urn:microsoft.com/office/officeart/2008/layout/LinedList"/>
+    <dgm:cxn modelId="{57415C82-0375-4365-99DB-575F29B856F8}" type="presParOf" srcId="{736A966B-3874-4837-85AD-09A4D1C78B51}" destId="{CCE20B20-7E89-47F1-A7F7-EF40BEE9BE5C}" srcOrd="0" destOrd="0" presId="urn:microsoft.com/office/officeart/2008/layout/LinedList"/>
+    <dgm:cxn modelId="{91B93B9F-D553-4172-A0CF-6695A05C1BF2}" type="presParOf" srcId="{736A966B-3874-4837-85AD-09A4D1C78B51}" destId="{F0BA3D59-5C4B-4FDE-A9B1-82976E6572ED}" srcOrd="1" destOrd="0" presId="urn:microsoft.com/office/officeart/2008/layout/LinedList"/>
+    <dgm:cxn modelId="{0297A443-E02A-420C-8FAC-0FFBB19FDAA3}" type="presParOf" srcId="{F6B7782C-469E-474E-806E-F3F959F32D1D}" destId="{A151E241-F879-4C72-98A1-14917D16EB0B}" srcOrd="8" destOrd="0" presId="urn:microsoft.com/office/officeart/2008/layout/LinedList"/>
+    <dgm:cxn modelId="{FD2A3D64-90D7-47BF-91E2-B852851475E3}" type="presParOf" srcId="{F6B7782C-469E-474E-806E-F3F959F32D1D}" destId="{83015CFF-DB6A-4019-871F-1E1225BCD8EA}" srcOrd="9" destOrd="0" presId="urn:microsoft.com/office/officeart/2008/layout/LinedList"/>
+    <dgm:cxn modelId="{FD12774A-5944-47CF-B3A2-BDD83B7F8421}" type="presParOf" srcId="{83015CFF-DB6A-4019-871F-1E1225BCD8EA}" destId="{40DD86A9-F626-47A8-86FA-54665C14A9EB}" srcOrd="0" destOrd="0" presId="urn:microsoft.com/office/officeart/2008/layout/LinedList"/>
+    <dgm:cxn modelId="{F3701070-3C34-47F0-8D96-D3C190E9D609}" type="presParOf" srcId="{83015CFF-DB6A-4019-871F-1E1225BCD8EA}" destId="{6B20D8F7-3542-4ED5-B020-AB054675AB72}" srcOrd="1" destOrd="0" presId="urn:microsoft.com/office/officeart/2008/layout/LinedList"/>
+    <dgm:cxn modelId="{30C18298-5A00-479F-9F89-ED2F3C8B57E1}" type="presParOf" srcId="{F6B7782C-469E-474E-806E-F3F959F32D1D}" destId="{123B01EF-744A-4647-A6B6-B50D8B2F8B49}" srcOrd="10" destOrd="0" presId="urn:microsoft.com/office/officeart/2008/layout/LinedList"/>
+    <dgm:cxn modelId="{CAA0AC5B-4DC4-4BA0-89D6-FCDF2BE32710}" type="presParOf" srcId="{F6B7782C-469E-474E-806E-F3F959F32D1D}" destId="{833488B6-7DD6-4C3C-995D-ABC39EC49C02}" srcOrd="11" destOrd="0" presId="urn:microsoft.com/office/officeart/2008/layout/LinedList"/>
+    <dgm:cxn modelId="{D78942ED-85B6-4486-9B1F-C320A6ECF3D7}" type="presParOf" srcId="{833488B6-7DD6-4C3C-995D-ABC39EC49C02}" destId="{94110C75-E43A-48BE-9250-19E98BBB6E6B}" srcOrd="0" destOrd="0" presId="urn:microsoft.com/office/officeart/2008/layout/LinedList"/>
+    <dgm:cxn modelId="{182BA896-1AD4-47A8-BB05-E79058FF8EB3}" type="presParOf" srcId="{833488B6-7DD6-4C3C-995D-ABC39EC49C02}" destId="{DCA3215C-E347-44EC-A1D6-8746A42A0239}" srcOrd="1" destOrd="0" presId="urn:microsoft.com/office/officeart/2008/layout/LinedList"/>
   </dgm:cxnLst>
   <dgm:bg/>
   <dgm:whole/>
@@ -2632,21 +2500,21 @@
       <dsp:cNvGrpSpPr/>
     </dsp:nvGrpSpPr>
     <dsp:grpSpPr/>
-    <dsp:sp modelId="{C2867DB3-23FB-428E-B4EC-4161FB70EBB9}">
+    <dsp:sp modelId="{BCAAF5F4-4907-4754-B5AF-B63C97EE9A15}">
       <dsp:nvSpPr>
         <dsp:cNvPr id="0" name=""/>
         <dsp:cNvSpPr/>
       </dsp:nvSpPr>
       <dsp:spPr>
         <a:xfrm>
-          <a:off x="0" y="2703"/>
-          <a:ext cx="6900512" cy="0"/>
+          <a:off x="0" y="2125"/>
+          <a:ext cx="10515600" cy="0"/>
         </a:xfrm>
         <a:prstGeom prst="line">
           <a:avLst/>
         </a:prstGeom>
         <a:solidFill>
-          <a:schemeClr val="accent2">
+          <a:schemeClr val="accent5">
             <a:hueOff val="0"/>
             <a:satOff val="0"/>
             <a:lumOff val="0"/>
@@ -2655,7 +2523,7 @@
         </a:solidFill>
         <a:ln w="12700" cap="flat" cmpd="sng" algn="ctr">
           <a:solidFill>
-            <a:schemeClr val="accent2">
+            <a:schemeClr val="accent5">
               <a:hueOff val="0"/>
               <a:satOff val="0"/>
               <a:lumOff val="0"/>
@@ -2682,15 +2550,15 @@
         </a:fontRef>
       </dsp:style>
     </dsp:sp>
-    <dsp:sp modelId="{849E03A4-9C45-4881-A69E-B221F0605979}">
+    <dsp:sp modelId="{0A26E486-5A60-42FF-B278-70F459A1F47A}">
       <dsp:nvSpPr>
         <dsp:cNvPr id="0" name=""/>
         <dsp:cNvSpPr/>
       </dsp:nvSpPr>
       <dsp:spPr>
         <a:xfrm>
-          <a:off x="0" y="2703"/>
-          <a:ext cx="6900512" cy="921789"/>
+          <a:off x="0" y="2125"/>
+          <a:ext cx="10515600" cy="724715"/>
         </a:xfrm>
         <a:prstGeom prst="rect">
           <a:avLst/>
@@ -2738,37 +2606,37 @@
         </a:p>
       </dsp:txBody>
       <dsp:txXfrm>
-        <a:off x="0" y="2703"/>
-        <a:ext cx="6900512" cy="921789"/>
+        <a:off x="0" y="2125"/>
+        <a:ext cx="10515600" cy="724715"/>
       </dsp:txXfrm>
     </dsp:sp>
-    <dsp:sp modelId="{2FDBD431-7D57-4E7A-95F3-8F7B58F3E12B}">
+    <dsp:sp modelId="{62B12D50-5723-41DE-AA78-19FA57616155}">
       <dsp:nvSpPr>
         <dsp:cNvPr id="0" name=""/>
         <dsp:cNvSpPr/>
       </dsp:nvSpPr>
       <dsp:spPr>
         <a:xfrm>
-          <a:off x="0" y="924492"/>
-          <a:ext cx="6900512" cy="0"/>
+          <a:off x="0" y="726840"/>
+          <a:ext cx="10515600" cy="0"/>
         </a:xfrm>
         <a:prstGeom prst="line">
           <a:avLst/>
         </a:prstGeom>
         <a:solidFill>
-          <a:schemeClr val="accent3">
-            <a:hueOff val="0"/>
-            <a:satOff val="0"/>
-            <a:lumOff val="0"/>
+          <a:schemeClr val="accent5">
+            <a:hueOff val="-1351709"/>
+            <a:satOff val="-3484"/>
+            <a:lumOff val="-2353"/>
             <a:alphaOff val="0"/>
           </a:schemeClr>
         </a:solidFill>
         <a:ln w="12700" cap="flat" cmpd="sng" algn="ctr">
           <a:solidFill>
-            <a:schemeClr val="accent3">
-              <a:hueOff val="0"/>
-              <a:satOff val="0"/>
-              <a:lumOff val="0"/>
+            <a:schemeClr val="accent5">
+              <a:hueOff val="-1351709"/>
+              <a:satOff val="-3484"/>
+              <a:lumOff val="-2353"/>
               <a:alphaOff val="0"/>
             </a:schemeClr>
           </a:solidFill>
@@ -2792,15 +2660,15 @@
         </a:fontRef>
       </dsp:style>
     </dsp:sp>
-    <dsp:sp modelId="{0C6229C7-7A35-4672-B4F9-CEA70DE24B05}">
+    <dsp:sp modelId="{EEE6D3E0-3CED-4211-A2DC-621E9E4E4810}">
       <dsp:nvSpPr>
         <dsp:cNvPr id="0" name=""/>
         <dsp:cNvSpPr/>
       </dsp:nvSpPr>
       <dsp:spPr>
         <a:xfrm>
-          <a:off x="0" y="924492"/>
-          <a:ext cx="6900512" cy="921789"/>
+          <a:off x="0" y="726840"/>
+          <a:ext cx="10515600" cy="724715"/>
         </a:xfrm>
         <a:prstGeom prst="rect">
           <a:avLst/>
@@ -2848,37 +2716,37 @@
         </a:p>
       </dsp:txBody>
       <dsp:txXfrm>
-        <a:off x="0" y="924492"/>
-        <a:ext cx="6900512" cy="921789"/>
+        <a:off x="0" y="726840"/>
+        <a:ext cx="10515600" cy="724715"/>
       </dsp:txXfrm>
     </dsp:sp>
-    <dsp:sp modelId="{02B7F7A0-7738-4102-8EB9-C84314760816}">
+    <dsp:sp modelId="{E96C4471-EA35-40FC-A96D-B47C5AAA1EAE}">
       <dsp:nvSpPr>
         <dsp:cNvPr id="0" name=""/>
         <dsp:cNvSpPr/>
       </dsp:nvSpPr>
       <dsp:spPr>
         <a:xfrm>
-          <a:off x="0" y="1846281"/>
-          <a:ext cx="6900512" cy="0"/>
+          <a:off x="0" y="1451556"/>
+          <a:ext cx="10515600" cy="0"/>
         </a:xfrm>
         <a:prstGeom prst="line">
           <a:avLst/>
         </a:prstGeom>
         <a:solidFill>
-          <a:schemeClr val="accent4">
-            <a:hueOff val="0"/>
-            <a:satOff val="0"/>
-            <a:lumOff val="0"/>
+          <a:schemeClr val="accent5">
+            <a:hueOff val="-2703417"/>
+            <a:satOff val="-6968"/>
+            <a:lumOff val="-4706"/>
             <a:alphaOff val="0"/>
           </a:schemeClr>
         </a:solidFill>
         <a:ln w="12700" cap="flat" cmpd="sng" algn="ctr">
           <a:solidFill>
-            <a:schemeClr val="accent4">
-              <a:hueOff val="0"/>
-              <a:satOff val="0"/>
-              <a:lumOff val="0"/>
+            <a:schemeClr val="accent5">
+              <a:hueOff val="-2703417"/>
+              <a:satOff val="-6968"/>
+              <a:lumOff val="-4706"/>
               <a:alphaOff val="0"/>
             </a:schemeClr>
           </a:solidFill>
@@ -2902,15 +2770,15 @@
         </a:fontRef>
       </dsp:style>
     </dsp:sp>
-    <dsp:sp modelId="{C3694384-9669-4D5E-B5E4-4D73204F0954}">
+    <dsp:sp modelId="{CFD11270-0146-4BAB-A9A3-F7AE0A0E9BE5}">
       <dsp:nvSpPr>
         <dsp:cNvPr id="0" name=""/>
         <dsp:cNvSpPr/>
       </dsp:nvSpPr>
       <dsp:spPr>
         <a:xfrm>
-          <a:off x="0" y="1846281"/>
-          <a:ext cx="6900512" cy="921789"/>
+          <a:off x="0" y="1451556"/>
+          <a:ext cx="10515600" cy="724715"/>
         </a:xfrm>
         <a:prstGeom prst="rect">
           <a:avLst/>
@@ -2958,37 +2826,37 @@
         </a:p>
       </dsp:txBody>
       <dsp:txXfrm>
-        <a:off x="0" y="1846281"/>
-        <a:ext cx="6900512" cy="921789"/>
+        <a:off x="0" y="1451556"/>
+        <a:ext cx="10515600" cy="724715"/>
       </dsp:txXfrm>
     </dsp:sp>
-    <dsp:sp modelId="{46B8E525-F76C-4F33-8A9B-B9804EA7AB47}">
+    <dsp:sp modelId="{49AD6CBA-6779-455A-B468-5F6734536C4C}">
       <dsp:nvSpPr>
         <dsp:cNvPr id="0" name=""/>
         <dsp:cNvSpPr/>
       </dsp:nvSpPr>
       <dsp:spPr>
         <a:xfrm>
-          <a:off x="0" y="2768070"/>
-          <a:ext cx="6900512" cy="0"/>
+          <a:off x="0" y="2176271"/>
+          <a:ext cx="10515600" cy="0"/>
         </a:xfrm>
         <a:prstGeom prst="line">
           <a:avLst/>
         </a:prstGeom>
         <a:solidFill>
           <a:schemeClr val="accent5">
-            <a:hueOff val="0"/>
-            <a:satOff val="0"/>
-            <a:lumOff val="0"/>
+            <a:hueOff val="-4055126"/>
+            <a:satOff val="-10451"/>
+            <a:lumOff val="-7059"/>
             <a:alphaOff val="0"/>
           </a:schemeClr>
         </a:solidFill>
         <a:ln w="12700" cap="flat" cmpd="sng" algn="ctr">
           <a:solidFill>
             <a:schemeClr val="accent5">
-              <a:hueOff val="0"/>
-              <a:satOff val="0"/>
-              <a:lumOff val="0"/>
+              <a:hueOff val="-4055126"/>
+              <a:satOff val="-10451"/>
+              <a:lumOff val="-7059"/>
               <a:alphaOff val="0"/>
             </a:schemeClr>
           </a:solidFill>
@@ -3012,15 +2880,15 @@
         </a:fontRef>
       </dsp:style>
     </dsp:sp>
-    <dsp:sp modelId="{C64A33A1-9B75-4466-A777-F3E92AE605A1}">
+    <dsp:sp modelId="{CCE20B20-7E89-47F1-A7F7-EF40BEE9BE5C}">
       <dsp:nvSpPr>
         <dsp:cNvPr id="0" name=""/>
         <dsp:cNvSpPr/>
       </dsp:nvSpPr>
       <dsp:spPr>
         <a:xfrm>
-          <a:off x="0" y="2768070"/>
-          <a:ext cx="6900512" cy="921789"/>
+          <a:off x="0" y="2176271"/>
+          <a:ext cx="10515600" cy="724715"/>
         </a:xfrm>
         <a:prstGeom prst="rect">
           <a:avLst/>
@@ -3068,37 +2936,37 @@
         </a:p>
       </dsp:txBody>
       <dsp:txXfrm>
-        <a:off x="0" y="2768070"/>
-        <a:ext cx="6900512" cy="921789"/>
+        <a:off x="0" y="2176271"/>
+        <a:ext cx="10515600" cy="724715"/>
       </dsp:txXfrm>
     </dsp:sp>
-    <dsp:sp modelId="{A3E03601-3C90-41CB-BA35-76D3D8105485}">
+    <dsp:sp modelId="{A151E241-F879-4C72-98A1-14917D16EB0B}">
       <dsp:nvSpPr>
         <dsp:cNvPr id="0" name=""/>
         <dsp:cNvSpPr/>
       </dsp:nvSpPr>
       <dsp:spPr>
         <a:xfrm>
-          <a:off x="0" y="3689859"/>
-          <a:ext cx="6900512" cy="0"/>
+          <a:off x="0" y="2900987"/>
+          <a:ext cx="10515600" cy="0"/>
         </a:xfrm>
         <a:prstGeom prst="line">
           <a:avLst/>
         </a:prstGeom>
         <a:solidFill>
-          <a:schemeClr val="accent6">
-            <a:hueOff val="0"/>
-            <a:satOff val="0"/>
-            <a:lumOff val="0"/>
+          <a:schemeClr val="accent5">
+            <a:hueOff val="-5406834"/>
+            <a:satOff val="-13935"/>
+            <a:lumOff val="-9412"/>
             <a:alphaOff val="0"/>
           </a:schemeClr>
         </a:solidFill>
         <a:ln w="12700" cap="flat" cmpd="sng" algn="ctr">
           <a:solidFill>
-            <a:schemeClr val="accent6">
-              <a:hueOff val="0"/>
-              <a:satOff val="0"/>
-              <a:lumOff val="0"/>
+            <a:schemeClr val="accent5">
+              <a:hueOff val="-5406834"/>
+              <a:satOff val="-13935"/>
+              <a:lumOff val="-9412"/>
               <a:alphaOff val="0"/>
             </a:schemeClr>
           </a:solidFill>
@@ -3122,15 +2990,15 @@
         </a:fontRef>
       </dsp:style>
     </dsp:sp>
-    <dsp:sp modelId="{8C792DC6-7445-48C6-8917-57689B85EC64}">
+    <dsp:sp modelId="{40DD86A9-F626-47A8-86FA-54665C14A9EB}">
       <dsp:nvSpPr>
         <dsp:cNvPr id="0" name=""/>
         <dsp:cNvSpPr/>
       </dsp:nvSpPr>
       <dsp:spPr>
         <a:xfrm>
-          <a:off x="0" y="3689859"/>
-          <a:ext cx="6900512" cy="921789"/>
+          <a:off x="0" y="2900987"/>
+          <a:ext cx="10515600" cy="724715"/>
         </a:xfrm>
         <a:prstGeom prst="rect">
           <a:avLst/>
@@ -3183,37 +3051,37 @@
         </a:p>
       </dsp:txBody>
       <dsp:txXfrm>
-        <a:off x="0" y="3689859"/>
-        <a:ext cx="6900512" cy="921789"/>
+        <a:off x="0" y="2900987"/>
+        <a:ext cx="10515600" cy="724715"/>
       </dsp:txXfrm>
     </dsp:sp>
-    <dsp:sp modelId="{6FA233FA-EDF2-45BE-A98D-1790A8EEE87D}">
+    <dsp:sp modelId="{123B01EF-744A-4647-A6B6-B50D8B2F8B49}">
       <dsp:nvSpPr>
         <dsp:cNvPr id="0" name=""/>
         <dsp:cNvSpPr/>
       </dsp:nvSpPr>
       <dsp:spPr>
         <a:xfrm>
-          <a:off x="0" y="4611648"/>
-          <a:ext cx="6900512" cy="0"/>
+          <a:off x="0" y="3625703"/>
+          <a:ext cx="10515600" cy="0"/>
         </a:xfrm>
         <a:prstGeom prst="line">
           <a:avLst/>
         </a:prstGeom>
         <a:solidFill>
-          <a:schemeClr val="accent2">
-            <a:hueOff val="0"/>
-            <a:satOff val="0"/>
-            <a:lumOff val="0"/>
+          <a:schemeClr val="accent5">
+            <a:hueOff val="-6758543"/>
+            <a:satOff val="-17419"/>
+            <a:lumOff val="-11765"/>
             <a:alphaOff val="0"/>
           </a:schemeClr>
         </a:solidFill>
         <a:ln w="12700" cap="flat" cmpd="sng" algn="ctr">
           <a:solidFill>
-            <a:schemeClr val="accent2">
-              <a:hueOff val="0"/>
-              <a:satOff val="0"/>
-              <a:lumOff val="0"/>
+            <a:schemeClr val="accent5">
+              <a:hueOff val="-6758543"/>
+              <a:satOff val="-17419"/>
+              <a:lumOff val="-11765"/>
               <a:alphaOff val="0"/>
             </a:schemeClr>
           </a:solidFill>
@@ -3237,15 +3105,15 @@
         </a:fontRef>
       </dsp:style>
     </dsp:sp>
-    <dsp:sp modelId="{67B65199-7A9C-4FD6-A6C4-CB51F0537528}">
+    <dsp:sp modelId="{94110C75-E43A-48BE-9250-19E98BBB6E6B}">
       <dsp:nvSpPr>
         <dsp:cNvPr id="0" name=""/>
         <dsp:cNvSpPr/>
       </dsp:nvSpPr>
       <dsp:spPr>
         <a:xfrm>
-          <a:off x="0" y="4611648"/>
-          <a:ext cx="6900512" cy="921789"/>
+          <a:off x="0" y="3625703"/>
+          <a:ext cx="10515600" cy="724715"/>
         </a:xfrm>
         <a:prstGeom prst="rect">
           <a:avLst/>
@@ -3317,8 +3185,8 @@
         </a:p>
       </dsp:txBody>
       <dsp:txXfrm>
-        <a:off x="0" y="4611648"/>
-        <a:ext cx="6900512" cy="921789"/>
+        <a:off x="0" y="3625703"/>
+        <a:ext cx="10515600" cy="724715"/>
       </dsp:txXfrm>
     </dsp:sp>
   </dsp:spTree>
@@ -11102,7 +10970,7 @@
           <a:p>
             <a:r>
               <a:rPr lang="en-US" sz="2200" dirty="0"/>
-              <a:t>Let's take as an example, on of my award that I've secured in country-wide computer science algorithms student contest in 2005.</a:t>
+              <a:t>Let's take as an example, one of my award that I've secured in country-wide computer science algorithms student contest in 2005.</a:t>
             </a:r>
           </a:p>
         </p:txBody>
@@ -11193,10 +11061,10 @@
       </p:grpSpPr>
       <p:sp useBgFill="1">
         <p:nvSpPr>
-          <p:cNvPr id="9" name="Rectangle 8">
+          <p:cNvPr id="16" name="Rectangle 15">
             <a:extLst>
               <a:ext uri="{FF2B5EF4-FFF2-40B4-BE49-F238E27FC236}">
-                <a16:creationId xmlns:a16="http://schemas.microsoft.com/office/drawing/2014/main" id="{2E442304-DDBD-4F7B-8017-36BCC863FB40}"/>
+                <a16:creationId xmlns:a16="http://schemas.microsoft.com/office/drawing/2014/main" id="{955A2079-FA98-4876-80F0-72364A7D2EA4}"/>
               </a:ext>
               <a:ext uri="{C183D7F6-B498-43B3-948B-1728B52AA6E4}">
                 <adec:decorative xmlns:adec="http://schemas.microsoft.com/office/drawing/2017/decorative" val="1"/>
@@ -11216,7 +11084,7 @@
         </p:nvSpPr>
         <p:spPr>
           <a:xfrm>
-            <a:off x="0" y="0"/>
+            <a:off x="-1" y="0"/>
             <a:ext cx="12188952" cy="6858000"/>
           </a:xfrm>
           <a:prstGeom prst="rect">
@@ -11247,7 +11115,7 @@
           <a:lstStyle/>
           <a:p>
             <a:pPr algn="ctr"/>
-            <a:endParaRPr lang="en-US" dirty="0"/>
+            <a:endParaRPr lang="en-US"/>
           </a:p>
         </p:txBody>
       </p:sp>
@@ -11269,411 +11137,39 @@
         </p:nvSpPr>
         <p:spPr>
           <a:xfrm>
-            <a:off x="635000" y="640823"/>
-            <a:ext cx="3418659" cy="5583148"/>
+            <a:off x="838200" y="557188"/>
+            <a:ext cx="10515600" cy="1133499"/>
           </a:xfrm>
         </p:spPr>
         <p:txBody>
-          <a:bodyPr anchor="ctr">
+          <a:bodyPr>
             <a:normAutofit/>
           </a:bodyPr>
           <a:lstStyle/>
           <a:p>
+            <a:pPr algn="ctr"/>
             <a:r>
-              <a:rPr lang="en-US" sz="3400" b="0" i="0" dirty="0">
+              <a:rPr lang="en-US" sz="5200" b="0" i="0">
                 <a:effectLst/>
                 <a:latin typeface="Inter"/>
               </a:rPr>
               <a:t> </a:t>
             </a:r>
             <a:r>
-              <a:rPr lang="en-US" sz="3400" b="1" i="0" dirty="0">
+              <a:rPr lang="en-US" sz="5200" b="1" i="0">
                 <a:effectLst/>
                 <a:latin typeface="Inter"/>
               </a:rPr>
               <a:t>0.18%</a:t>
             </a:r>
             <a:r>
-              <a:rPr lang="en-US" sz="3400" b="0" i="0" dirty="0">
+              <a:rPr lang="en-US" sz="5200" b="0" i="0">
                 <a:effectLst/>
                 <a:latin typeface="Inter"/>
               </a:rPr>
               <a:t> explained</a:t>
             </a:r>
-            <a:endParaRPr lang="en-US" sz="3400" dirty="0"/>
-          </a:p>
-        </p:txBody>
-      </p:sp>
-      <p:sp>
-        <p:nvSpPr>
-          <p:cNvPr id="11" name="sketch line">
-            <a:extLst>
-              <a:ext uri="{FF2B5EF4-FFF2-40B4-BE49-F238E27FC236}">
-                <a16:creationId xmlns:a16="http://schemas.microsoft.com/office/drawing/2014/main" id="{5E107275-3853-46FD-A241-DE4355A42675}"/>
-              </a:ext>
-              <a:ext uri="{C183D7F6-B498-43B3-948B-1728B52AA6E4}">
-                <adec:decorative xmlns:adec="http://schemas.microsoft.com/office/drawing/2017/decorative" val="1"/>
-              </a:ext>
-            </a:extLst>
-          </p:cNvPr>
-          <p:cNvSpPr>
-            <a:spLocks noGrp="1" noRot="1" noChangeAspect="1" noMove="1" noResize="1" noEditPoints="1" noAdjustHandles="1" noChangeArrowheads="1" noChangeShapeType="1" noTextEdit="1"/>
-          </p:cNvSpPr>
-          <p:nvPr>
-            <p:extLst>
-              <p:ext uri="{386F3935-93C4-4BCD-93E2-E3B085C9AB24}">
-                <p16:designElem xmlns:p16="http://schemas.microsoft.com/office/powerpoint/2015/main" val="1"/>
-              </p:ext>
-            </p:extLst>
-          </p:nvPr>
-        </p:nvSpPr>
-        <p:spPr>
-          <a:xfrm rot="5400000">
-            <a:off x="1627450" y="3462719"/>
-            <a:ext cx="5410200" cy="18288"/>
-          </a:xfrm>
-          <a:custGeom>
-            <a:avLst/>
-            <a:gdLst>
-              <a:gd name="connsiteX0" fmla="*/ 0 w 5410200"/>
-              <a:gd name="connsiteY0" fmla="*/ 0 h 18288"/>
-              <a:gd name="connsiteX1" fmla="*/ 568071 w 5410200"/>
-              <a:gd name="connsiteY1" fmla="*/ 0 h 18288"/>
-              <a:gd name="connsiteX2" fmla="*/ 1298448 w 5410200"/>
-              <a:gd name="connsiteY2" fmla="*/ 0 h 18288"/>
-              <a:gd name="connsiteX3" fmla="*/ 1920621 w 5410200"/>
-              <a:gd name="connsiteY3" fmla="*/ 0 h 18288"/>
-              <a:gd name="connsiteX4" fmla="*/ 2488692 w 5410200"/>
-              <a:gd name="connsiteY4" fmla="*/ 0 h 18288"/>
-              <a:gd name="connsiteX5" fmla="*/ 3219069 w 5410200"/>
-              <a:gd name="connsiteY5" fmla="*/ 0 h 18288"/>
-              <a:gd name="connsiteX6" fmla="*/ 3895344 w 5410200"/>
-              <a:gd name="connsiteY6" fmla="*/ 0 h 18288"/>
-              <a:gd name="connsiteX7" fmla="*/ 4571619 w 5410200"/>
-              <a:gd name="connsiteY7" fmla="*/ 0 h 18288"/>
-              <a:gd name="connsiteX8" fmla="*/ 5410200 w 5410200"/>
-              <a:gd name="connsiteY8" fmla="*/ 0 h 18288"/>
-              <a:gd name="connsiteX9" fmla="*/ 5410200 w 5410200"/>
-              <a:gd name="connsiteY9" fmla="*/ 18288 h 18288"/>
-              <a:gd name="connsiteX10" fmla="*/ 4842129 w 5410200"/>
-              <a:gd name="connsiteY10" fmla="*/ 18288 h 18288"/>
-              <a:gd name="connsiteX11" fmla="*/ 4328160 w 5410200"/>
-              <a:gd name="connsiteY11" fmla="*/ 18288 h 18288"/>
-              <a:gd name="connsiteX12" fmla="*/ 3597783 w 5410200"/>
-              <a:gd name="connsiteY12" fmla="*/ 18288 h 18288"/>
-              <a:gd name="connsiteX13" fmla="*/ 3029712 w 5410200"/>
-              <a:gd name="connsiteY13" fmla="*/ 18288 h 18288"/>
-              <a:gd name="connsiteX14" fmla="*/ 2299335 w 5410200"/>
-              <a:gd name="connsiteY14" fmla="*/ 18288 h 18288"/>
-              <a:gd name="connsiteX15" fmla="*/ 1514856 w 5410200"/>
-              <a:gd name="connsiteY15" fmla="*/ 18288 h 18288"/>
-              <a:gd name="connsiteX16" fmla="*/ 892683 w 5410200"/>
-              <a:gd name="connsiteY16" fmla="*/ 18288 h 18288"/>
-              <a:gd name="connsiteX17" fmla="*/ 0 w 5410200"/>
-              <a:gd name="connsiteY17" fmla="*/ 18288 h 18288"/>
-              <a:gd name="connsiteX18" fmla="*/ 0 w 5410200"/>
-              <a:gd name="connsiteY18" fmla="*/ 0 h 18288"/>
-            </a:gdLst>
-            <a:ahLst/>
-            <a:cxnLst>
-              <a:cxn ang="0">
-                <a:pos x="connsiteX0" y="connsiteY0"/>
-              </a:cxn>
-              <a:cxn ang="0">
-                <a:pos x="connsiteX1" y="connsiteY1"/>
-              </a:cxn>
-              <a:cxn ang="0">
-                <a:pos x="connsiteX2" y="connsiteY2"/>
-              </a:cxn>
-              <a:cxn ang="0">
-                <a:pos x="connsiteX3" y="connsiteY3"/>
-              </a:cxn>
-              <a:cxn ang="0">
-                <a:pos x="connsiteX4" y="connsiteY4"/>
-              </a:cxn>
-              <a:cxn ang="0">
-                <a:pos x="connsiteX5" y="connsiteY5"/>
-              </a:cxn>
-              <a:cxn ang="0">
-                <a:pos x="connsiteX6" y="connsiteY6"/>
-              </a:cxn>
-              <a:cxn ang="0">
-                <a:pos x="connsiteX7" y="connsiteY7"/>
-              </a:cxn>
-              <a:cxn ang="0">
-                <a:pos x="connsiteX8" y="connsiteY8"/>
-              </a:cxn>
-              <a:cxn ang="0">
-                <a:pos x="connsiteX9" y="connsiteY9"/>
-              </a:cxn>
-              <a:cxn ang="0">
-                <a:pos x="connsiteX10" y="connsiteY10"/>
-              </a:cxn>
-              <a:cxn ang="0">
-                <a:pos x="connsiteX11" y="connsiteY11"/>
-              </a:cxn>
-              <a:cxn ang="0">
-                <a:pos x="connsiteX12" y="connsiteY12"/>
-              </a:cxn>
-              <a:cxn ang="0">
-                <a:pos x="connsiteX13" y="connsiteY13"/>
-              </a:cxn>
-              <a:cxn ang="0">
-                <a:pos x="connsiteX14" y="connsiteY14"/>
-              </a:cxn>
-              <a:cxn ang="0">
-                <a:pos x="connsiteX15" y="connsiteY15"/>
-              </a:cxn>
-              <a:cxn ang="0">
-                <a:pos x="connsiteX16" y="connsiteY16"/>
-              </a:cxn>
-              <a:cxn ang="0">
-                <a:pos x="connsiteX17" y="connsiteY17"/>
-              </a:cxn>
-              <a:cxn ang="0">
-                <a:pos x="connsiteX18" y="connsiteY18"/>
-              </a:cxn>
-            </a:cxnLst>
-            <a:rect l="l" t="t" r="r" b="b"/>
-            <a:pathLst>
-              <a:path w="5410200" h="18288" fill="none" extrusionOk="0">
-                <a:moveTo>
-                  <a:pt x="0" y="0"/>
-                </a:moveTo>
-                <a:cubicBezTo>
-                  <a:pt x="163050" y="-18707"/>
-                  <a:pt x="319321" y="-16364"/>
-                  <a:pt x="568071" y="0"/>
-                </a:cubicBezTo>
-                <a:cubicBezTo>
-                  <a:pt x="816821" y="16364"/>
-                  <a:pt x="1013224" y="-7268"/>
-                  <a:pt x="1298448" y="0"/>
-                </a:cubicBezTo>
-                <a:cubicBezTo>
-                  <a:pt x="1583672" y="7268"/>
-                  <a:pt x="1631711" y="-3367"/>
-                  <a:pt x="1920621" y="0"/>
-                </a:cubicBezTo>
-                <a:cubicBezTo>
-                  <a:pt x="2209531" y="3367"/>
-                  <a:pt x="2364420" y="-19184"/>
-                  <a:pt x="2488692" y="0"/>
-                </a:cubicBezTo>
-                <a:cubicBezTo>
-                  <a:pt x="2612964" y="19184"/>
-                  <a:pt x="3023298" y="-34627"/>
-                  <a:pt x="3219069" y="0"/>
-                </a:cubicBezTo>
-                <a:cubicBezTo>
-                  <a:pt x="3414840" y="34627"/>
-                  <a:pt x="3656810" y="24043"/>
-                  <a:pt x="3895344" y="0"/>
-                </a:cubicBezTo>
-                <a:cubicBezTo>
-                  <a:pt x="4133879" y="-24043"/>
-                  <a:pt x="4393984" y="-19577"/>
-                  <a:pt x="4571619" y="0"/>
-                </a:cubicBezTo>
-                <a:cubicBezTo>
-                  <a:pt x="4749255" y="19577"/>
-                  <a:pt x="5179928" y="-6281"/>
-                  <a:pt x="5410200" y="0"/>
-                </a:cubicBezTo>
-                <a:cubicBezTo>
-                  <a:pt x="5410730" y="6954"/>
-                  <a:pt x="5410934" y="12839"/>
-                  <a:pt x="5410200" y="18288"/>
-                </a:cubicBezTo>
-                <a:cubicBezTo>
-                  <a:pt x="5139060" y="6751"/>
-                  <a:pt x="5121593" y="31035"/>
-                  <a:pt x="4842129" y="18288"/>
-                </a:cubicBezTo>
-                <a:cubicBezTo>
-                  <a:pt x="4562665" y="5541"/>
-                  <a:pt x="4448273" y="9487"/>
-                  <a:pt x="4328160" y="18288"/>
-                </a:cubicBezTo>
-                <a:cubicBezTo>
-                  <a:pt x="4208047" y="27089"/>
-                  <a:pt x="3760936" y="22567"/>
-                  <a:pt x="3597783" y="18288"/>
-                </a:cubicBezTo>
-                <a:cubicBezTo>
-                  <a:pt x="3434630" y="14009"/>
-                  <a:pt x="3299718" y="33213"/>
-                  <a:pt x="3029712" y="18288"/>
-                </a:cubicBezTo>
-                <a:cubicBezTo>
-                  <a:pt x="2759706" y="3363"/>
-                  <a:pt x="2640159" y="27394"/>
-                  <a:pt x="2299335" y="18288"/>
-                </a:cubicBezTo>
-                <a:cubicBezTo>
-                  <a:pt x="1958511" y="9182"/>
-                  <a:pt x="1801186" y="28985"/>
-                  <a:pt x="1514856" y="18288"/>
-                </a:cubicBezTo>
-                <a:cubicBezTo>
-                  <a:pt x="1228526" y="7591"/>
-                  <a:pt x="1063509" y="-5305"/>
-                  <a:pt x="892683" y="18288"/>
-                </a:cubicBezTo>
-                <a:cubicBezTo>
-                  <a:pt x="721857" y="41881"/>
-                  <a:pt x="186945" y="-20897"/>
-                  <a:pt x="0" y="18288"/>
-                </a:cubicBezTo>
-                <a:cubicBezTo>
-                  <a:pt x="-570" y="9279"/>
-                  <a:pt x="132" y="5100"/>
-                  <a:pt x="0" y="0"/>
-                </a:cubicBezTo>
-                <a:close/>
-              </a:path>
-              <a:path w="5410200" h="18288" stroke="0" extrusionOk="0">
-                <a:moveTo>
-                  <a:pt x="0" y="0"/>
-                </a:moveTo>
-                <a:cubicBezTo>
-                  <a:pt x="285096" y="-4925"/>
-                  <a:pt x="376456" y="22268"/>
-                  <a:pt x="622173" y="0"/>
-                </a:cubicBezTo>
-                <a:cubicBezTo>
-                  <a:pt x="867890" y="-22268"/>
-                  <a:pt x="1031392" y="7228"/>
-                  <a:pt x="1136142" y="0"/>
-                </a:cubicBezTo>
-                <a:cubicBezTo>
-                  <a:pt x="1240892" y="-7228"/>
-                  <a:pt x="1561853" y="9877"/>
-                  <a:pt x="1920621" y="0"/>
-                </a:cubicBezTo>
-                <a:cubicBezTo>
-                  <a:pt x="2279389" y="-9877"/>
-                  <a:pt x="2367255" y="19546"/>
-                  <a:pt x="2542794" y="0"/>
-                </a:cubicBezTo>
-                <a:cubicBezTo>
-                  <a:pt x="2718333" y="-19546"/>
-                  <a:pt x="2866732" y="-22226"/>
-                  <a:pt x="3164967" y="0"/>
-                </a:cubicBezTo>
-                <a:cubicBezTo>
-                  <a:pt x="3463202" y="22226"/>
-                  <a:pt x="3568055" y="-2765"/>
-                  <a:pt x="3949446" y="0"/>
-                </a:cubicBezTo>
-                <a:cubicBezTo>
-                  <a:pt x="4330837" y="2765"/>
-                  <a:pt x="4287895" y="10557"/>
-                  <a:pt x="4517517" y="0"/>
-                </a:cubicBezTo>
-                <a:cubicBezTo>
-                  <a:pt x="4747139" y="-10557"/>
-                  <a:pt x="5149588" y="8716"/>
-                  <a:pt x="5410200" y="0"/>
-                </a:cubicBezTo>
-                <a:cubicBezTo>
-                  <a:pt x="5409517" y="5414"/>
-                  <a:pt x="5409480" y="12510"/>
-                  <a:pt x="5410200" y="18288"/>
-                </a:cubicBezTo>
-                <a:cubicBezTo>
-                  <a:pt x="5163327" y="41494"/>
-                  <a:pt x="5008749" y="10693"/>
-                  <a:pt x="4842129" y="18288"/>
-                </a:cubicBezTo>
-                <a:cubicBezTo>
-                  <a:pt x="4675509" y="25883"/>
-                  <a:pt x="4433401" y="-615"/>
-                  <a:pt x="4165854" y="18288"/>
-                </a:cubicBezTo>
-                <a:cubicBezTo>
-                  <a:pt x="3898308" y="37191"/>
-                  <a:pt x="3809032" y="-8710"/>
-                  <a:pt x="3543681" y="18288"/>
-                </a:cubicBezTo>
-                <a:cubicBezTo>
-                  <a:pt x="3278330" y="45286"/>
-                  <a:pt x="3073876" y="-15917"/>
-                  <a:pt x="2759202" y="18288"/>
-                </a:cubicBezTo>
-                <a:cubicBezTo>
-                  <a:pt x="2444528" y="52493"/>
-                  <a:pt x="2204144" y="3372"/>
-                  <a:pt x="1974723" y="18288"/>
-                </a:cubicBezTo>
-                <a:cubicBezTo>
-                  <a:pt x="1745302" y="33204"/>
-                  <a:pt x="1602335" y="31490"/>
-                  <a:pt x="1406652" y="18288"/>
-                </a:cubicBezTo>
-                <a:cubicBezTo>
-                  <a:pt x="1210969" y="5086"/>
-                  <a:pt x="923948" y="3161"/>
-                  <a:pt x="730377" y="18288"/>
-                </a:cubicBezTo>
-                <a:cubicBezTo>
-                  <a:pt x="536806" y="33415"/>
-                  <a:pt x="336496" y="-141"/>
-                  <a:pt x="0" y="18288"/>
-                </a:cubicBezTo>
-                <a:cubicBezTo>
-                  <a:pt x="-306" y="11061"/>
-                  <a:pt x="-655" y="7751"/>
-                  <a:pt x="0" y="0"/>
-                </a:cubicBezTo>
-                <a:close/>
-              </a:path>
-            </a:pathLst>
-          </a:custGeom>
-          <a:solidFill>
-            <a:schemeClr val="accent2"/>
-          </a:solidFill>
-          <a:ln w="41275" cap="rnd">
-            <a:solidFill>
-              <a:schemeClr val="accent2"/>
-            </a:solidFill>
-            <a:round/>
-            <a:extLst>
-              <a:ext uri="{C807C97D-BFC1-408E-A445-0C87EB9F89A2}">
-                <ask:lineSketchStyleProps xmlns:ask="http://schemas.microsoft.com/office/drawing/2018/sketchyshapes" sd="1219033472">
-                  <a:prstGeom prst="rect">
-                    <a:avLst/>
-                  </a:prstGeom>
-                  <ask:type>
-                    <ask:lineSketchFreehand/>
-                  </ask:type>
-                </ask:lineSketchStyleProps>
-              </a:ext>
-            </a:extLst>
-          </a:ln>
-        </p:spPr>
-        <p:style>
-          <a:lnRef idx="2">
-            <a:schemeClr val="accent1">
-              <a:shade val="50000"/>
-            </a:schemeClr>
-          </a:lnRef>
-          <a:fillRef idx="1">
-            <a:schemeClr val="accent1"/>
-          </a:fillRef>
-          <a:effectRef idx="0">
-            <a:schemeClr val="accent1"/>
-          </a:effectRef>
-          <a:fontRef idx="minor">
-            <a:schemeClr val="lt1"/>
-          </a:fontRef>
-        </p:style>
-        <p:txBody>
-          <a:bodyPr rtlCol="0" anchor="ctr"/>
-          <a:lstStyle/>
-          <a:p>
-            <a:pPr algn="ctr"/>
-            <a:endParaRPr lang="en-US" dirty="0"/>
+            <a:endParaRPr lang="en-US" sz="5200"/>
           </a:p>
         </p:txBody>
       </p:sp>
@@ -11693,14 +11189,14 @@
             <p:ph idx="1"/>
             <p:extLst>
               <p:ext uri="{D42A27DB-BD31-4B8C-83A1-F6EECF244321}">
-                <p14:modId xmlns:p14="http://schemas.microsoft.com/office/powerpoint/2010/main" val="2948039577"/>
+                <p14:modId xmlns:p14="http://schemas.microsoft.com/office/powerpoint/2010/main" val="4270985209"/>
               </p:ext>
             </p:extLst>
           </p:nvPr>
         </p:nvGraphicFramePr>
         <p:xfrm>
-          <a:off x="4648018" y="640822"/>
-          <a:ext cx="6900512" cy="5536141"/>
+          <a:off x="838200" y="1828800"/>
+          <a:ext cx="10515600" cy="4352544"/>
         </p:xfrm>
         <a:graphic>
           <a:graphicData uri="http://schemas.openxmlformats.org/drawingml/2006/diagram">

--- a/attachments/DmytroBrazhnyk-Resume-Attachments.pptx
+++ b/attachments/DmytroBrazhnyk-Resume-Attachments.pptx
@@ -7,7 +7,7 @@
   <p:sldIdLst>
     <p:sldId id="256" r:id="rId2"/>
     <p:sldId id="257" r:id="rId3"/>
-    <p:sldId id="258" r:id="rId4"/>
+    <p:sldId id="266" r:id="rId4"/>
     <p:sldId id="259" r:id="rId5"/>
     <p:sldId id="261" r:id="rId6"/>
     <p:sldId id="262" r:id="rId7"/>
@@ -121,15 +121,15 @@
 </file>
 
 <file path=ppt/diagrams/colors1.xml><?xml version="1.0" encoding="utf-8"?>
-<dgm:colorsDef xmlns:dgm="http://schemas.openxmlformats.org/drawingml/2006/diagram" xmlns:a="http://schemas.openxmlformats.org/drawingml/2006/main" uniqueId="urn:microsoft.com/office/officeart/2005/8/colors/colorful5">
+<dgm:colorsDef xmlns:dgm="http://schemas.openxmlformats.org/drawingml/2006/diagram" xmlns:a="http://schemas.openxmlformats.org/drawingml/2006/main" uniqueId="urn:microsoft.com/office/officeart/2005/8/colors/accent1_2">
   <dgm:title val=""/>
   <dgm:desc val=""/>
   <dgm:catLst>
-    <dgm:cat type="colorful" pri="10500"/>
+    <dgm:cat type="accent1" pri="11200"/>
   </dgm:catLst>
   <dgm:styleLbl name="node0">
     <dgm:fillClrLst meth="repeat">
-      <a:schemeClr val="accent4"/>
+      <a:schemeClr val="accent1"/>
     </dgm:fillClrLst>
     <dgm:linClrLst meth="repeat">
       <a:schemeClr val="lt1"/>
@@ -139,10 +139,21 @@
     <dgm:txFillClrLst/>
     <dgm:txEffectClrLst/>
   </dgm:styleLbl>
+  <dgm:styleLbl name="alignNode1">
+    <dgm:fillClrLst meth="repeat">
+      <a:schemeClr val="accent1"/>
+    </dgm:fillClrLst>
+    <dgm:linClrLst meth="repeat">
+      <a:schemeClr val="accent1"/>
+    </dgm:linClrLst>
+    <dgm:effectClrLst/>
+    <dgm:txLinClrLst/>
+    <dgm:txFillClrLst/>
+    <dgm:txEffectClrLst/>
+  </dgm:styleLbl>
   <dgm:styleLbl name="node1">
-    <dgm:fillClrLst>
-      <a:schemeClr val="accent5"/>
-      <a:schemeClr val="accent6"/>
+    <dgm:fillClrLst meth="repeat">
+      <a:schemeClr val="accent1"/>
     </dgm:fillClrLst>
     <dgm:linClrLst meth="repeat">
       <a:schemeClr val="lt1"/>
@@ -152,24 +163,9 @@
     <dgm:txFillClrLst/>
     <dgm:txEffectClrLst/>
   </dgm:styleLbl>
-  <dgm:styleLbl name="alignNode1">
-    <dgm:fillClrLst>
-      <a:schemeClr val="accent5"/>
-      <a:schemeClr val="accent6"/>
-    </dgm:fillClrLst>
-    <dgm:linClrLst>
-      <a:schemeClr val="accent5"/>
-      <a:schemeClr val="accent6"/>
-    </dgm:linClrLst>
-    <dgm:effectClrLst/>
-    <dgm:txLinClrLst/>
-    <dgm:txFillClrLst/>
-    <dgm:txEffectClrLst/>
-  </dgm:styleLbl>
   <dgm:styleLbl name="lnNode1">
-    <dgm:fillClrLst>
-      <a:schemeClr val="accent5"/>
-      <a:schemeClr val="accent6"/>
+    <dgm:fillClrLst meth="repeat">
+      <a:schemeClr val="accent1"/>
     </dgm:fillClrLst>
     <dgm:linClrLst meth="repeat">
       <a:schemeClr val="lt1"/>
@@ -180,11 +176,8 @@
     <dgm:txEffectClrLst/>
   </dgm:styleLbl>
   <dgm:styleLbl name="vennNode1">
-    <dgm:fillClrLst>
-      <a:schemeClr val="accent5">
-        <a:alpha val="50000"/>
-      </a:schemeClr>
-      <a:schemeClr val="accent6">
+    <dgm:fillClrLst meth="repeat">
+      <a:schemeClr val="accent1">
         <a:alpha val="50000"/>
       </a:schemeClr>
     </dgm:fillClrLst>
@@ -197,19 +190,7 @@
     <dgm:txEffectClrLst/>
   </dgm:styleLbl>
   <dgm:styleLbl name="node2">
-    <dgm:fillClrLst>
-      <a:schemeClr val="accent6"/>
-    </dgm:fillClrLst>
-    <dgm:linClrLst meth="repeat">
-      <a:schemeClr val="lt1"/>
-    </dgm:linClrLst>
-    <dgm:effectClrLst/>
-    <dgm:txLinClrLst/>
-    <dgm:txFillClrLst/>
-    <dgm:txEffectClrLst/>
-  </dgm:styleLbl>
-  <dgm:styleLbl name="node3">
-    <dgm:fillClrLst>
+    <dgm:fillClrLst meth="repeat">
       <a:schemeClr val="accent1"/>
     </dgm:fillClrLst>
     <dgm:linClrLst meth="repeat">
@@ -220,9 +201,9 @@
     <dgm:txFillClrLst/>
     <dgm:txEffectClrLst/>
   </dgm:styleLbl>
-  <dgm:styleLbl name="node4">
-    <dgm:fillClrLst>
-      <a:schemeClr val="accent2"/>
+  <dgm:styleLbl name="node3">
+    <dgm:fillClrLst meth="repeat">
+      <a:schemeClr val="accent1"/>
     </dgm:fillClrLst>
     <dgm:linClrLst meth="repeat">
       <a:schemeClr val="lt1"/>
@@ -232,12 +213,21 @@
     <dgm:txFillClrLst/>
     <dgm:txEffectClrLst/>
   </dgm:styleLbl>
+  <dgm:styleLbl name="node4">
+    <dgm:fillClrLst meth="repeat">
+      <a:schemeClr val="accent1"/>
+    </dgm:fillClrLst>
+    <dgm:linClrLst meth="repeat">
+      <a:schemeClr val="lt1"/>
+    </dgm:linClrLst>
+    <dgm:effectClrLst/>
+    <dgm:txLinClrLst/>
+    <dgm:txFillClrLst/>
+    <dgm:txEffectClrLst/>
+  </dgm:styleLbl>
   <dgm:styleLbl name="fgImgPlace1">
-    <dgm:fillClrLst>
-      <a:schemeClr val="accent5">
-        <a:tint val="50000"/>
-      </a:schemeClr>
-      <a:schemeClr val="accent6">
+    <dgm:fillClrLst meth="repeat">
+      <a:schemeClr val="accent1">
         <a:tint val="50000"/>
       </a:schemeClr>
     </dgm:fillClrLst>
@@ -252,12 +242,9 @@
     <dgm:txEffectClrLst/>
   </dgm:styleLbl>
   <dgm:styleLbl name="alignImgPlace1">
-    <dgm:fillClrLst>
-      <a:schemeClr val="accent5">
+    <dgm:fillClrLst meth="repeat">
+      <a:schemeClr val="accent1">
         <a:tint val="50000"/>
-      </a:schemeClr>
-      <a:schemeClr val="accent6">
-        <a:tint val="20000"/>
       </a:schemeClr>
     </dgm:fillClrLst>
     <dgm:linClrLst meth="repeat">
@@ -271,12 +258,9 @@
     <dgm:txEffectClrLst/>
   </dgm:styleLbl>
   <dgm:styleLbl name="bgImgPlace1">
-    <dgm:fillClrLst>
-      <a:schemeClr val="accent5">
+    <dgm:fillClrLst meth="repeat">
+      <a:schemeClr val="accent1">
         <a:tint val="50000"/>
-      </a:schemeClr>
-      <a:schemeClr val="accent6">
-        <a:tint val="20000"/>
       </a:schemeClr>
     </dgm:fillClrLst>
     <dgm:linClrLst meth="repeat">
@@ -290,84 +274,14 @@
     <dgm:txEffectClrLst/>
   </dgm:styleLbl>
   <dgm:styleLbl name="sibTrans2D1">
-    <dgm:fillClrLst>
-      <a:schemeClr val="accent5"/>
-      <a:schemeClr val="accent6"/>
+    <dgm:fillClrLst meth="repeat">
+      <a:schemeClr val="accent1">
+        <a:tint val="60000"/>
+      </a:schemeClr>
     </dgm:fillClrLst>
     <dgm:linClrLst meth="repeat">
-      <a:schemeClr val="lt1"/>
-    </dgm:linClrLst>
-    <dgm:effectClrLst/>
-    <dgm:txLinClrLst/>
-    <dgm:txFillClrLst/>
-    <dgm:txEffectClrLst/>
-  </dgm:styleLbl>
-  <dgm:styleLbl name="fgSibTrans2D1">
-    <dgm:fillClrLst>
-      <a:schemeClr val="accent5"/>
-      <a:schemeClr val="accent6"/>
-    </dgm:fillClrLst>
-    <dgm:linClrLst meth="repeat">
-      <a:schemeClr val="lt1"/>
-    </dgm:linClrLst>
-    <dgm:effectClrLst/>
-    <dgm:txLinClrLst/>
-    <dgm:txFillClrLst meth="repeat">
-      <a:schemeClr val="lt1"/>
-    </dgm:txFillClrLst>
-    <dgm:txEffectClrLst/>
-  </dgm:styleLbl>
-  <dgm:styleLbl name="bgSibTrans2D1">
-    <dgm:fillClrLst>
-      <a:schemeClr val="accent5"/>
-      <a:schemeClr val="accent6"/>
-    </dgm:fillClrLst>
-    <dgm:linClrLst meth="repeat">
-      <a:schemeClr val="lt1"/>
-    </dgm:linClrLst>
-    <dgm:effectClrLst/>
-    <dgm:txLinClrLst/>
-    <dgm:txFillClrLst meth="repeat">
-      <a:schemeClr val="lt1"/>
-    </dgm:txFillClrLst>
-    <dgm:txEffectClrLst/>
-  </dgm:styleLbl>
-  <dgm:styleLbl name="sibTrans1D1">
-    <dgm:fillClrLst/>
-    <dgm:linClrLst>
-      <a:schemeClr val="accent5"/>
-      <a:schemeClr val="accent6"/>
-    </dgm:linClrLst>
-    <dgm:effectClrLst/>
-    <dgm:txLinClrLst/>
-    <dgm:txFillClrLst meth="repeat">
-      <a:schemeClr val="tx1"/>
-    </dgm:txFillClrLst>
-    <dgm:txEffectClrLst/>
-  </dgm:styleLbl>
-  <dgm:styleLbl name="callout">
-    <dgm:fillClrLst meth="repeat">
-      <a:schemeClr val="accent5"/>
-    </dgm:fillClrLst>
-    <dgm:linClrLst meth="repeat">
-      <a:schemeClr val="accent5">
-        <a:tint val="50000"/>
-      </a:schemeClr>
-    </dgm:linClrLst>
-    <dgm:effectClrLst/>
-    <dgm:txLinClrLst/>
-    <dgm:txFillClrLst meth="repeat">
-      <a:schemeClr val="tx1"/>
-    </dgm:txFillClrLst>
-    <dgm:txEffectClrLst/>
-  </dgm:styleLbl>
-  <dgm:styleLbl name="asst0">
-    <dgm:fillClrLst meth="repeat">
-      <a:schemeClr val="accent5"/>
-    </dgm:fillClrLst>
-    <dgm:linClrLst meth="repeat">
-      <a:schemeClr val="lt1">
-        <a:shade val="80000"/>
+      <a:schemeClr val="accent1">
+        <a:tint val="60000"/>
       </a:schemeClr>
     </dgm:linClrLst>
     <dgm:effectClrLst/>
@@ -375,13 +289,15 @@
     <dgm:txFillClrLst/>
     <dgm:txEffectClrLst/>
   </dgm:styleLbl>
-  <dgm:styleLbl name="asst1">
+  <dgm:styleLbl name="fgSibTrans2D1">
     <dgm:fillClrLst meth="repeat">
-      <a:schemeClr val="accent6"/>
+      <a:schemeClr val="accent1">
+        <a:tint val="60000"/>
+      </a:schemeClr>
     </dgm:fillClrLst>
     <dgm:linClrLst meth="repeat">
-      <a:schemeClr val="lt1">
-        <a:shade val="80000"/>
+      <a:schemeClr val="accent1">
+        <a:tint val="60000"/>
       </a:schemeClr>
     </dgm:linClrLst>
     <dgm:effectClrLst/>
@@ -389,129 +305,25 @@
     <dgm:txFillClrLst/>
     <dgm:txEffectClrLst/>
   </dgm:styleLbl>
-  <dgm:styleLbl name="asst2">
-    <dgm:fillClrLst>
-      <a:schemeClr val="accent1"/>
+  <dgm:styleLbl name="bgSibTrans2D1">
+    <dgm:fillClrLst meth="repeat">
+      <a:schemeClr val="accent1">
+        <a:tint val="60000"/>
+      </a:schemeClr>
     </dgm:fillClrLst>
     <dgm:linClrLst meth="repeat">
-      <a:schemeClr val="lt1"/>
+      <a:schemeClr val="accent1">
+        <a:tint val="60000"/>
+      </a:schemeClr>
     </dgm:linClrLst>
     <dgm:effectClrLst/>
     <dgm:txLinClrLst/>
     <dgm:txFillClrLst/>
     <dgm:txEffectClrLst/>
   </dgm:styleLbl>
-  <dgm:styleLbl name="asst3">
-    <dgm:fillClrLst>
-      <a:schemeClr val="accent2"/>
-    </dgm:fillClrLst>
-    <dgm:linClrLst meth="repeat">
-      <a:schemeClr val="lt1"/>
-    </dgm:linClrLst>
-    <dgm:effectClrLst/>
-    <dgm:txLinClrLst/>
-    <dgm:txFillClrLst/>
-    <dgm:txEffectClrLst/>
-  </dgm:styleLbl>
-  <dgm:styleLbl name="asst4">
-    <dgm:fillClrLst>
-      <a:schemeClr val="accent3"/>
-    </dgm:fillClrLst>
-    <dgm:linClrLst meth="repeat">
-      <a:schemeClr val="lt1"/>
-    </dgm:linClrLst>
-    <dgm:effectClrLst/>
-    <dgm:txLinClrLst/>
-    <dgm:txFillClrLst/>
-    <dgm:txEffectClrLst/>
-  </dgm:styleLbl>
-  <dgm:styleLbl name="parChTrans2D1">
-    <dgm:fillClrLst meth="repeat">
-      <a:schemeClr val="accent5"/>
-    </dgm:fillClrLst>
-    <dgm:linClrLst meth="repeat">
-      <a:schemeClr val="lt1"/>
-    </dgm:linClrLst>
-    <dgm:effectClrLst/>
-    <dgm:txLinClrLst/>
-    <dgm:txFillClrLst meth="repeat">
-      <a:schemeClr val="lt1"/>
-    </dgm:txFillClrLst>
-    <dgm:txEffectClrLst/>
-  </dgm:styleLbl>
-  <dgm:styleLbl name="parChTrans2D2">
-    <dgm:fillClrLst meth="repeat">
-      <a:schemeClr val="accent6"/>
-    </dgm:fillClrLst>
-    <dgm:linClrLst meth="repeat">
-      <a:schemeClr val="lt1"/>
-    </dgm:linClrLst>
-    <dgm:effectClrLst/>
-    <dgm:txLinClrLst/>
-    <dgm:txFillClrLst/>
-    <dgm:txEffectClrLst/>
-  </dgm:styleLbl>
-  <dgm:styleLbl name="parChTrans2D3">
-    <dgm:fillClrLst meth="repeat">
-      <a:schemeClr val="accent6"/>
-    </dgm:fillClrLst>
-    <dgm:linClrLst meth="repeat">
-      <a:schemeClr val="lt1"/>
-    </dgm:linClrLst>
-    <dgm:effectClrLst/>
-    <dgm:txLinClrLst/>
-    <dgm:txFillClrLst/>
-    <dgm:txEffectClrLst/>
-  </dgm:styleLbl>
-  <dgm:styleLbl name="parChTrans2D4">
+  <dgm:styleLbl name="sibTrans1D1">
     <dgm:fillClrLst meth="repeat">
       <a:schemeClr val="accent1"/>
-    </dgm:fillClrLst>
-    <dgm:linClrLst meth="repeat">
-      <a:schemeClr val="lt1"/>
-    </dgm:linClrLst>
-    <dgm:effectClrLst/>
-    <dgm:txLinClrLst/>
-    <dgm:txFillClrLst meth="repeat">
-      <a:schemeClr val="lt1"/>
-    </dgm:txFillClrLst>
-    <dgm:txEffectClrLst/>
-  </dgm:styleLbl>
-  <dgm:styleLbl name="parChTrans1D1">
-    <dgm:fillClrLst meth="repeat">
-      <a:schemeClr val="accent5"/>
-    </dgm:fillClrLst>
-    <dgm:linClrLst meth="repeat">
-      <a:schemeClr val="accent5"/>
-    </dgm:linClrLst>
-    <dgm:effectClrLst/>
-    <dgm:txLinClrLst/>
-    <dgm:txFillClrLst meth="repeat">
-      <a:schemeClr val="tx1"/>
-    </dgm:txFillClrLst>
-    <dgm:txEffectClrLst/>
-  </dgm:styleLbl>
-  <dgm:styleLbl name="parChTrans1D2">
-    <dgm:fillClrLst meth="repeat">
-      <a:schemeClr val="accent6">
-        <a:tint val="90000"/>
-      </a:schemeClr>
-    </dgm:fillClrLst>
-    <dgm:linClrLst meth="repeat">
-      <a:schemeClr val="accent6"/>
-    </dgm:linClrLst>
-    <dgm:effectClrLst/>
-    <dgm:txLinClrLst/>
-    <dgm:txFillClrLst meth="repeat">
-      <a:schemeClr val="tx1"/>
-    </dgm:txFillClrLst>
-    <dgm:txEffectClrLst/>
-  </dgm:styleLbl>
-  <dgm:styleLbl name="parChTrans1D3">
-    <dgm:fillClrLst meth="repeat">
-      <a:schemeClr val="accent6">
-        <a:tint val="70000"/>
-      </a:schemeClr>
     </dgm:fillClrLst>
     <dgm:linClrLst meth="repeat">
       <a:schemeClr val="accent1"/>
@@ -523,14 +335,14 @@
     </dgm:txFillClrLst>
     <dgm:txEffectClrLst/>
   </dgm:styleLbl>
-  <dgm:styleLbl name="parChTrans1D4">
+  <dgm:styleLbl name="callout">
     <dgm:fillClrLst meth="repeat">
-      <a:schemeClr val="accent6">
+      <a:schemeClr val="accent1"/>
+    </dgm:fillClrLst>
+    <dgm:linClrLst meth="repeat">
+      <a:schemeClr val="accent1">
         <a:tint val="50000"/>
       </a:schemeClr>
-    </dgm:fillClrLst>
-    <dgm:linClrLst meth="repeat">
-      <a:schemeClr val="accent2"/>
     </dgm:linClrLst>
     <dgm:effectClrLst/>
     <dgm:txLinClrLst/>
@@ -539,15 +351,198 @@
     </dgm:txFillClrLst>
     <dgm:txEffectClrLst/>
   </dgm:styleLbl>
+  <dgm:styleLbl name="asst0">
+    <dgm:fillClrLst meth="repeat">
+      <a:schemeClr val="accent1"/>
+    </dgm:fillClrLst>
+    <dgm:linClrLst meth="repeat">
+      <a:schemeClr val="lt1"/>
+    </dgm:linClrLst>
+    <dgm:effectClrLst/>
+    <dgm:txLinClrLst/>
+    <dgm:txFillClrLst/>
+    <dgm:txEffectClrLst/>
+  </dgm:styleLbl>
+  <dgm:styleLbl name="asst1">
+    <dgm:fillClrLst meth="repeat">
+      <a:schemeClr val="accent1"/>
+    </dgm:fillClrLst>
+    <dgm:linClrLst meth="repeat">
+      <a:schemeClr val="lt1"/>
+    </dgm:linClrLst>
+    <dgm:effectClrLst/>
+    <dgm:txLinClrLst/>
+    <dgm:txFillClrLst/>
+    <dgm:txEffectClrLst/>
+  </dgm:styleLbl>
+  <dgm:styleLbl name="asst2">
+    <dgm:fillClrLst meth="repeat">
+      <a:schemeClr val="accent1"/>
+    </dgm:fillClrLst>
+    <dgm:linClrLst meth="repeat">
+      <a:schemeClr val="lt1"/>
+    </dgm:linClrLst>
+    <dgm:effectClrLst/>
+    <dgm:txLinClrLst/>
+    <dgm:txFillClrLst/>
+    <dgm:txEffectClrLst/>
+  </dgm:styleLbl>
+  <dgm:styleLbl name="asst3">
+    <dgm:fillClrLst meth="repeat">
+      <a:schemeClr val="accent1"/>
+    </dgm:fillClrLst>
+    <dgm:linClrLst meth="repeat">
+      <a:schemeClr val="lt1"/>
+    </dgm:linClrLst>
+    <dgm:effectClrLst/>
+    <dgm:txLinClrLst/>
+    <dgm:txFillClrLst/>
+    <dgm:txEffectClrLst/>
+  </dgm:styleLbl>
+  <dgm:styleLbl name="asst4">
+    <dgm:fillClrLst meth="repeat">
+      <a:schemeClr val="accent1"/>
+    </dgm:fillClrLst>
+    <dgm:linClrLst meth="repeat">
+      <a:schemeClr val="lt1"/>
+    </dgm:linClrLst>
+    <dgm:effectClrLst/>
+    <dgm:txLinClrLst/>
+    <dgm:txFillClrLst/>
+    <dgm:txEffectClrLst/>
+  </dgm:styleLbl>
+  <dgm:styleLbl name="parChTrans2D1">
+    <dgm:fillClrLst meth="repeat">
+      <a:schemeClr val="accent1">
+        <a:tint val="60000"/>
+      </a:schemeClr>
+    </dgm:fillClrLst>
+    <dgm:linClrLst meth="repeat">
+      <a:schemeClr val="accent1">
+        <a:tint val="60000"/>
+      </a:schemeClr>
+    </dgm:linClrLst>
+    <dgm:effectClrLst/>
+    <dgm:txLinClrLst/>
+    <dgm:txFillClrLst meth="repeat">
+      <a:schemeClr val="lt1"/>
+    </dgm:txFillClrLst>
+    <dgm:txEffectClrLst/>
+  </dgm:styleLbl>
+  <dgm:styleLbl name="parChTrans2D2">
+    <dgm:fillClrLst meth="repeat">
+      <a:schemeClr val="accent1"/>
+    </dgm:fillClrLst>
+    <dgm:linClrLst meth="repeat">
+      <a:schemeClr val="accent1"/>
+    </dgm:linClrLst>
+    <dgm:effectClrLst/>
+    <dgm:txLinClrLst/>
+    <dgm:txFillClrLst meth="repeat">
+      <a:schemeClr val="lt1"/>
+    </dgm:txFillClrLst>
+    <dgm:txEffectClrLst/>
+  </dgm:styleLbl>
+  <dgm:styleLbl name="parChTrans2D3">
+    <dgm:fillClrLst meth="repeat">
+      <a:schemeClr val="accent1"/>
+    </dgm:fillClrLst>
+    <dgm:linClrLst meth="repeat">
+      <a:schemeClr val="accent1"/>
+    </dgm:linClrLst>
+    <dgm:effectClrLst/>
+    <dgm:txLinClrLst/>
+    <dgm:txFillClrLst meth="repeat">
+      <a:schemeClr val="lt1"/>
+    </dgm:txFillClrLst>
+    <dgm:txEffectClrLst/>
+  </dgm:styleLbl>
+  <dgm:styleLbl name="parChTrans2D4">
+    <dgm:fillClrLst meth="repeat">
+      <a:schemeClr val="accent1"/>
+    </dgm:fillClrLst>
+    <dgm:linClrLst meth="repeat">
+      <a:schemeClr val="accent1"/>
+    </dgm:linClrLst>
+    <dgm:effectClrLst/>
+    <dgm:txLinClrLst/>
+    <dgm:txFillClrLst meth="repeat">
+      <a:schemeClr val="lt1"/>
+    </dgm:txFillClrLst>
+    <dgm:txEffectClrLst/>
+  </dgm:styleLbl>
+  <dgm:styleLbl name="parChTrans1D1">
+    <dgm:fillClrLst meth="repeat">
+      <a:schemeClr val="accent1"/>
+    </dgm:fillClrLst>
+    <dgm:linClrLst meth="repeat">
+      <a:schemeClr val="accent1">
+        <a:shade val="60000"/>
+      </a:schemeClr>
+    </dgm:linClrLst>
+    <dgm:effectClrLst/>
+    <dgm:txLinClrLst/>
+    <dgm:txFillClrLst meth="repeat">
+      <a:schemeClr val="tx1"/>
+    </dgm:txFillClrLst>
+    <dgm:txEffectClrLst/>
+  </dgm:styleLbl>
+  <dgm:styleLbl name="parChTrans1D2">
+    <dgm:fillClrLst meth="repeat">
+      <a:schemeClr val="accent1"/>
+    </dgm:fillClrLst>
+    <dgm:linClrLst meth="repeat">
+      <a:schemeClr val="accent1">
+        <a:shade val="60000"/>
+      </a:schemeClr>
+    </dgm:linClrLst>
+    <dgm:effectClrLst/>
+    <dgm:txLinClrLst/>
+    <dgm:txFillClrLst meth="repeat">
+      <a:schemeClr val="tx1"/>
+    </dgm:txFillClrLst>
+    <dgm:txEffectClrLst/>
+  </dgm:styleLbl>
+  <dgm:styleLbl name="parChTrans1D3">
+    <dgm:fillClrLst meth="repeat">
+      <a:schemeClr val="accent1"/>
+    </dgm:fillClrLst>
+    <dgm:linClrLst meth="repeat">
+      <a:schemeClr val="accent1">
+        <a:shade val="80000"/>
+      </a:schemeClr>
+    </dgm:linClrLst>
+    <dgm:effectClrLst/>
+    <dgm:txLinClrLst/>
+    <dgm:txFillClrLst meth="repeat">
+      <a:schemeClr val="tx1"/>
+    </dgm:txFillClrLst>
+    <dgm:txEffectClrLst/>
+  </dgm:styleLbl>
+  <dgm:styleLbl name="parChTrans1D4">
+    <dgm:fillClrLst meth="repeat">
+      <a:schemeClr val="accent1"/>
+    </dgm:fillClrLst>
+    <dgm:linClrLst meth="repeat">
+      <a:schemeClr val="accent1">
+        <a:shade val="80000"/>
+      </a:schemeClr>
+    </dgm:linClrLst>
+    <dgm:effectClrLst/>
+    <dgm:txLinClrLst/>
+    <dgm:txFillClrLst meth="repeat">
+      <a:schemeClr val="tx1"/>
+    </dgm:txFillClrLst>
+    <dgm:txEffectClrLst/>
+  </dgm:styleLbl>
   <dgm:styleLbl name="fgAcc1">
     <dgm:fillClrLst meth="repeat">
       <a:schemeClr val="lt1">
         <a:alpha val="90000"/>
       </a:schemeClr>
     </dgm:fillClrLst>
-    <dgm:linClrLst>
-      <a:schemeClr val="accent5"/>
-      <a:schemeClr val="accent6"/>
+    <dgm:linClrLst meth="repeat">
+      <a:schemeClr val="accent1"/>
     </dgm:linClrLst>
     <dgm:effectClrLst/>
     <dgm:txLinClrLst/>
@@ -562,9 +557,8 @@
         <a:alpha val="90000"/>
       </a:schemeClr>
     </dgm:fillClrLst>
-    <dgm:linClrLst>
-      <a:schemeClr val="accent5"/>
-      <a:schemeClr val="accent6"/>
+    <dgm:linClrLst meth="repeat">
+      <a:schemeClr val="accent1"/>
     </dgm:linClrLst>
     <dgm:effectClrLst/>
     <dgm:txLinClrLst/>
@@ -579,9 +573,8 @@
         <a:alpha val="90000"/>
       </a:schemeClr>
     </dgm:fillClrLst>
-    <dgm:linClrLst>
-      <a:schemeClr val="accent5"/>
-      <a:schemeClr val="accent6"/>
+    <dgm:linClrLst meth="repeat">
+      <a:schemeClr val="accent1"/>
     </dgm:linClrLst>
     <dgm:effectClrLst/>
     <dgm:txLinClrLst/>
@@ -597,7 +590,7 @@
       </a:schemeClr>
     </dgm:fillClrLst>
     <dgm:linClrLst meth="repeat">
-      <a:schemeClr val="accent5"/>
+      <a:schemeClr val="accent1"/>
     </dgm:linClrLst>
     <dgm:effectClrLst/>
     <dgm:txLinClrLst/>
@@ -612,9 +605,8 @@
         <a:alpha val="90000"/>
       </a:schemeClr>
     </dgm:fillClrLst>
-    <dgm:linClrLst>
-      <a:schemeClr val="accent5"/>
-      <a:schemeClr val="accent6"/>
+    <dgm:linClrLst meth="repeat">
+      <a:schemeClr val="accent1"/>
     </dgm:linClrLst>
     <dgm:effectClrLst/>
     <dgm:txLinClrLst/>
@@ -627,9 +619,8 @@
     <dgm:fillClrLst meth="repeat">
       <a:schemeClr val="lt1"/>
     </dgm:fillClrLst>
-    <dgm:linClrLst>
-      <a:schemeClr val="accent5"/>
-      <a:schemeClr val="accent6"/>
+    <dgm:linClrLst meth="repeat">
+      <a:schemeClr val="accent1"/>
     </dgm:linClrLst>
     <dgm:effectClrLst/>
     <dgm:txLinClrLst/>
@@ -642,9 +633,8 @@
     <dgm:fillClrLst meth="repeat">
       <a:schemeClr val="lt1"/>
     </dgm:fillClrLst>
-    <dgm:linClrLst>
-      <a:schemeClr val="accent5"/>
-      <a:schemeClr val="accent6"/>
+    <dgm:linClrLst meth="repeat">
+      <a:schemeClr val="accent1"/>
     </dgm:linClrLst>
     <dgm:effectClrLst/>
     <dgm:txLinClrLst/>
@@ -657,9 +647,8 @@
     <dgm:fillClrLst meth="repeat">
       <a:schemeClr val="lt1"/>
     </dgm:fillClrLst>
-    <dgm:linClrLst>
-      <a:schemeClr val="accent5"/>
-      <a:schemeClr val="accent6"/>
+    <dgm:linClrLst meth="repeat">
+      <a:schemeClr val="accent1"/>
     </dgm:linClrLst>
     <dgm:effectClrLst/>
     <dgm:txLinClrLst/>
@@ -669,24 +658,16 @@
     <dgm:txEffectClrLst/>
   </dgm:styleLbl>
   <dgm:styleLbl name="fgAccFollowNode1">
-    <dgm:fillClrLst>
-      <a:schemeClr val="accent5">
+    <dgm:fillClrLst meth="repeat">
+      <a:schemeClr val="accent1">
+        <a:alpha val="90000"/>
         <a:tint val="40000"/>
-        <a:alpha val="90000"/>
-      </a:schemeClr>
-      <a:schemeClr val="accent6">
-        <a:tint val="40000"/>
-        <a:alpha val="90000"/>
       </a:schemeClr>
     </dgm:fillClrLst>
-    <dgm:linClrLst>
-      <a:schemeClr val="accent5">
+    <dgm:linClrLst meth="repeat">
+      <a:schemeClr val="accent1">
+        <a:alpha val="90000"/>
         <a:tint val="40000"/>
-        <a:alpha val="90000"/>
-      </a:schemeClr>
-      <a:schemeClr val="accent5">
-        <a:tint val="40000"/>
-        <a:alpha val="90000"/>
       </a:schemeClr>
     </dgm:linClrLst>
     <dgm:effectClrLst/>
@@ -697,24 +678,16 @@
     <dgm:txEffectClrLst/>
   </dgm:styleLbl>
   <dgm:styleLbl name="alignAccFollowNode1">
-    <dgm:fillClrLst>
-      <a:schemeClr val="accent5">
+    <dgm:fillClrLst meth="repeat">
+      <a:schemeClr val="accent1">
+        <a:alpha val="90000"/>
         <a:tint val="40000"/>
-        <a:alpha val="90000"/>
-      </a:schemeClr>
-      <a:schemeClr val="accent6">
-        <a:tint val="40000"/>
-        <a:alpha val="90000"/>
       </a:schemeClr>
     </dgm:fillClrLst>
-    <dgm:linClrLst>
-      <a:schemeClr val="accent5">
+    <dgm:linClrLst meth="repeat">
+      <a:schemeClr val="accent1">
+        <a:alpha val="90000"/>
         <a:tint val="40000"/>
-        <a:alpha val="90000"/>
-      </a:schemeClr>
-      <a:schemeClr val="accent6">
-        <a:tint val="40000"/>
-        <a:alpha val="90000"/>
       </a:schemeClr>
     </dgm:linClrLst>
     <dgm:effectClrLst/>
@@ -725,24 +698,16 @@
     <dgm:txEffectClrLst/>
   </dgm:styleLbl>
   <dgm:styleLbl name="bgAccFollowNode1">
-    <dgm:fillClrLst>
-      <a:schemeClr val="accent5">
+    <dgm:fillClrLst meth="repeat">
+      <a:schemeClr val="accent1">
+        <a:alpha val="90000"/>
         <a:tint val="40000"/>
-        <a:alpha val="90000"/>
-      </a:schemeClr>
-      <a:schemeClr val="accent6">
-        <a:tint val="40000"/>
-        <a:alpha val="90000"/>
       </a:schemeClr>
     </dgm:fillClrLst>
-    <dgm:linClrLst>
-      <a:schemeClr val="accent5">
+    <dgm:linClrLst meth="repeat">
+      <a:schemeClr val="accent1">
+        <a:alpha val="90000"/>
         <a:tint val="40000"/>
-        <a:alpha val="90000"/>
-      </a:schemeClr>
-      <a:schemeClr val="accent6">
-        <a:tint val="40000"/>
-        <a:alpha val="90000"/>
       </a:schemeClr>
     </dgm:linClrLst>
     <dgm:effectClrLst/>
@@ -758,39 +723,7 @@
         <a:alpha val="90000"/>
       </a:schemeClr>
     </dgm:fillClrLst>
-    <dgm:linClrLst>
-      <a:schemeClr val="accent4"/>
-    </dgm:linClrLst>
-    <dgm:effectClrLst/>
-    <dgm:txLinClrLst/>
-    <dgm:txFillClrLst meth="repeat">
-      <a:schemeClr val="dk1"/>
-    </dgm:txFillClrLst>
-    <dgm:txEffectClrLst/>
-  </dgm:styleLbl>
-  <dgm:styleLbl name="fgAcc2">
-    <dgm:fillClrLst meth="repeat">
-      <a:schemeClr val="lt1">
-        <a:alpha val="90000"/>
-      </a:schemeClr>
-    </dgm:fillClrLst>
-    <dgm:linClrLst>
-      <a:schemeClr val="accent6"/>
-    </dgm:linClrLst>
-    <dgm:effectClrLst/>
-    <dgm:txLinClrLst/>
-    <dgm:txFillClrLst meth="repeat">
-      <a:schemeClr val="dk1"/>
-    </dgm:txFillClrLst>
-    <dgm:txEffectClrLst/>
-  </dgm:styleLbl>
-  <dgm:styleLbl name="fgAcc3">
-    <dgm:fillClrLst meth="repeat">
-      <a:schemeClr val="lt1">
-        <a:alpha val="90000"/>
-      </a:schemeClr>
-    </dgm:fillClrLst>
-    <dgm:linClrLst>
+    <dgm:linClrLst meth="repeat">
       <a:schemeClr val="accent1"/>
     </dgm:linClrLst>
     <dgm:effectClrLst/>
@@ -800,14 +733,14 @@
     </dgm:txFillClrLst>
     <dgm:txEffectClrLst/>
   </dgm:styleLbl>
-  <dgm:styleLbl name="fgAcc4">
+  <dgm:styleLbl name="fgAcc2">
     <dgm:fillClrLst meth="repeat">
       <a:schemeClr val="lt1">
         <a:alpha val="90000"/>
       </a:schemeClr>
     </dgm:fillClrLst>
-    <dgm:linClrLst>
-      <a:schemeClr val="accent2"/>
+    <dgm:linClrLst meth="repeat">
+      <a:schemeClr val="accent1"/>
     </dgm:linClrLst>
     <dgm:effectClrLst/>
     <dgm:txLinClrLst/>
@@ -816,14 +749,14 @@
     </dgm:txFillClrLst>
     <dgm:txEffectClrLst/>
   </dgm:styleLbl>
-  <dgm:styleLbl name="bgShp">
+  <dgm:styleLbl name="fgAcc3">
     <dgm:fillClrLst meth="repeat">
-      <a:schemeClr val="accent5">
-        <a:tint val="40000"/>
+      <a:schemeClr val="lt1">
+        <a:alpha val="90000"/>
       </a:schemeClr>
     </dgm:fillClrLst>
     <dgm:linClrLst meth="repeat">
-      <a:schemeClr val="dk1"/>
+      <a:schemeClr val="accent1"/>
     </dgm:linClrLst>
     <dgm:effectClrLst/>
     <dgm:txLinClrLst/>
@@ -832,14 +765,46 @@
     </dgm:txFillClrLst>
     <dgm:txEffectClrLst/>
   </dgm:styleLbl>
-  <dgm:styleLbl name="dkBgShp">
+  <dgm:styleLbl name="fgAcc4">
     <dgm:fillClrLst meth="repeat">
-      <a:schemeClr val="accent5">
-        <a:shade val="90000"/>
+      <a:schemeClr val="lt1">
+        <a:alpha val="90000"/>
       </a:schemeClr>
     </dgm:fillClrLst>
     <dgm:linClrLst meth="repeat">
+      <a:schemeClr val="accent1"/>
+    </dgm:linClrLst>
+    <dgm:effectClrLst/>
+    <dgm:txLinClrLst/>
+    <dgm:txFillClrLst meth="repeat">
       <a:schemeClr val="dk1"/>
+    </dgm:txFillClrLst>
+    <dgm:txEffectClrLst/>
+  </dgm:styleLbl>
+  <dgm:styleLbl name="bgShp">
+    <dgm:fillClrLst meth="repeat">
+      <a:schemeClr val="accent1">
+        <a:tint val="40000"/>
+      </a:schemeClr>
+    </dgm:fillClrLst>
+    <dgm:linClrLst meth="repeat">
+      <a:schemeClr val="accent1"/>
+    </dgm:linClrLst>
+    <dgm:effectClrLst/>
+    <dgm:txLinClrLst/>
+    <dgm:txFillClrLst meth="repeat">
+      <a:schemeClr val="dk1"/>
+    </dgm:txFillClrLst>
+    <dgm:txEffectClrLst/>
+  </dgm:styleLbl>
+  <dgm:styleLbl name="dkBgShp">
+    <dgm:fillClrLst meth="repeat">
+      <a:schemeClr val="accent1">
+        <a:shade val="80000"/>
+      </a:schemeClr>
+    </dgm:fillClrLst>
+    <dgm:linClrLst meth="repeat">
+      <a:schemeClr val="accent1"/>
     </dgm:linClrLst>
     <dgm:effectClrLst/>
     <dgm:txLinClrLst/>
@@ -850,13 +815,13 @@
   </dgm:styleLbl>
   <dgm:styleLbl name="trBgShp">
     <dgm:fillClrLst meth="repeat">
-      <a:schemeClr val="accent5">
+      <a:schemeClr val="accent1">
         <a:tint val="50000"/>
         <a:alpha val="40000"/>
       </a:schemeClr>
     </dgm:fillClrLst>
     <dgm:linClrLst meth="repeat">
-      <a:schemeClr val="accent5"/>
+      <a:schemeClr val="accent1"/>
     </dgm:linClrLst>
     <dgm:effectClrLst/>
     <dgm:txLinClrLst/>
@@ -867,8 +832,8 @@
   </dgm:styleLbl>
   <dgm:styleLbl name="fgShp">
     <dgm:fillClrLst meth="repeat">
-      <a:schemeClr val="accent5">
-        <a:tint val="40000"/>
+      <a:schemeClr val="accent1">
+        <a:tint val="60000"/>
       </a:schemeClr>
     </dgm:fillClrLst>
     <dgm:linClrLst meth="repeat">
@@ -1652,8 +1617,8 @@
 <file path=ppt/diagrams/data1.xml><?xml version="1.0" encoding="utf-8"?>
 <dgm:dataModel xmlns:dgm="http://schemas.openxmlformats.org/drawingml/2006/diagram" xmlns:a="http://schemas.openxmlformats.org/drawingml/2006/main">
   <dgm:ptLst>
-    <dgm:pt modelId="{41F64A2E-071A-46C8-B041-5E9F8ECA9F92}" type="doc">
-      <dgm:prSet loTypeId="urn:microsoft.com/office/officeart/2008/layout/LinedList" loCatId="list" qsTypeId="urn:microsoft.com/office/officeart/2005/8/quickstyle/simple1" qsCatId="simple" csTypeId="urn:microsoft.com/office/officeart/2005/8/colors/colorful5" csCatId="colorful"/>
+    <dgm:pt modelId="{6FC50289-6C04-44F1-81DC-A7B0A5711932}" type="doc">
+      <dgm:prSet loTypeId="urn:microsoft.com/office/officeart/2008/layout/LinedList" loCatId="list" qsTypeId="urn:microsoft.com/office/officeart/2005/8/quickstyle/simple1" qsCatId="simple" csTypeId="urn:microsoft.com/office/officeart/2005/8/colors/accent1_2" csCatId="accent1"/>
       <dgm:spPr/>
       <dgm:t>
         <a:bodyPr/>
@@ -1663,7 +1628,7 @@
         </a:p>
       </dgm:t>
     </dgm:pt>
-    <dgm:pt modelId="{3BFEB26D-69CE-4083-B95F-6243CD74F1B9}">
+    <dgm:pt modelId="{E1AFEE73-B981-4BCE-A871-A3089D7BBEBA}">
       <dgm:prSet/>
       <dgm:spPr/>
       <dgm:t>
@@ -1671,13 +1636,13 @@
         <a:lstStyle/>
         <a:p>
           <a:r>
-            <a:rPr lang="en-US" dirty="0"/>
+            <a:rPr lang="en-US"/>
             <a:t>Let's take next numbers.</a:t>
           </a:r>
         </a:p>
       </dgm:t>
     </dgm:pt>
-    <dgm:pt modelId="{8590E2A8-3BB6-4308-9DED-FE94601669A1}" type="parTrans" cxnId="{F2A6D5DF-4B77-4C44-A39C-B7A87C85BA47}">
+    <dgm:pt modelId="{7F6E085A-3825-46F4-A96D-9255F0FDC7E3}" type="parTrans" cxnId="{04D89838-3353-4C89-9B88-5EEE6F2352C5}">
       <dgm:prSet/>
       <dgm:spPr/>
       <dgm:t>
@@ -1688,7 +1653,7 @@
         </a:p>
       </dgm:t>
     </dgm:pt>
-    <dgm:pt modelId="{FD2E44B3-497B-4751-A24D-6C3A90B37BAC}" type="sibTrans" cxnId="{F2A6D5DF-4B77-4C44-A39C-B7A87C85BA47}">
+    <dgm:pt modelId="{D3FBEB45-4FDF-4A7C-A6C1-8DE28D867AE5}" type="sibTrans" cxnId="{04D89838-3353-4C89-9B88-5EEE6F2352C5}">
       <dgm:prSet/>
       <dgm:spPr/>
       <dgm:t>
@@ -1699,7 +1664,7 @@
         </a:p>
       </dgm:t>
     </dgm:pt>
-    <dgm:pt modelId="{9E84D75C-948B-411B-828F-6F21A186D404}">
+    <dgm:pt modelId="{E76086D6-EBB0-4CAB-A9F8-F7C704042017}">
       <dgm:prSet/>
       <dgm:spPr/>
       <dgm:t>
@@ -1707,13 +1672,13 @@
         <a:lstStyle/>
         <a:p>
           <a:r>
-            <a:rPr lang="en-US" dirty="0"/>
+            <a:rPr lang="en-US"/>
             <a:t>There are 20 millions of peoples working in IT world wide, while world population is 6 billions of people</a:t>
           </a:r>
         </a:p>
       </dgm:t>
     </dgm:pt>
-    <dgm:pt modelId="{44C7E273-6D52-40FB-BD35-F00165899512}" type="parTrans" cxnId="{E296CB47-641B-40F5-A37B-9206B041D84B}">
+    <dgm:pt modelId="{C683F62B-2A9E-4400-B92C-0A7B02C51DC2}" type="parTrans" cxnId="{4A1F2DA9-CF47-42CE-BBDE-064198EBE64A}">
       <dgm:prSet/>
       <dgm:spPr/>
       <dgm:t>
@@ -1724,7 +1689,7 @@
         </a:p>
       </dgm:t>
     </dgm:pt>
-    <dgm:pt modelId="{465943C3-4AE9-4EAE-B580-50AA391C23E6}" type="sibTrans" cxnId="{E296CB47-641B-40F5-A37B-9206B041D84B}">
+    <dgm:pt modelId="{B7721492-257C-4417-8A44-92A006490E72}" type="sibTrans" cxnId="{4A1F2DA9-CF47-42CE-BBDE-064198EBE64A}">
       <dgm:prSet/>
       <dgm:spPr/>
       <dgm:t>
@@ -1735,7 +1700,7 @@
         </a:p>
       </dgm:t>
     </dgm:pt>
-    <dgm:pt modelId="{6C2B249B-CF92-4F92-B4CB-A58B88DDD93C}">
+    <dgm:pt modelId="{4EAD40FF-3075-4600-B92B-9C90DED9EAB2}">
       <dgm:prSet/>
       <dgm:spPr/>
       <dgm:t>
@@ -1743,13 +1708,13 @@
         <a:lstStyle/>
         <a:p>
           <a:r>
-            <a:rPr lang="en-US" dirty="0"/>
+            <a:rPr lang="en-US"/>
             <a:t>I've taken 3rd place in student competition, and considered that it is in national wide competition, and this competition made every years, so with average life expectancy 80 years, so there are 80 * 3 living nominee of all years in my country</a:t>
           </a:r>
         </a:p>
       </dgm:t>
     </dgm:pt>
-    <dgm:pt modelId="{59EBEB86-264C-4A21-B136-72BB2C76AC39}" type="parTrans" cxnId="{8A2E2395-A780-4CE3-9083-40159DD2833E}">
+    <dgm:pt modelId="{300C8632-2EA0-422C-9F2F-05CFA57D3BFE}" type="parTrans" cxnId="{7B02C703-6D61-4887-B81E-5913D7A8D455}">
       <dgm:prSet/>
       <dgm:spPr/>
       <dgm:t>
@@ -1760,7 +1725,7 @@
         </a:p>
       </dgm:t>
     </dgm:pt>
-    <dgm:pt modelId="{2890105A-2963-4826-B5DD-979A3EBCFB4D}" type="sibTrans" cxnId="{8A2E2395-A780-4CE3-9083-40159DD2833E}">
+    <dgm:pt modelId="{7CEA20B6-2CD7-48AD-AAC2-6520EC6A5A07}" type="sibTrans" cxnId="{7B02C703-6D61-4887-B81E-5913D7A8D455}">
       <dgm:prSet/>
       <dgm:spPr/>
       <dgm:t>
@@ -1771,7 +1736,7 @@
         </a:p>
       </dgm:t>
     </dgm:pt>
-    <dgm:pt modelId="{969C3031-8714-4A12-97FD-F2FFB7E847B0}">
+    <dgm:pt modelId="{94624106-487E-408D-90B2-590B4177E3D3}">
       <dgm:prSet/>
       <dgm:spPr/>
       <dgm:t>
@@ -1779,13 +1744,13 @@
         <a:lstStyle/>
         <a:p>
           <a:r>
-            <a:rPr lang="en-US" dirty="0"/>
+            <a:rPr lang="en-US"/>
             <a:t>Ukraine population is about 40 million people for that moment</a:t>
           </a:r>
         </a:p>
       </dgm:t>
     </dgm:pt>
-    <dgm:pt modelId="{E0386E43-8EAA-44AC-A0FF-54FEBD3A50B0}" type="parTrans" cxnId="{F9C385F7-084A-4F83-84D9-253D219EBCCF}">
+    <dgm:pt modelId="{A22BD184-37F9-4D7A-A199-391D59F2879F}" type="parTrans" cxnId="{0A418E31-E584-4962-AAED-6B709FC1C622}">
       <dgm:prSet/>
       <dgm:spPr/>
       <dgm:t>
@@ -1796,7 +1761,7 @@
         </a:p>
       </dgm:t>
     </dgm:pt>
-    <dgm:pt modelId="{6C99AE74-0D63-4E3B-AD31-C6175C64ED5B}" type="sibTrans" cxnId="{F9C385F7-084A-4F83-84D9-253D219EBCCF}">
+    <dgm:pt modelId="{5A0AD108-F7E7-4956-82BF-0D58981FE73F}" type="sibTrans" cxnId="{0A418E31-E584-4962-AAED-6B709FC1C622}">
       <dgm:prSet/>
       <dgm:spPr/>
       <dgm:t>
@@ -1807,7 +1772,7 @@
         </a:p>
       </dgm:t>
     </dgm:pt>
-    <dgm:pt modelId="{0F01F64E-054E-4240-BC06-4E6662E4C734}">
+    <dgm:pt modelId="{88C04F4F-F215-4CC5-BA60-F330A76E9DBA}">
       <dgm:prSet/>
       <dgm:spPr/>
       <dgm:t>
@@ -1815,18 +1780,18 @@
         <a:lstStyle/>
         <a:p>
           <a:r>
-            <a:rPr lang="en-US" dirty="0"/>
+            <a:rPr lang="en-US"/>
             <a:t>80*3 / (40 million * ( 20 million of IT world wide / 6 billion global population)) = </a:t>
           </a:r>
           <a:r>
-            <a:rPr lang="en-US" b="1" dirty="0"/>
+            <a:rPr lang="en-US" b="1"/>
             <a:t>0.18%</a:t>
           </a:r>
-          <a:endParaRPr lang="en-US" dirty="0"/>
+          <a:endParaRPr lang="en-US"/>
         </a:p>
       </dgm:t>
     </dgm:pt>
-    <dgm:pt modelId="{528255B8-E3B3-46BE-B51E-6D09B5030E1B}" type="parTrans" cxnId="{0FEC5F5B-548A-4B9E-8312-E96557A9B7D0}">
+    <dgm:pt modelId="{23AE31E3-45FF-4488-84BC-F6990EE19C46}" type="parTrans" cxnId="{F6C90D14-2D06-4E68-BCBA-5DE1C432073F}">
       <dgm:prSet/>
       <dgm:spPr/>
       <dgm:t>
@@ -1837,7 +1802,7 @@
         </a:p>
       </dgm:t>
     </dgm:pt>
-    <dgm:pt modelId="{966B406A-1569-4FF5-AE92-928171676856}" type="sibTrans" cxnId="{0FEC5F5B-548A-4B9E-8312-E96557A9B7D0}">
+    <dgm:pt modelId="{75685AFE-919D-4211-A114-F4273B31721D}" type="sibTrans" cxnId="{F6C90D14-2D06-4E68-BCBA-5DE1C432073F}">
       <dgm:prSet/>
       <dgm:spPr/>
       <dgm:t>
@@ -1848,7 +1813,7 @@
         </a:p>
       </dgm:t>
     </dgm:pt>
-    <dgm:pt modelId="{8D40E3C0-1DAC-4D3E-A953-32A281DCB6DA}">
+    <dgm:pt modelId="{BFF93A2B-5668-4ED0-B4DB-17259AF5CF51}">
       <dgm:prSet/>
       <dgm:spPr/>
       <dgm:t>
@@ -1856,37 +1821,37 @@
         <a:lstStyle/>
         <a:p>
           <a:r>
-            <a:rPr lang="en-US" dirty="0"/>
+            <a:rPr lang="en-US"/>
             <a:t>In essence, within a company of </a:t>
           </a:r>
           <a:r>
-            <a:rPr lang="en-US" b="1" dirty="0"/>
+            <a:rPr lang="en-US" b="1"/>
             <a:t>50,000 employees</a:t>
           </a:r>
           <a:r>
-            <a:rPr lang="en-US" dirty="0"/>
+            <a:rPr lang="en-US"/>
             <a:t>, only </a:t>
           </a:r>
           <a:r>
-            <a:rPr lang="en-US" b="1" dirty="0"/>
+            <a:rPr lang="en-US" b="1"/>
             <a:t>90 individuals</a:t>
           </a:r>
           <a:r>
-            <a:rPr lang="en-US" dirty="0"/>
+            <a:rPr lang="en-US"/>
             <a:t> showcase comparable or </a:t>
           </a:r>
           <a:r>
-            <a:rPr lang="en-US" b="1" dirty="0"/>
+            <a:rPr lang="en-US" b="1"/>
             <a:t>superior talents</a:t>
           </a:r>
           <a:r>
-            <a:rPr lang="en-US" dirty="0"/>
+            <a:rPr lang="en-US"/>
             <a:t>. (50 000 * 0.18%/100% = 90</a:t>
           </a:r>
         </a:p>
       </dgm:t>
     </dgm:pt>
-    <dgm:pt modelId="{FF93D302-ADAA-4FD3-8152-6FAC39AC3285}" type="parTrans" cxnId="{CB869C14-49E7-47A4-BACF-F326CE451353}">
+    <dgm:pt modelId="{4ADCD666-9738-4A02-B82A-277C5D11CAB4}" type="parTrans" cxnId="{5E8B5493-E8B3-493B-9284-3657C0189B94}">
       <dgm:prSet/>
       <dgm:spPr/>
       <dgm:t>
@@ -1897,7 +1862,7 @@
         </a:p>
       </dgm:t>
     </dgm:pt>
-    <dgm:pt modelId="{8E11B00C-AD25-4400-B099-8A0E43237F04}" type="sibTrans" cxnId="{CB869C14-49E7-47A4-BACF-F326CE451353}">
+    <dgm:pt modelId="{DA8EC0E7-2218-4261-88AA-BFBE3624FD1A}" type="sibTrans" cxnId="{5E8B5493-E8B3-493B-9284-3657C0189B94}">
       <dgm:prSet/>
       <dgm:spPr/>
       <dgm:t>
@@ -1908,8 +1873,8 @@
         </a:p>
       </dgm:t>
     </dgm:pt>
-    <dgm:pt modelId="{F6B7782C-469E-474E-806E-F3F959F32D1D}" type="pres">
-      <dgm:prSet presAssocID="{41F64A2E-071A-46C8-B041-5E9F8ECA9F92}" presName="vert0" presStyleCnt="0">
+    <dgm:pt modelId="{25625A1C-7976-4744-8299-B1F89DCB640A}" type="pres">
+      <dgm:prSet presAssocID="{6FC50289-6C04-44F1-81DC-A7B0A5711932}" presName="vert0" presStyleCnt="0">
         <dgm:presLayoutVars>
           <dgm:dir/>
           <dgm:animOne val="branch"/>
@@ -1918,141 +1883,141 @@
       </dgm:prSet>
       <dgm:spPr/>
     </dgm:pt>
-    <dgm:pt modelId="{BCAAF5F4-4907-4754-B5AF-B63C97EE9A15}" type="pres">
-      <dgm:prSet presAssocID="{3BFEB26D-69CE-4083-B95F-6243CD74F1B9}" presName="thickLine" presStyleLbl="alignNode1" presStyleIdx="0" presStyleCnt="6"/>
+    <dgm:pt modelId="{3278C091-4DEF-4DB3-BFFB-E652BD151979}" type="pres">
+      <dgm:prSet presAssocID="{E1AFEE73-B981-4BCE-A871-A3089D7BBEBA}" presName="thickLine" presStyleLbl="alignNode1" presStyleIdx="0" presStyleCnt="6"/>
       <dgm:spPr/>
     </dgm:pt>
-    <dgm:pt modelId="{C3560FE4-6EA9-4542-A7FC-C74DD28C0956}" type="pres">
-      <dgm:prSet presAssocID="{3BFEB26D-69CE-4083-B95F-6243CD74F1B9}" presName="horz1" presStyleCnt="0"/>
+    <dgm:pt modelId="{AD6EEF8B-A368-4C0F-81DC-0F3827E7940A}" type="pres">
+      <dgm:prSet presAssocID="{E1AFEE73-B981-4BCE-A871-A3089D7BBEBA}" presName="horz1" presStyleCnt="0"/>
       <dgm:spPr/>
     </dgm:pt>
-    <dgm:pt modelId="{0A26E486-5A60-42FF-B278-70F459A1F47A}" type="pres">
-      <dgm:prSet presAssocID="{3BFEB26D-69CE-4083-B95F-6243CD74F1B9}" presName="tx1" presStyleLbl="revTx" presStyleIdx="0" presStyleCnt="6"/>
+    <dgm:pt modelId="{7F6066D7-0FA6-412A-BE87-CB20151A6842}" type="pres">
+      <dgm:prSet presAssocID="{E1AFEE73-B981-4BCE-A871-A3089D7BBEBA}" presName="tx1" presStyleLbl="revTx" presStyleIdx="0" presStyleCnt="6"/>
       <dgm:spPr/>
     </dgm:pt>
-    <dgm:pt modelId="{1439A8B1-2195-4871-B2AC-93EF702C2701}" type="pres">
-      <dgm:prSet presAssocID="{3BFEB26D-69CE-4083-B95F-6243CD74F1B9}" presName="vert1" presStyleCnt="0"/>
+    <dgm:pt modelId="{4B0A401A-E948-4E0E-8F71-CDF4B46534AB}" type="pres">
+      <dgm:prSet presAssocID="{E1AFEE73-B981-4BCE-A871-A3089D7BBEBA}" presName="vert1" presStyleCnt="0"/>
       <dgm:spPr/>
     </dgm:pt>
-    <dgm:pt modelId="{62B12D50-5723-41DE-AA78-19FA57616155}" type="pres">
-      <dgm:prSet presAssocID="{9E84D75C-948B-411B-828F-6F21A186D404}" presName="thickLine" presStyleLbl="alignNode1" presStyleIdx="1" presStyleCnt="6"/>
+    <dgm:pt modelId="{DCB3FBE9-A06C-44F4-938F-1B9CE54C6A6B}" type="pres">
+      <dgm:prSet presAssocID="{E76086D6-EBB0-4CAB-A9F8-F7C704042017}" presName="thickLine" presStyleLbl="alignNode1" presStyleIdx="1" presStyleCnt="6"/>
       <dgm:spPr/>
     </dgm:pt>
-    <dgm:pt modelId="{49142ADC-84F2-44B4-ADFD-DFE64EC57AA2}" type="pres">
-      <dgm:prSet presAssocID="{9E84D75C-948B-411B-828F-6F21A186D404}" presName="horz1" presStyleCnt="0"/>
+    <dgm:pt modelId="{AE52C3AC-50D1-4917-A7AB-5B69FFBD7C79}" type="pres">
+      <dgm:prSet presAssocID="{E76086D6-EBB0-4CAB-A9F8-F7C704042017}" presName="horz1" presStyleCnt="0"/>
       <dgm:spPr/>
     </dgm:pt>
-    <dgm:pt modelId="{EEE6D3E0-3CED-4211-A2DC-621E9E4E4810}" type="pres">
-      <dgm:prSet presAssocID="{9E84D75C-948B-411B-828F-6F21A186D404}" presName="tx1" presStyleLbl="revTx" presStyleIdx="1" presStyleCnt="6"/>
+    <dgm:pt modelId="{4768B170-1E16-4B27-8EA2-DF4A0C89FF43}" type="pres">
+      <dgm:prSet presAssocID="{E76086D6-EBB0-4CAB-A9F8-F7C704042017}" presName="tx1" presStyleLbl="revTx" presStyleIdx="1" presStyleCnt="6"/>
       <dgm:spPr/>
     </dgm:pt>
-    <dgm:pt modelId="{D222BBFC-E0A2-4A66-B48A-69BB4E31FCAD}" type="pres">
-      <dgm:prSet presAssocID="{9E84D75C-948B-411B-828F-6F21A186D404}" presName="vert1" presStyleCnt="0"/>
+    <dgm:pt modelId="{C735E768-66D2-48A4-9EC7-46C1625347D9}" type="pres">
+      <dgm:prSet presAssocID="{E76086D6-EBB0-4CAB-A9F8-F7C704042017}" presName="vert1" presStyleCnt="0"/>
       <dgm:spPr/>
     </dgm:pt>
-    <dgm:pt modelId="{E96C4471-EA35-40FC-A96D-B47C5AAA1EAE}" type="pres">
-      <dgm:prSet presAssocID="{6C2B249B-CF92-4F92-B4CB-A58B88DDD93C}" presName="thickLine" presStyleLbl="alignNode1" presStyleIdx="2" presStyleCnt="6"/>
+    <dgm:pt modelId="{EE94220F-E204-484B-8FD8-2D8DD749CE98}" type="pres">
+      <dgm:prSet presAssocID="{4EAD40FF-3075-4600-B92B-9C90DED9EAB2}" presName="thickLine" presStyleLbl="alignNode1" presStyleIdx="2" presStyleCnt="6"/>
       <dgm:spPr/>
     </dgm:pt>
-    <dgm:pt modelId="{7064457C-AE50-4971-91D3-59F016FDFD0E}" type="pres">
-      <dgm:prSet presAssocID="{6C2B249B-CF92-4F92-B4CB-A58B88DDD93C}" presName="horz1" presStyleCnt="0"/>
+    <dgm:pt modelId="{E3BA1958-B1B1-480F-A7C6-5F9997CB6E9C}" type="pres">
+      <dgm:prSet presAssocID="{4EAD40FF-3075-4600-B92B-9C90DED9EAB2}" presName="horz1" presStyleCnt="0"/>
       <dgm:spPr/>
     </dgm:pt>
-    <dgm:pt modelId="{CFD11270-0146-4BAB-A9A3-F7AE0A0E9BE5}" type="pres">
-      <dgm:prSet presAssocID="{6C2B249B-CF92-4F92-B4CB-A58B88DDD93C}" presName="tx1" presStyleLbl="revTx" presStyleIdx="2" presStyleCnt="6"/>
+    <dgm:pt modelId="{A2008069-9A6D-4816-987B-FBD625420189}" type="pres">
+      <dgm:prSet presAssocID="{4EAD40FF-3075-4600-B92B-9C90DED9EAB2}" presName="tx1" presStyleLbl="revTx" presStyleIdx="2" presStyleCnt="6"/>
       <dgm:spPr/>
     </dgm:pt>
-    <dgm:pt modelId="{6ABA16F0-A646-4FFD-9842-A905BB595B80}" type="pres">
-      <dgm:prSet presAssocID="{6C2B249B-CF92-4F92-B4CB-A58B88DDD93C}" presName="vert1" presStyleCnt="0"/>
+    <dgm:pt modelId="{D1F19266-F00B-4A98-9A71-922D9B429298}" type="pres">
+      <dgm:prSet presAssocID="{4EAD40FF-3075-4600-B92B-9C90DED9EAB2}" presName="vert1" presStyleCnt="0"/>
       <dgm:spPr/>
     </dgm:pt>
-    <dgm:pt modelId="{49AD6CBA-6779-455A-B468-5F6734536C4C}" type="pres">
-      <dgm:prSet presAssocID="{969C3031-8714-4A12-97FD-F2FFB7E847B0}" presName="thickLine" presStyleLbl="alignNode1" presStyleIdx="3" presStyleCnt="6"/>
+    <dgm:pt modelId="{A6457FFF-3B77-4425-A826-ACDA6106673C}" type="pres">
+      <dgm:prSet presAssocID="{94624106-487E-408D-90B2-590B4177E3D3}" presName="thickLine" presStyleLbl="alignNode1" presStyleIdx="3" presStyleCnt="6"/>
       <dgm:spPr/>
     </dgm:pt>
-    <dgm:pt modelId="{736A966B-3874-4837-85AD-09A4D1C78B51}" type="pres">
-      <dgm:prSet presAssocID="{969C3031-8714-4A12-97FD-F2FFB7E847B0}" presName="horz1" presStyleCnt="0"/>
+    <dgm:pt modelId="{0E7FB7B1-2667-4515-A0F2-F13A5C0DEAB8}" type="pres">
+      <dgm:prSet presAssocID="{94624106-487E-408D-90B2-590B4177E3D3}" presName="horz1" presStyleCnt="0"/>
       <dgm:spPr/>
     </dgm:pt>
-    <dgm:pt modelId="{CCE20B20-7E89-47F1-A7F7-EF40BEE9BE5C}" type="pres">
-      <dgm:prSet presAssocID="{969C3031-8714-4A12-97FD-F2FFB7E847B0}" presName="tx1" presStyleLbl="revTx" presStyleIdx="3" presStyleCnt="6"/>
+    <dgm:pt modelId="{4C306029-6066-4D37-B9FA-16DEF29D471D}" type="pres">
+      <dgm:prSet presAssocID="{94624106-487E-408D-90B2-590B4177E3D3}" presName="tx1" presStyleLbl="revTx" presStyleIdx="3" presStyleCnt="6"/>
       <dgm:spPr/>
     </dgm:pt>
-    <dgm:pt modelId="{F0BA3D59-5C4B-4FDE-A9B1-82976E6572ED}" type="pres">
-      <dgm:prSet presAssocID="{969C3031-8714-4A12-97FD-F2FFB7E847B0}" presName="vert1" presStyleCnt="0"/>
+    <dgm:pt modelId="{8D4DCD0A-E580-4B2D-A174-2926208F7733}" type="pres">
+      <dgm:prSet presAssocID="{94624106-487E-408D-90B2-590B4177E3D3}" presName="vert1" presStyleCnt="0"/>
       <dgm:spPr/>
     </dgm:pt>
-    <dgm:pt modelId="{A151E241-F879-4C72-98A1-14917D16EB0B}" type="pres">
-      <dgm:prSet presAssocID="{0F01F64E-054E-4240-BC06-4E6662E4C734}" presName="thickLine" presStyleLbl="alignNode1" presStyleIdx="4" presStyleCnt="6"/>
+    <dgm:pt modelId="{7395F143-BD29-431E-9B8D-BAC44071C690}" type="pres">
+      <dgm:prSet presAssocID="{88C04F4F-F215-4CC5-BA60-F330A76E9DBA}" presName="thickLine" presStyleLbl="alignNode1" presStyleIdx="4" presStyleCnt="6"/>
       <dgm:spPr/>
     </dgm:pt>
-    <dgm:pt modelId="{83015CFF-DB6A-4019-871F-1E1225BCD8EA}" type="pres">
-      <dgm:prSet presAssocID="{0F01F64E-054E-4240-BC06-4E6662E4C734}" presName="horz1" presStyleCnt="0"/>
+    <dgm:pt modelId="{E285DB82-3FEB-49F6-A79B-8ECFB427A13A}" type="pres">
+      <dgm:prSet presAssocID="{88C04F4F-F215-4CC5-BA60-F330A76E9DBA}" presName="horz1" presStyleCnt="0"/>
       <dgm:spPr/>
     </dgm:pt>
-    <dgm:pt modelId="{40DD86A9-F626-47A8-86FA-54665C14A9EB}" type="pres">
-      <dgm:prSet presAssocID="{0F01F64E-054E-4240-BC06-4E6662E4C734}" presName="tx1" presStyleLbl="revTx" presStyleIdx="4" presStyleCnt="6"/>
+    <dgm:pt modelId="{15384045-6FD4-4C8B-8510-21B8D3570D23}" type="pres">
+      <dgm:prSet presAssocID="{88C04F4F-F215-4CC5-BA60-F330A76E9DBA}" presName="tx1" presStyleLbl="revTx" presStyleIdx="4" presStyleCnt="6"/>
       <dgm:spPr/>
     </dgm:pt>
-    <dgm:pt modelId="{6B20D8F7-3542-4ED5-B020-AB054675AB72}" type="pres">
-      <dgm:prSet presAssocID="{0F01F64E-054E-4240-BC06-4E6662E4C734}" presName="vert1" presStyleCnt="0"/>
+    <dgm:pt modelId="{9868A91B-E8B2-437E-A11F-0EF0847204CA}" type="pres">
+      <dgm:prSet presAssocID="{88C04F4F-F215-4CC5-BA60-F330A76E9DBA}" presName="vert1" presStyleCnt="0"/>
       <dgm:spPr/>
     </dgm:pt>
-    <dgm:pt modelId="{123B01EF-744A-4647-A6B6-B50D8B2F8B49}" type="pres">
-      <dgm:prSet presAssocID="{8D40E3C0-1DAC-4D3E-A953-32A281DCB6DA}" presName="thickLine" presStyleLbl="alignNode1" presStyleIdx="5" presStyleCnt="6"/>
+    <dgm:pt modelId="{3957B8C6-9AE8-45C3-9862-13C871F0B29E}" type="pres">
+      <dgm:prSet presAssocID="{BFF93A2B-5668-4ED0-B4DB-17259AF5CF51}" presName="thickLine" presStyleLbl="alignNode1" presStyleIdx="5" presStyleCnt="6"/>
       <dgm:spPr/>
     </dgm:pt>
-    <dgm:pt modelId="{833488B6-7DD6-4C3C-995D-ABC39EC49C02}" type="pres">
-      <dgm:prSet presAssocID="{8D40E3C0-1DAC-4D3E-A953-32A281DCB6DA}" presName="horz1" presStyleCnt="0"/>
+    <dgm:pt modelId="{2D06EF8A-D988-4CFC-AE09-1B5992E523E6}" type="pres">
+      <dgm:prSet presAssocID="{BFF93A2B-5668-4ED0-B4DB-17259AF5CF51}" presName="horz1" presStyleCnt="0"/>
       <dgm:spPr/>
     </dgm:pt>
-    <dgm:pt modelId="{94110C75-E43A-48BE-9250-19E98BBB6E6B}" type="pres">
-      <dgm:prSet presAssocID="{8D40E3C0-1DAC-4D3E-A953-32A281DCB6DA}" presName="tx1" presStyleLbl="revTx" presStyleIdx="5" presStyleCnt="6"/>
+    <dgm:pt modelId="{09F79DB2-89E6-4D63-AACA-6064AC3D4602}" type="pres">
+      <dgm:prSet presAssocID="{BFF93A2B-5668-4ED0-B4DB-17259AF5CF51}" presName="tx1" presStyleLbl="revTx" presStyleIdx="5" presStyleCnt="6"/>
       <dgm:spPr/>
     </dgm:pt>
-    <dgm:pt modelId="{DCA3215C-E347-44EC-A1D6-8746A42A0239}" type="pres">
-      <dgm:prSet presAssocID="{8D40E3C0-1DAC-4D3E-A953-32A281DCB6DA}" presName="vert1" presStyleCnt="0"/>
+    <dgm:pt modelId="{0EA8B007-3E25-4BB7-9EAA-CFFFF65AAE85}" type="pres">
+      <dgm:prSet presAssocID="{BFF93A2B-5668-4ED0-B4DB-17259AF5CF51}" presName="vert1" presStyleCnt="0"/>
       <dgm:spPr/>
     </dgm:pt>
   </dgm:ptLst>
   <dgm:cxnLst>
-    <dgm:cxn modelId="{82F56306-D994-49CC-A8F6-E2451042C28C}" type="presOf" srcId="{3BFEB26D-69CE-4083-B95F-6243CD74F1B9}" destId="{0A26E486-5A60-42FF-B278-70F459A1F47A}" srcOrd="0" destOrd="0" presId="urn:microsoft.com/office/officeart/2008/layout/LinedList"/>
-    <dgm:cxn modelId="{CB869C14-49E7-47A4-BACF-F326CE451353}" srcId="{41F64A2E-071A-46C8-B041-5E9F8ECA9F92}" destId="{8D40E3C0-1DAC-4D3E-A953-32A281DCB6DA}" srcOrd="5" destOrd="0" parTransId="{FF93D302-ADAA-4FD3-8152-6FAC39AC3285}" sibTransId="{8E11B00C-AD25-4400-B099-8A0E43237F04}"/>
-    <dgm:cxn modelId="{D114EB3A-7117-4F85-8332-C03E7B298245}" type="presOf" srcId="{8D40E3C0-1DAC-4D3E-A953-32A281DCB6DA}" destId="{94110C75-E43A-48BE-9250-19E98BBB6E6B}" srcOrd="0" destOrd="0" presId="urn:microsoft.com/office/officeart/2008/layout/LinedList"/>
-    <dgm:cxn modelId="{0FEC5F5B-548A-4B9E-8312-E96557A9B7D0}" srcId="{41F64A2E-071A-46C8-B041-5E9F8ECA9F92}" destId="{0F01F64E-054E-4240-BC06-4E6662E4C734}" srcOrd="4" destOrd="0" parTransId="{528255B8-E3B3-46BE-B51E-6D09B5030E1B}" sibTransId="{966B406A-1569-4FF5-AE92-928171676856}"/>
-    <dgm:cxn modelId="{42B4C845-888C-4DA8-A33D-143DDC456FE2}" type="presOf" srcId="{41F64A2E-071A-46C8-B041-5E9F8ECA9F92}" destId="{F6B7782C-469E-474E-806E-F3F959F32D1D}" srcOrd="0" destOrd="0" presId="urn:microsoft.com/office/officeart/2008/layout/LinedList"/>
-    <dgm:cxn modelId="{E296CB47-641B-40F5-A37B-9206B041D84B}" srcId="{41F64A2E-071A-46C8-B041-5E9F8ECA9F92}" destId="{9E84D75C-948B-411B-828F-6F21A186D404}" srcOrd="1" destOrd="0" parTransId="{44C7E273-6D52-40FB-BD35-F00165899512}" sibTransId="{465943C3-4AE9-4EAE-B580-50AA391C23E6}"/>
-    <dgm:cxn modelId="{C632A684-7F86-4645-8ECB-8B6FC4045F45}" type="presOf" srcId="{9E84D75C-948B-411B-828F-6F21A186D404}" destId="{EEE6D3E0-3CED-4211-A2DC-621E9E4E4810}" srcOrd="0" destOrd="0" presId="urn:microsoft.com/office/officeart/2008/layout/LinedList"/>
-    <dgm:cxn modelId="{8A2E2395-A780-4CE3-9083-40159DD2833E}" srcId="{41F64A2E-071A-46C8-B041-5E9F8ECA9F92}" destId="{6C2B249B-CF92-4F92-B4CB-A58B88DDD93C}" srcOrd="2" destOrd="0" parTransId="{59EBEB86-264C-4A21-B136-72BB2C76AC39}" sibTransId="{2890105A-2963-4826-B5DD-979A3EBCFB4D}"/>
-    <dgm:cxn modelId="{FE7CA0AD-06A4-430A-B455-08CB873FB285}" type="presOf" srcId="{6C2B249B-CF92-4F92-B4CB-A58B88DDD93C}" destId="{CFD11270-0146-4BAB-A9A3-F7AE0A0E9BE5}" srcOrd="0" destOrd="0" presId="urn:microsoft.com/office/officeart/2008/layout/LinedList"/>
-    <dgm:cxn modelId="{DB9D8CC6-9823-40BE-9CD8-B6815D3FB586}" type="presOf" srcId="{0F01F64E-054E-4240-BC06-4E6662E4C734}" destId="{40DD86A9-F626-47A8-86FA-54665C14A9EB}" srcOrd="0" destOrd="0" presId="urn:microsoft.com/office/officeart/2008/layout/LinedList"/>
-    <dgm:cxn modelId="{E732B7C9-6E73-48D5-9562-EFB2252E7685}" type="presOf" srcId="{969C3031-8714-4A12-97FD-F2FFB7E847B0}" destId="{CCE20B20-7E89-47F1-A7F7-EF40BEE9BE5C}" srcOrd="0" destOrd="0" presId="urn:microsoft.com/office/officeart/2008/layout/LinedList"/>
-    <dgm:cxn modelId="{F2A6D5DF-4B77-4C44-A39C-B7A87C85BA47}" srcId="{41F64A2E-071A-46C8-B041-5E9F8ECA9F92}" destId="{3BFEB26D-69CE-4083-B95F-6243CD74F1B9}" srcOrd="0" destOrd="0" parTransId="{8590E2A8-3BB6-4308-9DED-FE94601669A1}" sibTransId="{FD2E44B3-497B-4751-A24D-6C3A90B37BAC}"/>
-    <dgm:cxn modelId="{F9C385F7-084A-4F83-84D9-253D219EBCCF}" srcId="{41F64A2E-071A-46C8-B041-5E9F8ECA9F92}" destId="{969C3031-8714-4A12-97FD-F2FFB7E847B0}" srcOrd="3" destOrd="0" parTransId="{E0386E43-8EAA-44AC-A0FF-54FEBD3A50B0}" sibTransId="{6C99AE74-0D63-4E3B-AD31-C6175C64ED5B}"/>
-    <dgm:cxn modelId="{89F31BF8-D1A4-42C8-8708-D5F054F8D4FC}" type="presParOf" srcId="{F6B7782C-469E-474E-806E-F3F959F32D1D}" destId="{BCAAF5F4-4907-4754-B5AF-B63C97EE9A15}" srcOrd="0" destOrd="0" presId="urn:microsoft.com/office/officeart/2008/layout/LinedList"/>
-    <dgm:cxn modelId="{25F4DCA5-6279-403F-A6A4-F3A57F1D55D4}" type="presParOf" srcId="{F6B7782C-469E-474E-806E-F3F959F32D1D}" destId="{C3560FE4-6EA9-4542-A7FC-C74DD28C0956}" srcOrd="1" destOrd="0" presId="urn:microsoft.com/office/officeart/2008/layout/LinedList"/>
-    <dgm:cxn modelId="{D85C4EA3-52A8-49E6-916E-C22B7EF01915}" type="presParOf" srcId="{C3560FE4-6EA9-4542-A7FC-C74DD28C0956}" destId="{0A26E486-5A60-42FF-B278-70F459A1F47A}" srcOrd="0" destOrd="0" presId="urn:microsoft.com/office/officeart/2008/layout/LinedList"/>
-    <dgm:cxn modelId="{7D1FB80A-E8E1-4AA2-8B9C-9050E52105C7}" type="presParOf" srcId="{C3560FE4-6EA9-4542-A7FC-C74DD28C0956}" destId="{1439A8B1-2195-4871-B2AC-93EF702C2701}" srcOrd="1" destOrd="0" presId="urn:microsoft.com/office/officeart/2008/layout/LinedList"/>
-    <dgm:cxn modelId="{F50305A9-48EC-4A72-B97D-8BB30E412613}" type="presParOf" srcId="{F6B7782C-469E-474E-806E-F3F959F32D1D}" destId="{62B12D50-5723-41DE-AA78-19FA57616155}" srcOrd="2" destOrd="0" presId="urn:microsoft.com/office/officeart/2008/layout/LinedList"/>
-    <dgm:cxn modelId="{23B0EF41-77B5-44B9-AE6B-24F99477047B}" type="presParOf" srcId="{F6B7782C-469E-474E-806E-F3F959F32D1D}" destId="{49142ADC-84F2-44B4-ADFD-DFE64EC57AA2}" srcOrd="3" destOrd="0" presId="urn:microsoft.com/office/officeart/2008/layout/LinedList"/>
-    <dgm:cxn modelId="{1E316B5D-691E-4BFC-951E-075731409CA6}" type="presParOf" srcId="{49142ADC-84F2-44B4-ADFD-DFE64EC57AA2}" destId="{EEE6D3E0-3CED-4211-A2DC-621E9E4E4810}" srcOrd="0" destOrd="0" presId="urn:microsoft.com/office/officeart/2008/layout/LinedList"/>
-    <dgm:cxn modelId="{051E190C-D501-4AA6-9B66-21679ED3A7C4}" type="presParOf" srcId="{49142ADC-84F2-44B4-ADFD-DFE64EC57AA2}" destId="{D222BBFC-E0A2-4A66-B48A-69BB4E31FCAD}" srcOrd="1" destOrd="0" presId="urn:microsoft.com/office/officeart/2008/layout/LinedList"/>
-    <dgm:cxn modelId="{F37AD26E-CEBB-40F2-B3DD-52F41B972CFB}" type="presParOf" srcId="{F6B7782C-469E-474E-806E-F3F959F32D1D}" destId="{E96C4471-EA35-40FC-A96D-B47C5AAA1EAE}" srcOrd="4" destOrd="0" presId="urn:microsoft.com/office/officeart/2008/layout/LinedList"/>
-    <dgm:cxn modelId="{697C634B-2CB1-47E7-97C8-9F9F4ACA127D}" type="presParOf" srcId="{F6B7782C-469E-474E-806E-F3F959F32D1D}" destId="{7064457C-AE50-4971-91D3-59F016FDFD0E}" srcOrd="5" destOrd="0" presId="urn:microsoft.com/office/officeart/2008/layout/LinedList"/>
-    <dgm:cxn modelId="{9B8E865C-972F-4D9D-966A-7886AB6497B9}" type="presParOf" srcId="{7064457C-AE50-4971-91D3-59F016FDFD0E}" destId="{CFD11270-0146-4BAB-A9A3-F7AE0A0E9BE5}" srcOrd="0" destOrd="0" presId="urn:microsoft.com/office/officeart/2008/layout/LinedList"/>
-    <dgm:cxn modelId="{07085ACD-3622-482D-9A3F-8F13FAFE1843}" type="presParOf" srcId="{7064457C-AE50-4971-91D3-59F016FDFD0E}" destId="{6ABA16F0-A646-4FFD-9842-A905BB595B80}" srcOrd="1" destOrd="0" presId="urn:microsoft.com/office/officeart/2008/layout/LinedList"/>
-    <dgm:cxn modelId="{20AAFB4D-5542-4F01-B3B3-E57D9285EE84}" type="presParOf" srcId="{F6B7782C-469E-474E-806E-F3F959F32D1D}" destId="{49AD6CBA-6779-455A-B468-5F6734536C4C}" srcOrd="6" destOrd="0" presId="urn:microsoft.com/office/officeart/2008/layout/LinedList"/>
-    <dgm:cxn modelId="{5F802253-64EC-403D-985A-DADD4A8A3B00}" type="presParOf" srcId="{F6B7782C-469E-474E-806E-F3F959F32D1D}" destId="{736A966B-3874-4837-85AD-09A4D1C78B51}" srcOrd="7" destOrd="0" presId="urn:microsoft.com/office/officeart/2008/layout/LinedList"/>
-    <dgm:cxn modelId="{57415C82-0375-4365-99DB-575F29B856F8}" type="presParOf" srcId="{736A966B-3874-4837-85AD-09A4D1C78B51}" destId="{CCE20B20-7E89-47F1-A7F7-EF40BEE9BE5C}" srcOrd="0" destOrd="0" presId="urn:microsoft.com/office/officeart/2008/layout/LinedList"/>
-    <dgm:cxn modelId="{91B93B9F-D553-4172-A0CF-6695A05C1BF2}" type="presParOf" srcId="{736A966B-3874-4837-85AD-09A4D1C78B51}" destId="{F0BA3D59-5C4B-4FDE-A9B1-82976E6572ED}" srcOrd="1" destOrd="0" presId="urn:microsoft.com/office/officeart/2008/layout/LinedList"/>
-    <dgm:cxn modelId="{0297A443-E02A-420C-8FAC-0FFBB19FDAA3}" type="presParOf" srcId="{F6B7782C-469E-474E-806E-F3F959F32D1D}" destId="{A151E241-F879-4C72-98A1-14917D16EB0B}" srcOrd="8" destOrd="0" presId="urn:microsoft.com/office/officeart/2008/layout/LinedList"/>
-    <dgm:cxn modelId="{FD2A3D64-90D7-47BF-91E2-B852851475E3}" type="presParOf" srcId="{F6B7782C-469E-474E-806E-F3F959F32D1D}" destId="{83015CFF-DB6A-4019-871F-1E1225BCD8EA}" srcOrd="9" destOrd="0" presId="urn:microsoft.com/office/officeart/2008/layout/LinedList"/>
-    <dgm:cxn modelId="{FD12774A-5944-47CF-B3A2-BDD83B7F8421}" type="presParOf" srcId="{83015CFF-DB6A-4019-871F-1E1225BCD8EA}" destId="{40DD86A9-F626-47A8-86FA-54665C14A9EB}" srcOrd="0" destOrd="0" presId="urn:microsoft.com/office/officeart/2008/layout/LinedList"/>
-    <dgm:cxn modelId="{F3701070-3C34-47F0-8D96-D3C190E9D609}" type="presParOf" srcId="{83015CFF-DB6A-4019-871F-1E1225BCD8EA}" destId="{6B20D8F7-3542-4ED5-B020-AB054675AB72}" srcOrd="1" destOrd="0" presId="urn:microsoft.com/office/officeart/2008/layout/LinedList"/>
-    <dgm:cxn modelId="{30C18298-5A00-479F-9F89-ED2F3C8B57E1}" type="presParOf" srcId="{F6B7782C-469E-474E-806E-F3F959F32D1D}" destId="{123B01EF-744A-4647-A6B6-B50D8B2F8B49}" srcOrd="10" destOrd="0" presId="urn:microsoft.com/office/officeart/2008/layout/LinedList"/>
-    <dgm:cxn modelId="{CAA0AC5B-4DC4-4BA0-89D6-FCDF2BE32710}" type="presParOf" srcId="{F6B7782C-469E-474E-806E-F3F959F32D1D}" destId="{833488B6-7DD6-4C3C-995D-ABC39EC49C02}" srcOrd="11" destOrd="0" presId="urn:microsoft.com/office/officeart/2008/layout/LinedList"/>
-    <dgm:cxn modelId="{D78942ED-85B6-4486-9B1F-C320A6ECF3D7}" type="presParOf" srcId="{833488B6-7DD6-4C3C-995D-ABC39EC49C02}" destId="{94110C75-E43A-48BE-9250-19E98BBB6E6B}" srcOrd="0" destOrd="0" presId="urn:microsoft.com/office/officeart/2008/layout/LinedList"/>
-    <dgm:cxn modelId="{182BA896-1AD4-47A8-BB05-E79058FF8EB3}" type="presParOf" srcId="{833488B6-7DD6-4C3C-995D-ABC39EC49C02}" destId="{DCA3215C-E347-44EC-A1D6-8746A42A0239}" srcOrd="1" destOrd="0" presId="urn:microsoft.com/office/officeart/2008/layout/LinedList"/>
+    <dgm:cxn modelId="{7B02C703-6D61-4887-B81E-5913D7A8D455}" srcId="{6FC50289-6C04-44F1-81DC-A7B0A5711932}" destId="{4EAD40FF-3075-4600-B92B-9C90DED9EAB2}" srcOrd="2" destOrd="0" parTransId="{300C8632-2EA0-422C-9F2F-05CFA57D3BFE}" sibTransId="{7CEA20B6-2CD7-48AD-AAC2-6520EC6A5A07}"/>
+    <dgm:cxn modelId="{B51E520D-4142-4407-B819-3089F28C25AE}" type="presOf" srcId="{6FC50289-6C04-44F1-81DC-A7B0A5711932}" destId="{25625A1C-7976-4744-8299-B1F89DCB640A}" srcOrd="0" destOrd="0" presId="urn:microsoft.com/office/officeart/2008/layout/LinedList"/>
+    <dgm:cxn modelId="{F6C90D14-2D06-4E68-BCBA-5DE1C432073F}" srcId="{6FC50289-6C04-44F1-81DC-A7B0A5711932}" destId="{88C04F4F-F215-4CC5-BA60-F330A76E9DBA}" srcOrd="4" destOrd="0" parTransId="{23AE31E3-45FF-4488-84BC-F6990EE19C46}" sibTransId="{75685AFE-919D-4211-A114-F4273B31721D}"/>
+    <dgm:cxn modelId="{0A418E31-E584-4962-AAED-6B709FC1C622}" srcId="{6FC50289-6C04-44F1-81DC-A7B0A5711932}" destId="{94624106-487E-408D-90B2-590B4177E3D3}" srcOrd="3" destOrd="0" parTransId="{A22BD184-37F9-4D7A-A199-391D59F2879F}" sibTransId="{5A0AD108-F7E7-4956-82BF-0D58981FE73F}"/>
+    <dgm:cxn modelId="{04D89838-3353-4C89-9B88-5EEE6F2352C5}" srcId="{6FC50289-6C04-44F1-81DC-A7B0A5711932}" destId="{E1AFEE73-B981-4BCE-A871-A3089D7BBEBA}" srcOrd="0" destOrd="0" parTransId="{7F6E085A-3825-46F4-A96D-9255F0FDC7E3}" sibTransId="{D3FBEB45-4FDF-4A7C-A6C1-8DE28D867AE5}"/>
+    <dgm:cxn modelId="{8E744D3A-06FC-40A0-9821-CD57338F9AC6}" type="presOf" srcId="{94624106-487E-408D-90B2-590B4177E3D3}" destId="{4C306029-6066-4D37-B9FA-16DEF29D471D}" srcOrd="0" destOrd="0" presId="urn:microsoft.com/office/officeart/2008/layout/LinedList"/>
+    <dgm:cxn modelId="{D4E1B63F-71EF-4862-9EC9-5400D13B0FEF}" type="presOf" srcId="{E1AFEE73-B981-4BCE-A871-A3089D7BBEBA}" destId="{7F6066D7-0FA6-412A-BE87-CB20151A6842}" srcOrd="0" destOrd="0" presId="urn:microsoft.com/office/officeart/2008/layout/LinedList"/>
+    <dgm:cxn modelId="{3162BB45-05FB-4541-ACAF-D2E820CCD802}" type="presOf" srcId="{4EAD40FF-3075-4600-B92B-9C90DED9EAB2}" destId="{A2008069-9A6D-4816-987B-FBD625420189}" srcOrd="0" destOrd="0" presId="urn:microsoft.com/office/officeart/2008/layout/LinedList"/>
+    <dgm:cxn modelId="{EA6A7A7C-D7C8-4273-9D0F-063AED40D673}" type="presOf" srcId="{BFF93A2B-5668-4ED0-B4DB-17259AF5CF51}" destId="{09F79DB2-89E6-4D63-AACA-6064AC3D4602}" srcOrd="0" destOrd="0" presId="urn:microsoft.com/office/officeart/2008/layout/LinedList"/>
+    <dgm:cxn modelId="{5E8B5493-E8B3-493B-9284-3657C0189B94}" srcId="{6FC50289-6C04-44F1-81DC-A7B0A5711932}" destId="{BFF93A2B-5668-4ED0-B4DB-17259AF5CF51}" srcOrd="5" destOrd="0" parTransId="{4ADCD666-9738-4A02-B82A-277C5D11CAB4}" sibTransId="{DA8EC0E7-2218-4261-88AA-BFBE3624FD1A}"/>
+    <dgm:cxn modelId="{DAE88A9D-CD02-41CA-88E1-1BC871DACD51}" type="presOf" srcId="{88C04F4F-F215-4CC5-BA60-F330A76E9DBA}" destId="{15384045-6FD4-4C8B-8510-21B8D3570D23}" srcOrd="0" destOrd="0" presId="urn:microsoft.com/office/officeart/2008/layout/LinedList"/>
+    <dgm:cxn modelId="{4A1F2DA9-CF47-42CE-BBDE-064198EBE64A}" srcId="{6FC50289-6C04-44F1-81DC-A7B0A5711932}" destId="{E76086D6-EBB0-4CAB-A9F8-F7C704042017}" srcOrd="1" destOrd="0" parTransId="{C683F62B-2A9E-4400-B92C-0A7B02C51DC2}" sibTransId="{B7721492-257C-4417-8A44-92A006490E72}"/>
+    <dgm:cxn modelId="{E3409DE1-01DF-4701-B9D3-056ADCD66DD1}" type="presOf" srcId="{E76086D6-EBB0-4CAB-A9F8-F7C704042017}" destId="{4768B170-1E16-4B27-8EA2-DF4A0C89FF43}" srcOrd="0" destOrd="0" presId="urn:microsoft.com/office/officeart/2008/layout/LinedList"/>
+    <dgm:cxn modelId="{683891D7-AF4F-4514-AD6B-138D6789FA86}" type="presParOf" srcId="{25625A1C-7976-4744-8299-B1F89DCB640A}" destId="{3278C091-4DEF-4DB3-BFFB-E652BD151979}" srcOrd="0" destOrd="0" presId="urn:microsoft.com/office/officeart/2008/layout/LinedList"/>
+    <dgm:cxn modelId="{CDED32F0-1DAB-40C0-A5AE-4C4F88986CF7}" type="presParOf" srcId="{25625A1C-7976-4744-8299-B1F89DCB640A}" destId="{AD6EEF8B-A368-4C0F-81DC-0F3827E7940A}" srcOrd="1" destOrd="0" presId="urn:microsoft.com/office/officeart/2008/layout/LinedList"/>
+    <dgm:cxn modelId="{2E7DACD4-5F95-45D8-80AF-D9F001F30643}" type="presParOf" srcId="{AD6EEF8B-A368-4C0F-81DC-0F3827E7940A}" destId="{7F6066D7-0FA6-412A-BE87-CB20151A6842}" srcOrd="0" destOrd="0" presId="urn:microsoft.com/office/officeart/2008/layout/LinedList"/>
+    <dgm:cxn modelId="{131E805A-A733-4387-B162-A9BC434D0E42}" type="presParOf" srcId="{AD6EEF8B-A368-4C0F-81DC-0F3827E7940A}" destId="{4B0A401A-E948-4E0E-8F71-CDF4B46534AB}" srcOrd="1" destOrd="0" presId="urn:microsoft.com/office/officeart/2008/layout/LinedList"/>
+    <dgm:cxn modelId="{6A1CB704-8A9B-432F-8240-9D1F222FA303}" type="presParOf" srcId="{25625A1C-7976-4744-8299-B1F89DCB640A}" destId="{DCB3FBE9-A06C-44F4-938F-1B9CE54C6A6B}" srcOrd="2" destOrd="0" presId="urn:microsoft.com/office/officeart/2008/layout/LinedList"/>
+    <dgm:cxn modelId="{7C6CA943-4D1A-4386-842D-D821A3453157}" type="presParOf" srcId="{25625A1C-7976-4744-8299-B1F89DCB640A}" destId="{AE52C3AC-50D1-4917-A7AB-5B69FFBD7C79}" srcOrd="3" destOrd="0" presId="urn:microsoft.com/office/officeart/2008/layout/LinedList"/>
+    <dgm:cxn modelId="{0F34C29E-000D-437E-8F3E-3E759279676B}" type="presParOf" srcId="{AE52C3AC-50D1-4917-A7AB-5B69FFBD7C79}" destId="{4768B170-1E16-4B27-8EA2-DF4A0C89FF43}" srcOrd="0" destOrd="0" presId="urn:microsoft.com/office/officeart/2008/layout/LinedList"/>
+    <dgm:cxn modelId="{23723FB1-41E9-45FD-A3DF-E5663F74BC8D}" type="presParOf" srcId="{AE52C3AC-50D1-4917-A7AB-5B69FFBD7C79}" destId="{C735E768-66D2-48A4-9EC7-46C1625347D9}" srcOrd="1" destOrd="0" presId="urn:microsoft.com/office/officeart/2008/layout/LinedList"/>
+    <dgm:cxn modelId="{D65A70FF-CB69-4275-B0C7-484917AF248A}" type="presParOf" srcId="{25625A1C-7976-4744-8299-B1F89DCB640A}" destId="{EE94220F-E204-484B-8FD8-2D8DD749CE98}" srcOrd="4" destOrd="0" presId="urn:microsoft.com/office/officeart/2008/layout/LinedList"/>
+    <dgm:cxn modelId="{FE6428A6-219E-4C31-AAA2-491F420181E5}" type="presParOf" srcId="{25625A1C-7976-4744-8299-B1F89DCB640A}" destId="{E3BA1958-B1B1-480F-A7C6-5F9997CB6E9C}" srcOrd="5" destOrd="0" presId="urn:microsoft.com/office/officeart/2008/layout/LinedList"/>
+    <dgm:cxn modelId="{0BCD6BD6-C7C1-477B-8325-39B5E8D55612}" type="presParOf" srcId="{E3BA1958-B1B1-480F-A7C6-5F9997CB6E9C}" destId="{A2008069-9A6D-4816-987B-FBD625420189}" srcOrd="0" destOrd="0" presId="urn:microsoft.com/office/officeart/2008/layout/LinedList"/>
+    <dgm:cxn modelId="{49664B1C-BE39-43CC-8E50-CA166081B6CE}" type="presParOf" srcId="{E3BA1958-B1B1-480F-A7C6-5F9997CB6E9C}" destId="{D1F19266-F00B-4A98-9A71-922D9B429298}" srcOrd="1" destOrd="0" presId="urn:microsoft.com/office/officeart/2008/layout/LinedList"/>
+    <dgm:cxn modelId="{CD508A7B-2F12-4B04-B25D-B560CE8BA6A8}" type="presParOf" srcId="{25625A1C-7976-4744-8299-B1F89DCB640A}" destId="{A6457FFF-3B77-4425-A826-ACDA6106673C}" srcOrd="6" destOrd="0" presId="urn:microsoft.com/office/officeart/2008/layout/LinedList"/>
+    <dgm:cxn modelId="{FB8139FE-ADCA-4216-8555-457CDFFB03B6}" type="presParOf" srcId="{25625A1C-7976-4744-8299-B1F89DCB640A}" destId="{0E7FB7B1-2667-4515-A0F2-F13A5C0DEAB8}" srcOrd="7" destOrd="0" presId="urn:microsoft.com/office/officeart/2008/layout/LinedList"/>
+    <dgm:cxn modelId="{EEECE93B-4C70-4E50-AB39-FF5EA4C4CBEB}" type="presParOf" srcId="{0E7FB7B1-2667-4515-A0F2-F13A5C0DEAB8}" destId="{4C306029-6066-4D37-B9FA-16DEF29D471D}" srcOrd="0" destOrd="0" presId="urn:microsoft.com/office/officeart/2008/layout/LinedList"/>
+    <dgm:cxn modelId="{92903386-9565-4E88-80AE-0DE0E64EE529}" type="presParOf" srcId="{0E7FB7B1-2667-4515-A0F2-F13A5C0DEAB8}" destId="{8D4DCD0A-E580-4B2D-A174-2926208F7733}" srcOrd="1" destOrd="0" presId="urn:microsoft.com/office/officeart/2008/layout/LinedList"/>
+    <dgm:cxn modelId="{92715EF9-FDDB-489A-974D-15AC2B63DE9A}" type="presParOf" srcId="{25625A1C-7976-4744-8299-B1F89DCB640A}" destId="{7395F143-BD29-431E-9B8D-BAC44071C690}" srcOrd="8" destOrd="0" presId="urn:microsoft.com/office/officeart/2008/layout/LinedList"/>
+    <dgm:cxn modelId="{12AC2092-C160-4FF3-992C-A01405A2E855}" type="presParOf" srcId="{25625A1C-7976-4744-8299-B1F89DCB640A}" destId="{E285DB82-3FEB-49F6-A79B-8ECFB427A13A}" srcOrd="9" destOrd="0" presId="urn:microsoft.com/office/officeart/2008/layout/LinedList"/>
+    <dgm:cxn modelId="{9CAE1D0A-7B0C-4E0B-BD01-E6B8F243D94E}" type="presParOf" srcId="{E285DB82-3FEB-49F6-A79B-8ECFB427A13A}" destId="{15384045-6FD4-4C8B-8510-21B8D3570D23}" srcOrd="0" destOrd="0" presId="urn:microsoft.com/office/officeart/2008/layout/LinedList"/>
+    <dgm:cxn modelId="{ED06DA79-06E2-4352-A8EF-992D90B821B3}" type="presParOf" srcId="{E285DB82-3FEB-49F6-A79B-8ECFB427A13A}" destId="{9868A91B-E8B2-437E-A11F-0EF0847204CA}" srcOrd="1" destOrd="0" presId="urn:microsoft.com/office/officeart/2008/layout/LinedList"/>
+    <dgm:cxn modelId="{9CDEE91D-417B-4D55-B46A-DE6E51923216}" type="presParOf" srcId="{25625A1C-7976-4744-8299-B1F89DCB640A}" destId="{3957B8C6-9AE8-45C3-9862-13C871F0B29E}" srcOrd="10" destOrd="0" presId="urn:microsoft.com/office/officeart/2008/layout/LinedList"/>
+    <dgm:cxn modelId="{7D6AFBB9-33B8-4AD6-8390-572692D69324}" type="presParOf" srcId="{25625A1C-7976-4744-8299-B1F89DCB640A}" destId="{2D06EF8A-D988-4CFC-AE09-1B5992E523E6}" srcOrd="11" destOrd="0" presId="urn:microsoft.com/office/officeart/2008/layout/LinedList"/>
+    <dgm:cxn modelId="{E96BE911-33CF-40ED-A281-D48DF50C7E83}" type="presParOf" srcId="{2D06EF8A-D988-4CFC-AE09-1B5992E523E6}" destId="{09F79DB2-89E6-4D63-AACA-6064AC3D4602}" srcOrd="0" destOrd="0" presId="urn:microsoft.com/office/officeart/2008/layout/LinedList"/>
+    <dgm:cxn modelId="{AF41BB2C-EF1F-40D2-82B3-0AEA73FF0C6C}" type="presParOf" srcId="{2D06EF8A-D988-4CFC-AE09-1B5992E523E6}" destId="{0EA8B007-3E25-4BB7-9EAA-CFFFF65AAE85}" srcOrd="1" destOrd="0" presId="urn:microsoft.com/office/officeart/2008/layout/LinedList"/>
   </dgm:cxnLst>
   <dgm:bg/>
   <dgm:whole/>
@@ -2500,21 +2465,21 @@
       <dsp:cNvGrpSpPr/>
     </dsp:nvGrpSpPr>
     <dsp:grpSpPr/>
-    <dsp:sp modelId="{BCAAF5F4-4907-4754-B5AF-B63C97EE9A15}">
+    <dsp:sp modelId="{3278C091-4DEF-4DB3-BFFB-E652BD151979}">
       <dsp:nvSpPr>
         <dsp:cNvPr id="0" name=""/>
         <dsp:cNvSpPr/>
       </dsp:nvSpPr>
       <dsp:spPr>
         <a:xfrm>
-          <a:off x="0" y="2125"/>
+          <a:off x="0" y="2124"/>
           <a:ext cx="10515600" cy="0"/>
         </a:xfrm>
         <a:prstGeom prst="line">
           <a:avLst/>
         </a:prstGeom>
         <a:solidFill>
-          <a:schemeClr val="accent5">
+          <a:schemeClr val="accent1">
             <a:hueOff val="0"/>
             <a:satOff val="0"/>
             <a:lumOff val="0"/>
@@ -2523,7 +2488,7 @@
         </a:solidFill>
         <a:ln w="12700" cap="flat" cmpd="sng" algn="ctr">
           <a:solidFill>
-            <a:schemeClr val="accent5">
+            <a:schemeClr val="accent1">
               <a:hueOff val="0"/>
               <a:satOff val="0"/>
               <a:lumOff val="0"/>
@@ -2550,15 +2515,15 @@
         </a:fontRef>
       </dsp:style>
     </dsp:sp>
-    <dsp:sp modelId="{0A26E486-5A60-42FF-B278-70F459A1F47A}">
+    <dsp:sp modelId="{7F6066D7-0FA6-412A-BE87-CB20151A6842}">
       <dsp:nvSpPr>
         <dsp:cNvPr id="0" name=""/>
         <dsp:cNvSpPr/>
       </dsp:nvSpPr>
       <dsp:spPr>
         <a:xfrm>
-          <a:off x="0" y="2125"/>
-          <a:ext cx="10515600" cy="724715"/>
+          <a:off x="0" y="2124"/>
+          <a:ext cx="10515600" cy="724514"/>
         </a:xfrm>
         <a:prstGeom prst="rect">
           <a:avLst/>
@@ -2600,43 +2565,43 @@
             <a:buNone/>
           </a:pPr>
           <a:r>
-            <a:rPr lang="en-US" sz="1600" kern="1200" dirty="0"/>
+            <a:rPr lang="en-US" sz="1600" kern="1200"/>
             <a:t>Let's take next numbers.</a:t>
           </a:r>
         </a:p>
       </dsp:txBody>
       <dsp:txXfrm>
-        <a:off x="0" y="2125"/>
-        <a:ext cx="10515600" cy="724715"/>
+        <a:off x="0" y="2124"/>
+        <a:ext cx="10515600" cy="724514"/>
       </dsp:txXfrm>
     </dsp:sp>
-    <dsp:sp modelId="{62B12D50-5723-41DE-AA78-19FA57616155}">
+    <dsp:sp modelId="{DCB3FBE9-A06C-44F4-938F-1B9CE54C6A6B}">
       <dsp:nvSpPr>
         <dsp:cNvPr id="0" name=""/>
         <dsp:cNvSpPr/>
       </dsp:nvSpPr>
       <dsp:spPr>
         <a:xfrm>
-          <a:off x="0" y="726840"/>
+          <a:off x="0" y="726639"/>
           <a:ext cx="10515600" cy="0"/>
         </a:xfrm>
         <a:prstGeom prst="line">
           <a:avLst/>
         </a:prstGeom>
         <a:solidFill>
-          <a:schemeClr val="accent5">
-            <a:hueOff val="-1351709"/>
-            <a:satOff val="-3484"/>
-            <a:lumOff val="-2353"/>
+          <a:schemeClr val="accent1">
+            <a:hueOff val="0"/>
+            <a:satOff val="0"/>
+            <a:lumOff val="0"/>
             <a:alphaOff val="0"/>
           </a:schemeClr>
         </a:solidFill>
         <a:ln w="12700" cap="flat" cmpd="sng" algn="ctr">
           <a:solidFill>
-            <a:schemeClr val="accent5">
-              <a:hueOff val="-1351709"/>
-              <a:satOff val="-3484"/>
-              <a:lumOff val="-2353"/>
+            <a:schemeClr val="accent1">
+              <a:hueOff val="0"/>
+              <a:satOff val="0"/>
+              <a:lumOff val="0"/>
               <a:alphaOff val="0"/>
             </a:schemeClr>
           </a:solidFill>
@@ -2660,15 +2625,15 @@
         </a:fontRef>
       </dsp:style>
     </dsp:sp>
-    <dsp:sp modelId="{EEE6D3E0-3CED-4211-A2DC-621E9E4E4810}">
+    <dsp:sp modelId="{4768B170-1E16-4B27-8EA2-DF4A0C89FF43}">
       <dsp:nvSpPr>
         <dsp:cNvPr id="0" name=""/>
         <dsp:cNvSpPr/>
       </dsp:nvSpPr>
       <dsp:spPr>
         <a:xfrm>
-          <a:off x="0" y="726840"/>
-          <a:ext cx="10515600" cy="724715"/>
+          <a:off x="0" y="726639"/>
+          <a:ext cx="10515600" cy="724514"/>
         </a:xfrm>
         <a:prstGeom prst="rect">
           <a:avLst/>
@@ -2710,43 +2675,43 @@
             <a:buNone/>
           </a:pPr>
           <a:r>
-            <a:rPr lang="en-US" sz="1600" kern="1200" dirty="0"/>
+            <a:rPr lang="en-US" sz="1600" kern="1200"/>
             <a:t>There are 20 millions of peoples working in IT world wide, while world population is 6 billions of people</a:t>
           </a:r>
         </a:p>
       </dsp:txBody>
       <dsp:txXfrm>
-        <a:off x="0" y="726840"/>
-        <a:ext cx="10515600" cy="724715"/>
+        <a:off x="0" y="726639"/>
+        <a:ext cx="10515600" cy="724514"/>
       </dsp:txXfrm>
     </dsp:sp>
-    <dsp:sp modelId="{E96C4471-EA35-40FC-A96D-B47C5AAA1EAE}">
+    <dsp:sp modelId="{EE94220F-E204-484B-8FD8-2D8DD749CE98}">
       <dsp:nvSpPr>
         <dsp:cNvPr id="0" name=""/>
         <dsp:cNvSpPr/>
       </dsp:nvSpPr>
       <dsp:spPr>
         <a:xfrm>
-          <a:off x="0" y="1451556"/>
+          <a:off x="0" y="1451154"/>
           <a:ext cx="10515600" cy="0"/>
         </a:xfrm>
         <a:prstGeom prst="line">
           <a:avLst/>
         </a:prstGeom>
         <a:solidFill>
-          <a:schemeClr val="accent5">
-            <a:hueOff val="-2703417"/>
-            <a:satOff val="-6968"/>
-            <a:lumOff val="-4706"/>
+          <a:schemeClr val="accent1">
+            <a:hueOff val="0"/>
+            <a:satOff val="0"/>
+            <a:lumOff val="0"/>
             <a:alphaOff val="0"/>
           </a:schemeClr>
         </a:solidFill>
         <a:ln w="12700" cap="flat" cmpd="sng" algn="ctr">
           <a:solidFill>
-            <a:schemeClr val="accent5">
-              <a:hueOff val="-2703417"/>
-              <a:satOff val="-6968"/>
-              <a:lumOff val="-4706"/>
+            <a:schemeClr val="accent1">
+              <a:hueOff val="0"/>
+              <a:satOff val="0"/>
+              <a:lumOff val="0"/>
               <a:alphaOff val="0"/>
             </a:schemeClr>
           </a:solidFill>
@@ -2770,15 +2735,15 @@
         </a:fontRef>
       </dsp:style>
     </dsp:sp>
-    <dsp:sp modelId="{CFD11270-0146-4BAB-A9A3-F7AE0A0E9BE5}">
+    <dsp:sp modelId="{A2008069-9A6D-4816-987B-FBD625420189}">
       <dsp:nvSpPr>
         <dsp:cNvPr id="0" name=""/>
         <dsp:cNvSpPr/>
       </dsp:nvSpPr>
       <dsp:spPr>
         <a:xfrm>
-          <a:off x="0" y="1451556"/>
-          <a:ext cx="10515600" cy="724715"/>
+          <a:off x="0" y="1451154"/>
+          <a:ext cx="10515600" cy="724514"/>
         </a:xfrm>
         <a:prstGeom prst="rect">
           <a:avLst/>
@@ -2820,43 +2785,43 @@
             <a:buNone/>
           </a:pPr>
           <a:r>
-            <a:rPr lang="en-US" sz="1600" kern="1200" dirty="0"/>
+            <a:rPr lang="en-US" sz="1600" kern="1200"/>
             <a:t>I've taken 3rd place in student competition, and considered that it is in national wide competition, and this competition made every years, so with average life expectancy 80 years, so there are 80 * 3 living nominee of all years in my country</a:t>
           </a:r>
         </a:p>
       </dsp:txBody>
       <dsp:txXfrm>
-        <a:off x="0" y="1451556"/>
-        <a:ext cx="10515600" cy="724715"/>
+        <a:off x="0" y="1451154"/>
+        <a:ext cx="10515600" cy="724514"/>
       </dsp:txXfrm>
     </dsp:sp>
-    <dsp:sp modelId="{49AD6CBA-6779-455A-B468-5F6734536C4C}">
+    <dsp:sp modelId="{A6457FFF-3B77-4425-A826-ACDA6106673C}">
       <dsp:nvSpPr>
         <dsp:cNvPr id="0" name=""/>
         <dsp:cNvSpPr/>
       </dsp:nvSpPr>
       <dsp:spPr>
         <a:xfrm>
-          <a:off x="0" y="2176271"/>
+          <a:off x="0" y="2175669"/>
           <a:ext cx="10515600" cy="0"/>
         </a:xfrm>
         <a:prstGeom prst="line">
           <a:avLst/>
         </a:prstGeom>
         <a:solidFill>
-          <a:schemeClr val="accent5">
-            <a:hueOff val="-4055126"/>
-            <a:satOff val="-10451"/>
-            <a:lumOff val="-7059"/>
+          <a:schemeClr val="accent1">
+            <a:hueOff val="0"/>
+            <a:satOff val="0"/>
+            <a:lumOff val="0"/>
             <a:alphaOff val="0"/>
           </a:schemeClr>
         </a:solidFill>
         <a:ln w="12700" cap="flat" cmpd="sng" algn="ctr">
           <a:solidFill>
-            <a:schemeClr val="accent5">
-              <a:hueOff val="-4055126"/>
-              <a:satOff val="-10451"/>
-              <a:lumOff val="-7059"/>
+            <a:schemeClr val="accent1">
+              <a:hueOff val="0"/>
+              <a:satOff val="0"/>
+              <a:lumOff val="0"/>
               <a:alphaOff val="0"/>
             </a:schemeClr>
           </a:solidFill>
@@ -2880,15 +2845,15 @@
         </a:fontRef>
       </dsp:style>
     </dsp:sp>
-    <dsp:sp modelId="{CCE20B20-7E89-47F1-A7F7-EF40BEE9BE5C}">
+    <dsp:sp modelId="{4C306029-6066-4D37-B9FA-16DEF29D471D}">
       <dsp:nvSpPr>
         <dsp:cNvPr id="0" name=""/>
         <dsp:cNvSpPr/>
       </dsp:nvSpPr>
       <dsp:spPr>
         <a:xfrm>
-          <a:off x="0" y="2176271"/>
-          <a:ext cx="10515600" cy="724715"/>
+          <a:off x="0" y="2175669"/>
+          <a:ext cx="10515600" cy="724514"/>
         </a:xfrm>
         <a:prstGeom prst="rect">
           <a:avLst/>
@@ -2930,43 +2895,43 @@
             <a:buNone/>
           </a:pPr>
           <a:r>
-            <a:rPr lang="en-US" sz="1600" kern="1200" dirty="0"/>
+            <a:rPr lang="en-US" sz="1600" kern="1200"/>
             <a:t>Ukraine population is about 40 million people for that moment</a:t>
           </a:r>
         </a:p>
       </dsp:txBody>
       <dsp:txXfrm>
-        <a:off x="0" y="2176271"/>
-        <a:ext cx="10515600" cy="724715"/>
+        <a:off x="0" y="2175669"/>
+        <a:ext cx="10515600" cy="724514"/>
       </dsp:txXfrm>
     </dsp:sp>
-    <dsp:sp modelId="{A151E241-F879-4C72-98A1-14917D16EB0B}">
+    <dsp:sp modelId="{7395F143-BD29-431E-9B8D-BAC44071C690}">
       <dsp:nvSpPr>
         <dsp:cNvPr id="0" name=""/>
         <dsp:cNvSpPr/>
       </dsp:nvSpPr>
       <dsp:spPr>
         <a:xfrm>
-          <a:off x="0" y="2900987"/>
+          <a:off x="0" y="2900183"/>
           <a:ext cx="10515600" cy="0"/>
         </a:xfrm>
         <a:prstGeom prst="line">
           <a:avLst/>
         </a:prstGeom>
         <a:solidFill>
-          <a:schemeClr val="accent5">
-            <a:hueOff val="-5406834"/>
-            <a:satOff val="-13935"/>
-            <a:lumOff val="-9412"/>
+          <a:schemeClr val="accent1">
+            <a:hueOff val="0"/>
+            <a:satOff val="0"/>
+            <a:lumOff val="0"/>
             <a:alphaOff val="0"/>
           </a:schemeClr>
         </a:solidFill>
         <a:ln w="12700" cap="flat" cmpd="sng" algn="ctr">
           <a:solidFill>
-            <a:schemeClr val="accent5">
-              <a:hueOff val="-5406834"/>
-              <a:satOff val="-13935"/>
-              <a:lumOff val="-9412"/>
+            <a:schemeClr val="accent1">
+              <a:hueOff val="0"/>
+              <a:satOff val="0"/>
+              <a:lumOff val="0"/>
               <a:alphaOff val="0"/>
             </a:schemeClr>
           </a:solidFill>
@@ -2990,15 +2955,15 @@
         </a:fontRef>
       </dsp:style>
     </dsp:sp>
-    <dsp:sp modelId="{40DD86A9-F626-47A8-86FA-54665C14A9EB}">
+    <dsp:sp modelId="{15384045-6FD4-4C8B-8510-21B8D3570D23}">
       <dsp:nvSpPr>
         <dsp:cNvPr id="0" name=""/>
         <dsp:cNvSpPr/>
       </dsp:nvSpPr>
       <dsp:spPr>
         <a:xfrm>
-          <a:off x="0" y="2900987"/>
-          <a:ext cx="10515600" cy="724715"/>
+          <a:off x="0" y="2900183"/>
+          <a:ext cx="10515600" cy="724514"/>
         </a:xfrm>
         <a:prstGeom prst="rect">
           <a:avLst/>
@@ -3040,48 +3005,48 @@
             <a:buNone/>
           </a:pPr>
           <a:r>
-            <a:rPr lang="en-US" sz="1600" kern="1200" dirty="0"/>
+            <a:rPr lang="en-US" sz="1600" kern="1200"/>
             <a:t>80*3 / (40 million * ( 20 million of IT world wide / 6 billion global population)) = </a:t>
           </a:r>
           <a:r>
-            <a:rPr lang="en-US" sz="1600" b="1" kern="1200" dirty="0"/>
+            <a:rPr lang="en-US" sz="1600" b="1" kern="1200"/>
             <a:t>0.18%</a:t>
           </a:r>
-          <a:endParaRPr lang="en-US" sz="1600" kern="1200" dirty="0"/>
+          <a:endParaRPr lang="en-US" sz="1600" kern="1200"/>
         </a:p>
       </dsp:txBody>
       <dsp:txXfrm>
-        <a:off x="0" y="2900987"/>
-        <a:ext cx="10515600" cy="724715"/>
+        <a:off x="0" y="2900183"/>
+        <a:ext cx="10515600" cy="724514"/>
       </dsp:txXfrm>
     </dsp:sp>
-    <dsp:sp modelId="{123B01EF-744A-4647-A6B6-B50D8B2F8B49}">
+    <dsp:sp modelId="{3957B8C6-9AE8-45C3-9862-13C871F0B29E}">
       <dsp:nvSpPr>
         <dsp:cNvPr id="0" name=""/>
         <dsp:cNvSpPr/>
       </dsp:nvSpPr>
       <dsp:spPr>
         <a:xfrm>
-          <a:off x="0" y="3625703"/>
+          <a:off x="0" y="3624698"/>
           <a:ext cx="10515600" cy="0"/>
         </a:xfrm>
         <a:prstGeom prst="line">
           <a:avLst/>
         </a:prstGeom>
         <a:solidFill>
-          <a:schemeClr val="accent5">
-            <a:hueOff val="-6758543"/>
-            <a:satOff val="-17419"/>
-            <a:lumOff val="-11765"/>
+          <a:schemeClr val="accent1">
+            <a:hueOff val="0"/>
+            <a:satOff val="0"/>
+            <a:lumOff val="0"/>
             <a:alphaOff val="0"/>
           </a:schemeClr>
         </a:solidFill>
         <a:ln w="12700" cap="flat" cmpd="sng" algn="ctr">
           <a:solidFill>
-            <a:schemeClr val="accent5">
-              <a:hueOff val="-6758543"/>
-              <a:satOff val="-17419"/>
-              <a:lumOff val="-11765"/>
+            <a:schemeClr val="accent1">
+              <a:hueOff val="0"/>
+              <a:satOff val="0"/>
+              <a:lumOff val="0"/>
               <a:alphaOff val="0"/>
             </a:schemeClr>
           </a:solidFill>
@@ -3105,15 +3070,15 @@
         </a:fontRef>
       </dsp:style>
     </dsp:sp>
-    <dsp:sp modelId="{94110C75-E43A-48BE-9250-19E98BBB6E6B}">
+    <dsp:sp modelId="{09F79DB2-89E6-4D63-AACA-6064AC3D4602}">
       <dsp:nvSpPr>
         <dsp:cNvPr id="0" name=""/>
         <dsp:cNvSpPr/>
       </dsp:nvSpPr>
       <dsp:spPr>
         <a:xfrm>
-          <a:off x="0" y="3625703"/>
-          <a:ext cx="10515600" cy="724715"/>
+          <a:off x="0" y="3624698"/>
+          <a:ext cx="10515600" cy="724514"/>
         </a:xfrm>
         <a:prstGeom prst="rect">
           <a:avLst/>
@@ -3155,38 +3120,38 @@
             <a:buNone/>
           </a:pPr>
           <a:r>
-            <a:rPr lang="en-US" sz="1600" kern="1200" dirty="0"/>
+            <a:rPr lang="en-US" sz="1600" kern="1200"/>
             <a:t>In essence, within a company of </a:t>
           </a:r>
           <a:r>
-            <a:rPr lang="en-US" sz="1600" b="1" kern="1200" dirty="0"/>
+            <a:rPr lang="en-US" sz="1600" b="1" kern="1200"/>
             <a:t>50,000 employees</a:t>
           </a:r>
           <a:r>
-            <a:rPr lang="en-US" sz="1600" kern="1200" dirty="0"/>
+            <a:rPr lang="en-US" sz="1600" kern="1200"/>
             <a:t>, only </a:t>
           </a:r>
           <a:r>
-            <a:rPr lang="en-US" sz="1600" b="1" kern="1200" dirty="0"/>
+            <a:rPr lang="en-US" sz="1600" b="1" kern="1200"/>
             <a:t>90 individuals</a:t>
           </a:r>
           <a:r>
-            <a:rPr lang="en-US" sz="1600" kern="1200" dirty="0"/>
+            <a:rPr lang="en-US" sz="1600" kern="1200"/>
             <a:t> showcase comparable or </a:t>
           </a:r>
           <a:r>
-            <a:rPr lang="en-US" sz="1600" b="1" kern="1200" dirty="0"/>
+            <a:rPr lang="en-US" sz="1600" b="1" kern="1200"/>
             <a:t>superior talents</a:t>
           </a:r>
           <a:r>
-            <a:rPr lang="en-US" sz="1600" kern="1200" dirty="0"/>
+            <a:rPr lang="en-US" sz="1600" kern="1200"/>
             <a:t>. (50 000 * 0.18%/100% = 90</a:t>
           </a:r>
         </a:p>
       </dsp:txBody>
       <dsp:txXfrm>
-        <a:off x="0" y="3625703"/>
-        <a:ext cx="10515600" cy="724715"/>
+        <a:off x="0" y="3624698"/>
+        <a:ext cx="10515600" cy="724514"/>
       </dsp:txXfrm>
     </dsp:sp>
   </dsp:spTree>
@@ -11037,14 +11002,6 @@
 <file path=ppt/slides/slide3.xml><?xml version="1.0" encoding="utf-8"?>
 <p:sld xmlns:a="http://schemas.openxmlformats.org/drawingml/2006/main" xmlns:r="http://schemas.openxmlformats.org/officeDocument/2006/relationships" xmlns:p="http://schemas.openxmlformats.org/presentationml/2006/main">
   <p:cSld>
-    <p:bg>
-      <p:bgPr>
-        <a:solidFill>
-          <a:schemeClr val="bg1"/>
-        </a:solidFill>
-        <a:effectLst/>
-      </p:bgPr>
-    </p:bg>
     <p:spTree>
       <p:nvGrpSpPr>
         <p:cNvPr id="1" name=""/>
@@ -11059,72 +11016,12 @@
           <a:chExt cx="0" cy="0"/>
         </a:xfrm>
       </p:grpSpPr>
-      <p:sp useBgFill="1">
-        <p:nvSpPr>
-          <p:cNvPr id="16" name="Rectangle 15">
-            <a:extLst>
-              <a:ext uri="{FF2B5EF4-FFF2-40B4-BE49-F238E27FC236}">
-                <a16:creationId xmlns:a16="http://schemas.microsoft.com/office/drawing/2014/main" id="{955A2079-FA98-4876-80F0-72364A7D2EA4}"/>
-              </a:ext>
-              <a:ext uri="{C183D7F6-B498-43B3-948B-1728B52AA6E4}">
-                <adec:decorative xmlns:adec="http://schemas.microsoft.com/office/drawing/2017/decorative" val="1"/>
-              </a:ext>
-            </a:extLst>
-          </p:cNvPr>
-          <p:cNvSpPr>
-            <a:spLocks noGrp="1" noRot="1" noChangeAspect="1" noMove="1" noResize="1" noEditPoints="1" noAdjustHandles="1" noChangeArrowheads="1" noChangeShapeType="1" noTextEdit="1"/>
-          </p:cNvSpPr>
-          <p:nvPr>
-            <p:extLst>
-              <p:ext uri="{386F3935-93C4-4BCD-93E2-E3B085C9AB24}">
-                <p16:designElem xmlns:p16="http://schemas.microsoft.com/office/powerpoint/2015/main" val="1"/>
-              </p:ext>
-            </p:extLst>
-          </p:nvPr>
-        </p:nvSpPr>
-        <p:spPr>
-          <a:xfrm>
-            <a:off x="-1" y="0"/>
-            <a:ext cx="12188952" cy="6858000"/>
-          </a:xfrm>
-          <a:prstGeom prst="rect">
-            <a:avLst/>
-          </a:prstGeom>
-          <a:ln>
-            <a:noFill/>
-          </a:ln>
-        </p:spPr>
-        <p:style>
-          <a:lnRef idx="2">
-            <a:schemeClr val="accent1">
-              <a:shade val="50000"/>
-            </a:schemeClr>
-          </a:lnRef>
-          <a:fillRef idx="1">
-            <a:schemeClr val="accent1"/>
-          </a:fillRef>
-          <a:effectRef idx="0">
-            <a:schemeClr val="accent1"/>
-          </a:effectRef>
-          <a:fontRef idx="minor">
-            <a:schemeClr val="lt1"/>
-          </a:fontRef>
-        </p:style>
-        <p:txBody>
-          <a:bodyPr rtlCol="0" anchor="ctr"/>
-          <a:lstStyle/>
-          <a:p>
-            <a:pPr algn="ctr"/>
-            <a:endParaRPr lang="en-US"/>
-          </a:p>
-        </p:txBody>
-      </p:sp>
       <p:sp>
         <p:nvSpPr>
           <p:cNvPr id="2" name="Title 1">
             <a:extLst>
               <a:ext uri="{FF2B5EF4-FFF2-40B4-BE49-F238E27FC236}">
-                <a16:creationId xmlns:a16="http://schemas.microsoft.com/office/drawing/2014/main" id="{524E034D-66DD-01B8-D87F-8AC4832C09D8}"/>
+                <a16:creationId xmlns:a16="http://schemas.microsoft.com/office/drawing/2014/main" id="{39D87719-D7DA-5034-4C0B-2DA6C94D44F3}"/>
               </a:ext>
             </a:extLst>
           </p:cNvPr>
@@ -11135,50 +11032,42 @@
             <p:ph type="title"/>
           </p:nvPr>
         </p:nvSpPr>
-        <p:spPr>
-          <a:xfrm>
-            <a:off x="838200" y="557188"/>
-            <a:ext cx="10515600" cy="1133499"/>
-          </a:xfrm>
-        </p:spPr>
+        <p:spPr/>
         <p:txBody>
-          <a:bodyPr>
-            <a:normAutofit/>
-          </a:bodyPr>
+          <a:bodyPr/>
           <a:lstStyle/>
           <a:p>
-            <a:pPr algn="ctr"/>
             <a:r>
-              <a:rPr lang="en-US" sz="5200" b="0" i="0">
+              <a:rPr lang="en-US" sz="4400" b="0" i="0">
                 <a:effectLst/>
                 <a:latin typeface="Inter"/>
               </a:rPr>
               <a:t> </a:t>
             </a:r>
             <a:r>
-              <a:rPr lang="en-US" sz="5200" b="1" i="0">
+              <a:rPr lang="en-US" sz="4400" b="1" i="0">
                 <a:effectLst/>
                 <a:latin typeface="Inter"/>
               </a:rPr>
               <a:t>0.18%</a:t>
             </a:r>
             <a:r>
-              <a:rPr lang="en-US" sz="5200" b="0" i="0">
+              <a:rPr lang="en-US" sz="4400" b="0" i="0">
                 <a:effectLst/>
                 <a:latin typeface="Inter"/>
               </a:rPr>
               <a:t> explained</a:t>
             </a:r>
-            <a:endParaRPr lang="en-US" sz="5200"/>
+            <a:endParaRPr lang="en-US" dirty="0"/>
           </a:p>
         </p:txBody>
       </p:sp>
       <p:graphicFrame>
         <p:nvGraphicFramePr>
-          <p:cNvPr id="5" name="Content Placeholder 2">
+          <p:cNvPr id="7" name="Content Placeholder 2">
             <a:extLst>
               <a:ext uri="{FF2B5EF4-FFF2-40B4-BE49-F238E27FC236}">
-                <a16:creationId xmlns:a16="http://schemas.microsoft.com/office/drawing/2014/main" id="{66E3C112-BC4D-5B02-317F-B08B215501AC}"/>
+                <a16:creationId xmlns:a16="http://schemas.microsoft.com/office/drawing/2014/main" id="{990542BB-E912-A3F0-6984-0BBB7AD4BD33}"/>
               </a:ext>
             </a:extLst>
           </p:cNvPr>
@@ -11187,16 +11076,11 @@
           </p:cNvGraphicFramePr>
           <p:nvPr>
             <p:ph idx="1"/>
-            <p:extLst>
-              <p:ext uri="{D42A27DB-BD31-4B8C-83A1-F6EECF244321}">
-                <p14:modId xmlns:p14="http://schemas.microsoft.com/office/powerpoint/2010/main" val="4270985209"/>
-              </p:ext>
-            </p:extLst>
           </p:nvPr>
         </p:nvGraphicFramePr>
         <p:xfrm>
-          <a:off x="838200" y="1828800"/>
-          <a:ext cx="10515600" cy="4352544"/>
+          <a:off x="838200" y="1825625"/>
+          <a:ext cx="10515600" cy="4351338"/>
         </p:xfrm>
         <a:graphic>
           <a:graphicData uri="http://schemas.openxmlformats.org/drawingml/2006/diagram">
@@ -11207,7 +11091,7 @@
     </p:spTree>
     <p:extLst>
       <p:ext uri="{BB962C8B-B14F-4D97-AF65-F5344CB8AC3E}">
-        <p14:creationId xmlns:p14="http://schemas.microsoft.com/office/powerpoint/2010/main" val="1778065421"/>
+        <p14:creationId xmlns:p14="http://schemas.microsoft.com/office/powerpoint/2010/main" val="1833696908"/>
       </p:ext>
     </p:extLst>
   </p:cSld>

--- a/attachments/DmytroBrazhnyk-Resume-Attachments.pptx
+++ b/attachments/DmytroBrazhnyk-Resume-Attachments.pptx
@@ -867,1169 +867,7 @@
 </dgm:colorsDef>
 </file>
 
-<file path=ppt/diagrams/colors2.xml><?xml version="1.0" encoding="utf-8"?>
-<dgm:colorsDef xmlns:dgm="http://schemas.openxmlformats.org/drawingml/2006/diagram" xmlns:a="http://schemas.openxmlformats.org/drawingml/2006/main" uniqueId="urn:microsoft.com/office/officeart/2005/8/colors/accent1_2">
-  <dgm:title val=""/>
-  <dgm:desc val=""/>
-  <dgm:catLst>
-    <dgm:cat type="accent1" pri="11200"/>
-  </dgm:catLst>
-  <dgm:styleLbl name="node0">
-    <dgm:fillClrLst meth="repeat">
-      <a:schemeClr val="accent1"/>
-    </dgm:fillClrLst>
-    <dgm:linClrLst meth="repeat">
-      <a:schemeClr val="lt1"/>
-    </dgm:linClrLst>
-    <dgm:effectClrLst/>
-    <dgm:txLinClrLst/>
-    <dgm:txFillClrLst/>
-    <dgm:txEffectClrLst/>
-  </dgm:styleLbl>
-  <dgm:styleLbl name="alignNode1">
-    <dgm:fillClrLst meth="repeat">
-      <a:schemeClr val="accent1"/>
-    </dgm:fillClrLst>
-    <dgm:linClrLst meth="repeat">
-      <a:schemeClr val="accent1"/>
-    </dgm:linClrLst>
-    <dgm:effectClrLst/>
-    <dgm:txLinClrLst/>
-    <dgm:txFillClrLst/>
-    <dgm:txEffectClrLst/>
-  </dgm:styleLbl>
-  <dgm:styleLbl name="node1">
-    <dgm:fillClrLst meth="repeat">
-      <a:schemeClr val="accent1"/>
-    </dgm:fillClrLst>
-    <dgm:linClrLst meth="repeat">
-      <a:schemeClr val="lt1"/>
-    </dgm:linClrLst>
-    <dgm:effectClrLst/>
-    <dgm:txLinClrLst/>
-    <dgm:txFillClrLst/>
-    <dgm:txEffectClrLst/>
-  </dgm:styleLbl>
-  <dgm:styleLbl name="lnNode1">
-    <dgm:fillClrLst meth="repeat">
-      <a:schemeClr val="accent1"/>
-    </dgm:fillClrLst>
-    <dgm:linClrLst meth="repeat">
-      <a:schemeClr val="lt1"/>
-    </dgm:linClrLst>
-    <dgm:effectClrLst/>
-    <dgm:txLinClrLst/>
-    <dgm:txFillClrLst/>
-    <dgm:txEffectClrLst/>
-  </dgm:styleLbl>
-  <dgm:styleLbl name="vennNode1">
-    <dgm:fillClrLst meth="repeat">
-      <a:schemeClr val="accent1">
-        <a:alpha val="50000"/>
-      </a:schemeClr>
-    </dgm:fillClrLst>
-    <dgm:linClrLst meth="repeat">
-      <a:schemeClr val="lt1"/>
-    </dgm:linClrLst>
-    <dgm:effectClrLst/>
-    <dgm:txLinClrLst/>
-    <dgm:txFillClrLst/>
-    <dgm:txEffectClrLst/>
-  </dgm:styleLbl>
-  <dgm:styleLbl name="node2">
-    <dgm:fillClrLst meth="repeat">
-      <a:schemeClr val="accent1"/>
-    </dgm:fillClrLst>
-    <dgm:linClrLst meth="repeat">
-      <a:schemeClr val="lt1"/>
-    </dgm:linClrLst>
-    <dgm:effectClrLst/>
-    <dgm:txLinClrLst/>
-    <dgm:txFillClrLst/>
-    <dgm:txEffectClrLst/>
-  </dgm:styleLbl>
-  <dgm:styleLbl name="node3">
-    <dgm:fillClrLst meth="repeat">
-      <a:schemeClr val="accent1"/>
-    </dgm:fillClrLst>
-    <dgm:linClrLst meth="repeat">
-      <a:schemeClr val="lt1"/>
-    </dgm:linClrLst>
-    <dgm:effectClrLst/>
-    <dgm:txLinClrLst/>
-    <dgm:txFillClrLst/>
-    <dgm:txEffectClrLst/>
-  </dgm:styleLbl>
-  <dgm:styleLbl name="node4">
-    <dgm:fillClrLst meth="repeat">
-      <a:schemeClr val="accent1"/>
-    </dgm:fillClrLst>
-    <dgm:linClrLst meth="repeat">
-      <a:schemeClr val="lt1"/>
-    </dgm:linClrLst>
-    <dgm:effectClrLst/>
-    <dgm:txLinClrLst/>
-    <dgm:txFillClrLst/>
-    <dgm:txEffectClrLst/>
-  </dgm:styleLbl>
-  <dgm:styleLbl name="fgImgPlace1">
-    <dgm:fillClrLst meth="repeat">
-      <a:schemeClr val="accent1">
-        <a:tint val="50000"/>
-      </a:schemeClr>
-    </dgm:fillClrLst>
-    <dgm:linClrLst meth="repeat">
-      <a:schemeClr val="lt1"/>
-    </dgm:linClrLst>
-    <dgm:effectClrLst/>
-    <dgm:txLinClrLst/>
-    <dgm:txFillClrLst meth="repeat">
-      <a:schemeClr val="lt1"/>
-    </dgm:txFillClrLst>
-    <dgm:txEffectClrLst/>
-  </dgm:styleLbl>
-  <dgm:styleLbl name="alignImgPlace1">
-    <dgm:fillClrLst meth="repeat">
-      <a:schemeClr val="accent1">
-        <a:tint val="50000"/>
-      </a:schemeClr>
-    </dgm:fillClrLst>
-    <dgm:linClrLst meth="repeat">
-      <a:schemeClr val="lt1"/>
-    </dgm:linClrLst>
-    <dgm:effectClrLst/>
-    <dgm:txLinClrLst/>
-    <dgm:txFillClrLst meth="repeat">
-      <a:schemeClr val="lt1"/>
-    </dgm:txFillClrLst>
-    <dgm:txEffectClrLst/>
-  </dgm:styleLbl>
-  <dgm:styleLbl name="bgImgPlace1">
-    <dgm:fillClrLst meth="repeat">
-      <a:schemeClr val="accent1">
-        <a:tint val="50000"/>
-      </a:schemeClr>
-    </dgm:fillClrLst>
-    <dgm:linClrLst meth="repeat">
-      <a:schemeClr val="lt1"/>
-    </dgm:linClrLst>
-    <dgm:effectClrLst/>
-    <dgm:txLinClrLst/>
-    <dgm:txFillClrLst meth="repeat">
-      <a:schemeClr val="lt1"/>
-    </dgm:txFillClrLst>
-    <dgm:txEffectClrLst/>
-  </dgm:styleLbl>
-  <dgm:styleLbl name="sibTrans2D1">
-    <dgm:fillClrLst meth="repeat">
-      <a:schemeClr val="accent1">
-        <a:tint val="60000"/>
-      </a:schemeClr>
-    </dgm:fillClrLst>
-    <dgm:linClrLst meth="repeat">
-      <a:schemeClr val="accent1">
-        <a:tint val="60000"/>
-      </a:schemeClr>
-    </dgm:linClrLst>
-    <dgm:effectClrLst/>
-    <dgm:txLinClrLst/>
-    <dgm:txFillClrLst/>
-    <dgm:txEffectClrLst/>
-  </dgm:styleLbl>
-  <dgm:styleLbl name="fgSibTrans2D1">
-    <dgm:fillClrLst meth="repeat">
-      <a:schemeClr val="accent1">
-        <a:tint val="60000"/>
-      </a:schemeClr>
-    </dgm:fillClrLst>
-    <dgm:linClrLst meth="repeat">
-      <a:schemeClr val="accent1">
-        <a:tint val="60000"/>
-      </a:schemeClr>
-    </dgm:linClrLst>
-    <dgm:effectClrLst/>
-    <dgm:txLinClrLst/>
-    <dgm:txFillClrLst/>
-    <dgm:txEffectClrLst/>
-  </dgm:styleLbl>
-  <dgm:styleLbl name="bgSibTrans2D1">
-    <dgm:fillClrLst meth="repeat">
-      <a:schemeClr val="accent1">
-        <a:tint val="60000"/>
-      </a:schemeClr>
-    </dgm:fillClrLst>
-    <dgm:linClrLst meth="repeat">
-      <a:schemeClr val="accent1">
-        <a:tint val="60000"/>
-      </a:schemeClr>
-    </dgm:linClrLst>
-    <dgm:effectClrLst/>
-    <dgm:txLinClrLst/>
-    <dgm:txFillClrLst/>
-    <dgm:txEffectClrLst/>
-  </dgm:styleLbl>
-  <dgm:styleLbl name="sibTrans1D1">
-    <dgm:fillClrLst meth="repeat">
-      <a:schemeClr val="accent1"/>
-    </dgm:fillClrLst>
-    <dgm:linClrLst meth="repeat">
-      <a:schemeClr val="accent1"/>
-    </dgm:linClrLst>
-    <dgm:effectClrLst/>
-    <dgm:txLinClrLst/>
-    <dgm:txFillClrLst meth="repeat">
-      <a:schemeClr val="tx1"/>
-    </dgm:txFillClrLst>
-    <dgm:txEffectClrLst/>
-  </dgm:styleLbl>
-  <dgm:styleLbl name="callout">
-    <dgm:fillClrLst meth="repeat">
-      <a:schemeClr val="accent1"/>
-    </dgm:fillClrLst>
-    <dgm:linClrLst meth="repeat">
-      <a:schemeClr val="accent1">
-        <a:tint val="50000"/>
-      </a:schemeClr>
-    </dgm:linClrLst>
-    <dgm:effectClrLst/>
-    <dgm:txLinClrLst/>
-    <dgm:txFillClrLst meth="repeat">
-      <a:schemeClr val="tx1"/>
-    </dgm:txFillClrLst>
-    <dgm:txEffectClrLst/>
-  </dgm:styleLbl>
-  <dgm:styleLbl name="asst0">
-    <dgm:fillClrLst meth="repeat">
-      <a:schemeClr val="accent1"/>
-    </dgm:fillClrLst>
-    <dgm:linClrLst meth="repeat">
-      <a:schemeClr val="lt1"/>
-    </dgm:linClrLst>
-    <dgm:effectClrLst/>
-    <dgm:txLinClrLst/>
-    <dgm:txFillClrLst/>
-    <dgm:txEffectClrLst/>
-  </dgm:styleLbl>
-  <dgm:styleLbl name="asst1">
-    <dgm:fillClrLst meth="repeat">
-      <a:schemeClr val="accent1"/>
-    </dgm:fillClrLst>
-    <dgm:linClrLst meth="repeat">
-      <a:schemeClr val="lt1"/>
-    </dgm:linClrLst>
-    <dgm:effectClrLst/>
-    <dgm:txLinClrLst/>
-    <dgm:txFillClrLst/>
-    <dgm:txEffectClrLst/>
-  </dgm:styleLbl>
-  <dgm:styleLbl name="asst2">
-    <dgm:fillClrLst meth="repeat">
-      <a:schemeClr val="accent1"/>
-    </dgm:fillClrLst>
-    <dgm:linClrLst meth="repeat">
-      <a:schemeClr val="lt1"/>
-    </dgm:linClrLst>
-    <dgm:effectClrLst/>
-    <dgm:txLinClrLst/>
-    <dgm:txFillClrLst/>
-    <dgm:txEffectClrLst/>
-  </dgm:styleLbl>
-  <dgm:styleLbl name="asst3">
-    <dgm:fillClrLst meth="repeat">
-      <a:schemeClr val="accent1"/>
-    </dgm:fillClrLst>
-    <dgm:linClrLst meth="repeat">
-      <a:schemeClr val="lt1"/>
-    </dgm:linClrLst>
-    <dgm:effectClrLst/>
-    <dgm:txLinClrLst/>
-    <dgm:txFillClrLst/>
-    <dgm:txEffectClrLst/>
-  </dgm:styleLbl>
-  <dgm:styleLbl name="asst4">
-    <dgm:fillClrLst meth="repeat">
-      <a:schemeClr val="accent1"/>
-    </dgm:fillClrLst>
-    <dgm:linClrLst meth="repeat">
-      <a:schemeClr val="lt1"/>
-    </dgm:linClrLst>
-    <dgm:effectClrLst/>
-    <dgm:txLinClrLst/>
-    <dgm:txFillClrLst/>
-    <dgm:txEffectClrLst/>
-  </dgm:styleLbl>
-  <dgm:styleLbl name="parChTrans2D1">
-    <dgm:fillClrLst meth="repeat">
-      <a:schemeClr val="accent1">
-        <a:tint val="60000"/>
-      </a:schemeClr>
-    </dgm:fillClrLst>
-    <dgm:linClrLst meth="repeat">
-      <a:schemeClr val="accent1">
-        <a:tint val="60000"/>
-      </a:schemeClr>
-    </dgm:linClrLst>
-    <dgm:effectClrLst/>
-    <dgm:txLinClrLst/>
-    <dgm:txFillClrLst meth="repeat">
-      <a:schemeClr val="lt1"/>
-    </dgm:txFillClrLst>
-    <dgm:txEffectClrLst/>
-  </dgm:styleLbl>
-  <dgm:styleLbl name="parChTrans2D2">
-    <dgm:fillClrLst meth="repeat">
-      <a:schemeClr val="accent1"/>
-    </dgm:fillClrLst>
-    <dgm:linClrLst meth="repeat">
-      <a:schemeClr val="accent1"/>
-    </dgm:linClrLst>
-    <dgm:effectClrLst/>
-    <dgm:txLinClrLst/>
-    <dgm:txFillClrLst meth="repeat">
-      <a:schemeClr val="lt1"/>
-    </dgm:txFillClrLst>
-    <dgm:txEffectClrLst/>
-  </dgm:styleLbl>
-  <dgm:styleLbl name="parChTrans2D3">
-    <dgm:fillClrLst meth="repeat">
-      <a:schemeClr val="accent1"/>
-    </dgm:fillClrLst>
-    <dgm:linClrLst meth="repeat">
-      <a:schemeClr val="accent1"/>
-    </dgm:linClrLst>
-    <dgm:effectClrLst/>
-    <dgm:txLinClrLst/>
-    <dgm:txFillClrLst meth="repeat">
-      <a:schemeClr val="lt1"/>
-    </dgm:txFillClrLst>
-    <dgm:txEffectClrLst/>
-  </dgm:styleLbl>
-  <dgm:styleLbl name="parChTrans2D4">
-    <dgm:fillClrLst meth="repeat">
-      <a:schemeClr val="accent1"/>
-    </dgm:fillClrLst>
-    <dgm:linClrLst meth="repeat">
-      <a:schemeClr val="accent1"/>
-    </dgm:linClrLst>
-    <dgm:effectClrLst/>
-    <dgm:txLinClrLst/>
-    <dgm:txFillClrLst meth="repeat">
-      <a:schemeClr val="lt1"/>
-    </dgm:txFillClrLst>
-    <dgm:txEffectClrLst/>
-  </dgm:styleLbl>
-  <dgm:styleLbl name="parChTrans1D1">
-    <dgm:fillClrLst meth="repeat">
-      <a:schemeClr val="accent1"/>
-    </dgm:fillClrLst>
-    <dgm:linClrLst meth="repeat">
-      <a:schemeClr val="accent1">
-        <a:shade val="60000"/>
-      </a:schemeClr>
-    </dgm:linClrLst>
-    <dgm:effectClrLst/>
-    <dgm:txLinClrLst/>
-    <dgm:txFillClrLst meth="repeat">
-      <a:schemeClr val="tx1"/>
-    </dgm:txFillClrLst>
-    <dgm:txEffectClrLst/>
-  </dgm:styleLbl>
-  <dgm:styleLbl name="parChTrans1D2">
-    <dgm:fillClrLst meth="repeat">
-      <a:schemeClr val="accent1"/>
-    </dgm:fillClrLst>
-    <dgm:linClrLst meth="repeat">
-      <a:schemeClr val="accent1">
-        <a:shade val="60000"/>
-      </a:schemeClr>
-    </dgm:linClrLst>
-    <dgm:effectClrLst/>
-    <dgm:txLinClrLst/>
-    <dgm:txFillClrLst meth="repeat">
-      <a:schemeClr val="tx1"/>
-    </dgm:txFillClrLst>
-    <dgm:txEffectClrLst/>
-  </dgm:styleLbl>
-  <dgm:styleLbl name="parChTrans1D3">
-    <dgm:fillClrLst meth="repeat">
-      <a:schemeClr val="accent1"/>
-    </dgm:fillClrLst>
-    <dgm:linClrLst meth="repeat">
-      <a:schemeClr val="accent1">
-        <a:shade val="80000"/>
-      </a:schemeClr>
-    </dgm:linClrLst>
-    <dgm:effectClrLst/>
-    <dgm:txLinClrLst/>
-    <dgm:txFillClrLst meth="repeat">
-      <a:schemeClr val="tx1"/>
-    </dgm:txFillClrLst>
-    <dgm:txEffectClrLst/>
-  </dgm:styleLbl>
-  <dgm:styleLbl name="parChTrans1D4">
-    <dgm:fillClrLst meth="repeat">
-      <a:schemeClr val="accent1"/>
-    </dgm:fillClrLst>
-    <dgm:linClrLst meth="repeat">
-      <a:schemeClr val="accent1">
-        <a:shade val="80000"/>
-      </a:schemeClr>
-    </dgm:linClrLst>
-    <dgm:effectClrLst/>
-    <dgm:txLinClrLst/>
-    <dgm:txFillClrLst meth="repeat">
-      <a:schemeClr val="tx1"/>
-    </dgm:txFillClrLst>
-    <dgm:txEffectClrLst/>
-  </dgm:styleLbl>
-  <dgm:styleLbl name="fgAcc1">
-    <dgm:fillClrLst meth="repeat">
-      <a:schemeClr val="lt1">
-        <a:alpha val="90000"/>
-      </a:schemeClr>
-    </dgm:fillClrLst>
-    <dgm:linClrLst meth="repeat">
-      <a:schemeClr val="accent1"/>
-    </dgm:linClrLst>
-    <dgm:effectClrLst/>
-    <dgm:txLinClrLst/>
-    <dgm:txFillClrLst meth="repeat">
-      <a:schemeClr val="dk1"/>
-    </dgm:txFillClrLst>
-    <dgm:txEffectClrLst/>
-  </dgm:styleLbl>
-  <dgm:styleLbl name="conFgAcc1">
-    <dgm:fillClrLst meth="repeat">
-      <a:schemeClr val="lt1">
-        <a:alpha val="90000"/>
-      </a:schemeClr>
-    </dgm:fillClrLst>
-    <dgm:linClrLst meth="repeat">
-      <a:schemeClr val="accent1"/>
-    </dgm:linClrLst>
-    <dgm:effectClrLst/>
-    <dgm:txLinClrLst/>
-    <dgm:txFillClrLst meth="repeat">
-      <a:schemeClr val="dk1"/>
-    </dgm:txFillClrLst>
-    <dgm:txEffectClrLst/>
-  </dgm:styleLbl>
-  <dgm:styleLbl name="alignAcc1">
-    <dgm:fillClrLst meth="repeat">
-      <a:schemeClr val="lt1">
-        <a:alpha val="90000"/>
-      </a:schemeClr>
-    </dgm:fillClrLst>
-    <dgm:linClrLst meth="repeat">
-      <a:schemeClr val="accent1"/>
-    </dgm:linClrLst>
-    <dgm:effectClrLst/>
-    <dgm:txLinClrLst/>
-    <dgm:txFillClrLst meth="repeat">
-      <a:schemeClr val="dk1"/>
-    </dgm:txFillClrLst>
-    <dgm:txEffectClrLst/>
-  </dgm:styleLbl>
-  <dgm:styleLbl name="trAlignAcc1">
-    <dgm:fillClrLst meth="repeat">
-      <a:schemeClr val="lt1">
-        <a:alpha val="40000"/>
-      </a:schemeClr>
-    </dgm:fillClrLst>
-    <dgm:linClrLst meth="repeat">
-      <a:schemeClr val="accent1"/>
-    </dgm:linClrLst>
-    <dgm:effectClrLst/>
-    <dgm:txLinClrLst/>
-    <dgm:txFillClrLst meth="repeat">
-      <a:schemeClr val="dk1"/>
-    </dgm:txFillClrLst>
-    <dgm:txEffectClrLst/>
-  </dgm:styleLbl>
-  <dgm:styleLbl name="bgAcc1">
-    <dgm:fillClrLst meth="repeat">
-      <a:schemeClr val="lt1">
-        <a:alpha val="90000"/>
-      </a:schemeClr>
-    </dgm:fillClrLst>
-    <dgm:linClrLst meth="repeat">
-      <a:schemeClr val="accent1"/>
-    </dgm:linClrLst>
-    <dgm:effectClrLst/>
-    <dgm:txLinClrLst/>
-    <dgm:txFillClrLst meth="repeat">
-      <a:schemeClr val="dk1"/>
-    </dgm:txFillClrLst>
-    <dgm:txEffectClrLst/>
-  </dgm:styleLbl>
-  <dgm:styleLbl name="solidFgAcc1">
-    <dgm:fillClrLst meth="repeat">
-      <a:schemeClr val="lt1"/>
-    </dgm:fillClrLst>
-    <dgm:linClrLst meth="repeat">
-      <a:schemeClr val="accent1"/>
-    </dgm:linClrLst>
-    <dgm:effectClrLst/>
-    <dgm:txLinClrLst/>
-    <dgm:txFillClrLst meth="repeat">
-      <a:schemeClr val="dk1"/>
-    </dgm:txFillClrLst>
-    <dgm:txEffectClrLst/>
-  </dgm:styleLbl>
-  <dgm:styleLbl name="solidAlignAcc1">
-    <dgm:fillClrLst meth="repeat">
-      <a:schemeClr val="lt1"/>
-    </dgm:fillClrLst>
-    <dgm:linClrLst meth="repeat">
-      <a:schemeClr val="accent1"/>
-    </dgm:linClrLst>
-    <dgm:effectClrLst/>
-    <dgm:txLinClrLst/>
-    <dgm:txFillClrLst meth="repeat">
-      <a:schemeClr val="dk1"/>
-    </dgm:txFillClrLst>
-    <dgm:txEffectClrLst/>
-  </dgm:styleLbl>
-  <dgm:styleLbl name="solidBgAcc1">
-    <dgm:fillClrLst meth="repeat">
-      <a:schemeClr val="lt1"/>
-    </dgm:fillClrLst>
-    <dgm:linClrLst meth="repeat">
-      <a:schemeClr val="accent1"/>
-    </dgm:linClrLst>
-    <dgm:effectClrLst/>
-    <dgm:txLinClrLst/>
-    <dgm:txFillClrLst meth="repeat">
-      <a:schemeClr val="dk1"/>
-    </dgm:txFillClrLst>
-    <dgm:txEffectClrLst/>
-  </dgm:styleLbl>
-  <dgm:styleLbl name="fgAccFollowNode1">
-    <dgm:fillClrLst meth="repeat">
-      <a:schemeClr val="accent1">
-        <a:alpha val="90000"/>
-        <a:tint val="40000"/>
-      </a:schemeClr>
-    </dgm:fillClrLst>
-    <dgm:linClrLst meth="repeat">
-      <a:schemeClr val="accent1">
-        <a:alpha val="90000"/>
-        <a:tint val="40000"/>
-      </a:schemeClr>
-    </dgm:linClrLst>
-    <dgm:effectClrLst/>
-    <dgm:txLinClrLst/>
-    <dgm:txFillClrLst meth="repeat">
-      <a:schemeClr val="dk1"/>
-    </dgm:txFillClrLst>
-    <dgm:txEffectClrLst/>
-  </dgm:styleLbl>
-  <dgm:styleLbl name="alignAccFollowNode1">
-    <dgm:fillClrLst meth="repeat">
-      <a:schemeClr val="accent1">
-        <a:alpha val="90000"/>
-        <a:tint val="40000"/>
-      </a:schemeClr>
-    </dgm:fillClrLst>
-    <dgm:linClrLst meth="repeat">
-      <a:schemeClr val="accent1">
-        <a:alpha val="90000"/>
-        <a:tint val="40000"/>
-      </a:schemeClr>
-    </dgm:linClrLst>
-    <dgm:effectClrLst/>
-    <dgm:txLinClrLst/>
-    <dgm:txFillClrLst meth="repeat">
-      <a:schemeClr val="dk1"/>
-    </dgm:txFillClrLst>
-    <dgm:txEffectClrLst/>
-  </dgm:styleLbl>
-  <dgm:styleLbl name="bgAccFollowNode1">
-    <dgm:fillClrLst meth="repeat">
-      <a:schemeClr val="accent1">
-        <a:alpha val="90000"/>
-        <a:tint val="40000"/>
-      </a:schemeClr>
-    </dgm:fillClrLst>
-    <dgm:linClrLst meth="repeat">
-      <a:schemeClr val="accent1">
-        <a:alpha val="90000"/>
-        <a:tint val="40000"/>
-      </a:schemeClr>
-    </dgm:linClrLst>
-    <dgm:effectClrLst/>
-    <dgm:txLinClrLst/>
-    <dgm:txFillClrLst meth="repeat">
-      <a:schemeClr val="dk1"/>
-    </dgm:txFillClrLst>
-    <dgm:txEffectClrLst/>
-  </dgm:styleLbl>
-  <dgm:styleLbl name="fgAcc0">
-    <dgm:fillClrLst meth="repeat">
-      <a:schemeClr val="lt1">
-        <a:alpha val="90000"/>
-      </a:schemeClr>
-    </dgm:fillClrLst>
-    <dgm:linClrLst meth="repeat">
-      <a:schemeClr val="accent1"/>
-    </dgm:linClrLst>
-    <dgm:effectClrLst/>
-    <dgm:txLinClrLst/>
-    <dgm:txFillClrLst meth="repeat">
-      <a:schemeClr val="dk1"/>
-    </dgm:txFillClrLst>
-    <dgm:txEffectClrLst/>
-  </dgm:styleLbl>
-  <dgm:styleLbl name="fgAcc2">
-    <dgm:fillClrLst meth="repeat">
-      <a:schemeClr val="lt1">
-        <a:alpha val="90000"/>
-      </a:schemeClr>
-    </dgm:fillClrLst>
-    <dgm:linClrLst meth="repeat">
-      <a:schemeClr val="accent1"/>
-    </dgm:linClrLst>
-    <dgm:effectClrLst/>
-    <dgm:txLinClrLst/>
-    <dgm:txFillClrLst meth="repeat">
-      <a:schemeClr val="dk1"/>
-    </dgm:txFillClrLst>
-    <dgm:txEffectClrLst/>
-  </dgm:styleLbl>
-  <dgm:styleLbl name="fgAcc3">
-    <dgm:fillClrLst meth="repeat">
-      <a:schemeClr val="lt1">
-        <a:alpha val="90000"/>
-      </a:schemeClr>
-    </dgm:fillClrLst>
-    <dgm:linClrLst meth="repeat">
-      <a:schemeClr val="accent1"/>
-    </dgm:linClrLst>
-    <dgm:effectClrLst/>
-    <dgm:txLinClrLst/>
-    <dgm:txFillClrLst meth="repeat">
-      <a:schemeClr val="dk1"/>
-    </dgm:txFillClrLst>
-    <dgm:txEffectClrLst/>
-  </dgm:styleLbl>
-  <dgm:styleLbl name="fgAcc4">
-    <dgm:fillClrLst meth="repeat">
-      <a:schemeClr val="lt1">
-        <a:alpha val="90000"/>
-      </a:schemeClr>
-    </dgm:fillClrLst>
-    <dgm:linClrLst meth="repeat">
-      <a:schemeClr val="accent1"/>
-    </dgm:linClrLst>
-    <dgm:effectClrLst/>
-    <dgm:txLinClrLst/>
-    <dgm:txFillClrLst meth="repeat">
-      <a:schemeClr val="dk1"/>
-    </dgm:txFillClrLst>
-    <dgm:txEffectClrLst/>
-  </dgm:styleLbl>
-  <dgm:styleLbl name="bgShp">
-    <dgm:fillClrLst meth="repeat">
-      <a:schemeClr val="accent1">
-        <a:tint val="40000"/>
-      </a:schemeClr>
-    </dgm:fillClrLst>
-    <dgm:linClrLst meth="repeat">
-      <a:schemeClr val="accent1"/>
-    </dgm:linClrLst>
-    <dgm:effectClrLst/>
-    <dgm:txLinClrLst/>
-    <dgm:txFillClrLst meth="repeat">
-      <a:schemeClr val="dk1"/>
-    </dgm:txFillClrLst>
-    <dgm:txEffectClrLst/>
-  </dgm:styleLbl>
-  <dgm:styleLbl name="dkBgShp">
-    <dgm:fillClrLst meth="repeat">
-      <a:schemeClr val="accent1">
-        <a:shade val="80000"/>
-      </a:schemeClr>
-    </dgm:fillClrLst>
-    <dgm:linClrLst meth="repeat">
-      <a:schemeClr val="accent1"/>
-    </dgm:linClrLst>
-    <dgm:effectClrLst/>
-    <dgm:txLinClrLst/>
-    <dgm:txFillClrLst meth="repeat">
-      <a:schemeClr val="lt1"/>
-    </dgm:txFillClrLst>
-    <dgm:txEffectClrLst/>
-  </dgm:styleLbl>
-  <dgm:styleLbl name="trBgShp">
-    <dgm:fillClrLst meth="repeat">
-      <a:schemeClr val="accent1">
-        <a:tint val="50000"/>
-        <a:alpha val="40000"/>
-      </a:schemeClr>
-    </dgm:fillClrLst>
-    <dgm:linClrLst meth="repeat">
-      <a:schemeClr val="accent1"/>
-    </dgm:linClrLst>
-    <dgm:effectClrLst/>
-    <dgm:txLinClrLst/>
-    <dgm:txFillClrLst meth="repeat">
-      <a:schemeClr val="lt1"/>
-    </dgm:txFillClrLst>
-    <dgm:txEffectClrLst/>
-  </dgm:styleLbl>
-  <dgm:styleLbl name="fgShp">
-    <dgm:fillClrLst meth="repeat">
-      <a:schemeClr val="accent1">
-        <a:tint val="60000"/>
-      </a:schemeClr>
-    </dgm:fillClrLst>
-    <dgm:linClrLst meth="repeat">
-      <a:schemeClr val="lt1"/>
-    </dgm:linClrLst>
-    <dgm:effectClrLst/>
-    <dgm:txLinClrLst/>
-    <dgm:txFillClrLst meth="repeat">
-      <a:schemeClr val="dk1"/>
-    </dgm:txFillClrLst>
-    <dgm:txEffectClrLst/>
-  </dgm:styleLbl>
-  <dgm:styleLbl name="revTx">
-    <dgm:fillClrLst meth="repeat">
-      <a:schemeClr val="lt1">
-        <a:alpha val="0"/>
-      </a:schemeClr>
-    </dgm:fillClrLst>
-    <dgm:linClrLst meth="repeat">
-      <a:schemeClr val="dk1">
-        <a:alpha val="0"/>
-      </a:schemeClr>
-    </dgm:linClrLst>
-    <dgm:effectClrLst/>
-    <dgm:txLinClrLst/>
-    <dgm:txFillClrLst meth="repeat">
-      <a:schemeClr val="tx1"/>
-    </dgm:txFillClrLst>
-    <dgm:txEffectClrLst/>
-  </dgm:styleLbl>
-</dgm:colorsDef>
-</file>
-
 <file path=ppt/diagrams/data1.xml><?xml version="1.0" encoding="utf-8"?>
-<dgm:dataModel xmlns:dgm="http://schemas.openxmlformats.org/drawingml/2006/diagram" xmlns:a="http://schemas.openxmlformats.org/drawingml/2006/main">
-  <dgm:ptLst>
-    <dgm:pt modelId="{6FC50289-6C04-44F1-81DC-A7B0A5711932}" type="doc">
-      <dgm:prSet loTypeId="urn:microsoft.com/office/officeart/2008/layout/LinedList" loCatId="list" qsTypeId="urn:microsoft.com/office/officeart/2005/8/quickstyle/simple1" qsCatId="simple" csTypeId="urn:microsoft.com/office/officeart/2005/8/colors/accent1_2" csCatId="accent1"/>
-      <dgm:spPr/>
-      <dgm:t>
-        <a:bodyPr/>
-        <a:lstStyle/>
-        <a:p>
-          <a:endParaRPr lang="en-US"/>
-        </a:p>
-      </dgm:t>
-    </dgm:pt>
-    <dgm:pt modelId="{E1AFEE73-B981-4BCE-A871-A3089D7BBEBA}">
-      <dgm:prSet/>
-      <dgm:spPr/>
-      <dgm:t>
-        <a:bodyPr/>
-        <a:lstStyle/>
-        <a:p>
-          <a:r>
-            <a:rPr lang="en-US"/>
-            <a:t>Let's take next numbers.</a:t>
-          </a:r>
-        </a:p>
-      </dgm:t>
-    </dgm:pt>
-    <dgm:pt modelId="{7F6E085A-3825-46F4-A96D-9255F0FDC7E3}" type="parTrans" cxnId="{04D89838-3353-4C89-9B88-5EEE6F2352C5}">
-      <dgm:prSet/>
-      <dgm:spPr/>
-      <dgm:t>
-        <a:bodyPr/>
-        <a:lstStyle/>
-        <a:p>
-          <a:endParaRPr lang="en-US"/>
-        </a:p>
-      </dgm:t>
-    </dgm:pt>
-    <dgm:pt modelId="{D3FBEB45-4FDF-4A7C-A6C1-8DE28D867AE5}" type="sibTrans" cxnId="{04D89838-3353-4C89-9B88-5EEE6F2352C5}">
-      <dgm:prSet/>
-      <dgm:spPr/>
-      <dgm:t>
-        <a:bodyPr/>
-        <a:lstStyle/>
-        <a:p>
-          <a:endParaRPr lang="en-US"/>
-        </a:p>
-      </dgm:t>
-    </dgm:pt>
-    <dgm:pt modelId="{E76086D6-EBB0-4CAB-A9F8-F7C704042017}">
-      <dgm:prSet/>
-      <dgm:spPr/>
-      <dgm:t>
-        <a:bodyPr/>
-        <a:lstStyle/>
-        <a:p>
-          <a:r>
-            <a:rPr lang="en-US"/>
-            <a:t>There are 20 millions of peoples working in IT world wide, while world population is 6 billions of people</a:t>
-          </a:r>
-        </a:p>
-      </dgm:t>
-    </dgm:pt>
-    <dgm:pt modelId="{C683F62B-2A9E-4400-B92C-0A7B02C51DC2}" type="parTrans" cxnId="{4A1F2DA9-CF47-42CE-BBDE-064198EBE64A}">
-      <dgm:prSet/>
-      <dgm:spPr/>
-      <dgm:t>
-        <a:bodyPr/>
-        <a:lstStyle/>
-        <a:p>
-          <a:endParaRPr lang="en-US"/>
-        </a:p>
-      </dgm:t>
-    </dgm:pt>
-    <dgm:pt modelId="{B7721492-257C-4417-8A44-92A006490E72}" type="sibTrans" cxnId="{4A1F2DA9-CF47-42CE-BBDE-064198EBE64A}">
-      <dgm:prSet/>
-      <dgm:spPr/>
-      <dgm:t>
-        <a:bodyPr/>
-        <a:lstStyle/>
-        <a:p>
-          <a:endParaRPr lang="en-US"/>
-        </a:p>
-      </dgm:t>
-    </dgm:pt>
-    <dgm:pt modelId="{4EAD40FF-3075-4600-B92B-9C90DED9EAB2}">
-      <dgm:prSet/>
-      <dgm:spPr/>
-      <dgm:t>
-        <a:bodyPr/>
-        <a:lstStyle/>
-        <a:p>
-          <a:r>
-            <a:rPr lang="en-US"/>
-            <a:t>I've taken 3rd place in student competition, and considered that it is in national wide competition, and this competition made every years, so with average life expectancy 80 years, so there are 80 * 3 living nominee of all years in my country</a:t>
-          </a:r>
-        </a:p>
-      </dgm:t>
-    </dgm:pt>
-    <dgm:pt modelId="{300C8632-2EA0-422C-9F2F-05CFA57D3BFE}" type="parTrans" cxnId="{7B02C703-6D61-4887-B81E-5913D7A8D455}">
-      <dgm:prSet/>
-      <dgm:spPr/>
-      <dgm:t>
-        <a:bodyPr/>
-        <a:lstStyle/>
-        <a:p>
-          <a:endParaRPr lang="en-US"/>
-        </a:p>
-      </dgm:t>
-    </dgm:pt>
-    <dgm:pt modelId="{7CEA20B6-2CD7-48AD-AAC2-6520EC6A5A07}" type="sibTrans" cxnId="{7B02C703-6D61-4887-B81E-5913D7A8D455}">
-      <dgm:prSet/>
-      <dgm:spPr/>
-      <dgm:t>
-        <a:bodyPr/>
-        <a:lstStyle/>
-        <a:p>
-          <a:endParaRPr lang="en-US"/>
-        </a:p>
-      </dgm:t>
-    </dgm:pt>
-    <dgm:pt modelId="{94624106-487E-408D-90B2-590B4177E3D3}">
-      <dgm:prSet/>
-      <dgm:spPr/>
-      <dgm:t>
-        <a:bodyPr/>
-        <a:lstStyle/>
-        <a:p>
-          <a:r>
-            <a:rPr lang="en-US"/>
-            <a:t>Ukraine population is about 40 million people for that moment</a:t>
-          </a:r>
-        </a:p>
-      </dgm:t>
-    </dgm:pt>
-    <dgm:pt modelId="{A22BD184-37F9-4D7A-A199-391D59F2879F}" type="parTrans" cxnId="{0A418E31-E584-4962-AAED-6B709FC1C622}">
-      <dgm:prSet/>
-      <dgm:spPr/>
-      <dgm:t>
-        <a:bodyPr/>
-        <a:lstStyle/>
-        <a:p>
-          <a:endParaRPr lang="en-US"/>
-        </a:p>
-      </dgm:t>
-    </dgm:pt>
-    <dgm:pt modelId="{5A0AD108-F7E7-4956-82BF-0D58981FE73F}" type="sibTrans" cxnId="{0A418E31-E584-4962-AAED-6B709FC1C622}">
-      <dgm:prSet/>
-      <dgm:spPr/>
-      <dgm:t>
-        <a:bodyPr/>
-        <a:lstStyle/>
-        <a:p>
-          <a:endParaRPr lang="en-US"/>
-        </a:p>
-      </dgm:t>
-    </dgm:pt>
-    <dgm:pt modelId="{88C04F4F-F215-4CC5-BA60-F330A76E9DBA}">
-      <dgm:prSet/>
-      <dgm:spPr/>
-      <dgm:t>
-        <a:bodyPr/>
-        <a:lstStyle/>
-        <a:p>
-          <a:r>
-            <a:rPr lang="en-US"/>
-            <a:t>80*3 / (40 million * ( 20 million of IT world wide / 6 billion global population)) = </a:t>
-          </a:r>
-          <a:r>
-            <a:rPr lang="en-US" b="1"/>
-            <a:t>0.18%</a:t>
-          </a:r>
-          <a:endParaRPr lang="en-US"/>
-        </a:p>
-      </dgm:t>
-    </dgm:pt>
-    <dgm:pt modelId="{23AE31E3-45FF-4488-84BC-F6990EE19C46}" type="parTrans" cxnId="{F6C90D14-2D06-4E68-BCBA-5DE1C432073F}">
-      <dgm:prSet/>
-      <dgm:spPr/>
-      <dgm:t>
-        <a:bodyPr/>
-        <a:lstStyle/>
-        <a:p>
-          <a:endParaRPr lang="en-US"/>
-        </a:p>
-      </dgm:t>
-    </dgm:pt>
-    <dgm:pt modelId="{75685AFE-919D-4211-A114-F4273B31721D}" type="sibTrans" cxnId="{F6C90D14-2D06-4E68-BCBA-5DE1C432073F}">
-      <dgm:prSet/>
-      <dgm:spPr/>
-      <dgm:t>
-        <a:bodyPr/>
-        <a:lstStyle/>
-        <a:p>
-          <a:endParaRPr lang="en-US"/>
-        </a:p>
-      </dgm:t>
-    </dgm:pt>
-    <dgm:pt modelId="{BFF93A2B-5668-4ED0-B4DB-17259AF5CF51}">
-      <dgm:prSet/>
-      <dgm:spPr/>
-      <dgm:t>
-        <a:bodyPr/>
-        <a:lstStyle/>
-        <a:p>
-          <a:r>
-            <a:rPr lang="en-US"/>
-            <a:t>In essence, within a company of </a:t>
-          </a:r>
-          <a:r>
-            <a:rPr lang="en-US" b="1"/>
-            <a:t>50,000 employees</a:t>
-          </a:r>
-          <a:r>
-            <a:rPr lang="en-US"/>
-            <a:t>, only </a:t>
-          </a:r>
-          <a:r>
-            <a:rPr lang="en-US" b="1"/>
-            <a:t>90 individuals</a:t>
-          </a:r>
-          <a:r>
-            <a:rPr lang="en-US"/>
-            <a:t> showcase comparable or </a:t>
-          </a:r>
-          <a:r>
-            <a:rPr lang="en-US" b="1"/>
-            <a:t>superior talents</a:t>
-          </a:r>
-          <a:r>
-            <a:rPr lang="en-US"/>
-            <a:t>. (50 000 * 0.18%/100% = 90</a:t>
-          </a:r>
-        </a:p>
-      </dgm:t>
-    </dgm:pt>
-    <dgm:pt modelId="{4ADCD666-9738-4A02-B82A-277C5D11CAB4}" type="parTrans" cxnId="{5E8B5493-E8B3-493B-9284-3657C0189B94}">
-      <dgm:prSet/>
-      <dgm:spPr/>
-      <dgm:t>
-        <a:bodyPr/>
-        <a:lstStyle/>
-        <a:p>
-          <a:endParaRPr lang="en-US"/>
-        </a:p>
-      </dgm:t>
-    </dgm:pt>
-    <dgm:pt modelId="{DA8EC0E7-2218-4261-88AA-BFBE3624FD1A}" type="sibTrans" cxnId="{5E8B5493-E8B3-493B-9284-3657C0189B94}">
-      <dgm:prSet/>
-      <dgm:spPr/>
-      <dgm:t>
-        <a:bodyPr/>
-        <a:lstStyle/>
-        <a:p>
-          <a:endParaRPr lang="en-US"/>
-        </a:p>
-      </dgm:t>
-    </dgm:pt>
-    <dgm:pt modelId="{25625A1C-7976-4744-8299-B1F89DCB640A}" type="pres">
-      <dgm:prSet presAssocID="{6FC50289-6C04-44F1-81DC-A7B0A5711932}" presName="vert0" presStyleCnt="0">
-        <dgm:presLayoutVars>
-          <dgm:dir/>
-          <dgm:animOne val="branch"/>
-          <dgm:animLvl val="lvl"/>
-        </dgm:presLayoutVars>
-      </dgm:prSet>
-      <dgm:spPr/>
-    </dgm:pt>
-    <dgm:pt modelId="{3278C091-4DEF-4DB3-BFFB-E652BD151979}" type="pres">
-      <dgm:prSet presAssocID="{E1AFEE73-B981-4BCE-A871-A3089D7BBEBA}" presName="thickLine" presStyleLbl="alignNode1" presStyleIdx="0" presStyleCnt="6"/>
-      <dgm:spPr/>
-    </dgm:pt>
-    <dgm:pt modelId="{AD6EEF8B-A368-4C0F-81DC-0F3827E7940A}" type="pres">
-      <dgm:prSet presAssocID="{E1AFEE73-B981-4BCE-A871-A3089D7BBEBA}" presName="horz1" presStyleCnt="0"/>
-      <dgm:spPr/>
-    </dgm:pt>
-    <dgm:pt modelId="{7F6066D7-0FA6-412A-BE87-CB20151A6842}" type="pres">
-      <dgm:prSet presAssocID="{E1AFEE73-B981-4BCE-A871-A3089D7BBEBA}" presName="tx1" presStyleLbl="revTx" presStyleIdx="0" presStyleCnt="6"/>
-      <dgm:spPr/>
-    </dgm:pt>
-    <dgm:pt modelId="{4B0A401A-E948-4E0E-8F71-CDF4B46534AB}" type="pres">
-      <dgm:prSet presAssocID="{E1AFEE73-B981-4BCE-A871-A3089D7BBEBA}" presName="vert1" presStyleCnt="0"/>
-      <dgm:spPr/>
-    </dgm:pt>
-    <dgm:pt modelId="{DCB3FBE9-A06C-44F4-938F-1B9CE54C6A6B}" type="pres">
-      <dgm:prSet presAssocID="{E76086D6-EBB0-4CAB-A9F8-F7C704042017}" presName="thickLine" presStyleLbl="alignNode1" presStyleIdx="1" presStyleCnt="6"/>
-      <dgm:spPr/>
-    </dgm:pt>
-    <dgm:pt modelId="{AE52C3AC-50D1-4917-A7AB-5B69FFBD7C79}" type="pres">
-      <dgm:prSet presAssocID="{E76086D6-EBB0-4CAB-A9F8-F7C704042017}" presName="horz1" presStyleCnt="0"/>
-      <dgm:spPr/>
-    </dgm:pt>
-    <dgm:pt modelId="{4768B170-1E16-4B27-8EA2-DF4A0C89FF43}" type="pres">
-      <dgm:prSet presAssocID="{E76086D6-EBB0-4CAB-A9F8-F7C704042017}" presName="tx1" presStyleLbl="revTx" presStyleIdx="1" presStyleCnt="6"/>
-      <dgm:spPr/>
-    </dgm:pt>
-    <dgm:pt modelId="{C735E768-66D2-48A4-9EC7-46C1625347D9}" type="pres">
-      <dgm:prSet presAssocID="{E76086D6-EBB0-4CAB-A9F8-F7C704042017}" presName="vert1" presStyleCnt="0"/>
-      <dgm:spPr/>
-    </dgm:pt>
-    <dgm:pt modelId="{EE94220F-E204-484B-8FD8-2D8DD749CE98}" type="pres">
-      <dgm:prSet presAssocID="{4EAD40FF-3075-4600-B92B-9C90DED9EAB2}" presName="thickLine" presStyleLbl="alignNode1" presStyleIdx="2" presStyleCnt="6"/>
-      <dgm:spPr/>
-    </dgm:pt>
-    <dgm:pt modelId="{E3BA1958-B1B1-480F-A7C6-5F9997CB6E9C}" type="pres">
-      <dgm:prSet presAssocID="{4EAD40FF-3075-4600-B92B-9C90DED9EAB2}" presName="horz1" presStyleCnt="0"/>
-      <dgm:spPr/>
-    </dgm:pt>
-    <dgm:pt modelId="{A2008069-9A6D-4816-987B-FBD625420189}" type="pres">
-      <dgm:prSet presAssocID="{4EAD40FF-3075-4600-B92B-9C90DED9EAB2}" presName="tx1" presStyleLbl="revTx" presStyleIdx="2" presStyleCnt="6"/>
-      <dgm:spPr/>
-    </dgm:pt>
-    <dgm:pt modelId="{D1F19266-F00B-4A98-9A71-922D9B429298}" type="pres">
-      <dgm:prSet presAssocID="{4EAD40FF-3075-4600-B92B-9C90DED9EAB2}" presName="vert1" presStyleCnt="0"/>
-      <dgm:spPr/>
-    </dgm:pt>
-    <dgm:pt modelId="{A6457FFF-3B77-4425-A826-ACDA6106673C}" type="pres">
-      <dgm:prSet presAssocID="{94624106-487E-408D-90B2-590B4177E3D3}" presName="thickLine" presStyleLbl="alignNode1" presStyleIdx="3" presStyleCnt="6"/>
-      <dgm:spPr/>
-    </dgm:pt>
-    <dgm:pt modelId="{0E7FB7B1-2667-4515-A0F2-F13A5C0DEAB8}" type="pres">
-      <dgm:prSet presAssocID="{94624106-487E-408D-90B2-590B4177E3D3}" presName="horz1" presStyleCnt="0"/>
-      <dgm:spPr/>
-    </dgm:pt>
-    <dgm:pt modelId="{4C306029-6066-4D37-B9FA-16DEF29D471D}" type="pres">
-      <dgm:prSet presAssocID="{94624106-487E-408D-90B2-590B4177E3D3}" presName="tx1" presStyleLbl="revTx" presStyleIdx="3" presStyleCnt="6"/>
-      <dgm:spPr/>
-    </dgm:pt>
-    <dgm:pt modelId="{8D4DCD0A-E580-4B2D-A174-2926208F7733}" type="pres">
-      <dgm:prSet presAssocID="{94624106-487E-408D-90B2-590B4177E3D3}" presName="vert1" presStyleCnt="0"/>
-      <dgm:spPr/>
-    </dgm:pt>
-    <dgm:pt modelId="{7395F143-BD29-431E-9B8D-BAC44071C690}" type="pres">
-      <dgm:prSet presAssocID="{88C04F4F-F215-4CC5-BA60-F330A76E9DBA}" presName="thickLine" presStyleLbl="alignNode1" presStyleIdx="4" presStyleCnt="6"/>
-      <dgm:spPr/>
-    </dgm:pt>
-    <dgm:pt modelId="{E285DB82-3FEB-49F6-A79B-8ECFB427A13A}" type="pres">
-      <dgm:prSet presAssocID="{88C04F4F-F215-4CC5-BA60-F330A76E9DBA}" presName="horz1" presStyleCnt="0"/>
-      <dgm:spPr/>
-    </dgm:pt>
-    <dgm:pt modelId="{15384045-6FD4-4C8B-8510-21B8D3570D23}" type="pres">
-      <dgm:prSet presAssocID="{88C04F4F-F215-4CC5-BA60-F330A76E9DBA}" presName="tx1" presStyleLbl="revTx" presStyleIdx="4" presStyleCnt="6"/>
-      <dgm:spPr/>
-    </dgm:pt>
-    <dgm:pt modelId="{9868A91B-E8B2-437E-A11F-0EF0847204CA}" type="pres">
-      <dgm:prSet presAssocID="{88C04F4F-F215-4CC5-BA60-F330A76E9DBA}" presName="vert1" presStyleCnt="0"/>
-      <dgm:spPr/>
-    </dgm:pt>
-    <dgm:pt modelId="{3957B8C6-9AE8-45C3-9862-13C871F0B29E}" type="pres">
-      <dgm:prSet presAssocID="{BFF93A2B-5668-4ED0-B4DB-17259AF5CF51}" presName="thickLine" presStyleLbl="alignNode1" presStyleIdx="5" presStyleCnt="6"/>
-      <dgm:spPr/>
-    </dgm:pt>
-    <dgm:pt modelId="{2D06EF8A-D988-4CFC-AE09-1B5992E523E6}" type="pres">
-      <dgm:prSet presAssocID="{BFF93A2B-5668-4ED0-B4DB-17259AF5CF51}" presName="horz1" presStyleCnt="0"/>
-      <dgm:spPr/>
-    </dgm:pt>
-    <dgm:pt modelId="{09F79DB2-89E6-4D63-AACA-6064AC3D4602}" type="pres">
-      <dgm:prSet presAssocID="{BFF93A2B-5668-4ED0-B4DB-17259AF5CF51}" presName="tx1" presStyleLbl="revTx" presStyleIdx="5" presStyleCnt="6"/>
-      <dgm:spPr/>
-    </dgm:pt>
-    <dgm:pt modelId="{0EA8B007-3E25-4BB7-9EAA-CFFFF65AAE85}" type="pres">
-      <dgm:prSet presAssocID="{BFF93A2B-5668-4ED0-B4DB-17259AF5CF51}" presName="vert1" presStyleCnt="0"/>
-      <dgm:spPr/>
-    </dgm:pt>
-  </dgm:ptLst>
-  <dgm:cxnLst>
-    <dgm:cxn modelId="{7B02C703-6D61-4887-B81E-5913D7A8D455}" srcId="{6FC50289-6C04-44F1-81DC-A7B0A5711932}" destId="{4EAD40FF-3075-4600-B92B-9C90DED9EAB2}" srcOrd="2" destOrd="0" parTransId="{300C8632-2EA0-422C-9F2F-05CFA57D3BFE}" sibTransId="{7CEA20B6-2CD7-48AD-AAC2-6520EC6A5A07}"/>
-    <dgm:cxn modelId="{B51E520D-4142-4407-B819-3089F28C25AE}" type="presOf" srcId="{6FC50289-6C04-44F1-81DC-A7B0A5711932}" destId="{25625A1C-7976-4744-8299-B1F89DCB640A}" srcOrd="0" destOrd="0" presId="urn:microsoft.com/office/officeart/2008/layout/LinedList"/>
-    <dgm:cxn modelId="{F6C90D14-2D06-4E68-BCBA-5DE1C432073F}" srcId="{6FC50289-6C04-44F1-81DC-A7B0A5711932}" destId="{88C04F4F-F215-4CC5-BA60-F330A76E9DBA}" srcOrd="4" destOrd="0" parTransId="{23AE31E3-45FF-4488-84BC-F6990EE19C46}" sibTransId="{75685AFE-919D-4211-A114-F4273B31721D}"/>
-    <dgm:cxn modelId="{0A418E31-E584-4962-AAED-6B709FC1C622}" srcId="{6FC50289-6C04-44F1-81DC-A7B0A5711932}" destId="{94624106-487E-408D-90B2-590B4177E3D3}" srcOrd="3" destOrd="0" parTransId="{A22BD184-37F9-4D7A-A199-391D59F2879F}" sibTransId="{5A0AD108-F7E7-4956-82BF-0D58981FE73F}"/>
-    <dgm:cxn modelId="{04D89838-3353-4C89-9B88-5EEE6F2352C5}" srcId="{6FC50289-6C04-44F1-81DC-A7B0A5711932}" destId="{E1AFEE73-B981-4BCE-A871-A3089D7BBEBA}" srcOrd="0" destOrd="0" parTransId="{7F6E085A-3825-46F4-A96D-9255F0FDC7E3}" sibTransId="{D3FBEB45-4FDF-4A7C-A6C1-8DE28D867AE5}"/>
-    <dgm:cxn modelId="{8E744D3A-06FC-40A0-9821-CD57338F9AC6}" type="presOf" srcId="{94624106-487E-408D-90B2-590B4177E3D3}" destId="{4C306029-6066-4D37-B9FA-16DEF29D471D}" srcOrd="0" destOrd="0" presId="urn:microsoft.com/office/officeart/2008/layout/LinedList"/>
-    <dgm:cxn modelId="{D4E1B63F-71EF-4862-9EC9-5400D13B0FEF}" type="presOf" srcId="{E1AFEE73-B981-4BCE-A871-A3089D7BBEBA}" destId="{7F6066D7-0FA6-412A-BE87-CB20151A6842}" srcOrd="0" destOrd="0" presId="urn:microsoft.com/office/officeart/2008/layout/LinedList"/>
-    <dgm:cxn modelId="{3162BB45-05FB-4541-ACAF-D2E820CCD802}" type="presOf" srcId="{4EAD40FF-3075-4600-B92B-9C90DED9EAB2}" destId="{A2008069-9A6D-4816-987B-FBD625420189}" srcOrd="0" destOrd="0" presId="urn:microsoft.com/office/officeart/2008/layout/LinedList"/>
-    <dgm:cxn modelId="{EA6A7A7C-D7C8-4273-9D0F-063AED40D673}" type="presOf" srcId="{BFF93A2B-5668-4ED0-B4DB-17259AF5CF51}" destId="{09F79DB2-89E6-4D63-AACA-6064AC3D4602}" srcOrd="0" destOrd="0" presId="urn:microsoft.com/office/officeart/2008/layout/LinedList"/>
-    <dgm:cxn modelId="{5E8B5493-E8B3-493B-9284-3657C0189B94}" srcId="{6FC50289-6C04-44F1-81DC-A7B0A5711932}" destId="{BFF93A2B-5668-4ED0-B4DB-17259AF5CF51}" srcOrd="5" destOrd="0" parTransId="{4ADCD666-9738-4A02-B82A-277C5D11CAB4}" sibTransId="{DA8EC0E7-2218-4261-88AA-BFBE3624FD1A}"/>
-    <dgm:cxn modelId="{DAE88A9D-CD02-41CA-88E1-1BC871DACD51}" type="presOf" srcId="{88C04F4F-F215-4CC5-BA60-F330A76E9DBA}" destId="{15384045-6FD4-4C8B-8510-21B8D3570D23}" srcOrd="0" destOrd="0" presId="urn:microsoft.com/office/officeart/2008/layout/LinedList"/>
-    <dgm:cxn modelId="{4A1F2DA9-CF47-42CE-BBDE-064198EBE64A}" srcId="{6FC50289-6C04-44F1-81DC-A7B0A5711932}" destId="{E76086D6-EBB0-4CAB-A9F8-F7C704042017}" srcOrd="1" destOrd="0" parTransId="{C683F62B-2A9E-4400-B92C-0A7B02C51DC2}" sibTransId="{B7721492-257C-4417-8A44-92A006490E72}"/>
-    <dgm:cxn modelId="{E3409DE1-01DF-4701-B9D3-056ADCD66DD1}" type="presOf" srcId="{E76086D6-EBB0-4CAB-A9F8-F7C704042017}" destId="{4768B170-1E16-4B27-8EA2-DF4A0C89FF43}" srcOrd="0" destOrd="0" presId="urn:microsoft.com/office/officeart/2008/layout/LinedList"/>
-    <dgm:cxn modelId="{683891D7-AF4F-4514-AD6B-138D6789FA86}" type="presParOf" srcId="{25625A1C-7976-4744-8299-B1F89DCB640A}" destId="{3278C091-4DEF-4DB3-BFFB-E652BD151979}" srcOrd="0" destOrd="0" presId="urn:microsoft.com/office/officeart/2008/layout/LinedList"/>
-    <dgm:cxn modelId="{CDED32F0-1DAB-40C0-A5AE-4C4F88986CF7}" type="presParOf" srcId="{25625A1C-7976-4744-8299-B1F89DCB640A}" destId="{AD6EEF8B-A368-4C0F-81DC-0F3827E7940A}" srcOrd="1" destOrd="0" presId="urn:microsoft.com/office/officeart/2008/layout/LinedList"/>
-    <dgm:cxn modelId="{2E7DACD4-5F95-45D8-80AF-D9F001F30643}" type="presParOf" srcId="{AD6EEF8B-A368-4C0F-81DC-0F3827E7940A}" destId="{7F6066D7-0FA6-412A-BE87-CB20151A6842}" srcOrd="0" destOrd="0" presId="urn:microsoft.com/office/officeart/2008/layout/LinedList"/>
-    <dgm:cxn modelId="{131E805A-A733-4387-B162-A9BC434D0E42}" type="presParOf" srcId="{AD6EEF8B-A368-4C0F-81DC-0F3827E7940A}" destId="{4B0A401A-E948-4E0E-8F71-CDF4B46534AB}" srcOrd="1" destOrd="0" presId="urn:microsoft.com/office/officeart/2008/layout/LinedList"/>
-    <dgm:cxn modelId="{6A1CB704-8A9B-432F-8240-9D1F222FA303}" type="presParOf" srcId="{25625A1C-7976-4744-8299-B1F89DCB640A}" destId="{DCB3FBE9-A06C-44F4-938F-1B9CE54C6A6B}" srcOrd="2" destOrd="0" presId="urn:microsoft.com/office/officeart/2008/layout/LinedList"/>
-    <dgm:cxn modelId="{7C6CA943-4D1A-4386-842D-D821A3453157}" type="presParOf" srcId="{25625A1C-7976-4744-8299-B1F89DCB640A}" destId="{AE52C3AC-50D1-4917-A7AB-5B69FFBD7C79}" srcOrd="3" destOrd="0" presId="urn:microsoft.com/office/officeart/2008/layout/LinedList"/>
-    <dgm:cxn modelId="{0F34C29E-000D-437E-8F3E-3E759279676B}" type="presParOf" srcId="{AE52C3AC-50D1-4917-A7AB-5B69FFBD7C79}" destId="{4768B170-1E16-4B27-8EA2-DF4A0C89FF43}" srcOrd="0" destOrd="0" presId="urn:microsoft.com/office/officeart/2008/layout/LinedList"/>
-    <dgm:cxn modelId="{23723FB1-41E9-45FD-A3DF-E5663F74BC8D}" type="presParOf" srcId="{AE52C3AC-50D1-4917-A7AB-5B69FFBD7C79}" destId="{C735E768-66D2-48A4-9EC7-46C1625347D9}" srcOrd="1" destOrd="0" presId="urn:microsoft.com/office/officeart/2008/layout/LinedList"/>
-    <dgm:cxn modelId="{D65A70FF-CB69-4275-B0C7-484917AF248A}" type="presParOf" srcId="{25625A1C-7976-4744-8299-B1F89DCB640A}" destId="{EE94220F-E204-484B-8FD8-2D8DD749CE98}" srcOrd="4" destOrd="0" presId="urn:microsoft.com/office/officeart/2008/layout/LinedList"/>
-    <dgm:cxn modelId="{FE6428A6-219E-4C31-AAA2-491F420181E5}" type="presParOf" srcId="{25625A1C-7976-4744-8299-B1F89DCB640A}" destId="{E3BA1958-B1B1-480F-A7C6-5F9997CB6E9C}" srcOrd="5" destOrd="0" presId="urn:microsoft.com/office/officeart/2008/layout/LinedList"/>
-    <dgm:cxn modelId="{0BCD6BD6-C7C1-477B-8325-39B5E8D55612}" type="presParOf" srcId="{E3BA1958-B1B1-480F-A7C6-5F9997CB6E9C}" destId="{A2008069-9A6D-4816-987B-FBD625420189}" srcOrd="0" destOrd="0" presId="urn:microsoft.com/office/officeart/2008/layout/LinedList"/>
-    <dgm:cxn modelId="{49664B1C-BE39-43CC-8E50-CA166081B6CE}" type="presParOf" srcId="{E3BA1958-B1B1-480F-A7C6-5F9997CB6E9C}" destId="{D1F19266-F00B-4A98-9A71-922D9B429298}" srcOrd="1" destOrd="0" presId="urn:microsoft.com/office/officeart/2008/layout/LinedList"/>
-    <dgm:cxn modelId="{CD508A7B-2F12-4B04-B25D-B560CE8BA6A8}" type="presParOf" srcId="{25625A1C-7976-4744-8299-B1F89DCB640A}" destId="{A6457FFF-3B77-4425-A826-ACDA6106673C}" srcOrd="6" destOrd="0" presId="urn:microsoft.com/office/officeart/2008/layout/LinedList"/>
-    <dgm:cxn modelId="{FB8139FE-ADCA-4216-8555-457CDFFB03B6}" type="presParOf" srcId="{25625A1C-7976-4744-8299-B1F89DCB640A}" destId="{0E7FB7B1-2667-4515-A0F2-F13A5C0DEAB8}" srcOrd="7" destOrd="0" presId="urn:microsoft.com/office/officeart/2008/layout/LinedList"/>
-    <dgm:cxn modelId="{EEECE93B-4C70-4E50-AB39-FF5EA4C4CBEB}" type="presParOf" srcId="{0E7FB7B1-2667-4515-A0F2-F13A5C0DEAB8}" destId="{4C306029-6066-4D37-B9FA-16DEF29D471D}" srcOrd="0" destOrd="0" presId="urn:microsoft.com/office/officeart/2008/layout/LinedList"/>
-    <dgm:cxn modelId="{92903386-9565-4E88-80AE-0DE0E64EE529}" type="presParOf" srcId="{0E7FB7B1-2667-4515-A0F2-F13A5C0DEAB8}" destId="{8D4DCD0A-E580-4B2D-A174-2926208F7733}" srcOrd="1" destOrd="0" presId="urn:microsoft.com/office/officeart/2008/layout/LinedList"/>
-    <dgm:cxn modelId="{92715EF9-FDDB-489A-974D-15AC2B63DE9A}" type="presParOf" srcId="{25625A1C-7976-4744-8299-B1F89DCB640A}" destId="{7395F143-BD29-431E-9B8D-BAC44071C690}" srcOrd="8" destOrd="0" presId="urn:microsoft.com/office/officeart/2008/layout/LinedList"/>
-    <dgm:cxn modelId="{12AC2092-C160-4FF3-992C-A01405A2E855}" type="presParOf" srcId="{25625A1C-7976-4744-8299-B1F89DCB640A}" destId="{E285DB82-3FEB-49F6-A79B-8ECFB427A13A}" srcOrd="9" destOrd="0" presId="urn:microsoft.com/office/officeart/2008/layout/LinedList"/>
-    <dgm:cxn modelId="{9CAE1D0A-7B0C-4E0B-BD01-E6B8F243D94E}" type="presParOf" srcId="{E285DB82-3FEB-49F6-A79B-8ECFB427A13A}" destId="{15384045-6FD4-4C8B-8510-21B8D3570D23}" srcOrd="0" destOrd="0" presId="urn:microsoft.com/office/officeart/2008/layout/LinedList"/>
-    <dgm:cxn modelId="{ED06DA79-06E2-4352-A8EF-992D90B821B3}" type="presParOf" srcId="{E285DB82-3FEB-49F6-A79B-8ECFB427A13A}" destId="{9868A91B-E8B2-437E-A11F-0EF0847204CA}" srcOrd="1" destOrd="0" presId="urn:microsoft.com/office/officeart/2008/layout/LinedList"/>
-    <dgm:cxn modelId="{9CDEE91D-417B-4D55-B46A-DE6E51923216}" type="presParOf" srcId="{25625A1C-7976-4744-8299-B1F89DCB640A}" destId="{3957B8C6-9AE8-45C3-9862-13C871F0B29E}" srcOrd="10" destOrd="0" presId="urn:microsoft.com/office/officeart/2008/layout/LinedList"/>
-    <dgm:cxn modelId="{7D6AFBB9-33B8-4AD6-8390-572692D69324}" type="presParOf" srcId="{25625A1C-7976-4744-8299-B1F89DCB640A}" destId="{2D06EF8A-D988-4CFC-AE09-1B5992E523E6}" srcOrd="11" destOrd="0" presId="urn:microsoft.com/office/officeart/2008/layout/LinedList"/>
-    <dgm:cxn modelId="{E96BE911-33CF-40ED-A281-D48DF50C7E83}" type="presParOf" srcId="{2D06EF8A-D988-4CFC-AE09-1B5992E523E6}" destId="{09F79DB2-89E6-4D63-AACA-6064AC3D4602}" srcOrd="0" destOrd="0" presId="urn:microsoft.com/office/officeart/2008/layout/LinedList"/>
-    <dgm:cxn modelId="{AF41BB2C-EF1F-40D2-82B3-0AEA73FF0C6C}" type="presParOf" srcId="{2D06EF8A-D988-4CFC-AE09-1B5992E523E6}" destId="{0EA8B007-3E25-4BB7-9EAA-CFFFF65AAE85}" srcOrd="1" destOrd="0" presId="urn:microsoft.com/office/officeart/2008/layout/LinedList"/>
-  </dgm:cxnLst>
-  <dgm:bg/>
-  <dgm:whole/>
-  <dgm:extLst>
-    <a:ext uri="http://schemas.microsoft.com/office/drawing/2008/diagram">
-      <dsp:dataModelExt xmlns:dsp="http://schemas.microsoft.com/office/drawing/2008/diagram" relId="rId6" minVer="http://schemas.openxmlformats.org/drawingml/2006/diagram"/>
-    </a:ext>
-  </dgm:extLst>
-</dgm:dataModel>
-</file>
-
-<file path=ppt/diagrams/data2.xml><?xml version="1.0" encoding="utf-8"?>
 <dgm:dataModel xmlns:dgm="http://schemas.openxmlformats.org/drawingml/2006/diagram" xmlns:a="http://schemas.openxmlformats.org/drawingml/2006/main">
   <dgm:ptLst>
     <dgm:pt modelId="{9342EE6B-C835-4FD1-AB91-2717F2DDDA06}" type="doc">
@@ -2465,707 +1303,6 @@
       <dsp:cNvGrpSpPr/>
     </dsp:nvGrpSpPr>
     <dsp:grpSpPr/>
-    <dsp:sp modelId="{3278C091-4DEF-4DB3-BFFB-E652BD151979}">
-      <dsp:nvSpPr>
-        <dsp:cNvPr id="0" name=""/>
-        <dsp:cNvSpPr/>
-      </dsp:nvSpPr>
-      <dsp:spPr>
-        <a:xfrm>
-          <a:off x="0" y="2124"/>
-          <a:ext cx="10515600" cy="0"/>
-        </a:xfrm>
-        <a:prstGeom prst="line">
-          <a:avLst/>
-        </a:prstGeom>
-        <a:solidFill>
-          <a:schemeClr val="accent1">
-            <a:hueOff val="0"/>
-            <a:satOff val="0"/>
-            <a:lumOff val="0"/>
-            <a:alphaOff val="0"/>
-          </a:schemeClr>
-        </a:solidFill>
-        <a:ln w="12700" cap="flat" cmpd="sng" algn="ctr">
-          <a:solidFill>
-            <a:schemeClr val="accent1">
-              <a:hueOff val="0"/>
-              <a:satOff val="0"/>
-              <a:lumOff val="0"/>
-              <a:alphaOff val="0"/>
-            </a:schemeClr>
-          </a:solidFill>
-          <a:prstDash val="solid"/>
-          <a:miter lim="800000"/>
-        </a:ln>
-        <a:effectLst/>
-      </dsp:spPr>
-      <dsp:style>
-        <a:lnRef idx="2">
-          <a:scrgbClr r="0" g="0" b="0"/>
-        </a:lnRef>
-        <a:fillRef idx="1">
-          <a:scrgbClr r="0" g="0" b="0"/>
-        </a:fillRef>
-        <a:effectRef idx="0">
-          <a:scrgbClr r="0" g="0" b="0"/>
-        </a:effectRef>
-        <a:fontRef idx="minor">
-          <a:schemeClr val="lt1"/>
-        </a:fontRef>
-      </dsp:style>
-    </dsp:sp>
-    <dsp:sp modelId="{7F6066D7-0FA6-412A-BE87-CB20151A6842}">
-      <dsp:nvSpPr>
-        <dsp:cNvPr id="0" name=""/>
-        <dsp:cNvSpPr/>
-      </dsp:nvSpPr>
-      <dsp:spPr>
-        <a:xfrm>
-          <a:off x="0" y="2124"/>
-          <a:ext cx="10515600" cy="724514"/>
-        </a:xfrm>
-        <a:prstGeom prst="rect">
-          <a:avLst/>
-        </a:prstGeom>
-        <a:noFill/>
-        <a:ln>
-          <a:noFill/>
-        </a:ln>
-        <a:effectLst/>
-      </dsp:spPr>
-      <dsp:style>
-        <a:lnRef idx="0">
-          <a:scrgbClr r="0" g="0" b="0"/>
-        </a:lnRef>
-        <a:fillRef idx="0">
-          <a:scrgbClr r="0" g="0" b="0"/>
-        </a:fillRef>
-        <a:effectRef idx="0">
-          <a:scrgbClr r="0" g="0" b="0"/>
-        </a:effectRef>
-        <a:fontRef idx="minor"/>
-      </dsp:style>
-      <dsp:txBody>
-        <a:bodyPr spcFirstLastPara="0" vert="horz" wrap="square" lIns="60960" tIns="60960" rIns="60960" bIns="60960" numCol="1" spcCol="1270" anchor="t" anchorCtr="0">
-          <a:noAutofit/>
-        </a:bodyPr>
-        <a:lstStyle/>
-        <a:p>
-          <a:pPr marL="0" lvl="0" indent="0" algn="l" defTabSz="711200">
-            <a:lnSpc>
-              <a:spcPct val="90000"/>
-            </a:lnSpc>
-            <a:spcBef>
-              <a:spcPct val="0"/>
-            </a:spcBef>
-            <a:spcAft>
-              <a:spcPct val="35000"/>
-            </a:spcAft>
-            <a:buNone/>
-          </a:pPr>
-          <a:r>
-            <a:rPr lang="en-US" sz="1600" kern="1200"/>
-            <a:t>Let's take next numbers.</a:t>
-          </a:r>
-        </a:p>
-      </dsp:txBody>
-      <dsp:txXfrm>
-        <a:off x="0" y="2124"/>
-        <a:ext cx="10515600" cy="724514"/>
-      </dsp:txXfrm>
-    </dsp:sp>
-    <dsp:sp modelId="{DCB3FBE9-A06C-44F4-938F-1B9CE54C6A6B}">
-      <dsp:nvSpPr>
-        <dsp:cNvPr id="0" name=""/>
-        <dsp:cNvSpPr/>
-      </dsp:nvSpPr>
-      <dsp:spPr>
-        <a:xfrm>
-          <a:off x="0" y="726639"/>
-          <a:ext cx="10515600" cy="0"/>
-        </a:xfrm>
-        <a:prstGeom prst="line">
-          <a:avLst/>
-        </a:prstGeom>
-        <a:solidFill>
-          <a:schemeClr val="accent1">
-            <a:hueOff val="0"/>
-            <a:satOff val="0"/>
-            <a:lumOff val="0"/>
-            <a:alphaOff val="0"/>
-          </a:schemeClr>
-        </a:solidFill>
-        <a:ln w="12700" cap="flat" cmpd="sng" algn="ctr">
-          <a:solidFill>
-            <a:schemeClr val="accent1">
-              <a:hueOff val="0"/>
-              <a:satOff val="0"/>
-              <a:lumOff val="0"/>
-              <a:alphaOff val="0"/>
-            </a:schemeClr>
-          </a:solidFill>
-          <a:prstDash val="solid"/>
-          <a:miter lim="800000"/>
-        </a:ln>
-        <a:effectLst/>
-      </dsp:spPr>
-      <dsp:style>
-        <a:lnRef idx="2">
-          <a:scrgbClr r="0" g="0" b="0"/>
-        </a:lnRef>
-        <a:fillRef idx="1">
-          <a:scrgbClr r="0" g="0" b="0"/>
-        </a:fillRef>
-        <a:effectRef idx="0">
-          <a:scrgbClr r="0" g="0" b="0"/>
-        </a:effectRef>
-        <a:fontRef idx="minor">
-          <a:schemeClr val="lt1"/>
-        </a:fontRef>
-      </dsp:style>
-    </dsp:sp>
-    <dsp:sp modelId="{4768B170-1E16-4B27-8EA2-DF4A0C89FF43}">
-      <dsp:nvSpPr>
-        <dsp:cNvPr id="0" name=""/>
-        <dsp:cNvSpPr/>
-      </dsp:nvSpPr>
-      <dsp:spPr>
-        <a:xfrm>
-          <a:off x="0" y="726639"/>
-          <a:ext cx="10515600" cy="724514"/>
-        </a:xfrm>
-        <a:prstGeom prst="rect">
-          <a:avLst/>
-        </a:prstGeom>
-        <a:noFill/>
-        <a:ln>
-          <a:noFill/>
-        </a:ln>
-        <a:effectLst/>
-      </dsp:spPr>
-      <dsp:style>
-        <a:lnRef idx="0">
-          <a:scrgbClr r="0" g="0" b="0"/>
-        </a:lnRef>
-        <a:fillRef idx="0">
-          <a:scrgbClr r="0" g="0" b="0"/>
-        </a:fillRef>
-        <a:effectRef idx="0">
-          <a:scrgbClr r="0" g="0" b="0"/>
-        </a:effectRef>
-        <a:fontRef idx="minor"/>
-      </dsp:style>
-      <dsp:txBody>
-        <a:bodyPr spcFirstLastPara="0" vert="horz" wrap="square" lIns="60960" tIns="60960" rIns="60960" bIns="60960" numCol="1" spcCol="1270" anchor="t" anchorCtr="0">
-          <a:noAutofit/>
-        </a:bodyPr>
-        <a:lstStyle/>
-        <a:p>
-          <a:pPr marL="0" lvl="0" indent="0" algn="l" defTabSz="711200">
-            <a:lnSpc>
-              <a:spcPct val="90000"/>
-            </a:lnSpc>
-            <a:spcBef>
-              <a:spcPct val="0"/>
-            </a:spcBef>
-            <a:spcAft>
-              <a:spcPct val="35000"/>
-            </a:spcAft>
-            <a:buNone/>
-          </a:pPr>
-          <a:r>
-            <a:rPr lang="en-US" sz="1600" kern="1200"/>
-            <a:t>There are 20 millions of peoples working in IT world wide, while world population is 6 billions of people</a:t>
-          </a:r>
-        </a:p>
-      </dsp:txBody>
-      <dsp:txXfrm>
-        <a:off x="0" y="726639"/>
-        <a:ext cx="10515600" cy="724514"/>
-      </dsp:txXfrm>
-    </dsp:sp>
-    <dsp:sp modelId="{EE94220F-E204-484B-8FD8-2D8DD749CE98}">
-      <dsp:nvSpPr>
-        <dsp:cNvPr id="0" name=""/>
-        <dsp:cNvSpPr/>
-      </dsp:nvSpPr>
-      <dsp:spPr>
-        <a:xfrm>
-          <a:off x="0" y="1451154"/>
-          <a:ext cx="10515600" cy="0"/>
-        </a:xfrm>
-        <a:prstGeom prst="line">
-          <a:avLst/>
-        </a:prstGeom>
-        <a:solidFill>
-          <a:schemeClr val="accent1">
-            <a:hueOff val="0"/>
-            <a:satOff val="0"/>
-            <a:lumOff val="0"/>
-            <a:alphaOff val="0"/>
-          </a:schemeClr>
-        </a:solidFill>
-        <a:ln w="12700" cap="flat" cmpd="sng" algn="ctr">
-          <a:solidFill>
-            <a:schemeClr val="accent1">
-              <a:hueOff val="0"/>
-              <a:satOff val="0"/>
-              <a:lumOff val="0"/>
-              <a:alphaOff val="0"/>
-            </a:schemeClr>
-          </a:solidFill>
-          <a:prstDash val="solid"/>
-          <a:miter lim="800000"/>
-        </a:ln>
-        <a:effectLst/>
-      </dsp:spPr>
-      <dsp:style>
-        <a:lnRef idx="2">
-          <a:scrgbClr r="0" g="0" b="0"/>
-        </a:lnRef>
-        <a:fillRef idx="1">
-          <a:scrgbClr r="0" g="0" b="0"/>
-        </a:fillRef>
-        <a:effectRef idx="0">
-          <a:scrgbClr r="0" g="0" b="0"/>
-        </a:effectRef>
-        <a:fontRef idx="minor">
-          <a:schemeClr val="lt1"/>
-        </a:fontRef>
-      </dsp:style>
-    </dsp:sp>
-    <dsp:sp modelId="{A2008069-9A6D-4816-987B-FBD625420189}">
-      <dsp:nvSpPr>
-        <dsp:cNvPr id="0" name=""/>
-        <dsp:cNvSpPr/>
-      </dsp:nvSpPr>
-      <dsp:spPr>
-        <a:xfrm>
-          <a:off x="0" y="1451154"/>
-          <a:ext cx="10515600" cy="724514"/>
-        </a:xfrm>
-        <a:prstGeom prst="rect">
-          <a:avLst/>
-        </a:prstGeom>
-        <a:noFill/>
-        <a:ln>
-          <a:noFill/>
-        </a:ln>
-        <a:effectLst/>
-      </dsp:spPr>
-      <dsp:style>
-        <a:lnRef idx="0">
-          <a:scrgbClr r="0" g="0" b="0"/>
-        </a:lnRef>
-        <a:fillRef idx="0">
-          <a:scrgbClr r="0" g="0" b="0"/>
-        </a:fillRef>
-        <a:effectRef idx="0">
-          <a:scrgbClr r="0" g="0" b="0"/>
-        </a:effectRef>
-        <a:fontRef idx="minor"/>
-      </dsp:style>
-      <dsp:txBody>
-        <a:bodyPr spcFirstLastPara="0" vert="horz" wrap="square" lIns="60960" tIns="60960" rIns="60960" bIns="60960" numCol="1" spcCol="1270" anchor="t" anchorCtr="0">
-          <a:noAutofit/>
-        </a:bodyPr>
-        <a:lstStyle/>
-        <a:p>
-          <a:pPr marL="0" lvl="0" indent="0" algn="l" defTabSz="711200">
-            <a:lnSpc>
-              <a:spcPct val="90000"/>
-            </a:lnSpc>
-            <a:spcBef>
-              <a:spcPct val="0"/>
-            </a:spcBef>
-            <a:spcAft>
-              <a:spcPct val="35000"/>
-            </a:spcAft>
-            <a:buNone/>
-          </a:pPr>
-          <a:r>
-            <a:rPr lang="en-US" sz="1600" kern="1200"/>
-            <a:t>I've taken 3rd place in student competition, and considered that it is in national wide competition, and this competition made every years, so with average life expectancy 80 years, so there are 80 * 3 living nominee of all years in my country</a:t>
-          </a:r>
-        </a:p>
-      </dsp:txBody>
-      <dsp:txXfrm>
-        <a:off x="0" y="1451154"/>
-        <a:ext cx="10515600" cy="724514"/>
-      </dsp:txXfrm>
-    </dsp:sp>
-    <dsp:sp modelId="{A6457FFF-3B77-4425-A826-ACDA6106673C}">
-      <dsp:nvSpPr>
-        <dsp:cNvPr id="0" name=""/>
-        <dsp:cNvSpPr/>
-      </dsp:nvSpPr>
-      <dsp:spPr>
-        <a:xfrm>
-          <a:off x="0" y="2175669"/>
-          <a:ext cx="10515600" cy="0"/>
-        </a:xfrm>
-        <a:prstGeom prst="line">
-          <a:avLst/>
-        </a:prstGeom>
-        <a:solidFill>
-          <a:schemeClr val="accent1">
-            <a:hueOff val="0"/>
-            <a:satOff val="0"/>
-            <a:lumOff val="0"/>
-            <a:alphaOff val="0"/>
-          </a:schemeClr>
-        </a:solidFill>
-        <a:ln w="12700" cap="flat" cmpd="sng" algn="ctr">
-          <a:solidFill>
-            <a:schemeClr val="accent1">
-              <a:hueOff val="0"/>
-              <a:satOff val="0"/>
-              <a:lumOff val="0"/>
-              <a:alphaOff val="0"/>
-            </a:schemeClr>
-          </a:solidFill>
-          <a:prstDash val="solid"/>
-          <a:miter lim="800000"/>
-        </a:ln>
-        <a:effectLst/>
-      </dsp:spPr>
-      <dsp:style>
-        <a:lnRef idx="2">
-          <a:scrgbClr r="0" g="0" b="0"/>
-        </a:lnRef>
-        <a:fillRef idx="1">
-          <a:scrgbClr r="0" g="0" b="0"/>
-        </a:fillRef>
-        <a:effectRef idx="0">
-          <a:scrgbClr r="0" g="0" b="0"/>
-        </a:effectRef>
-        <a:fontRef idx="minor">
-          <a:schemeClr val="lt1"/>
-        </a:fontRef>
-      </dsp:style>
-    </dsp:sp>
-    <dsp:sp modelId="{4C306029-6066-4D37-B9FA-16DEF29D471D}">
-      <dsp:nvSpPr>
-        <dsp:cNvPr id="0" name=""/>
-        <dsp:cNvSpPr/>
-      </dsp:nvSpPr>
-      <dsp:spPr>
-        <a:xfrm>
-          <a:off x="0" y="2175669"/>
-          <a:ext cx="10515600" cy="724514"/>
-        </a:xfrm>
-        <a:prstGeom prst="rect">
-          <a:avLst/>
-        </a:prstGeom>
-        <a:noFill/>
-        <a:ln>
-          <a:noFill/>
-        </a:ln>
-        <a:effectLst/>
-      </dsp:spPr>
-      <dsp:style>
-        <a:lnRef idx="0">
-          <a:scrgbClr r="0" g="0" b="0"/>
-        </a:lnRef>
-        <a:fillRef idx="0">
-          <a:scrgbClr r="0" g="0" b="0"/>
-        </a:fillRef>
-        <a:effectRef idx="0">
-          <a:scrgbClr r="0" g="0" b="0"/>
-        </a:effectRef>
-        <a:fontRef idx="minor"/>
-      </dsp:style>
-      <dsp:txBody>
-        <a:bodyPr spcFirstLastPara="0" vert="horz" wrap="square" lIns="60960" tIns="60960" rIns="60960" bIns="60960" numCol="1" spcCol="1270" anchor="t" anchorCtr="0">
-          <a:noAutofit/>
-        </a:bodyPr>
-        <a:lstStyle/>
-        <a:p>
-          <a:pPr marL="0" lvl="0" indent="0" algn="l" defTabSz="711200">
-            <a:lnSpc>
-              <a:spcPct val="90000"/>
-            </a:lnSpc>
-            <a:spcBef>
-              <a:spcPct val="0"/>
-            </a:spcBef>
-            <a:spcAft>
-              <a:spcPct val="35000"/>
-            </a:spcAft>
-            <a:buNone/>
-          </a:pPr>
-          <a:r>
-            <a:rPr lang="en-US" sz="1600" kern="1200"/>
-            <a:t>Ukraine population is about 40 million people for that moment</a:t>
-          </a:r>
-        </a:p>
-      </dsp:txBody>
-      <dsp:txXfrm>
-        <a:off x="0" y="2175669"/>
-        <a:ext cx="10515600" cy="724514"/>
-      </dsp:txXfrm>
-    </dsp:sp>
-    <dsp:sp modelId="{7395F143-BD29-431E-9B8D-BAC44071C690}">
-      <dsp:nvSpPr>
-        <dsp:cNvPr id="0" name=""/>
-        <dsp:cNvSpPr/>
-      </dsp:nvSpPr>
-      <dsp:spPr>
-        <a:xfrm>
-          <a:off x="0" y="2900183"/>
-          <a:ext cx="10515600" cy="0"/>
-        </a:xfrm>
-        <a:prstGeom prst="line">
-          <a:avLst/>
-        </a:prstGeom>
-        <a:solidFill>
-          <a:schemeClr val="accent1">
-            <a:hueOff val="0"/>
-            <a:satOff val="0"/>
-            <a:lumOff val="0"/>
-            <a:alphaOff val="0"/>
-          </a:schemeClr>
-        </a:solidFill>
-        <a:ln w="12700" cap="flat" cmpd="sng" algn="ctr">
-          <a:solidFill>
-            <a:schemeClr val="accent1">
-              <a:hueOff val="0"/>
-              <a:satOff val="0"/>
-              <a:lumOff val="0"/>
-              <a:alphaOff val="0"/>
-            </a:schemeClr>
-          </a:solidFill>
-          <a:prstDash val="solid"/>
-          <a:miter lim="800000"/>
-        </a:ln>
-        <a:effectLst/>
-      </dsp:spPr>
-      <dsp:style>
-        <a:lnRef idx="2">
-          <a:scrgbClr r="0" g="0" b="0"/>
-        </a:lnRef>
-        <a:fillRef idx="1">
-          <a:scrgbClr r="0" g="0" b="0"/>
-        </a:fillRef>
-        <a:effectRef idx="0">
-          <a:scrgbClr r="0" g="0" b="0"/>
-        </a:effectRef>
-        <a:fontRef idx="minor">
-          <a:schemeClr val="lt1"/>
-        </a:fontRef>
-      </dsp:style>
-    </dsp:sp>
-    <dsp:sp modelId="{15384045-6FD4-4C8B-8510-21B8D3570D23}">
-      <dsp:nvSpPr>
-        <dsp:cNvPr id="0" name=""/>
-        <dsp:cNvSpPr/>
-      </dsp:nvSpPr>
-      <dsp:spPr>
-        <a:xfrm>
-          <a:off x="0" y="2900183"/>
-          <a:ext cx="10515600" cy="724514"/>
-        </a:xfrm>
-        <a:prstGeom prst="rect">
-          <a:avLst/>
-        </a:prstGeom>
-        <a:noFill/>
-        <a:ln>
-          <a:noFill/>
-        </a:ln>
-        <a:effectLst/>
-      </dsp:spPr>
-      <dsp:style>
-        <a:lnRef idx="0">
-          <a:scrgbClr r="0" g="0" b="0"/>
-        </a:lnRef>
-        <a:fillRef idx="0">
-          <a:scrgbClr r="0" g="0" b="0"/>
-        </a:fillRef>
-        <a:effectRef idx="0">
-          <a:scrgbClr r="0" g="0" b="0"/>
-        </a:effectRef>
-        <a:fontRef idx="minor"/>
-      </dsp:style>
-      <dsp:txBody>
-        <a:bodyPr spcFirstLastPara="0" vert="horz" wrap="square" lIns="60960" tIns="60960" rIns="60960" bIns="60960" numCol="1" spcCol="1270" anchor="t" anchorCtr="0">
-          <a:noAutofit/>
-        </a:bodyPr>
-        <a:lstStyle/>
-        <a:p>
-          <a:pPr marL="0" lvl="0" indent="0" algn="l" defTabSz="711200">
-            <a:lnSpc>
-              <a:spcPct val="90000"/>
-            </a:lnSpc>
-            <a:spcBef>
-              <a:spcPct val="0"/>
-            </a:spcBef>
-            <a:spcAft>
-              <a:spcPct val="35000"/>
-            </a:spcAft>
-            <a:buNone/>
-          </a:pPr>
-          <a:r>
-            <a:rPr lang="en-US" sz="1600" kern="1200"/>
-            <a:t>80*3 / (40 million * ( 20 million of IT world wide / 6 billion global population)) = </a:t>
-          </a:r>
-          <a:r>
-            <a:rPr lang="en-US" sz="1600" b="1" kern="1200"/>
-            <a:t>0.18%</a:t>
-          </a:r>
-          <a:endParaRPr lang="en-US" sz="1600" kern="1200"/>
-        </a:p>
-      </dsp:txBody>
-      <dsp:txXfrm>
-        <a:off x="0" y="2900183"/>
-        <a:ext cx="10515600" cy="724514"/>
-      </dsp:txXfrm>
-    </dsp:sp>
-    <dsp:sp modelId="{3957B8C6-9AE8-45C3-9862-13C871F0B29E}">
-      <dsp:nvSpPr>
-        <dsp:cNvPr id="0" name=""/>
-        <dsp:cNvSpPr/>
-      </dsp:nvSpPr>
-      <dsp:spPr>
-        <a:xfrm>
-          <a:off x="0" y="3624698"/>
-          <a:ext cx="10515600" cy="0"/>
-        </a:xfrm>
-        <a:prstGeom prst="line">
-          <a:avLst/>
-        </a:prstGeom>
-        <a:solidFill>
-          <a:schemeClr val="accent1">
-            <a:hueOff val="0"/>
-            <a:satOff val="0"/>
-            <a:lumOff val="0"/>
-            <a:alphaOff val="0"/>
-          </a:schemeClr>
-        </a:solidFill>
-        <a:ln w="12700" cap="flat" cmpd="sng" algn="ctr">
-          <a:solidFill>
-            <a:schemeClr val="accent1">
-              <a:hueOff val="0"/>
-              <a:satOff val="0"/>
-              <a:lumOff val="0"/>
-              <a:alphaOff val="0"/>
-            </a:schemeClr>
-          </a:solidFill>
-          <a:prstDash val="solid"/>
-          <a:miter lim="800000"/>
-        </a:ln>
-        <a:effectLst/>
-      </dsp:spPr>
-      <dsp:style>
-        <a:lnRef idx="2">
-          <a:scrgbClr r="0" g="0" b="0"/>
-        </a:lnRef>
-        <a:fillRef idx="1">
-          <a:scrgbClr r="0" g="0" b="0"/>
-        </a:fillRef>
-        <a:effectRef idx="0">
-          <a:scrgbClr r="0" g="0" b="0"/>
-        </a:effectRef>
-        <a:fontRef idx="minor">
-          <a:schemeClr val="lt1"/>
-        </a:fontRef>
-      </dsp:style>
-    </dsp:sp>
-    <dsp:sp modelId="{09F79DB2-89E6-4D63-AACA-6064AC3D4602}">
-      <dsp:nvSpPr>
-        <dsp:cNvPr id="0" name=""/>
-        <dsp:cNvSpPr/>
-      </dsp:nvSpPr>
-      <dsp:spPr>
-        <a:xfrm>
-          <a:off x="0" y="3624698"/>
-          <a:ext cx="10515600" cy="724514"/>
-        </a:xfrm>
-        <a:prstGeom prst="rect">
-          <a:avLst/>
-        </a:prstGeom>
-        <a:noFill/>
-        <a:ln>
-          <a:noFill/>
-        </a:ln>
-        <a:effectLst/>
-      </dsp:spPr>
-      <dsp:style>
-        <a:lnRef idx="0">
-          <a:scrgbClr r="0" g="0" b="0"/>
-        </a:lnRef>
-        <a:fillRef idx="0">
-          <a:scrgbClr r="0" g="0" b="0"/>
-        </a:fillRef>
-        <a:effectRef idx="0">
-          <a:scrgbClr r="0" g="0" b="0"/>
-        </a:effectRef>
-        <a:fontRef idx="minor"/>
-      </dsp:style>
-      <dsp:txBody>
-        <a:bodyPr spcFirstLastPara="0" vert="horz" wrap="square" lIns="60960" tIns="60960" rIns="60960" bIns="60960" numCol="1" spcCol="1270" anchor="t" anchorCtr="0">
-          <a:noAutofit/>
-        </a:bodyPr>
-        <a:lstStyle/>
-        <a:p>
-          <a:pPr marL="0" lvl="0" indent="0" algn="l" defTabSz="711200">
-            <a:lnSpc>
-              <a:spcPct val="90000"/>
-            </a:lnSpc>
-            <a:spcBef>
-              <a:spcPct val="0"/>
-            </a:spcBef>
-            <a:spcAft>
-              <a:spcPct val="35000"/>
-            </a:spcAft>
-            <a:buNone/>
-          </a:pPr>
-          <a:r>
-            <a:rPr lang="en-US" sz="1600" kern="1200"/>
-            <a:t>In essence, within a company of </a:t>
-          </a:r>
-          <a:r>
-            <a:rPr lang="en-US" sz="1600" b="1" kern="1200"/>
-            <a:t>50,000 employees</a:t>
-          </a:r>
-          <a:r>
-            <a:rPr lang="en-US" sz="1600" kern="1200"/>
-            <a:t>, only </a:t>
-          </a:r>
-          <a:r>
-            <a:rPr lang="en-US" sz="1600" b="1" kern="1200"/>
-            <a:t>90 individuals</a:t>
-          </a:r>
-          <a:r>
-            <a:rPr lang="en-US" sz="1600" kern="1200"/>
-            <a:t> showcase comparable or </a:t>
-          </a:r>
-          <a:r>
-            <a:rPr lang="en-US" sz="1600" b="1" kern="1200"/>
-            <a:t>superior talents</a:t>
-          </a:r>
-          <a:r>
-            <a:rPr lang="en-US" sz="1600" kern="1200"/>
-            <a:t>. (50 000 * 0.18%/100% = 90</a:t>
-          </a:r>
-        </a:p>
-      </dsp:txBody>
-      <dsp:txXfrm>
-        <a:off x="0" y="3624698"/>
-        <a:ext cx="10515600" cy="724514"/>
-      </dsp:txXfrm>
-    </dsp:sp>
-  </dsp:spTree>
-</dsp:drawing>
-</file>
-
-<file path=ppt/diagrams/drawing2.xml><?xml version="1.0" encoding="utf-8"?>
-<dsp:drawing xmlns:dgm="http://schemas.openxmlformats.org/drawingml/2006/diagram" xmlns:dsp="http://schemas.microsoft.com/office/drawing/2008/diagram" xmlns:a="http://schemas.openxmlformats.org/drawingml/2006/main">
-  <dsp:spTree>
-    <dsp:nvGrpSpPr>
-      <dsp:cNvPr id="0" name=""/>
-      <dsp:cNvGrpSpPr/>
-    </dsp:nvGrpSpPr>
-    <dsp:grpSpPr/>
     <dsp:sp modelId="{62D31DE9-4EE6-4CD0-A714-7071660AE183}">
       <dsp:nvSpPr>
         <dsp:cNvPr id="0" name=""/>
@@ -3807,472 +1944,6 @@
 </file>
 
 <file path=ppt/diagrams/layout1.xml><?xml version="1.0" encoding="utf-8"?>
-<dgm:layoutDef xmlns:dgm="http://schemas.openxmlformats.org/drawingml/2006/diagram" xmlns:a="http://schemas.openxmlformats.org/drawingml/2006/main" uniqueId="urn:microsoft.com/office/officeart/2008/layout/LinedList">
-  <dgm:title val=""/>
-  <dgm:desc val=""/>
-  <dgm:catLst>
-    <dgm:cat type="hierarchy" pri="8000"/>
-    <dgm:cat type="list" pri="2500"/>
-  </dgm:catLst>
-  <dgm:sampData>
-    <dgm:dataModel>
-      <dgm:ptLst>
-        <dgm:pt modelId="0" type="doc"/>
-        <dgm:pt modelId="1">
-          <dgm:prSet phldr="1"/>
-        </dgm:pt>
-        <dgm:pt modelId="11">
-          <dgm:prSet phldr="1"/>
-        </dgm:pt>
-        <dgm:pt modelId="12">
-          <dgm:prSet phldr="1"/>
-        </dgm:pt>
-        <dgm:pt modelId="13">
-          <dgm:prSet phldr="1"/>
-        </dgm:pt>
-      </dgm:ptLst>
-      <dgm:cxnLst>
-        <dgm:cxn modelId="2" srcId="0" destId="1" srcOrd="0" destOrd="0"/>
-        <dgm:cxn modelId="3" srcId="1" destId="11" srcOrd="0" destOrd="0"/>
-        <dgm:cxn modelId="4" srcId="1" destId="12" srcOrd="1" destOrd="0"/>
-        <dgm:cxn modelId="5" srcId="1" destId="13" srcOrd="2" destOrd="0"/>
-      </dgm:cxnLst>
-      <dgm:bg/>
-      <dgm:whole/>
-    </dgm:dataModel>
-  </dgm:sampData>
-  <dgm:styleData>
-    <dgm:dataModel>
-      <dgm:ptLst>
-        <dgm:pt modelId="0" type="doc"/>
-        <dgm:pt modelId="1">
-          <dgm:prSet phldr="1"/>
-        </dgm:pt>
-        <dgm:pt modelId="11">
-          <dgm:prSet phldr="1"/>
-        </dgm:pt>
-        <dgm:pt modelId="12">
-          <dgm:prSet phldr="1"/>
-        </dgm:pt>
-      </dgm:ptLst>
-      <dgm:cxnLst>
-        <dgm:cxn modelId="2" srcId="0" destId="1" srcOrd="0" destOrd="0"/>
-        <dgm:cxn modelId="3" srcId="1" destId="11" srcOrd="0" destOrd="0"/>
-        <dgm:cxn modelId="4" srcId="1" destId="12" srcOrd="1" destOrd="0"/>
-      </dgm:cxnLst>
-      <dgm:bg/>
-      <dgm:whole/>
-    </dgm:dataModel>
-  </dgm:styleData>
-  <dgm:clrData>
-    <dgm:dataModel>
-      <dgm:ptLst>
-        <dgm:pt modelId="0" type="doc"/>
-        <dgm:pt modelId="1">
-          <dgm:prSet phldr="1"/>
-        </dgm:pt>
-        <dgm:pt modelId="11">
-          <dgm:prSet phldr="1"/>
-        </dgm:pt>
-        <dgm:pt modelId="12">
-          <dgm:prSet phldr="1"/>
-        </dgm:pt>
-      </dgm:ptLst>
-      <dgm:cxnLst>
-        <dgm:cxn modelId="2" srcId="0" destId="1" srcOrd="0" destOrd="0"/>
-        <dgm:cxn modelId="3" srcId="1" destId="11" srcOrd="0" destOrd="0"/>
-        <dgm:cxn modelId="4" srcId="1" destId="12" srcOrd="1" destOrd="0"/>
-      </dgm:cxnLst>
-      <dgm:bg/>
-      <dgm:whole/>
-    </dgm:dataModel>
-  </dgm:clrData>
-  <dgm:layoutNode name="vert0">
-    <dgm:varLst>
-      <dgm:dir/>
-      <dgm:animOne val="branch"/>
-      <dgm:animLvl val="lvl"/>
-    </dgm:varLst>
-    <dgm:choose name="Name0">
-      <dgm:if name="Name1" func="var" arg="dir" op="equ" val="norm">
-        <dgm:alg type="lin">
-          <dgm:param type="linDir" val="fromT"/>
-          <dgm:param type="nodeHorzAlign" val="l"/>
-        </dgm:alg>
-      </dgm:if>
-      <dgm:else name="Name2">
-        <dgm:alg type="lin">
-          <dgm:param type="linDir" val="fromT"/>
-          <dgm:param type="nodeHorzAlign" val="r"/>
-        </dgm:alg>
-      </dgm:else>
-    </dgm:choose>
-    <dgm:shape xmlns:r="http://schemas.openxmlformats.org/officeDocument/2006/relationships" r:blip="">
-      <dgm:adjLst/>
-    </dgm:shape>
-    <dgm:presOf/>
-    <dgm:constrLst>
-      <dgm:constr type="w" for="ch" forName="horz1" refType="w"/>
-      <dgm:constr type="h" for="ch" forName="horz1" refType="h"/>
-      <dgm:constr type="h" for="des" forName="vert1" refType="h"/>
-      <dgm:constr type="h" for="des" forName="tx1" refType="h"/>
-      <dgm:constr type="h" for="des" forName="horz2" refType="h"/>
-      <dgm:constr type="h" for="des" forName="vert2" refType="h"/>
-      <dgm:constr type="h" for="des" forName="horz3" refType="h"/>
-      <dgm:constr type="h" for="des" forName="vert3" refType="h"/>
-      <dgm:constr type="h" for="des" forName="horz4" refType="h"/>
-      <dgm:constr type="h" for="des" ptType="node" refType="h"/>
-      <dgm:constr type="primFontSz" for="des" forName="tx1" op="equ" val="65"/>
-      <dgm:constr type="primFontSz" for="des" forName="tx2" op="equ" val="65"/>
-      <dgm:constr type="primFontSz" for="des" forName="tx3" op="equ" val="65"/>
-      <dgm:constr type="primFontSz" for="des" forName="tx4" op="equ" val="65"/>
-      <dgm:constr type="w" for="des" forName="thickLine" refType="w"/>
-      <dgm:constr type="h" for="des" forName="thickLine"/>
-      <dgm:constr type="h" for="des" forName="thinLine1"/>
-      <dgm:constr type="h" for="des" forName="thinLine2b"/>
-      <dgm:constr type="h" for="des" forName="thinLine3"/>
-      <dgm:constr type="h" for="des" forName="vertSpace2a" refType="h" fact="0.05"/>
-      <dgm:constr type="h" for="des" forName="vertSpace2b" refType="h" refFor="des" refForName="vertSpace2a"/>
-    </dgm:constrLst>
-    <dgm:forEach name="Name3" axis="ch" ptType="node">
-      <dgm:layoutNode name="thickLine" styleLbl="alignNode1">
-        <dgm:alg type="sp"/>
-        <dgm:shape xmlns:r="http://schemas.openxmlformats.org/officeDocument/2006/relationships" type="line" r:blip="">
-          <dgm:adjLst/>
-        </dgm:shape>
-        <dgm:presOf/>
-      </dgm:layoutNode>
-      <dgm:layoutNode name="horz1">
-        <dgm:choose name="Name4">
-          <dgm:if name="Name5" func="var" arg="dir" op="equ" val="norm">
-            <dgm:alg type="lin">
-              <dgm:param type="linDir" val="fromL"/>
-              <dgm:param type="nodeVertAlign" val="t"/>
-            </dgm:alg>
-          </dgm:if>
-          <dgm:else name="Name6">
-            <dgm:alg type="lin">
-              <dgm:param type="linDir" val="fromR"/>
-              <dgm:param type="nodeVertAlign" val="t"/>
-            </dgm:alg>
-          </dgm:else>
-        </dgm:choose>
-        <dgm:shape xmlns:r="http://schemas.openxmlformats.org/officeDocument/2006/relationships" r:blip="">
-          <dgm:adjLst/>
-        </dgm:shape>
-        <dgm:presOf/>
-        <dgm:choose name="Name7">
-          <dgm:if name="Name8" axis="root des" func="maxDepth" op="equ" val="1">
-            <dgm:constrLst>
-              <dgm:constr type="w" for="ch" forName="tx1" refType="w"/>
-            </dgm:constrLst>
-          </dgm:if>
-          <dgm:if name="Name9" axis="root des" func="maxDepth" op="equ" val="2">
-            <dgm:constrLst>
-              <dgm:constr type="w" for="ch" forName="tx1" refType="w" fact="0.2"/>
-              <dgm:constr type="w" for="des" forName="tx2" refType="w" fact="0.785"/>
-              <dgm:constr type="w" for="des" forName="horzSpace2" refType="w" fact="0.015"/>
-              <dgm:constr type="w" for="des" forName="thinLine2b" refType="w" fact="0.8"/>
-            </dgm:constrLst>
-          </dgm:if>
-          <dgm:if name="Name10" axis="root des" func="maxDepth" op="equ" val="3">
-            <dgm:constrLst>
-              <dgm:constr type="w" for="ch" forName="tx1" refType="w" fact="0.2"/>
-              <dgm:constr type="w" for="des" forName="tx2" refType="w" fact="0.385"/>
-              <dgm:constr type="w" for="des" forName="tx3" refType="w" fact="0.385"/>
-              <dgm:constr type="w" for="des" forName="horzSpace2" refType="w" fact="0.015"/>
-              <dgm:constr type="w" for="des" forName="horzSpace3" refType="w" fact="0.015"/>
-              <dgm:constr type="w" for="des" forName="thinLine2b" refType="w" fact="0.8"/>
-              <dgm:constr type="w" for="des" forName="thinLine3" refType="w" fact="0.385"/>
-            </dgm:constrLst>
-          </dgm:if>
-          <dgm:if name="Name11" axis="root des" func="maxDepth" op="gte" val="4">
-            <dgm:constrLst>
-              <dgm:constr type="w" for="ch" forName="tx1" refType="w" fact="0.2"/>
-              <dgm:constr type="w" for="des" forName="tx2" refType="w" fact="0.2516"/>
-              <dgm:constr type="w" for="des" forName="tx3" refType="w" fact="0.2516"/>
-              <dgm:constr type="w" for="des" forName="tx4" refType="w" fact="0.2516"/>
-              <dgm:constr type="w" for="des" forName="horzSpace2" refType="w" fact="0.015"/>
-              <dgm:constr type="w" for="des" forName="horzSpace3" refType="w" fact="0.015"/>
-              <dgm:constr type="w" for="des" forName="horzSpace4" refType="w" fact="0.015"/>
-              <dgm:constr type="w" for="des" forName="thinLine2b" refType="w" fact="0.8"/>
-              <dgm:constr type="w" for="des" forName="thinLine3" refType="w" fact="0.5332"/>
-            </dgm:constrLst>
-          </dgm:if>
-          <dgm:else name="Name12"/>
-        </dgm:choose>
-        <dgm:layoutNode name="tx1" styleLbl="revTx">
-          <dgm:alg type="tx">
-            <dgm:param type="parTxLTRAlign" val="l"/>
-            <dgm:param type="parTxRTLAlign" val="r"/>
-            <dgm:param type="txAnchorVert" val="t"/>
-          </dgm:alg>
-          <dgm:shape xmlns:r="http://schemas.openxmlformats.org/officeDocument/2006/relationships" type="rect" r:blip="">
-            <dgm:adjLst/>
-          </dgm:shape>
-          <dgm:presOf axis="self"/>
-          <dgm:constrLst>
-            <dgm:constr type="tMarg" refType="primFontSz" fact="0.3"/>
-            <dgm:constr type="bMarg" refType="primFontSz" fact="0.3"/>
-            <dgm:constr type="lMarg" refType="primFontSz" fact="0.3"/>
-            <dgm:constr type="rMarg" refType="primFontSz" fact="0.3"/>
-          </dgm:constrLst>
-          <dgm:ruleLst>
-            <dgm:rule type="primFontSz" val="5" fact="NaN" max="NaN"/>
-          </dgm:ruleLst>
-        </dgm:layoutNode>
-        <dgm:layoutNode name="vert1">
-          <dgm:choose name="Name13">
-            <dgm:if name="Name14" func="var" arg="dir" op="equ" val="norm">
-              <dgm:alg type="lin">
-                <dgm:param type="linDir" val="fromT"/>
-                <dgm:param type="nodeHorzAlign" val="l"/>
-              </dgm:alg>
-            </dgm:if>
-            <dgm:else name="Name15">
-              <dgm:alg type="lin">
-                <dgm:param type="linDir" val="fromT"/>
-                <dgm:param type="nodeHorzAlign" val="r"/>
-              </dgm:alg>
-            </dgm:else>
-          </dgm:choose>
-          <dgm:shape xmlns:r="http://schemas.openxmlformats.org/officeDocument/2006/relationships" r:blip="">
-            <dgm:adjLst/>
-          </dgm:shape>
-          <dgm:presOf/>
-          <dgm:forEach name="Name16" axis="ch" ptType="node">
-            <dgm:choose name="Name17">
-              <dgm:if name="Name18" axis="self" ptType="node" func="pos" op="equ" val="1">
-                <dgm:layoutNode name="vertSpace2a">
-                  <dgm:alg type="sp"/>
-                  <dgm:shape xmlns:r="http://schemas.openxmlformats.org/officeDocument/2006/relationships" r:blip="">
-                    <dgm:adjLst/>
-                  </dgm:shape>
-                  <dgm:presOf/>
-                </dgm:layoutNode>
-              </dgm:if>
-              <dgm:else name="Name19"/>
-            </dgm:choose>
-            <dgm:layoutNode name="horz2">
-              <dgm:choose name="Name20">
-                <dgm:if name="Name21" func="var" arg="dir" op="equ" val="norm">
-                  <dgm:alg type="lin">
-                    <dgm:param type="linDir" val="fromL"/>
-                    <dgm:param type="nodeVertAlign" val="t"/>
-                  </dgm:alg>
-                </dgm:if>
-                <dgm:else name="Name22">
-                  <dgm:alg type="lin">
-                    <dgm:param type="linDir" val="fromR"/>
-                    <dgm:param type="nodeVertAlign" val="t"/>
-                  </dgm:alg>
-                </dgm:else>
-              </dgm:choose>
-              <dgm:shape xmlns:r="http://schemas.openxmlformats.org/officeDocument/2006/relationships" r:blip="">
-                <dgm:adjLst/>
-              </dgm:shape>
-              <dgm:presOf/>
-              <dgm:layoutNode name="horzSpace2">
-                <dgm:alg type="sp"/>
-                <dgm:shape xmlns:r="http://schemas.openxmlformats.org/officeDocument/2006/relationships" r:blip="">
-                  <dgm:adjLst/>
-                </dgm:shape>
-                <dgm:presOf/>
-              </dgm:layoutNode>
-              <dgm:layoutNode name="tx2" styleLbl="revTx">
-                <dgm:alg type="tx">
-                  <dgm:param type="parTxLTRAlign" val="l"/>
-                  <dgm:param type="parTxRTLAlign" val="r"/>
-                  <dgm:param type="txAnchorVert" val="t"/>
-                </dgm:alg>
-                <dgm:shape xmlns:r="http://schemas.openxmlformats.org/officeDocument/2006/relationships" type="rect" r:blip="">
-                  <dgm:adjLst/>
-                </dgm:shape>
-                <dgm:presOf axis="self"/>
-                <dgm:constrLst>
-                  <dgm:constr type="tMarg" refType="primFontSz" fact="0.3"/>
-                  <dgm:constr type="bMarg" refType="primFontSz" fact="0.3"/>
-                  <dgm:constr type="lMarg" refType="primFontSz" fact="0.3"/>
-                  <dgm:constr type="rMarg" refType="primFontSz" fact="0.3"/>
-                </dgm:constrLst>
-                <dgm:ruleLst>
-                  <dgm:rule type="primFontSz" val="5" fact="NaN" max="NaN"/>
-                </dgm:ruleLst>
-              </dgm:layoutNode>
-              <dgm:layoutNode name="vert2">
-                <dgm:choose name="Name23">
-                  <dgm:if name="Name24" func="var" arg="dir" op="equ" val="norm">
-                    <dgm:alg type="lin">
-                      <dgm:param type="linDir" val="fromT"/>
-                      <dgm:param type="nodeHorzAlign" val="l"/>
-                    </dgm:alg>
-                  </dgm:if>
-                  <dgm:else name="Name25">
-                    <dgm:alg type="lin">
-                      <dgm:param type="linDir" val="fromT"/>
-                      <dgm:param type="nodeHorzAlign" val="r"/>
-                    </dgm:alg>
-                  </dgm:else>
-                </dgm:choose>
-                <dgm:shape xmlns:r="http://schemas.openxmlformats.org/officeDocument/2006/relationships" r:blip="">
-                  <dgm:adjLst/>
-                </dgm:shape>
-                <dgm:presOf/>
-                <dgm:forEach name="Name26" axis="ch" ptType="node">
-                  <dgm:layoutNode name="horz3">
-                    <dgm:choose name="Name27">
-                      <dgm:if name="Name28" func="var" arg="dir" op="equ" val="norm">
-                        <dgm:alg type="lin">
-                          <dgm:param type="linDir" val="fromL"/>
-                          <dgm:param type="nodeVertAlign" val="t"/>
-                        </dgm:alg>
-                      </dgm:if>
-                      <dgm:else name="Name29">
-                        <dgm:alg type="lin">
-                          <dgm:param type="linDir" val="fromR"/>
-                          <dgm:param type="nodeVertAlign" val="t"/>
-                        </dgm:alg>
-                      </dgm:else>
-                    </dgm:choose>
-                    <dgm:shape xmlns:r="http://schemas.openxmlformats.org/officeDocument/2006/relationships" r:blip="">
-                      <dgm:adjLst/>
-                    </dgm:shape>
-                    <dgm:presOf/>
-                    <dgm:layoutNode name="horzSpace3">
-                      <dgm:alg type="sp"/>
-                      <dgm:shape xmlns:r="http://schemas.openxmlformats.org/officeDocument/2006/relationships" r:blip="">
-                        <dgm:adjLst/>
-                      </dgm:shape>
-                      <dgm:presOf/>
-                    </dgm:layoutNode>
-                    <dgm:layoutNode name="tx3" styleLbl="revTx">
-                      <dgm:alg type="tx">
-                        <dgm:param type="parTxLTRAlign" val="l"/>
-                        <dgm:param type="parTxRTLAlign" val="r"/>
-                        <dgm:param type="txAnchorVert" val="t"/>
-                      </dgm:alg>
-                      <dgm:shape xmlns:r="http://schemas.openxmlformats.org/officeDocument/2006/relationships" type="rect" r:blip="">
-                        <dgm:adjLst/>
-                      </dgm:shape>
-                      <dgm:presOf axis="self"/>
-                      <dgm:constrLst>
-                        <dgm:constr type="tMarg" refType="primFontSz" fact="0.3"/>
-                        <dgm:constr type="bMarg" refType="primFontSz" fact="0.3"/>
-                        <dgm:constr type="lMarg" refType="primFontSz" fact="0.3"/>
-                        <dgm:constr type="rMarg" refType="primFontSz" fact="0.3"/>
-                      </dgm:constrLst>
-                      <dgm:ruleLst>
-                        <dgm:rule type="primFontSz" val="5" fact="NaN" max="NaN"/>
-                      </dgm:ruleLst>
-                    </dgm:layoutNode>
-                    <dgm:layoutNode name="vert3">
-                      <dgm:choose name="Name30">
-                        <dgm:if name="Name31" func="var" arg="dir" op="equ" val="norm">
-                          <dgm:alg type="lin">
-                            <dgm:param type="linDir" val="fromT"/>
-                            <dgm:param type="nodeHorzAlign" val="l"/>
-                          </dgm:alg>
-                        </dgm:if>
-                        <dgm:else name="Name32">
-                          <dgm:alg type="lin">
-                            <dgm:param type="linDir" val="fromT"/>
-                            <dgm:param type="nodeHorzAlign" val="r"/>
-                          </dgm:alg>
-                        </dgm:else>
-                      </dgm:choose>
-                      <dgm:shape xmlns:r="http://schemas.openxmlformats.org/officeDocument/2006/relationships" r:blip="">
-                        <dgm:adjLst/>
-                      </dgm:shape>
-                      <dgm:presOf/>
-                      <dgm:forEach name="Name33" axis="ch" ptType="node">
-                        <dgm:layoutNode name="horz4">
-                          <dgm:choose name="Name34">
-                            <dgm:if name="Name35" func="var" arg="dir" op="equ" val="norm">
-                              <dgm:alg type="lin">
-                                <dgm:param type="linDir" val="fromL"/>
-                                <dgm:param type="nodeVertAlign" val="t"/>
-                              </dgm:alg>
-                            </dgm:if>
-                            <dgm:else name="Name36">
-                              <dgm:alg type="lin">
-                                <dgm:param type="linDir" val="fromR"/>
-                                <dgm:param type="nodeVertAlign" val="t"/>
-                              </dgm:alg>
-                            </dgm:else>
-                          </dgm:choose>
-                          <dgm:shape xmlns:r="http://schemas.openxmlformats.org/officeDocument/2006/relationships" r:blip="">
-                            <dgm:adjLst/>
-                          </dgm:shape>
-                          <dgm:presOf/>
-                          <dgm:layoutNode name="horzSpace4">
-                            <dgm:alg type="sp"/>
-                            <dgm:shape xmlns:r="http://schemas.openxmlformats.org/officeDocument/2006/relationships" r:blip="">
-                              <dgm:adjLst/>
-                            </dgm:shape>
-                            <dgm:presOf/>
-                          </dgm:layoutNode>
-                          <dgm:layoutNode name="tx4" styleLbl="revTx">
-                            <dgm:varLst>
-                              <dgm:bulletEnabled val="1"/>
-                            </dgm:varLst>
-                            <dgm:alg type="tx">
-                              <dgm:param type="parTxLTRAlign" val="l"/>
-                              <dgm:param type="parTxRTLAlign" val="r"/>
-                              <dgm:param type="txAnchorVert" val="t"/>
-                            </dgm:alg>
-                            <dgm:shape xmlns:r="http://schemas.openxmlformats.org/officeDocument/2006/relationships" type="rect" r:blip="">
-                              <dgm:adjLst/>
-                            </dgm:shape>
-                            <dgm:presOf axis="desOrSelf" ptType="node"/>
-                            <dgm:constrLst>
-                              <dgm:constr type="tMarg" refType="primFontSz" fact="0.3"/>
-                              <dgm:constr type="bMarg" refType="primFontSz" fact="0.3"/>
-                              <dgm:constr type="lMarg" refType="primFontSz" fact="0.3"/>
-                              <dgm:constr type="rMarg" refType="primFontSz" fact="0.3"/>
-                            </dgm:constrLst>
-                            <dgm:ruleLst>
-                              <dgm:rule type="primFontSz" val="5" fact="NaN" max="NaN"/>
-                            </dgm:ruleLst>
-                          </dgm:layoutNode>
-                        </dgm:layoutNode>
-                      </dgm:forEach>
-                    </dgm:layoutNode>
-                  </dgm:layoutNode>
-                  <dgm:forEach name="Name37" axis="followSib" ptType="sibTrans" cnt="1">
-                    <dgm:layoutNode name="thinLine3" styleLbl="callout">
-                      <dgm:alg type="sp"/>
-                      <dgm:shape xmlns:r="http://schemas.openxmlformats.org/officeDocument/2006/relationships" type="line" r:blip="">
-                        <dgm:adjLst/>
-                      </dgm:shape>
-                      <dgm:presOf/>
-                    </dgm:layoutNode>
-                  </dgm:forEach>
-                </dgm:forEach>
-              </dgm:layoutNode>
-            </dgm:layoutNode>
-            <dgm:layoutNode name="thinLine2b" styleLbl="callout">
-              <dgm:alg type="sp"/>
-              <dgm:shape xmlns:r="http://schemas.openxmlformats.org/officeDocument/2006/relationships" type="line" r:blip="">
-                <dgm:adjLst/>
-              </dgm:shape>
-              <dgm:presOf/>
-            </dgm:layoutNode>
-            <dgm:layoutNode name="vertSpace2b">
-              <dgm:alg type="sp"/>
-              <dgm:shape xmlns:r="http://schemas.openxmlformats.org/officeDocument/2006/relationships" r:blip="">
-                <dgm:adjLst/>
-              </dgm:shape>
-              <dgm:presOf/>
-            </dgm:layoutNode>
-          </dgm:forEach>
-        </dgm:layoutNode>
-      </dgm:layoutNode>
-    </dgm:forEach>
-  </dgm:layoutNode>
-</dgm:layoutDef>
-</file>
-
-<file path=ppt/diagrams/layout2.xml><?xml version="1.0" encoding="utf-8"?>
 <dgm:layoutDef xmlns:dgm="http://schemas.openxmlformats.org/drawingml/2006/diagram" xmlns:a="http://schemas.openxmlformats.org/drawingml/2006/main" uniqueId="urn:microsoft.com/office/officeart/2018/2/layout/IconVerticalSolidList">
   <dgm:title val="Icon Vertical Solid List"/>
   <dgm:desc val="Use to show a series of visuals from top to bottom with Level 1 or Level 1 and Level 2 text grouped in a shape. Works best with icons or small pictures with lengthier descriptions."/>
@@ -4567,1040 +2238,6 @@
 </file>
 
 <file path=ppt/diagrams/quickStyle1.xml><?xml version="1.0" encoding="utf-8"?>
-<dgm:styleDef xmlns:dgm="http://schemas.openxmlformats.org/drawingml/2006/diagram" xmlns:a="http://schemas.openxmlformats.org/drawingml/2006/main" uniqueId="urn:microsoft.com/office/officeart/2005/8/quickstyle/simple1">
-  <dgm:title val=""/>
-  <dgm:desc val=""/>
-  <dgm:catLst>
-    <dgm:cat type="simple" pri="10100"/>
-  </dgm:catLst>
-  <dgm:scene3d>
-    <a:camera prst="orthographicFront"/>
-    <a:lightRig rig="threePt" dir="t"/>
-  </dgm:scene3d>
-  <dgm:styleLbl name="node0">
-    <dgm:scene3d>
-      <a:camera prst="orthographicFront"/>
-      <a:lightRig rig="threePt" dir="t"/>
-    </dgm:scene3d>
-    <dgm:sp3d/>
-    <dgm:txPr/>
-    <dgm:style>
-      <a:lnRef idx="2">
-        <a:scrgbClr r="0" g="0" b="0"/>
-      </a:lnRef>
-      <a:fillRef idx="1">
-        <a:scrgbClr r="0" g="0" b="0"/>
-      </a:fillRef>
-      <a:effectRef idx="0">
-        <a:scrgbClr r="0" g="0" b="0"/>
-      </a:effectRef>
-      <a:fontRef idx="minor">
-        <a:schemeClr val="lt1"/>
-      </a:fontRef>
-    </dgm:style>
-  </dgm:styleLbl>
-  <dgm:styleLbl name="lnNode1">
-    <dgm:scene3d>
-      <a:camera prst="orthographicFront"/>
-      <a:lightRig rig="threePt" dir="t"/>
-    </dgm:scene3d>
-    <dgm:sp3d/>
-    <dgm:txPr/>
-    <dgm:style>
-      <a:lnRef idx="2">
-        <a:scrgbClr r="0" g="0" b="0"/>
-      </a:lnRef>
-      <a:fillRef idx="1">
-        <a:scrgbClr r="0" g="0" b="0"/>
-      </a:fillRef>
-      <a:effectRef idx="0">
-        <a:scrgbClr r="0" g="0" b="0"/>
-      </a:effectRef>
-      <a:fontRef idx="minor">
-        <a:schemeClr val="lt1"/>
-      </a:fontRef>
-    </dgm:style>
-  </dgm:styleLbl>
-  <dgm:styleLbl name="vennNode1">
-    <dgm:scene3d>
-      <a:camera prst="orthographicFront"/>
-      <a:lightRig rig="threePt" dir="t"/>
-    </dgm:scene3d>
-    <dgm:sp3d/>
-    <dgm:txPr/>
-    <dgm:style>
-      <a:lnRef idx="2">
-        <a:scrgbClr r="0" g="0" b="0"/>
-      </a:lnRef>
-      <a:fillRef idx="1">
-        <a:scrgbClr r="0" g="0" b="0"/>
-      </a:fillRef>
-      <a:effectRef idx="0">
-        <a:scrgbClr r="0" g="0" b="0"/>
-      </a:effectRef>
-      <a:fontRef idx="minor">
-        <a:schemeClr val="tx1"/>
-      </a:fontRef>
-    </dgm:style>
-  </dgm:styleLbl>
-  <dgm:styleLbl name="alignNode1">
-    <dgm:scene3d>
-      <a:camera prst="orthographicFront"/>
-      <a:lightRig rig="threePt" dir="t"/>
-    </dgm:scene3d>
-    <dgm:sp3d/>
-    <dgm:txPr/>
-    <dgm:style>
-      <a:lnRef idx="2">
-        <a:scrgbClr r="0" g="0" b="0"/>
-      </a:lnRef>
-      <a:fillRef idx="1">
-        <a:scrgbClr r="0" g="0" b="0"/>
-      </a:fillRef>
-      <a:effectRef idx="0">
-        <a:scrgbClr r="0" g="0" b="0"/>
-      </a:effectRef>
-      <a:fontRef idx="minor">
-        <a:schemeClr val="lt1"/>
-      </a:fontRef>
-    </dgm:style>
-  </dgm:styleLbl>
-  <dgm:styleLbl name="node1">
-    <dgm:scene3d>
-      <a:camera prst="orthographicFront"/>
-      <a:lightRig rig="threePt" dir="t"/>
-    </dgm:scene3d>
-    <dgm:sp3d/>
-    <dgm:txPr/>
-    <dgm:style>
-      <a:lnRef idx="2">
-        <a:scrgbClr r="0" g="0" b="0"/>
-      </a:lnRef>
-      <a:fillRef idx="1">
-        <a:scrgbClr r="0" g="0" b="0"/>
-      </a:fillRef>
-      <a:effectRef idx="0">
-        <a:scrgbClr r="0" g="0" b="0"/>
-      </a:effectRef>
-      <a:fontRef idx="minor">
-        <a:schemeClr val="lt1"/>
-      </a:fontRef>
-    </dgm:style>
-  </dgm:styleLbl>
-  <dgm:styleLbl name="node2">
-    <dgm:scene3d>
-      <a:camera prst="orthographicFront"/>
-      <a:lightRig rig="threePt" dir="t"/>
-    </dgm:scene3d>
-    <dgm:sp3d/>
-    <dgm:txPr/>
-    <dgm:style>
-      <a:lnRef idx="2">
-        <a:scrgbClr r="0" g="0" b="0"/>
-      </a:lnRef>
-      <a:fillRef idx="1">
-        <a:scrgbClr r="0" g="0" b="0"/>
-      </a:fillRef>
-      <a:effectRef idx="0">
-        <a:scrgbClr r="0" g="0" b="0"/>
-      </a:effectRef>
-      <a:fontRef idx="minor">
-        <a:schemeClr val="lt1"/>
-      </a:fontRef>
-    </dgm:style>
-  </dgm:styleLbl>
-  <dgm:styleLbl name="node3">
-    <dgm:scene3d>
-      <a:camera prst="orthographicFront"/>
-      <a:lightRig rig="threePt" dir="t"/>
-    </dgm:scene3d>
-    <dgm:sp3d/>
-    <dgm:txPr/>
-    <dgm:style>
-      <a:lnRef idx="2">
-        <a:scrgbClr r="0" g="0" b="0"/>
-      </a:lnRef>
-      <a:fillRef idx="1">
-        <a:scrgbClr r="0" g="0" b="0"/>
-      </a:fillRef>
-      <a:effectRef idx="0">
-        <a:scrgbClr r="0" g="0" b="0"/>
-      </a:effectRef>
-      <a:fontRef idx="minor">
-        <a:schemeClr val="lt1"/>
-      </a:fontRef>
-    </dgm:style>
-  </dgm:styleLbl>
-  <dgm:styleLbl name="node4">
-    <dgm:scene3d>
-      <a:camera prst="orthographicFront"/>
-      <a:lightRig rig="threePt" dir="t"/>
-    </dgm:scene3d>
-    <dgm:sp3d/>
-    <dgm:txPr/>
-    <dgm:style>
-      <a:lnRef idx="2">
-        <a:scrgbClr r="0" g="0" b="0"/>
-      </a:lnRef>
-      <a:fillRef idx="1">
-        <a:scrgbClr r="0" g="0" b="0"/>
-      </a:fillRef>
-      <a:effectRef idx="0">
-        <a:scrgbClr r="0" g="0" b="0"/>
-      </a:effectRef>
-      <a:fontRef idx="minor">
-        <a:schemeClr val="lt1"/>
-      </a:fontRef>
-    </dgm:style>
-  </dgm:styleLbl>
-  <dgm:styleLbl name="fgImgPlace1">
-    <dgm:scene3d>
-      <a:camera prst="orthographicFront"/>
-      <a:lightRig rig="threePt" dir="t"/>
-    </dgm:scene3d>
-    <dgm:sp3d/>
-    <dgm:txPr/>
-    <dgm:style>
-      <a:lnRef idx="2">
-        <a:scrgbClr r="0" g="0" b="0"/>
-      </a:lnRef>
-      <a:fillRef idx="1">
-        <a:scrgbClr r="0" g="0" b="0"/>
-      </a:fillRef>
-      <a:effectRef idx="0">
-        <a:scrgbClr r="0" g="0" b="0"/>
-      </a:effectRef>
-      <a:fontRef idx="minor"/>
-    </dgm:style>
-  </dgm:styleLbl>
-  <dgm:styleLbl name="alignImgPlace1">
-    <dgm:scene3d>
-      <a:camera prst="orthographicFront"/>
-      <a:lightRig rig="threePt" dir="t"/>
-    </dgm:scene3d>
-    <dgm:sp3d/>
-    <dgm:txPr/>
-    <dgm:style>
-      <a:lnRef idx="2">
-        <a:scrgbClr r="0" g="0" b="0"/>
-      </a:lnRef>
-      <a:fillRef idx="1">
-        <a:scrgbClr r="0" g="0" b="0"/>
-      </a:fillRef>
-      <a:effectRef idx="0">
-        <a:scrgbClr r="0" g="0" b="0"/>
-      </a:effectRef>
-      <a:fontRef idx="minor"/>
-    </dgm:style>
-  </dgm:styleLbl>
-  <dgm:styleLbl name="bgImgPlace1">
-    <dgm:scene3d>
-      <a:camera prst="orthographicFront"/>
-      <a:lightRig rig="threePt" dir="t"/>
-    </dgm:scene3d>
-    <dgm:sp3d/>
-    <dgm:txPr/>
-    <dgm:style>
-      <a:lnRef idx="2">
-        <a:scrgbClr r="0" g="0" b="0"/>
-      </a:lnRef>
-      <a:fillRef idx="1">
-        <a:scrgbClr r="0" g="0" b="0"/>
-      </a:fillRef>
-      <a:effectRef idx="0">
-        <a:scrgbClr r="0" g="0" b="0"/>
-      </a:effectRef>
-      <a:fontRef idx="minor"/>
-    </dgm:style>
-  </dgm:styleLbl>
-  <dgm:styleLbl name="sibTrans2D1">
-    <dgm:scene3d>
-      <a:camera prst="orthographicFront"/>
-      <a:lightRig rig="threePt" dir="t"/>
-    </dgm:scene3d>
-    <dgm:sp3d/>
-    <dgm:txPr/>
-    <dgm:style>
-      <a:lnRef idx="0">
-        <a:scrgbClr r="0" g="0" b="0"/>
-      </a:lnRef>
-      <a:fillRef idx="1">
-        <a:scrgbClr r="0" g="0" b="0"/>
-      </a:fillRef>
-      <a:effectRef idx="0">
-        <a:scrgbClr r="0" g="0" b="0"/>
-      </a:effectRef>
-      <a:fontRef idx="minor">
-        <a:schemeClr val="lt1"/>
-      </a:fontRef>
-    </dgm:style>
-  </dgm:styleLbl>
-  <dgm:styleLbl name="fgSibTrans2D1">
-    <dgm:scene3d>
-      <a:camera prst="orthographicFront"/>
-      <a:lightRig rig="threePt" dir="t"/>
-    </dgm:scene3d>
-    <dgm:sp3d/>
-    <dgm:txPr/>
-    <dgm:style>
-      <a:lnRef idx="0">
-        <a:scrgbClr r="0" g="0" b="0"/>
-      </a:lnRef>
-      <a:fillRef idx="1">
-        <a:scrgbClr r="0" g="0" b="0"/>
-      </a:fillRef>
-      <a:effectRef idx="0">
-        <a:scrgbClr r="0" g="0" b="0"/>
-      </a:effectRef>
-      <a:fontRef idx="minor">
-        <a:schemeClr val="lt1"/>
-      </a:fontRef>
-    </dgm:style>
-  </dgm:styleLbl>
-  <dgm:styleLbl name="bgSibTrans2D1">
-    <dgm:scene3d>
-      <a:camera prst="orthographicFront"/>
-      <a:lightRig rig="threePt" dir="t"/>
-    </dgm:scene3d>
-    <dgm:sp3d/>
-    <dgm:txPr/>
-    <dgm:style>
-      <a:lnRef idx="0">
-        <a:scrgbClr r="0" g="0" b="0"/>
-      </a:lnRef>
-      <a:fillRef idx="1">
-        <a:scrgbClr r="0" g="0" b="0"/>
-      </a:fillRef>
-      <a:effectRef idx="0">
-        <a:scrgbClr r="0" g="0" b="0"/>
-      </a:effectRef>
-      <a:fontRef idx="minor">
-        <a:schemeClr val="lt1"/>
-      </a:fontRef>
-    </dgm:style>
-  </dgm:styleLbl>
-  <dgm:styleLbl name="sibTrans1D1">
-    <dgm:scene3d>
-      <a:camera prst="orthographicFront"/>
-      <a:lightRig rig="threePt" dir="t"/>
-    </dgm:scene3d>
-    <dgm:sp3d/>
-    <dgm:txPr/>
-    <dgm:style>
-      <a:lnRef idx="1">
-        <a:scrgbClr r="0" g="0" b="0"/>
-      </a:lnRef>
-      <a:fillRef idx="0">
-        <a:scrgbClr r="0" g="0" b="0"/>
-      </a:fillRef>
-      <a:effectRef idx="0">
-        <a:scrgbClr r="0" g="0" b="0"/>
-      </a:effectRef>
-      <a:fontRef idx="minor"/>
-    </dgm:style>
-  </dgm:styleLbl>
-  <dgm:styleLbl name="callout">
-    <dgm:scene3d>
-      <a:camera prst="orthographicFront"/>
-      <a:lightRig rig="threePt" dir="t"/>
-    </dgm:scene3d>
-    <dgm:sp3d/>
-    <dgm:txPr/>
-    <dgm:style>
-      <a:lnRef idx="2">
-        <a:scrgbClr r="0" g="0" b="0"/>
-      </a:lnRef>
-      <a:fillRef idx="1">
-        <a:scrgbClr r="0" g="0" b="0"/>
-      </a:fillRef>
-      <a:effectRef idx="0">
-        <a:scrgbClr r="0" g="0" b="0"/>
-      </a:effectRef>
-      <a:fontRef idx="minor"/>
-    </dgm:style>
-  </dgm:styleLbl>
-  <dgm:styleLbl name="asst0">
-    <dgm:scene3d>
-      <a:camera prst="orthographicFront"/>
-      <a:lightRig rig="threePt" dir="t"/>
-    </dgm:scene3d>
-    <dgm:sp3d/>
-    <dgm:txPr/>
-    <dgm:style>
-      <a:lnRef idx="2">
-        <a:scrgbClr r="0" g="0" b="0"/>
-      </a:lnRef>
-      <a:fillRef idx="1">
-        <a:scrgbClr r="0" g="0" b="0"/>
-      </a:fillRef>
-      <a:effectRef idx="0">
-        <a:scrgbClr r="0" g="0" b="0"/>
-      </a:effectRef>
-      <a:fontRef idx="minor">
-        <a:schemeClr val="lt1"/>
-      </a:fontRef>
-    </dgm:style>
-  </dgm:styleLbl>
-  <dgm:styleLbl name="asst1">
-    <dgm:scene3d>
-      <a:camera prst="orthographicFront"/>
-      <a:lightRig rig="threePt" dir="t"/>
-    </dgm:scene3d>
-    <dgm:sp3d/>
-    <dgm:txPr/>
-    <dgm:style>
-      <a:lnRef idx="2">
-        <a:scrgbClr r="0" g="0" b="0"/>
-      </a:lnRef>
-      <a:fillRef idx="1">
-        <a:scrgbClr r="0" g="0" b="0"/>
-      </a:fillRef>
-      <a:effectRef idx="0">
-        <a:scrgbClr r="0" g="0" b="0"/>
-      </a:effectRef>
-      <a:fontRef idx="minor">
-        <a:schemeClr val="lt1"/>
-      </a:fontRef>
-    </dgm:style>
-  </dgm:styleLbl>
-  <dgm:styleLbl name="asst2">
-    <dgm:scene3d>
-      <a:camera prst="orthographicFront"/>
-      <a:lightRig rig="threePt" dir="t"/>
-    </dgm:scene3d>
-    <dgm:sp3d/>
-    <dgm:txPr/>
-    <dgm:style>
-      <a:lnRef idx="2">
-        <a:scrgbClr r="0" g="0" b="0"/>
-      </a:lnRef>
-      <a:fillRef idx="1">
-        <a:scrgbClr r="0" g="0" b="0"/>
-      </a:fillRef>
-      <a:effectRef idx="0">
-        <a:scrgbClr r="0" g="0" b="0"/>
-      </a:effectRef>
-      <a:fontRef idx="minor">
-        <a:schemeClr val="lt1"/>
-      </a:fontRef>
-    </dgm:style>
-  </dgm:styleLbl>
-  <dgm:styleLbl name="asst3">
-    <dgm:scene3d>
-      <a:camera prst="orthographicFront"/>
-      <a:lightRig rig="threePt" dir="t"/>
-    </dgm:scene3d>
-    <dgm:sp3d/>
-    <dgm:txPr/>
-    <dgm:style>
-      <a:lnRef idx="2">
-        <a:scrgbClr r="0" g="0" b="0"/>
-      </a:lnRef>
-      <a:fillRef idx="1">
-        <a:scrgbClr r="0" g="0" b="0"/>
-      </a:fillRef>
-      <a:effectRef idx="0">
-        <a:scrgbClr r="0" g="0" b="0"/>
-      </a:effectRef>
-      <a:fontRef idx="minor">
-        <a:schemeClr val="lt1"/>
-      </a:fontRef>
-    </dgm:style>
-  </dgm:styleLbl>
-  <dgm:styleLbl name="asst4">
-    <dgm:scene3d>
-      <a:camera prst="orthographicFront"/>
-      <a:lightRig rig="threePt" dir="t"/>
-    </dgm:scene3d>
-    <dgm:sp3d/>
-    <dgm:txPr/>
-    <dgm:style>
-      <a:lnRef idx="2">
-        <a:scrgbClr r="0" g="0" b="0"/>
-      </a:lnRef>
-      <a:fillRef idx="1">
-        <a:scrgbClr r="0" g="0" b="0"/>
-      </a:fillRef>
-      <a:effectRef idx="0">
-        <a:scrgbClr r="0" g="0" b="0"/>
-      </a:effectRef>
-      <a:fontRef idx="minor">
-        <a:schemeClr val="lt1"/>
-      </a:fontRef>
-    </dgm:style>
-  </dgm:styleLbl>
-  <dgm:styleLbl name="parChTrans2D1">
-    <dgm:scene3d>
-      <a:camera prst="orthographicFront"/>
-      <a:lightRig rig="threePt" dir="t"/>
-    </dgm:scene3d>
-    <dgm:sp3d/>
-    <dgm:txPr/>
-    <dgm:style>
-      <a:lnRef idx="2">
-        <a:scrgbClr r="0" g="0" b="0"/>
-      </a:lnRef>
-      <a:fillRef idx="1">
-        <a:scrgbClr r="0" g="0" b="0"/>
-      </a:fillRef>
-      <a:effectRef idx="0">
-        <a:scrgbClr r="0" g="0" b="0"/>
-      </a:effectRef>
-      <a:fontRef idx="minor">
-        <a:schemeClr val="lt1"/>
-      </a:fontRef>
-    </dgm:style>
-  </dgm:styleLbl>
-  <dgm:styleLbl name="parChTrans2D2">
-    <dgm:scene3d>
-      <a:camera prst="orthographicFront"/>
-      <a:lightRig rig="threePt" dir="t"/>
-    </dgm:scene3d>
-    <dgm:sp3d/>
-    <dgm:txPr/>
-    <dgm:style>
-      <a:lnRef idx="2">
-        <a:scrgbClr r="0" g="0" b="0"/>
-      </a:lnRef>
-      <a:fillRef idx="1">
-        <a:scrgbClr r="0" g="0" b="0"/>
-      </a:fillRef>
-      <a:effectRef idx="0">
-        <a:scrgbClr r="0" g="0" b="0"/>
-      </a:effectRef>
-      <a:fontRef idx="minor">
-        <a:schemeClr val="lt1"/>
-      </a:fontRef>
-    </dgm:style>
-  </dgm:styleLbl>
-  <dgm:styleLbl name="parChTrans2D3">
-    <dgm:scene3d>
-      <a:camera prst="orthographicFront"/>
-      <a:lightRig rig="threePt" dir="t"/>
-    </dgm:scene3d>
-    <dgm:sp3d/>
-    <dgm:txPr/>
-    <dgm:style>
-      <a:lnRef idx="2">
-        <a:scrgbClr r="0" g="0" b="0"/>
-      </a:lnRef>
-      <a:fillRef idx="1">
-        <a:scrgbClr r="0" g="0" b="0"/>
-      </a:fillRef>
-      <a:effectRef idx="0">
-        <a:scrgbClr r="0" g="0" b="0"/>
-      </a:effectRef>
-      <a:fontRef idx="minor">
-        <a:schemeClr val="lt1"/>
-      </a:fontRef>
-    </dgm:style>
-  </dgm:styleLbl>
-  <dgm:styleLbl name="parChTrans2D4">
-    <dgm:scene3d>
-      <a:camera prst="orthographicFront"/>
-      <a:lightRig rig="threePt" dir="t"/>
-    </dgm:scene3d>
-    <dgm:sp3d/>
-    <dgm:txPr/>
-    <dgm:style>
-      <a:lnRef idx="2">
-        <a:scrgbClr r="0" g="0" b="0"/>
-      </a:lnRef>
-      <a:fillRef idx="1">
-        <a:scrgbClr r="0" g="0" b="0"/>
-      </a:fillRef>
-      <a:effectRef idx="0">
-        <a:scrgbClr r="0" g="0" b="0"/>
-      </a:effectRef>
-      <a:fontRef idx="minor">
-        <a:schemeClr val="lt1"/>
-      </a:fontRef>
-    </dgm:style>
-  </dgm:styleLbl>
-  <dgm:styleLbl name="parChTrans1D1">
-    <dgm:scene3d>
-      <a:camera prst="orthographicFront"/>
-      <a:lightRig rig="threePt" dir="t"/>
-    </dgm:scene3d>
-    <dgm:sp3d/>
-    <dgm:txPr/>
-    <dgm:style>
-      <a:lnRef idx="2">
-        <a:scrgbClr r="0" g="0" b="0"/>
-      </a:lnRef>
-      <a:fillRef idx="0">
-        <a:scrgbClr r="0" g="0" b="0"/>
-      </a:fillRef>
-      <a:effectRef idx="0">
-        <a:scrgbClr r="0" g="0" b="0"/>
-      </a:effectRef>
-      <a:fontRef idx="minor"/>
-    </dgm:style>
-  </dgm:styleLbl>
-  <dgm:styleLbl name="parChTrans1D2">
-    <dgm:scene3d>
-      <a:camera prst="orthographicFront"/>
-      <a:lightRig rig="threePt" dir="t"/>
-    </dgm:scene3d>
-    <dgm:sp3d/>
-    <dgm:txPr/>
-    <dgm:style>
-      <a:lnRef idx="2">
-        <a:scrgbClr r="0" g="0" b="0"/>
-      </a:lnRef>
-      <a:fillRef idx="0">
-        <a:scrgbClr r="0" g="0" b="0"/>
-      </a:fillRef>
-      <a:effectRef idx="0">
-        <a:scrgbClr r="0" g="0" b="0"/>
-      </a:effectRef>
-      <a:fontRef idx="minor"/>
-    </dgm:style>
-  </dgm:styleLbl>
-  <dgm:styleLbl name="parChTrans1D3">
-    <dgm:scene3d>
-      <a:camera prst="orthographicFront"/>
-      <a:lightRig rig="threePt" dir="t"/>
-    </dgm:scene3d>
-    <dgm:sp3d/>
-    <dgm:txPr/>
-    <dgm:style>
-      <a:lnRef idx="2">
-        <a:scrgbClr r="0" g="0" b="0"/>
-      </a:lnRef>
-      <a:fillRef idx="0">
-        <a:scrgbClr r="0" g="0" b="0"/>
-      </a:fillRef>
-      <a:effectRef idx="0">
-        <a:scrgbClr r="0" g="0" b="0"/>
-      </a:effectRef>
-      <a:fontRef idx="minor"/>
-    </dgm:style>
-  </dgm:styleLbl>
-  <dgm:styleLbl name="parChTrans1D4">
-    <dgm:scene3d>
-      <a:camera prst="orthographicFront"/>
-      <a:lightRig rig="threePt" dir="t"/>
-    </dgm:scene3d>
-    <dgm:sp3d/>
-    <dgm:txPr/>
-    <dgm:style>
-      <a:lnRef idx="2">
-        <a:scrgbClr r="0" g="0" b="0"/>
-      </a:lnRef>
-      <a:fillRef idx="0">
-        <a:scrgbClr r="0" g="0" b="0"/>
-      </a:fillRef>
-      <a:effectRef idx="0">
-        <a:scrgbClr r="0" g="0" b="0"/>
-      </a:effectRef>
-      <a:fontRef idx="minor"/>
-    </dgm:style>
-  </dgm:styleLbl>
-  <dgm:styleLbl name="fgAcc1">
-    <dgm:scene3d>
-      <a:camera prst="orthographicFront"/>
-      <a:lightRig rig="threePt" dir="t"/>
-    </dgm:scene3d>
-    <dgm:sp3d/>
-    <dgm:txPr/>
-    <dgm:style>
-      <a:lnRef idx="2">
-        <a:scrgbClr r="0" g="0" b="0"/>
-      </a:lnRef>
-      <a:fillRef idx="1">
-        <a:scrgbClr r="0" g="0" b="0"/>
-      </a:fillRef>
-      <a:effectRef idx="0">
-        <a:scrgbClr r="0" g="0" b="0"/>
-      </a:effectRef>
-      <a:fontRef idx="minor"/>
-    </dgm:style>
-  </dgm:styleLbl>
-  <dgm:styleLbl name="conFgAcc1">
-    <dgm:scene3d>
-      <a:camera prst="orthographicFront"/>
-      <a:lightRig rig="threePt" dir="t"/>
-    </dgm:scene3d>
-    <dgm:sp3d/>
-    <dgm:txPr/>
-    <dgm:style>
-      <a:lnRef idx="2">
-        <a:scrgbClr r="0" g="0" b="0"/>
-      </a:lnRef>
-      <a:fillRef idx="1">
-        <a:scrgbClr r="0" g="0" b="0"/>
-      </a:fillRef>
-      <a:effectRef idx="0">
-        <a:scrgbClr r="0" g="0" b="0"/>
-      </a:effectRef>
-      <a:fontRef idx="minor"/>
-    </dgm:style>
-  </dgm:styleLbl>
-  <dgm:styleLbl name="alignAcc1">
-    <dgm:scene3d>
-      <a:camera prst="orthographicFront"/>
-      <a:lightRig rig="threePt" dir="t"/>
-    </dgm:scene3d>
-    <dgm:sp3d/>
-    <dgm:txPr/>
-    <dgm:style>
-      <a:lnRef idx="2">
-        <a:scrgbClr r="0" g="0" b="0"/>
-      </a:lnRef>
-      <a:fillRef idx="1">
-        <a:scrgbClr r="0" g="0" b="0"/>
-      </a:fillRef>
-      <a:effectRef idx="0">
-        <a:scrgbClr r="0" g="0" b="0"/>
-      </a:effectRef>
-      <a:fontRef idx="minor"/>
-    </dgm:style>
-  </dgm:styleLbl>
-  <dgm:styleLbl name="trAlignAcc1">
-    <dgm:scene3d>
-      <a:camera prst="orthographicFront"/>
-      <a:lightRig rig="threePt" dir="t"/>
-    </dgm:scene3d>
-    <dgm:sp3d/>
-    <dgm:txPr/>
-    <dgm:style>
-      <a:lnRef idx="1">
-        <a:scrgbClr r="0" g="0" b="0"/>
-      </a:lnRef>
-      <a:fillRef idx="1">
-        <a:scrgbClr r="0" g="0" b="0"/>
-      </a:fillRef>
-      <a:effectRef idx="0">
-        <a:scrgbClr r="0" g="0" b="0"/>
-      </a:effectRef>
-      <a:fontRef idx="minor"/>
-    </dgm:style>
-  </dgm:styleLbl>
-  <dgm:styleLbl name="bgAcc1">
-    <dgm:scene3d>
-      <a:camera prst="orthographicFront"/>
-      <a:lightRig rig="threePt" dir="t"/>
-    </dgm:scene3d>
-    <dgm:sp3d/>
-    <dgm:txPr/>
-    <dgm:style>
-      <a:lnRef idx="2">
-        <a:scrgbClr r="0" g="0" b="0"/>
-      </a:lnRef>
-      <a:fillRef idx="1">
-        <a:scrgbClr r="0" g="0" b="0"/>
-      </a:fillRef>
-      <a:effectRef idx="0">
-        <a:scrgbClr r="0" g="0" b="0"/>
-      </a:effectRef>
-      <a:fontRef idx="minor"/>
-    </dgm:style>
-  </dgm:styleLbl>
-  <dgm:styleLbl name="solidFgAcc1">
-    <dgm:scene3d>
-      <a:camera prst="orthographicFront"/>
-      <a:lightRig rig="threePt" dir="t"/>
-    </dgm:scene3d>
-    <dgm:sp3d/>
-    <dgm:txPr/>
-    <dgm:style>
-      <a:lnRef idx="2">
-        <a:scrgbClr r="0" g="0" b="0"/>
-      </a:lnRef>
-      <a:fillRef idx="1">
-        <a:scrgbClr r="0" g="0" b="0"/>
-      </a:fillRef>
-      <a:effectRef idx="0">
-        <a:scrgbClr r="0" g="0" b="0"/>
-      </a:effectRef>
-      <a:fontRef idx="minor"/>
-    </dgm:style>
-  </dgm:styleLbl>
-  <dgm:styleLbl name="solidAlignAcc1">
-    <dgm:scene3d>
-      <a:camera prst="orthographicFront"/>
-      <a:lightRig rig="threePt" dir="t"/>
-    </dgm:scene3d>
-    <dgm:sp3d/>
-    <dgm:txPr/>
-    <dgm:style>
-      <a:lnRef idx="2">
-        <a:scrgbClr r="0" g="0" b="0"/>
-      </a:lnRef>
-      <a:fillRef idx="1">
-        <a:scrgbClr r="0" g="0" b="0"/>
-      </a:fillRef>
-      <a:effectRef idx="0">
-        <a:scrgbClr r="0" g="0" b="0"/>
-      </a:effectRef>
-      <a:fontRef idx="minor"/>
-    </dgm:style>
-  </dgm:styleLbl>
-  <dgm:styleLbl name="solidBgAcc1">
-    <dgm:scene3d>
-      <a:camera prst="orthographicFront"/>
-      <a:lightRig rig="threePt" dir="t"/>
-    </dgm:scene3d>
-    <dgm:sp3d/>
-    <dgm:txPr/>
-    <dgm:style>
-      <a:lnRef idx="2">
-        <a:scrgbClr r="0" g="0" b="0"/>
-      </a:lnRef>
-      <a:fillRef idx="1">
-        <a:scrgbClr r="0" g="0" b="0"/>
-      </a:fillRef>
-      <a:effectRef idx="0">
-        <a:scrgbClr r="0" g="0" b="0"/>
-      </a:effectRef>
-      <a:fontRef idx="minor"/>
-    </dgm:style>
-  </dgm:styleLbl>
-  <dgm:styleLbl name="fgAccFollowNode1">
-    <dgm:scene3d>
-      <a:camera prst="orthographicFront"/>
-      <a:lightRig rig="threePt" dir="t"/>
-    </dgm:scene3d>
-    <dgm:sp3d/>
-    <dgm:txPr/>
-    <dgm:style>
-      <a:lnRef idx="2">
-        <a:scrgbClr r="0" g="0" b="0"/>
-      </a:lnRef>
-      <a:fillRef idx="1">
-        <a:scrgbClr r="0" g="0" b="0"/>
-      </a:fillRef>
-      <a:effectRef idx="0">
-        <a:scrgbClr r="0" g="0" b="0"/>
-      </a:effectRef>
-      <a:fontRef idx="minor"/>
-    </dgm:style>
-  </dgm:styleLbl>
-  <dgm:styleLbl name="alignAccFollowNode1">
-    <dgm:scene3d>
-      <a:camera prst="orthographicFront"/>
-      <a:lightRig rig="threePt" dir="t"/>
-    </dgm:scene3d>
-    <dgm:sp3d/>
-    <dgm:txPr/>
-    <dgm:style>
-      <a:lnRef idx="2">
-        <a:scrgbClr r="0" g="0" b="0"/>
-      </a:lnRef>
-      <a:fillRef idx="1">
-        <a:scrgbClr r="0" g="0" b="0"/>
-      </a:fillRef>
-      <a:effectRef idx="0">
-        <a:scrgbClr r="0" g="0" b="0"/>
-      </a:effectRef>
-      <a:fontRef idx="minor"/>
-    </dgm:style>
-  </dgm:styleLbl>
-  <dgm:styleLbl name="bgAccFollowNode1">
-    <dgm:scene3d>
-      <a:camera prst="orthographicFront"/>
-      <a:lightRig rig="threePt" dir="t"/>
-    </dgm:scene3d>
-    <dgm:sp3d/>
-    <dgm:txPr/>
-    <dgm:style>
-      <a:lnRef idx="2">
-        <a:scrgbClr r="0" g="0" b="0"/>
-      </a:lnRef>
-      <a:fillRef idx="1">
-        <a:scrgbClr r="0" g="0" b="0"/>
-      </a:fillRef>
-      <a:effectRef idx="0">
-        <a:scrgbClr r="0" g="0" b="0"/>
-      </a:effectRef>
-      <a:fontRef idx="minor"/>
-    </dgm:style>
-  </dgm:styleLbl>
-  <dgm:styleLbl name="fgAcc0">
-    <dgm:scene3d>
-      <a:camera prst="orthographicFront"/>
-      <a:lightRig rig="threePt" dir="t"/>
-    </dgm:scene3d>
-    <dgm:sp3d/>
-    <dgm:txPr/>
-    <dgm:style>
-      <a:lnRef idx="2">
-        <a:scrgbClr r="0" g="0" b="0"/>
-      </a:lnRef>
-      <a:fillRef idx="1">
-        <a:scrgbClr r="0" g="0" b="0"/>
-      </a:fillRef>
-      <a:effectRef idx="0">
-        <a:scrgbClr r="0" g="0" b="0"/>
-      </a:effectRef>
-      <a:fontRef idx="minor"/>
-    </dgm:style>
-  </dgm:styleLbl>
-  <dgm:styleLbl name="fgAcc2">
-    <dgm:scene3d>
-      <a:camera prst="orthographicFront"/>
-      <a:lightRig rig="threePt" dir="t"/>
-    </dgm:scene3d>
-    <dgm:sp3d/>
-    <dgm:txPr/>
-    <dgm:style>
-      <a:lnRef idx="2">
-        <a:scrgbClr r="0" g="0" b="0"/>
-      </a:lnRef>
-      <a:fillRef idx="1">
-        <a:scrgbClr r="0" g="0" b="0"/>
-      </a:fillRef>
-      <a:effectRef idx="0">
-        <a:scrgbClr r="0" g="0" b="0"/>
-      </a:effectRef>
-      <a:fontRef idx="minor"/>
-    </dgm:style>
-  </dgm:styleLbl>
-  <dgm:styleLbl name="fgAcc3">
-    <dgm:scene3d>
-      <a:camera prst="orthographicFront"/>
-      <a:lightRig rig="threePt" dir="t"/>
-    </dgm:scene3d>
-    <dgm:sp3d/>
-    <dgm:txPr/>
-    <dgm:style>
-      <a:lnRef idx="2">
-        <a:scrgbClr r="0" g="0" b="0"/>
-      </a:lnRef>
-      <a:fillRef idx="1">
-        <a:scrgbClr r="0" g="0" b="0"/>
-      </a:fillRef>
-      <a:effectRef idx="0">
-        <a:scrgbClr r="0" g="0" b="0"/>
-      </a:effectRef>
-      <a:fontRef idx="minor"/>
-    </dgm:style>
-  </dgm:styleLbl>
-  <dgm:styleLbl name="fgAcc4">
-    <dgm:scene3d>
-      <a:camera prst="orthographicFront"/>
-      <a:lightRig rig="threePt" dir="t"/>
-    </dgm:scene3d>
-    <dgm:sp3d/>
-    <dgm:txPr/>
-    <dgm:style>
-      <a:lnRef idx="2">
-        <a:scrgbClr r="0" g="0" b="0"/>
-      </a:lnRef>
-      <a:fillRef idx="1">
-        <a:scrgbClr r="0" g="0" b="0"/>
-      </a:fillRef>
-      <a:effectRef idx="0">
-        <a:scrgbClr r="0" g="0" b="0"/>
-      </a:effectRef>
-      <a:fontRef idx="minor"/>
-    </dgm:style>
-  </dgm:styleLbl>
-  <dgm:styleLbl name="bgShp">
-    <dgm:scene3d>
-      <a:camera prst="orthographicFront"/>
-      <a:lightRig rig="threePt" dir="t"/>
-    </dgm:scene3d>
-    <dgm:sp3d/>
-    <dgm:txPr/>
-    <dgm:style>
-      <a:lnRef idx="0">
-        <a:scrgbClr r="0" g="0" b="0"/>
-      </a:lnRef>
-      <a:fillRef idx="1">
-        <a:scrgbClr r="0" g="0" b="0"/>
-      </a:fillRef>
-      <a:effectRef idx="0">
-        <a:scrgbClr r="0" g="0" b="0"/>
-      </a:effectRef>
-      <a:fontRef idx="minor"/>
-    </dgm:style>
-  </dgm:styleLbl>
-  <dgm:styleLbl name="dkBgShp">
-    <dgm:scene3d>
-      <a:camera prst="orthographicFront"/>
-      <a:lightRig rig="threePt" dir="t"/>
-    </dgm:scene3d>
-    <dgm:sp3d/>
-    <dgm:txPr/>
-    <dgm:style>
-      <a:lnRef idx="0">
-        <a:scrgbClr r="0" g="0" b="0"/>
-      </a:lnRef>
-      <a:fillRef idx="1">
-        <a:scrgbClr r="0" g="0" b="0"/>
-      </a:fillRef>
-      <a:effectRef idx="0">
-        <a:scrgbClr r="0" g="0" b="0"/>
-      </a:effectRef>
-      <a:fontRef idx="minor"/>
-    </dgm:style>
-  </dgm:styleLbl>
-  <dgm:styleLbl name="trBgShp">
-    <dgm:scene3d>
-      <a:camera prst="orthographicFront"/>
-      <a:lightRig rig="threePt" dir="t"/>
-    </dgm:scene3d>
-    <dgm:sp3d/>
-    <dgm:txPr/>
-    <dgm:style>
-      <a:lnRef idx="0">
-        <a:scrgbClr r="0" g="0" b="0"/>
-      </a:lnRef>
-      <a:fillRef idx="1">
-        <a:scrgbClr r="0" g="0" b="0"/>
-      </a:fillRef>
-      <a:effectRef idx="0">
-        <a:scrgbClr r="0" g="0" b="0"/>
-      </a:effectRef>
-      <a:fontRef idx="minor"/>
-    </dgm:style>
-  </dgm:styleLbl>
-  <dgm:styleLbl name="fgShp">
-    <dgm:scene3d>
-      <a:camera prst="orthographicFront"/>
-      <a:lightRig rig="threePt" dir="t"/>
-    </dgm:scene3d>
-    <dgm:sp3d/>
-    <dgm:txPr/>
-    <dgm:style>
-      <a:lnRef idx="2">
-        <a:scrgbClr r="0" g="0" b="0"/>
-      </a:lnRef>
-      <a:fillRef idx="1">
-        <a:scrgbClr r="0" g="0" b="0"/>
-      </a:fillRef>
-      <a:effectRef idx="0">
-        <a:scrgbClr r="0" g="0" b="0"/>
-      </a:effectRef>
-      <a:fontRef idx="minor"/>
-    </dgm:style>
-  </dgm:styleLbl>
-  <dgm:styleLbl name="revTx">
-    <dgm:scene3d>
-      <a:camera prst="orthographicFront"/>
-      <a:lightRig rig="threePt" dir="t"/>
-    </dgm:scene3d>
-    <dgm:sp3d/>
-    <dgm:txPr/>
-    <dgm:style>
-      <a:lnRef idx="0">
-        <a:scrgbClr r="0" g="0" b="0"/>
-      </a:lnRef>
-      <a:fillRef idx="0">
-        <a:scrgbClr r="0" g="0" b="0"/>
-      </a:fillRef>
-      <a:effectRef idx="0">
-        <a:scrgbClr r="0" g="0" b="0"/>
-      </a:effectRef>
-      <a:fontRef idx="minor"/>
-    </dgm:style>
-  </dgm:styleLbl>
-</dgm:styleDef>
-</file>
-
-<file path=ppt/diagrams/quickStyle2.xml><?xml version="1.0" encoding="utf-8"?>
 <dgm:styleDef xmlns:dgm="http://schemas.openxmlformats.org/drawingml/2006/diagram" xmlns:a="http://schemas.openxmlformats.org/drawingml/2006/main" uniqueId="urn:microsoft.com/office/officeart/2005/8/quickstyle/simple1">
   <dgm:title val=""/>
   <dgm:desc val=""/>
@@ -11002,6 +7639,14 @@
 <file path=ppt/slides/slide3.xml><?xml version="1.0" encoding="utf-8"?>
 <p:sld xmlns:a="http://schemas.openxmlformats.org/drawingml/2006/main" xmlns:r="http://schemas.openxmlformats.org/officeDocument/2006/relationships" xmlns:p="http://schemas.openxmlformats.org/presentationml/2006/main">
   <p:cSld>
+    <p:bg>
+      <p:bgPr>
+        <a:solidFill>
+          <a:schemeClr val="bg1"/>
+        </a:solidFill>
+        <a:effectLst/>
+      </p:bgPr>
+    </p:bg>
     <p:spTree>
       <p:nvGrpSpPr>
         <p:cNvPr id="1" name=""/>
@@ -11016,6 +7661,66 @@
           <a:chExt cx="0" cy="0"/>
         </a:xfrm>
       </p:grpSpPr>
+      <p:sp useBgFill="1">
+        <p:nvSpPr>
+          <p:cNvPr id="8" name="Rectangle 7">
+            <a:extLst>
+              <a:ext uri="{FF2B5EF4-FFF2-40B4-BE49-F238E27FC236}">
+                <a16:creationId xmlns:a16="http://schemas.microsoft.com/office/drawing/2014/main" id="{100EDD19-6802-4EC3-95CE-CFFAB042CFD6}"/>
+              </a:ext>
+              <a:ext uri="{C183D7F6-B498-43B3-948B-1728B52AA6E4}">
+                <adec:decorative xmlns:adec="http://schemas.microsoft.com/office/drawing/2017/decorative" val="1"/>
+              </a:ext>
+            </a:extLst>
+          </p:cNvPr>
+          <p:cNvSpPr>
+            <a:spLocks noGrp="1" noRot="1" noChangeAspect="1" noMove="1" noResize="1" noEditPoints="1" noAdjustHandles="1" noChangeArrowheads="1" noChangeShapeType="1" noTextEdit="1"/>
+          </p:cNvSpPr>
+          <p:nvPr>
+            <p:extLst>
+              <p:ext uri="{386F3935-93C4-4BCD-93E2-E3B085C9AB24}">
+                <p16:designElem xmlns:p16="http://schemas.microsoft.com/office/powerpoint/2015/main" val="1"/>
+              </p:ext>
+            </p:extLst>
+          </p:nvPr>
+        </p:nvSpPr>
+        <p:spPr>
+          <a:xfrm>
+            <a:off x="0" y="0"/>
+            <a:ext cx="12188952" cy="6858000"/>
+          </a:xfrm>
+          <a:prstGeom prst="rect">
+            <a:avLst/>
+          </a:prstGeom>
+          <a:ln>
+            <a:noFill/>
+          </a:ln>
+        </p:spPr>
+        <p:style>
+          <a:lnRef idx="2">
+            <a:schemeClr val="accent1">
+              <a:shade val="50000"/>
+            </a:schemeClr>
+          </a:lnRef>
+          <a:fillRef idx="1">
+            <a:schemeClr val="accent1"/>
+          </a:fillRef>
+          <a:effectRef idx="0">
+            <a:schemeClr val="accent1"/>
+          </a:effectRef>
+          <a:fontRef idx="minor">
+            <a:schemeClr val="lt1"/>
+          </a:fontRef>
+        </p:style>
+        <p:txBody>
+          <a:bodyPr rtlCol="0" anchor="ctr"/>
+          <a:lstStyle/>
+          <a:p>
+            <a:pPr algn="ctr"/>
+            <a:endParaRPr lang="en-US"/>
+          </a:p>
+        </p:txBody>
+      </p:sp>
       <p:sp>
         <p:nvSpPr>
           <p:cNvPr id="2" name="Title 1">
@@ -11032,62 +7737,848 @@
             <p:ph type="title"/>
           </p:nvPr>
         </p:nvSpPr>
-        <p:spPr/>
+        <p:spPr>
+          <a:xfrm>
+            <a:off x="838200" y="365125"/>
+            <a:ext cx="10515600" cy="1325563"/>
+          </a:xfrm>
+        </p:spPr>
         <p:txBody>
-          <a:bodyPr/>
+          <a:bodyPr>
+            <a:normAutofit/>
+          </a:bodyPr>
           <a:lstStyle/>
           <a:p>
             <a:r>
-              <a:rPr lang="en-US" sz="4400" b="0" i="0">
+              <a:rPr lang="en-US" sz="5400" b="0" i="0">
                 <a:effectLst/>
                 <a:latin typeface="Inter"/>
               </a:rPr>
               <a:t> </a:t>
             </a:r>
             <a:r>
-              <a:rPr lang="en-US" sz="4400" b="1" i="0">
+              <a:rPr lang="en-US" sz="5400" b="1" i="0">
                 <a:effectLst/>
                 <a:latin typeface="Inter"/>
               </a:rPr>
               <a:t>0.18%</a:t>
             </a:r>
             <a:r>
-              <a:rPr lang="en-US" sz="4400" b="0" i="0">
+              <a:rPr lang="en-US" sz="5400" b="0" i="0">
                 <a:effectLst/>
                 <a:latin typeface="Inter"/>
               </a:rPr>
               <a:t> explained</a:t>
             </a:r>
-            <a:endParaRPr lang="en-US" dirty="0"/>
+            <a:endParaRPr lang="en-US" sz="5400"/>
           </a:p>
         </p:txBody>
       </p:sp>
-      <p:graphicFrame>
-        <p:nvGraphicFramePr>
-          <p:cNvPr id="7" name="Content Placeholder 2">
+      <p:sp>
+        <p:nvSpPr>
+          <p:cNvPr id="10" name="sketch line">
             <a:extLst>
               <a:ext uri="{FF2B5EF4-FFF2-40B4-BE49-F238E27FC236}">
-                <a16:creationId xmlns:a16="http://schemas.microsoft.com/office/drawing/2014/main" id="{990542BB-E912-A3F0-6984-0BBB7AD4BD33}"/>
+                <a16:creationId xmlns:a16="http://schemas.microsoft.com/office/drawing/2014/main" id="{DB17E863-922E-4C26-BD64-E8FD41D28661}"/>
+              </a:ext>
+              <a:ext uri="{C183D7F6-B498-43B3-948B-1728B52AA6E4}">
+                <adec:decorative xmlns:adec="http://schemas.microsoft.com/office/drawing/2017/decorative" val="1"/>
               </a:ext>
             </a:extLst>
           </p:cNvPr>
-          <p:cNvGraphicFramePr>
-            <a:graphicFrameLocks noGrp="1"/>
-          </p:cNvGraphicFramePr>
+          <p:cNvSpPr>
+            <a:spLocks noGrp="1" noRot="1" noChangeAspect="1" noMove="1" noResize="1" noEditPoints="1" noAdjustHandles="1" noChangeArrowheads="1" noChangeShapeType="1" noTextEdit="1"/>
+          </p:cNvSpPr>
+          <p:nvPr>
+            <p:extLst>
+              <p:ext uri="{386F3935-93C4-4BCD-93E2-E3B085C9AB24}">
+                <p16:designElem xmlns:p16="http://schemas.microsoft.com/office/powerpoint/2015/main" val="1"/>
+              </p:ext>
+            </p:extLst>
+          </p:nvPr>
+        </p:nvSpPr>
+        <p:spPr>
+          <a:xfrm>
+            <a:off x="669036" y="1677373"/>
+            <a:ext cx="10853928" cy="18288"/>
+          </a:xfrm>
+          <a:custGeom>
+            <a:avLst/>
+            <a:gdLst>
+              <a:gd name="connsiteX0" fmla="*/ 0 w 10853928"/>
+              <a:gd name="connsiteY0" fmla="*/ 0 h 18288"/>
+              <a:gd name="connsiteX1" fmla="*/ 461292 w 10853928"/>
+              <a:gd name="connsiteY1" fmla="*/ 0 h 18288"/>
+              <a:gd name="connsiteX2" fmla="*/ 1139662 w 10853928"/>
+              <a:gd name="connsiteY2" fmla="*/ 0 h 18288"/>
+              <a:gd name="connsiteX3" fmla="*/ 1926572 w 10853928"/>
+              <a:gd name="connsiteY3" fmla="*/ 0 h 18288"/>
+              <a:gd name="connsiteX4" fmla="*/ 2279325 w 10853928"/>
+              <a:gd name="connsiteY4" fmla="*/ 0 h 18288"/>
+              <a:gd name="connsiteX5" fmla="*/ 2632078 w 10853928"/>
+              <a:gd name="connsiteY5" fmla="*/ 0 h 18288"/>
+              <a:gd name="connsiteX6" fmla="*/ 3527527 w 10853928"/>
+              <a:gd name="connsiteY6" fmla="*/ 0 h 18288"/>
+              <a:gd name="connsiteX7" fmla="*/ 4205897 w 10853928"/>
+              <a:gd name="connsiteY7" fmla="*/ 0 h 18288"/>
+              <a:gd name="connsiteX8" fmla="*/ 4558650 w 10853928"/>
+              <a:gd name="connsiteY8" fmla="*/ 0 h 18288"/>
+              <a:gd name="connsiteX9" fmla="*/ 5237020 w 10853928"/>
+              <a:gd name="connsiteY9" fmla="*/ 0 h 18288"/>
+              <a:gd name="connsiteX10" fmla="*/ 6132469 w 10853928"/>
+              <a:gd name="connsiteY10" fmla="*/ 0 h 18288"/>
+              <a:gd name="connsiteX11" fmla="*/ 6702301 w 10853928"/>
+              <a:gd name="connsiteY11" fmla="*/ 0 h 18288"/>
+              <a:gd name="connsiteX12" fmla="*/ 7272132 w 10853928"/>
+              <a:gd name="connsiteY12" fmla="*/ 0 h 18288"/>
+              <a:gd name="connsiteX13" fmla="*/ 7950502 w 10853928"/>
+              <a:gd name="connsiteY13" fmla="*/ 0 h 18288"/>
+              <a:gd name="connsiteX14" fmla="*/ 8737412 w 10853928"/>
+              <a:gd name="connsiteY14" fmla="*/ 0 h 18288"/>
+              <a:gd name="connsiteX15" fmla="*/ 9524322 w 10853928"/>
+              <a:gd name="connsiteY15" fmla="*/ 0 h 18288"/>
+              <a:gd name="connsiteX16" fmla="*/ 10853928 w 10853928"/>
+              <a:gd name="connsiteY16" fmla="*/ 0 h 18288"/>
+              <a:gd name="connsiteX17" fmla="*/ 10853928 w 10853928"/>
+              <a:gd name="connsiteY17" fmla="*/ 18288 h 18288"/>
+              <a:gd name="connsiteX18" fmla="*/ 10392636 w 10853928"/>
+              <a:gd name="connsiteY18" fmla="*/ 18288 h 18288"/>
+              <a:gd name="connsiteX19" fmla="*/ 9497187 w 10853928"/>
+              <a:gd name="connsiteY19" fmla="*/ 18288 h 18288"/>
+              <a:gd name="connsiteX20" fmla="*/ 8818817 w 10853928"/>
+              <a:gd name="connsiteY20" fmla="*/ 18288 h 18288"/>
+              <a:gd name="connsiteX21" fmla="*/ 8466064 w 10853928"/>
+              <a:gd name="connsiteY21" fmla="*/ 18288 h 18288"/>
+              <a:gd name="connsiteX22" fmla="*/ 7787693 w 10853928"/>
+              <a:gd name="connsiteY22" fmla="*/ 18288 h 18288"/>
+              <a:gd name="connsiteX23" fmla="*/ 7217862 w 10853928"/>
+              <a:gd name="connsiteY23" fmla="*/ 18288 h 18288"/>
+              <a:gd name="connsiteX24" fmla="*/ 6648031 w 10853928"/>
+              <a:gd name="connsiteY24" fmla="*/ 18288 h 18288"/>
+              <a:gd name="connsiteX25" fmla="*/ 6078200 w 10853928"/>
+              <a:gd name="connsiteY25" fmla="*/ 18288 h 18288"/>
+              <a:gd name="connsiteX26" fmla="*/ 5508368 w 10853928"/>
+              <a:gd name="connsiteY26" fmla="*/ 18288 h 18288"/>
+              <a:gd name="connsiteX27" fmla="*/ 4721459 w 10853928"/>
+              <a:gd name="connsiteY27" fmla="*/ 18288 h 18288"/>
+              <a:gd name="connsiteX28" fmla="*/ 4043088 w 10853928"/>
+              <a:gd name="connsiteY28" fmla="*/ 18288 h 18288"/>
+              <a:gd name="connsiteX29" fmla="*/ 3690336 w 10853928"/>
+              <a:gd name="connsiteY29" fmla="*/ 18288 h 18288"/>
+              <a:gd name="connsiteX30" fmla="*/ 3120504 w 10853928"/>
+              <a:gd name="connsiteY30" fmla="*/ 18288 h 18288"/>
+              <a:gd name="connsiteX31" fmla="*/ 2333595 w 10853928"/>
+              <a:gd name="connsiteY31" fmla="*/ 18288 h 18288"/>
+              <a:gd name="connsiteX32" fmla="*/ 1872303 w 10853928"/>
+              <a:gd name="connsiteY32" fmla="*/ 18288 h 18288"/>
+              <a:gd name="connsiteX33" fmla="*/ 976854 w 10853928"/>
+              <a:gd name="connsiteY33" fmla="*/ 18288 h 18288"/>
+              <a:gd name="connsiteX34" fmla="*/ 0 w 10853928"/>
+              <a:gd name="connsiteY34" fmla="*/ 18288 h 18288"/>
+              <a:gd name="connsiteX35" fmla="*/ 0 w 10853928"/>
+              <a:gd name="connsiteY35" fmla="*/ 0 h 18288"/>
+            </a:gdLst>
+            <a:ahLst/>
+            <a:cxnLst>
+              <a:cxn ang="0">
+                <a:pos x="connsiteX0" y="connsiteY0"/>
+              </a:cxn>
+              <a:cxn ang="0">
+                <a:pos x="connsiteX1" y="connsiteY1"/>
+              </a:cxn>
+              <a:cxn ang="0">
+                <a:pos x="connsiteX2" y="connsiteY2"/>
+              </a:cxn>
+              <a:cxn ang="0">
+                <a:pos x="connsiteX3" y="connsiteY3"/>
+              </a:cxn>
+              <a:cxn ang="0">
+                <a:pos x="connsiteX4" y="connsiteY4"/>
+              </a:cxn>
+              <a:cxn ang="0">
+                <a:pos x="connsiteX5" y="connsiteY5"/>
+              </a:cxn>
+              <a:cxn ang="0">
+                <a:pos x="connsiteX6" y="connsiteY6"/>
+              </a:cxn>
+              <a:cxn ang="0">
+                <a:pos x="connsiteX7" y="connsiteY7"/>
+              </a:cxn>
+              <a:cxn ang="0">
+                <a:pos x="connsiteX8" y="connsiteY8"/>
+              </a:cxn>
+              <a:cxn ang="0">
+                <a:pos x="connsiteX9" y="connsiteY9"/>
+              </a:cxn>
+              <a:cxn ang="0">
+                <a:pos x="connsiteX10" y="connsiteY10"/>
+              </a:cxn>
+              <a:cxn ang="0">
+                <a:pos x="connsiteX11" y="connsiteY11"/>
+              </a:cxn>
+              <a:cxn ang="0">
+                <a:pos x="connsiteX12" y="connsiteY12"/>
+              </a:cxn>
+              <a:cxn ang="0">
+                <a:pos x="connsiteX13" y="connsiteY13"/>
+              </a:cxn>
+              <a:cxn ang="0">
+                <a:pos x="connsiteX14" y="connsiteY14"/>
+              </a:cxn>
+              <a:cxn ang="0">
+                <a:pos x="connsiteX15" y="connsiteY15"/>
+              </a:cxn>
+              <a:cxn ang="0">
+                <a:pos x="connsiteX16" y="connsiteY16"/>
+              </a:cxn>
+              <a:cxn ang="0">
+                <a:pos x="connsiteX17" y="connsiteY17"/>
+              </a:cxn>
+              <a:cxn ang="0">
+                <a:pos x="connsiteX18" y="connsiteY18"/>
+              </a:cxn>
+              <a:cxn ang="0">
+                <a:pos x="connsiteX19" y="connsiteY19"/>
+              </a:cxn>
+              <a:cxn ang="0">
+                <a:pos x="connsiteX20" y="connsiteY20"/>
+              </a:cxn>
+              <a:cxn ang="0">
+                <a:pos x="connsiteX21" y="connsiteY21"/>
+              </a:cxn>
+              <a:cxn ang="0">
+                <a:pos x="connsiteX22" y="connsiteY22"/>
+              </a:cxn>
+              <a:cxn ang="0">
+                <a:pos x="connsiteX23" y="connsiteY23"/>
+              </a:cxn>
+              <a:cxn ang="0">
+                <a:pos x="connsiteX24" y="connsiteY24"/>
+              </a:cxn>
+              <a:cxn ang="0">
+                <a:pos x="connsiteX25" y="connsiteY25"/>
+              </a:cxn>
+              <a:cxn ang="0">
+                <a:pos x="connsiteX26" y="connsiteY26"/>
+              </a:cxn>
+              <a:cxn ang="0">
+                <a:pos x="connsiteX27" y="connsiteY27"/>
+              </a:cxn>
+              <a:cxn ang="0">
+                <a:pos x="connsiteX28" y="connsiteY28"/>
+              </a:cxn>
+              <a:cxn ang="0">
+                <a:pos x="connsiteX29" y="connsiteY29"/>
+              </a:cxn>
+              <a:cxn ang="0">
+                <a:pos x="connsiteX30" y="connsiteY30"/>
+              </a:cxn>
+              <a:cxn ang="0">
+                <a:pos x="connsiteX31" y="connsiteY31"/>
+              </a:cxn>
+              <a:cxn ang="0">
+                <a:pos x="connsiteX32" y="connsiteY32"/>
+              </a:cxn>
+              <a:cxn ang="0">
+                <a:pos x="connsiteX33" y="connsiteY33"/>
+              </a:cxn>
+              <a:cxn ang="0">
+                <a:pos x="connsiteX34" y="connsiteY34"/>
+              </a:cxn>
+              <a:cxn ang="0">
+                <a:pos x="connsiteX35" y="connsiteY35"/>
+              </a:cxn>
+            </a:cxnLst>
+            <a:rect l="l" t="t" r="r" b="b"/>
+            <a:pathLst>
+              <a:path w="10853928" h="18288" fill="none" extrusionOk="0">
+                <a:moveTo>
+                  <a:pt x="0" y="0"/>
+                </a:moveTo>
+                <a:cubicBezTo>
+                  <a:pt x="146993" y="-19076"/>
+                  <a:pt x="347684" y="-4790"/>
+                  <a:pt x="461292" y="0"/>
+                </a:cubicBezTo>
+                <a:cubicBezTo>
+                  <a:pt x="574900" y="4790"/>
+                  <a:pt x="808367" y="19821"/>
+                  <a:pt x="1139662" y="0"/>
+                </a:cubicBezTo>
+                <a:cubicBezTo>
+                  <a:pt x="1470957" y="-19821"/>
+                  <a:pt x="1627405" y="5721"/>
+                  <a:pt x="1926572" y="0"/>
+                </a:cubicBezTo>
+                <a:cubicBezTo>
+                  <a:pt x="2225739" y="-5721"/>
+                  <a:pt x="2137730" y="-3235"/>
+                  <a:pt x="2279325" y="0"/>
+                </a:cubicBezTo>
+                <a:cubicBezTo>
+                  <a:pt x="2420920" y="3235"/>
+                  <a:pt x="2456518" y="9685"/>
+                  <a:pt x="2632078" y="0"/>
+                </a:cubicBezTo>
+                <a:cubicBezTo>
+                  <a:pt x="2807638" y="-9685"/>
+                  <a:pt x="3211516" y="-43007"/>
+                  <a:pt x="3527527" y="0"/>
+                </a:cubicBezTo>
+                <a:cubicBezTo>
+                  <a:pt x="3843538" y="43007"/>
+                  <a:pt x="4058833" y="22042"/>
+                  <a:pt x="4205897" y="0"/>
+                </a:cubicBezTo>
+                <a:cubicBezTo>
+                  <a:pt x="4352961" y="-22042"/>
+                  <a:pt x="4474805" y="-11846"/>
+                  <a:pt x="4558650" y="0"/>
+                </a:cubicBezTo>
+                <a:cubicBezTo>
+                  <a:pt x="4642495" y="11846"/>
+                  <a:pt x="5041928" y="-6069"/>
+                  <a:pt x="5237020" y="0"/>
+                </a:cubicBezTo>
+                <a:cubicBezTo>
+                  <a:pt x="5432112" y="6069"/>
+                  <a:pt x="5943266" y="-17479"/>
+                  <a:pt x="6132469" y="0"/>
+                </a:cubicBezTo>
+                <a:cubicBezTo>
+                  <a:pt x="6321672" y="17479"/>
+                  <a:pt x="6483872" y="26234"/>
+                  <a:pt x="6702301" y="0"/>
+                </a:cubicBezTo>
+                <a:cubicBezTo>
+                  <a:pt x="6920730" y="-26234"/>
+                  <a:pt x="6991194" y="-15156"/>
+                  <a:pt x="7272132" y="0"/>
+                </a:cubicBezTo>
+                <a:cubicBezTo>
+                  <a:pt x="7553070" y="15156"/>
+                  <a:pt x="7684444" y="-32961"/>
+                  <a:pt x="7950502" y="0"/>
+                </a:cubicBezTo>
+                <a:cubicBezTo>
+                  <a:pt x="8216560" y="32961"/>
+                  <a:pt x="8493290" y="-10491"/>
+                  <a:pt x="8737412" y="0"/>
+                </a:cubicBezTo>
+                <a:cubicBezTo>
+                  <a:pt x="8981534" y="10491"/>
+                  <a:pt x="9191586" y="-13899"/>
+                  <a:pt x="9524322" y="0"/>
+                </a:cubicBezTo>
+                <a:cubicBezTo>
+                  <a:pt x="9857058" y="13899"/>
+                  <a:pt x="10297509" y="7485"/>
+                  <a:pt x="10853928" y="0"/>
+                </a:cubicBezTo>
+                <a:cubicBezTo>
+                  <a:pt x="10854574" y="4451"/>
+                  <a:pt x="10854418" y="9226"/>
+                  <a:pt x="10853928" y="18288"/>
+                </a:cubicBezTo>
+                <a:cubicBezTo>
+                  <a:pt x="10691638" y="28522"/>
+                  <a:pt x="10574319" y="29578"/>
+                  <a:pt x="10392636" y="18288"/>
+                </a:cubicBezTo>
+                <a:cubicBezTo>
+                  <a:pt x="10210953" y="6998"/>
+                  <a:pt x="9836277" y="-16742"/>
+                  <a:pt x="9497187" y="18288"/>
+                </a:cubicBezTo>
+                <a:cubicBezTo>
+                  <a:pt x="9158097" y="53318"/>
+                  <a:pt x="9119479" y="30714"/>
+                  <a:pt x="8818817" y="18288"/>
+                </a:cubicBezTo>
+                <a:cubicBezTo>
+                  <a:pt x="8518155" y="5863"/>
+                  <a:pt x="8640037" y="6483"/>
+                  <a:pt x="8466064" y="18288"/>
+                </a:cubicBezTo>
+                <a:cubicBezTo>
+                  <a:pt x="8292091" y="30093"/>
+                  <a:pt x="7997656" y="18914"/>
+                  <a:pt x="7787693" y="18288"/>
+                </a:cubicBezTo>
+                <a:cubicBezTo>
+                  <a:pt x="7577730" y="17662"/>
+                  <a:pt x="7412468" y="21416"/>
+                  <a:pt x="7217862" y="18288"/>
+                </a:cubicBezTo>
+                <a:cubicBezTo>
+                  <a:pt x="7023256" y="15160"/>
+                  <a:pt x="6898018" y="14824"/>
+                  <a:pt x="6648031" y="18288"/>
+                </a:cubicBezTo>
+                <a:cubicBezTo>
+                  <a:pt x="6398044" y="21752"/>
+                  <a:pt x="6254402" y="38625"/>
+                  <a:pt x="6078200" y="18288"/>
+                </a:cubicBezTo>
+                <a:cubicBezTo>
+                  <a:pt x="5901998" y="-2049"/>
+                  <a:pt x="5622886" y="3213"/>
+                  <a:pt x="5508368" y="18288"/>
+                </a:cubicBezTo>
+                <a:cubicBezTo>
+                  <a:pt x="5393850" y="33363"/>
+                  <a:pt x="5036260" y="26830"/>
+                  <a:pt x="4721459" y="18288"/>
+                </a:cubicBezTo>
+                <a:cubicBezTo>
+                  <a:pt x="4406658" y="9746"/>
+                  <a:pt x="4239221" y="41551"/>
+                  <a:pt x="4043088" y="18288"/>
+                </a:cubicBezTo>
+                <a:cubicBezTo>
+                  <a:pt x="3846955" y="-4975"/>
+                  <a:pt x="3818802" y="34658"/>
+                  <a:pt x="3690336" y="18288"/>
+                </a:cubicBezTo>
+                <a:cubicBezTo>
+                  <a:pt x="3561870" y="1918"/>
+                  <a:pt x="3265491" y="42194"/>
+                  <a:pt x="3120504" y="18288"/>
+                </a:cubicBezTo>
+                <a:cubicBezTo>
+                  <a:pt x="2975517" y="-5618"/>
+                  <a:pt x="2720254" y="36673"/>
+                  <a:pt x="2333595" y="18288"/>
+                </a:cubicBezTo>
+                <a:cubicBezTo>
+                  <a:pt x="1946936" y="-97"/>
+                  <a:pt x="2097241" y="5776"/>
+                  <a:pt x="1872303" y="18288"/>
+                </a:cubicBezTo>
+                <a:cubicBezTo>
+                  <a:pt x="1647365" y="30800"/>
+                  <a:pt x="1282708" y="45380"/>
+                  <a:pt x="976854" y="18288"/>
+                </a:cubicBezTo>
+                <a:cubicBezTo>
+                  <a:pt x="671000" y="-8804"/>
+                  <a:pt x="408401" y="-12775"/>
+                  <a:pt x="0" y="18288"/>
+                </a:cubicBezTo>
+                <a:cubicBezTo>
+                  <a:pt x="-213" y="9468"/>
+                  <a:pt x="187" y="4459"/>
+                  <a:pt x="0" y="0"/>
+                </a:cubicBezTo>
+                <a:close/>
+              </a:path>
+              <a:path w="10853928" h="18288" stroke="0" extrusionOk="0">
+                <a:moveTo>
+                  <a:pt x="0" y="0"/>
+                </a:moveTo>
+                <a:cubicBezTo>
+                  <a:pt x="267322" y="15284"/>
+                  <a:pt x="415388" y="-21048"/>
+                  <a:pt x="569831" y="0"/>
+                </a:cubicBezTo>
+                <a:cubicBezTo>
+                  <a:pt x="724274" y="21048"/>
+                  <a:pt x="769333" y="-2353"/>
+                  <a:pt x="922584" y="0"/>
+                </a:cubicBezTo>
+                <a:cubicBezTo>
+                  <a:pt x="1075835" y="2353"/>
+                  <a:pt x="1399490" y="-145"/>
+                  <a:pt x="1818033" y="0"/>
+                </a:cubicBezTo>
+                <a:cubicBezTo>
+                  <a:pt x="2236576" y="145"/>
+                  <a:pt x="2145330" y="5482"/>
+                  <a:pt x="2387864" y="0"/>
+                </a:cubicBezTo>
+                <a:cubicBezTo>
+                  <a:pt x="2630398" y="-5482"/>
+                  <a:pt x="2793207" y="18487"/>
+                  <a:pt x="2957695" y="0"/>
+                </a:cubicBezTo>
+                <a:cubicBezTo>
+                  <a:pt x="3122183" y="-18487"/>
+                  <a:pt x="3579141" y="19003"/>
+                  <a:pt x="3853144" y="0"/>
+                </a:cubicBezTo>
+                <a:cubicBezTo>
+                  <a:pt x="4127147" y="-19003"/>
+                  <a:pt x="4209857" y="12211"/>
+                  <a:pt x="4314436" y="0"/>
+                </a:cubicBezTo>
+                <a:cubicBezTo>
+                  <a:pt x="4419015" y="-12211"/>
+                  <a:pt x="4762459" y="-17220"/>
+                  <a:pt x="5209885" y="0"/>
+                </a:cubicBezTo>
+                <a:cubicBezTo>
+                  <a:pt x="5657311" y="17220"/>
+                  <a:pt x="5692663" y="-3290"/>
+                  <a:pt x="6105335" y="0"/>
+                </a:cubicBezTo>
+                <a:cubicBezTo>
+                  <a:pt x="6518007" y="3290"/>
+                  <a:pt x="6455516" y="-5124"/>
+                  <a:pt x="6783705" y="0"/>
+                </a:cubicBezTo>
+                <a:cubicBezTo>
+                  <a:pt x="7111894" y="5124"/>
+                  <a:pt x="7441941" y="-17829"/>
+                  <a:pt x="7679154" y="0"/>
+                </a:cubicBezTo>
+                <a:cubicBezTo>
+                  <a:pt x="7916367" y="17829"/>
+                  <a:pt x="8102967" y="-24363"/>
+                  <a:pt x="8248985" y="0"/>
+                </a:cubicBezTo>
+                <a:cubicBezTo>
+                  <a:pt x="8395003" y="24363"/>
+                  <a:pt x="8552393" y="25505"/>
+                  <a:pt x="8818817" y="0"/>
+                </a:cubicBezTo>
+                <a:cubicBezTo>
+                  <a:pt x="9085241" y="-25505"/>
+                  <a:pt x="9411308" y="38000"/>
+                  <a:pt x="9605726" y="0"/>
+                </a:cubicBezTo>
+                <a:cubicBezTo>
+                  <a:pt x="9800144" y="-38000"/>
+                  <a:pt x="10006468" y="-25741"/>
+                  <a:pt x="10175558" y="0"/>
+                </a:cubicBezTo>
+                <a:cubicBezTo>
+                  <a:pt x="10344648" y="25741"/>
+                  <a:pt x="10696282" y="695"/>
+                  <a:pt x="10853928" y="0"/>
+                </a:cubicBezTo>
+                <a:cubicBezTo>
+                  <a:pt x="10853521" y="8690"/>
+                  <a:pt x="10853774" y="14141"/>
+                  <a:pt x="10853928" y="18288"/>
+                </a:cubicBezTo>
+                <a:cubicBezTo>
+                  <a:pt x="10608124" y="24255"/>
+                  <a:pt x="10343415" y="22307"/>
+                  <a:pt x="10067018" y="18288"/>
+                </a:cubicBezTo>
+                <a:cubicBezTo>
+                  <a:pt x="9790621" y="14270"/>
+                  <a:pt x="9843266" y="3564"/>
+                  <a:pt x="9714266" y="18288"/>
+                </a:cubicBezTo>
+                <a:cubicBezTo>
+                  <a:pt x="9585266" y="33012"/>
+                  <a:pt x="9379484" y="1875"/>
+                  <a:pt x="9252974" y="18288"/>
+                </a:cubicBezTo>
+                <a:cubicBezTo>
+                  <a:pt x="9126464" y="34701"/>
+                  <a:pt x="8580678" y="-4904"/>
+                  <a:pt x="8357525" y="18288"/>
+                </a:cubicBezTo>
+                <a:cubicBezTo>
+                  <a:pt x="8134372" y="41480"/>
+                  <a:pt x="7903199" y="26458"/>
+                  <a:pt x="7679154" y="18288"/>
+                </a:cubicBezTo>
+                <a:cubicBezTo>
+                  <a:pt x="7455109" y="10118"/>
+                  <a:pt x="7435944" y="27109"/>
+                  <a:pt x="7217862" y="18288"/>
+                </a:cubicBezTo>
+                <a:cubicBezTo>
+                  <a:pt x="6999780" y="9467"/>
+                  <a:pt x="6680409" y="18985"/>
+                  <a:pt x="6539492" y="18288"/>
+                </a:cubicBezTo>
+                <a:cubicBezTo>
+                  <a:pt x="6398575" y="17592"/>
+                  <a:pt x="6312077" y="33018"/>
+                  <a:pt x="6186739" y="18288"/>
+                </a:cubicBezTo>
+                <a:cubicBezTo>
+                  <a:pt x="6061401" y="3558"/>
+                  <a:pt x="5947033" y="12075"/>
+                  <a:pt x="5833986" y="18288"/>
+                </a:cubicBezTo>
+                <a:cubicBezTo>
+                  <a:pt x="5720939" y="24501"/>
+                  <a:pt x="5482226" y="8586"/>
+                  <a:pt x="5155616" y="18288"/>
+                </a:cubicBezTo>
+                <a:cubicBezTo>
+                  <a:pt x="4829006" y="27991"/>
+                  <a:pt x="4841274" y="29316"/>
+                  <a:pt x="4694324" y="18288"/>
+                </a:cubicBezTo>
+                <a:cubicBezTo>
+                  <a:pt x="4547374" y="7260"/>
+                  <a:pt x="4077675" y="7013"/>
+                  <a:pt x="3907414" y="18288"/>
+                </a:cubicBezTo>
+                <a:cubicBezTo>
+                  <a:pt x="3737153" y="29564"/>
+                  <a:pt x="3538393" y="21630"/>
+                  <a:pt x="3446122" y="18288"/>
+                </a:cubicBezTo>
+                <a:cubicBezTo>
+                  <a:pt x="3353851" y="14946"/>
+                  <a:pt x="2990320" y="-8091"/>
+                  <a:pt x="2659212" y="18288"/>
+                </a:cubicBezTo>
+                <a:cubicBezTo>
+                  <a:pt x="2328104" y="44667"/>
+                  <a:pt x="2427653" y="9607"/>
+                  <a:pt x="2306460" y="18288"/>
+                </a:cubicBezTo>
+                <a:cubicBezTo>
+                  <a:pt x="2185267" y="26969"/>
+                  <a:pt x="1719763" y="3717"/>
+                  <a:pt x="1519550" y="18288"/>
+                </a:cubicBezTo>
+                <a:cubicBezTo>
+                  <a:pt x="1319337" y="32860"/>
+                  <a:pt x="1167371" y="17040"/>
+                  <a:pt x="1058258" y="18288"/>
+                </a:cubicBezTo>
+                <a:cubicBezTo>
+                  <a:pt x="949145" y="19536"/>
+                  <a:pt x="780234" y="31447"/>
+                  <a:pt x="705505" y="18288"/>
+                </a:cubicBezTo>
+                <a:cubicBezTo>
+                  <a:pt x="630776" y="5129"/>
+                  <a:pt x="215796" y="30056"/>
+                  <a:pt x="0" y="18288"/>
+                </a:cubicBezTo>
+                <a:cubicBezTo>
+                  <a:pt x="-53" y="11301"/>
+                  <a:pt x="-649" y="7756"/>
+                  <a:pt x="0" y="0"/>
+                </a:cubicBezTo>
+                <a:close/>
+              </a:path>
+            </a:pathLst>
+          </a:custGeom>
+          <a:solidFill>
+            <a:schemeClr val="accent2"/>
+          </a:solidFill>
+          <a:ln w="41275" cap="rnd">
+            <a:solidFill>
+              <a:schemeClr val="accent2"/>
+            </a:solidFill>
+            <a:round/>
+            <a:extLst>
+              <a:ext uri="{C807C97D-BFC1-408E-A445-0C87EB9F89A2}">
+                <ask:lineSketchStyleProps xmlns:ask="http://schemas.microsoft.com/office/drawing/2018/sketchyshapes" sd="1219033472">
+                  <a:prstGeom prst="rect">
+                    <a:avLst/>
+                  </a:prstGeom>
+                  <ask:type>
+                    <ask:lineSketchFreehand/>
+                  </ask:type>
+                </ask:lineSketchStyleProps>
+              </a:ext>
+            </a:extLst>
+          </a:ln>
+        </p:spPr>
+        <p:style>
+          <a:lnRef idx="2">
+            <a:schemeClr val="accent1">
+              <a:shade val="50000"/>
+            </a:schemeClr>
+          </a:lnRef>
+          <a:fillRef idx="1">
+            <a:schemeClr val="accent1"/>
+          </a:fillRef>
+          <a:effectRef idx="0">
+            <a:schemeClr val="accent1"/>
+          </a:effectRef>
+          <a:fontRef idx="minor">
+            <a:schemeClr val="lt1"/>
+          </a:fontRef>
+        </p:style>
+        <p:txBody>
+          <a:bodyPr rtlCol="0" anchor="ctr"/>
+          <a:lstStyle/>
+          <a:p>
+            <a:pPr algn="ctr"/>
+            <a:endParaRPr lang="en-US"/>
+          </a:p>
+        </p:txBody>
+      </p:sp>
+      <p:sp>
+        <p:nvSpPr>
+          <p:cNvPr id="3" name="Content Placeholder 2">
+            <a:extLst>
+              <a:ext uri="{FF2B5EF4-FFF2-40B4-BE49-F238E27FC236}">
+                <a16:creationId xmlns:a16="http://schemas.microsoft.com/office/drawing/2014/main" id="{4BCA3680-6263-8DE9-7286-EDA07769AC52}"/>
+              </a:ext>
+            </a:extLst>
+          </p:cNvPr>
+          <p:cNvSpPr>
+            <a:spLocks noGrp="1"/>
+          </p:cNvSpPr>
           <p:nvPr>
             <p:ph idx="1"/>
           </p:nvPr>
-        </p:nvGraphicFramePr>
-        <p:xfrm>
-          <a:off x="838200" y="1825625"/>
-          <a:ext cx="10515600" cy="4351338"/>
-        </p:xfrm>
-        <a:graphic>
-          <a:graphicData uri="http://schemas.openxmlformats.org/drawingml/2006/diagram">
-            <dgm:relIds xmlns:dgm="http://schemas.openxmlformats.org/drawingml/2006/diagram" xmlns:r="http://schemas.openxmlformats.org/officeDocument/2006/relationships" r:dm="rId2" r:lo="rId3" r:qs="rId4" r:cs="rId5"/>
-          </a:graphicData>
-        </a:graphic>
-      </p:graphicFrame>
+        </p:nvSpPr>
+        <p:spPr>
+          <a:xfrm>
+            <a:off x="838200" y="1929384"/>
+            <a:ext cx="10515600" cy="4251960"/>
+          </a:xfrm>
+        </p:spPr>
+        <p:txBody>
+          <a:bodyPr>
+            <a:normAutofit fontScale="85000" lnSpcReduction="10000"/>
+          </a:bodyPr>
+          <a:lstStyle/>
+          <a:p>
+            <a:pPr lvl="0">
+              <a:lnSpc>
+                <a:spcPct val="100000"/>
+              </a:lnSpc>
+              <a:buFont typeface="Wingdings" panose="05000000000000000000" pitchFamily="2" charset="2"/>
+              <a:buChar char="q"/>
+            </a:pPr>
+            <a:r>
+              <a:rPr lang="en-US" sz="2200" dirty="0"/>
+              <a:t>Let's take next numbers.</a:t>
+            </a:r>
+          </a:p>
+          <a:p>
+            <a:pPr marL="0" lvl="0" indent="0">
+              <a:lnSpc>
+                <a:spcPct val="100000"/>
+              </a:lnSpc>
+              <a:buNone/>
+            </a:pPr>
+            <a:endParaRPr lang="en-US" sz="2200" dirty="0"/>
+          </a:p>
+          <a:p>
+            <a:pPr lvl="0">
+              <a:lnSpc>
+                <a:spcPct val="100000"/>
+              </a:lnSpc>
+              <a:buFont typeface="Wingdings" panose="05000000000000000000" pitchFamily="2" charset="2"/>
+              <a:buChar char="q"/>
+            </a:pPr>
+            <a:r>
+              <a:rPr lang="en-US" sz="2200" dirty="0"/>
+              <a:t>There are 20 millions of peoples working in IT world wide, while world population is 6 billions of people</a:t>
+            </a:r>
+          </a:p>
+          <a:p>
+            <a:pPr lvl="0">
+              <a:lnSpc>
+                <a:spcPct val="100000"/>
+              </a:lnSpc>
+              <a:buFont typeface="Wingdings" panose="05000000000000000000" pitchFamily="2" charset="2"/>
+              <a:buChar char="q"/>
+            </a:pPr>
+            <a:r>
+              <a:rPr lang="en-US" sz="2200" dirty="0"/>
+              <a:t>I've taken 3rd place in student competition, and considered that it is in national wide competition, and this competition made every years, so with average life expectancy 80 years, so there are 80 * 3 living nominee of all years in my country</a:t>
+            </a:r>
+          </a:p>
+          <a:p>
+            <a:pPr lvl="0">
+              <a:lnSpc>
+                <a:spcPct val="100000"/>
+              </a:lnSpc>
+              <a:buFont typeface="Wingdings" panose="05000000000000000000" pitchFamily="2" charset="2"/>
+              <a:buChar char="q"/>
+            </a:pPr>
+            <a:r>
+              <a:rPr lang="en-US" sz="2200" dirty="0"/>
+              <a:t>Ukraine population is about 40 million people for that moment</a:t>
+            </a:r>
+          </a:p>
+          <a:p>
+            <a:pPr lvl="0">
+              <a:lnSpc>
+                <a:spcPct val="100000"/>
+              </a:lnSpc>
+              <a:buFont typeface="Wingdings" panose="05000000000000000000" pitchFamily="2" charset="2"/>
+              <a:buChar char="q"/>
+            </a:pPr>
+            <a:endParaRPr lang="en-US" sz="2200" dirty="0"/>
+          </a:p>
+          <a:p>
+            <a:pPr lvl="0">
+              <a:lnSpc>
+                <a:spcPct val="100000"/>
+              </a:lnSpc>
+              <a:buFont typeface="Wingdings" panose="05000000000000000000" pitchFamily="2" charset="2"/>
+              <a:buChar char="q"/>
+            </a:pPr>
+            <a:r>
+              <a:rPr lang="en-US" sz="2200" dirty="0"/>
+              <a:t>80*3 / (40 million * ( 20 million of IT world wide / 6 billion global population)) = </a:t>
+            </a:r>
+            <a:r>
+              <a:rPr lang="en-US" sz="2200" b="1" dirty="0"/>
+              <a:t>0.18%</a:t>
+            </a:r>
+          </a:p>
+          <a:p>
+            <a:pPr lvl="0">
+              <a:lnSpc>
+                <a:spcPct val="100000"/>
+              </a:lnSpc>
+              <a:buFont typeface="Wingdings" panose="05000000000000000000" pitchFamily="2" charset="2"/>
+              <a:buChar char="q"/>
+            </a:pPr>
+            <a:endParaRPr lang="en-US" sz="2200" dirty="0"/>
+          </a:p>
+          <a:p>
+            <a:pPr lvl="0">
+              <a:lnSpc>
+                <a:spcPct val="100000"/>
+              </a:lnSpc>
+              <a:buFont typeface="Wingdings" panose="05000000000000000000" pitchFamily="2" charset="2"/>
+              <a:buChar char="q"/>
+            </a:pPr>
+            <a:r>
+              <a:rPr lang="en-US" sz="2200" dirty="0"/>
+              <a:t>In essence, within a company of </a:t>
+            </a:r>
+            <a:r>
+              <a:rPr lang="en-US" sz="2200" b="1" dirty="0"/>
+              <a:t>50,000 employees</a:t>
+            </a:r>
+            <a:r>
+              <a:rPr lang="en-US" sz="2200" dirty="0"/>
+              <a:t>, only </a:t>
+            </a:r>
+            <a:r>
+              <a:rPr lang="en-US" sz="2200" b="1" dirty="0"/>
+              <a:t>90 individuals</a:t>
+            </a:r>
+            <a:r>
+              <a:rPr lang="en-US" sz="2200" dirty="0"/>
+              <a:t> showcase comparable or </a:t>
+            </a:r>
+            <a:r>
+              <a:rPr lang="en-US" sz="2200" b="1" dirty="0"/>
+              <a:t>superior talents</a:t>
+            </a:r>
+            <a:r>
+              <a:rPr lang="en-US" sz="2200" dirty="0"/>
+              <a:t>. (50 000 * 0.18%/100% = 90</a:t>
+            </a:r>
+          </a:p>
+          <a:p>
+            <a:endParaRPr lang="en-US" sz="2200" dirty="0"/>
+          </a:p>
+        </p:txBody>
+      </p:sp>
     </p:spTree>
     <p:extLst>
       <p:ext uri="{BB962C8B-B14F-4D97-AF65-F5344CB8AC3E}">
